--- a/final-ppt.pptx
+++ b/final-ppt.pptx
@@ -10,6 +10,10 @@
     <p:sldId id="258" r:id="rId4"/>
     <p:sldId id="259" r:id="rId5"/>
     <p:sldId id="260" r:id="rId6"/>
+    <p:sldId id="261" r:id="rId7"/>
+    <p:sldId id="262" r:id="rId8"/>
+    <p:sldId id="263" r:id="rId9"/>
+    <p:sldId id="264" r:id="rId10"/>
   </p:sldIdLst>
   <p:sldSz cx="12192000" cy="6858000"/>
   <p:notesSz cx="6858000" cy="9144000"/>
@@ -7799,7 +7803,10 @@
           <a:bodyPr/>
           <a:lstStyle/>
           <a:p>
-            <a:endParaRPr lang="en-US"/>
+            <a:r>
+              <a:rPr lang="en-US" dirty="0"/>
+              <a:t>example</a:t>
+            </a:r>
           </a:p>
         </p:txBody>
       </p:sp>
@@ -8130,6 +8137,2596 @@
 </p:sld>
 </file>
 
+<file path=ppt/slides/slide6.xml><?xml version="1.0" encoding="utf-8"?>
+<p:sld xmlns:a="http://schemas.openxmlformats.org/drawingml/2006/main" xmlns:r="http://schemas.openxmlformats.org/officeDocument/2006/relationships" xmlns:p="http://schemas.openxmlformats.org/presentationml/2006/main">
+  <p:cSld>
+    <p:spTree>
+      <p:nvGrpSpPr>
+        <p:cNvPr id="1" name=""/>
+        <p:cNvGrpSpPr/>
+        <p:nvPr/>
+      </p:nvGrpSpPr>
+      <p:grpSpPr>
+        <a:xfrm>
+          <a:off x="0" y="0"/>
+          <a:ext cx="0" cy="0"/>
+          <a:chOff x="0" y="0"/>
+          <a:chExt cx="0" cy="0"/>
+        </a:xfrm>
+      </p:grpSpPr>
+      <p:sp>
+        <p:nvSpPr>
+          <p:cNvPr id="2" name="Title 1">
+            <a:extLst>
+              <a:ext uri="{FF2B5EF4-FFF2-40B4-BE49-F238E27FC236}">
+                <a16:creationId xmlns:a16="http://schemas.microsoft.com/office/drawing/2014/main" id="{2013F27C-3E12-D146-840D-6CE51F2E9F77}"/>
+              </a:ext>
+            </a:extLst>
+          </p:cNvPr>
+          <p:cNvSpPr>
+            <a:spLocks noGrp="1"/>
+          </p:cNvSpPr>
+          <p:nvPr>
+            <p:ph type="title"/>
+          </p:nvPr>
+        </p:nvSpPr>
+        <p:spPr/>
+        <p:txBody>
+          <a:bodyPr/>
+          <a:lstStyle/>
+          <a:p>
+            <a:r>
+              <a:rPr lang="en-US" dirty="0"/>
+              <a:t>Bipartite graph</a:t>
+            </a:r>
+          </a:p>
+        </p:txBody>
+      </p:sp>
+      <p:sp>
+        <p:nvSpPr>
+          <p:cNvPr id="4" name="Oval 3">
+            <a:extLst>
+              <a:ext uri="{FF2B5EF4-FFF2-40B4-BE49-F238E27FC236}">
+                <a16:creationId xmlns:a16="http://schemas.microsoft.com/office/drawing/2014/main" id="{18F98831-98E0-C944-B3AD-455DDAF43919}"/>
+              </a:ext>
+            </a:extLst>
+          </p:cNvPr>
+          <p:cNvSpPr/>
+          <p:nvPr/>
+        </p:nvSpPr>
+        <p:spPr>
+          <a:xfrm>
+            <a:off x="3891061" y="2516221"/>
+            <a:ext cx="904675" cy="904675"/>
+          </a:xfrm>
+          <a:prstGeom prst="ellipse">
+            <a:avLst/>
+          </a:prstGeom>
+        </p:spPr>
+        <p:style>
+          <a:lnRef idx="2">
+            <a:schemeClr val="accent2">
+              <a:shade val="50000"/>
+            </a:schemeClr>
+          </a:lnRef>
+          <a:fillRef idx="1">
+            <a:schemeClr val="accent2"/>
+          </a:fillRef>
+          <a:effectRef idx="0">
+            <a:schemeClr val="accent2"/>
+          </a:effectRef>
+          <a:fontRef idx="minor">
+            <a:schemeClr val="lt1"/>
+          </a:fontRef>
+        </p:style>
+        <p:txBody>
+          <a:bodyPr rtlCol="0" anchor="ctr"/>
+          <a:lstStyle/>
+          <a:p>
+            <a:pPr algn="ctr"/>
+            <a:r>
+              <a:rPr lang="en-US" sz="1400" dirty="0"/>
+              <a:t>Alice</a:t>
+            </a:r>
+            <a:endParaRPr lang="en-US" sz="1300" dirty="0"/>
+          </a:p>
+        </p:txBody>
+      </p:sp>
+      <p:sp>
+        <p:nvSpPr>
+          <p:cNvPr id="5" name="Oval 4">
+            <a:extLst>
+              <a:ext uri="{FF2B5EF4-FFF2-40B4-BE49-F238E27FC236}">
+                <a16:creationId xmlns:a16="http://schemas.microsoft.com/office/drawing/2014/main" id="{71FF0E78-637E-B744-B523-216A69FDA054}"/>
+              </a:ext>
+            </a:extLst>
+          </p:cNvPr>
+          <p:cNvSpPr/>
+          <p:nvPr/>
+        </p:nvSpPr>
+        <p:spPr>
+          <a:xfrm>
+            <a:off x="3891061" y="3790545"/>
+            <a:ext cx="904675" cy="904675"/>
+          </a:xfrm>
+          <a:prstGeom prst="ellipse">
+            <a:avLst/>
+          </a:prstGeom>
+        </p:spPr>
+        <p:style>
+          <a:lnRef idx="2">
+            <a:schemeClr val="accent2">
+              <a:shade val="50000"/>
+            </a:schemeClr>
+          </a:lnRef>
+          <a:fillRef idx="1">
+            <a:schemeClr val="accent2"/>
+          </a:fillRef>
+          <a:effectRef idx="0">
+            <a:schemeClr val="accent2"/>
+          </a:effectRef>
+          <a:fontRef idx="minor">
+            <a:schemeClr val="lt1"/>
+          </a:fontRef>
+        </p:style>
+        <p:txBody>
+          <a:bodyPr rtlCol="0" anchor="ctr"/>
+          <a:lstStyle/>
+          <a:p>
+            <a:pPr algn="ctr"/>
+            <a:r>
+              <a:rPr lang="en-US" sz="1400" dirty="0"/>
+              <a:t>Bob</a:t>
+            </a:r>
+            <a:endParaRPr lang="en-US" dirty="0"/>
+          </a:p>
+        </p:txBody>
+      </p:sp>
+      <p:sp>
+        <p:nvSpPr>
+          <p:cNvPr id="6" name="Oval 5">
+            <a:extLst>
+              <a:ext uri="{FF2B5EF4-FFF2-40B4-BE49-F238E27FC236}">
+                <a16:creationId xmlns:a16="http://schemas.microsoft.com/office/drawing/2014/main" id="{71336B16-F772-4B48-9A70-5B1F5533DA35}"/>
+              </a:ext>
+            </a:extLst>
+          </p:cNvPr>
+          <p:cNvSpPr/>
+          <p:nvPr/>
+        </p:nvSpPr>
+        <p:spPr>
+          <a:xfrm>
+            <a:off x="3891060" y="5129719"/>
+            <a:ext cx="904676" cy="904676"/>
+          </a:xfrm>
+          <a:prstGeom prst="ellipse">
+            <a:avLst/>
+          </a:prstGeom>
+        </p:spPr>
+        <p:style>
+          <a:lnRef idx="2">
+            <a:schemeClr val="accent2">
+              <a:shade val="50000"/>
+            </a:schemeClr>
+          </a:lnRef>
+          <a:fillRef idx="1">
+            <a:schemeClr val="accent2"/>
+          </a:fillRef>
+          <a:effectRef idx="0">
+            <a:schemeClr val="accent2"/>
+          </a:effectRef>
+          <a:fontRef idx="minor">
+            <a:schemeClr val="lt1"/>
+          </a:fontRef>
+        </p:style>
+        <p:txBody>
+          <a:bodyPr rtlCol="0" anchor="ctr"/>
+          <a:lstStyle/>
+          <a:p>
+            <a:pPr algn="ctr"/>
+            <a:r>
+              <a:rPr lang="en-US" sz="1400" dirty="0"/>
+              <a:t>Claire</a:t>
+            </a:r>
+          </a:p>
+        </p:txBody>
+      </p:sp>
+      <p:sp>
+        <p:nvSpPr>
+          <p:cNvPr id="7" name="Oval 6">
+            <a:extLst>
+              <a:ext uri="{FF2B5EF4-FFF2-40B4-BE49-F238E27FC236}">
+                <a16:creationId xmlns:a16="http://schemas.microsoft.com/office/drawing/2014/main" id="{B4A989AD-085A-B24C-A548-048F5F82318F}"/>
+              </a:ext>
+            </a:extLst>
+          </p:cNvPr>
+          <p:cNvSpPr/>
+          <p:nvPr/>
+        </p:nvSpPr>
+        <p:spPr>
+          <a:xfrm>
+            <a:off x="6543469" y="2516221"/>
+            <a:ext cx="904675" cy="904675"/>
+          </a:xfrm>
+          <a:prstGeom prst="ellipse">
+            <a:avLst/>
+          </a:prstGeom>
+        </p:spPr>
+        <p:style>
+          <a:lnRef idx="2">
+            <a:schemeClr val="accent2">
+              <a:shade val="50000"/>
+            </a:schemeClr>
+          </a:lnRef>
+          <a:fillRef idx="1">
+            <a:schemeClr val="accent2"/>
+          </a:fillRef>
+          <a:effectRef idx="0">
+            <a:schemeClr val="accent2"/>
+          </a:effectRef>
+          <a:fontRef idx="minor">
+            <a:schemeClr val="lt1"/>
+          </a:fontRef>
+        </p:style>
+        <p:txBody>
+          <a:bodyPr rtlCol="0" anchor="ctr"/>
+          <a:lstStyle/>
+          <a:p>
+            <a:pPr algn="ctr"/>
+            <a:r>
+              <a:rPr lang="en-US" sz="1400" dirty="0"/>
+              <a:t>Room 1</a:t>
+            </a:r>
+          </a:p>
+        </p:txBody>
+      </p:sp>
+      <p:sp>
+        <p:nvSpPr>
+          <p:cNvPr id="8" name="Oval 7">
+            <a:extLst>
+              <a:ext uri="{FF2B5EF4-FFF2-40B4-BE49-F238E27FC236}">
+                <a16:creationId xmlns:a16="http://schemas.microsoft.com/office/drawing/2014/main" id="{29AA50BA-69F1-7644-80AB-E33E0395C66A}"/>
+              </a:ext>
+            </a:extLst>
+          </p:cNvPr>
+          <p:cNvSpPr/>
+          <p:nvPr/>
+        </p:nvSpPr>
+        <p:spPr>
+          <a:xfrm>
+            <a:off x="6543469" y="3790545"/>
+            <a:ext cx="904675" cy="904675"/>
+          </a:xfrm>
+          <a:prstGeom prst="ellipse">
+            <a:avLst/>
+          </a:prstGeom>
+        </p:spPr>
+        <p:style>
+          <a:lnRef idx="2">
+            <a:schemeClr val="accent2">
+              <a:shade val="50000"/>
+            </a:schemeClr>
+          </a:lnRef>
+          <a:fillRef idx="1">
+            <a:schemeClr val="accent2"/>
+          </a:fillRef>
+          <a:effectRef idx="0">
+            <a:schemeClr val="accent2"/>
+          </a:effectRef>
+          <a:fontRef idx="minor">
+            <a:schemeClr val="lt1"/>
+          </a:fontRef>
+        </p:style>
+        <p:txBody>
+          <a:bodyPr rtlCol="0" anchor="ctr"/>
+          <a:lstStyle/>
+          <a:p>
+            <a:pPr algn="ctr"/>
+            <a:r>
+              <a:rPr lang="en-US" sz="1400" dirty="0"/>
+              <a:t>Room 2</a:t>
+            </a:r>
+          </a:p>
+        </p:txBody>
+      </p:sp>
+      <p:sp>
+        <p:nvSpPr>
+          <p:cNvPr id="9" name="Oval 8">
+            <a:extLst>
+              <a:ext uri="{FF2B5EF4-FFF2-40B4-BE49-F238E27FC236}">
+                <a16:creationId xmlns:a16="http://schemas.microsoft.com/office/drawing/2014/main" id="{68A1B6C1-A9D9-C347-879E-3409915DC332}"/>
+              </a:ext>
+            </a:extLst>
+          </p:cNvPr>
+          <p:cNvSpPr/>
+          <p:nvPr/>
+        </p:nvSpPr>
+        <p:spPr>
+          <a:xfrm>
+            <a:off x="6543469" y="5129719"/>
+            <a:ext cx="904677" cy="904677"/>
+          </a:xfrm>
+          <a:prstGeom prst="ellipse">
+            <a:avLst/>
+          </a:prstGeom>
+        </p:spPr>
+        <p:style>
+          <a:lnRef idx="2">
+            <a:schemeClr val="accent2">
+              <a:shade val="50000"/>
+            </a:schemeClr>
+          </a:lnRef>
+          <a:fillRef idx="1">
+            <a:schemeClr val="accent2"/>
+          </a:fillRef>
+          <a:effectRef idx="0">
+            <a:schemeClr val="accent2"/>
+          </a:effectRef>
+          <a:fontRef idx="minor">
+            <a:schemeClr val="lt1"/>
+          </a:fontRef>
+        </p:style>
+        <p:txBody>
+          <a:bodyPr rtlCol="0" anchor="ctr"/>
+          <a:lstStyle/>
+          <a:p>
+            <a:pPr algn="ctr"/>
+            <a:r>
+              <a:rPr lang="en-US" sz="1400" dirty="0"/>
+              <a:t>Room 3</a:t>
+            </a:r>
+          </a:p>
+        </p:txBody>
+      </p:sp>
+      <p:cxnSp>
+        <p:nvCxnSpPr>
+          <p:cNvPr id="12" name="Straight Connector 11">
+            <a:extLst>
+              <a:ext uri="{FF2B5EF4-FFF2-40B4-BE49-F238E27FC236}">
+                <a16:creationId xmlns:a16="http://schemas.microsoft.com/office/drawing/2014/main" id="{BA3908C4-FB9C-D44B-97B0-7F4C385B4925}"/>
+              </a:ext>
+            </a:extLst>
+          </p:cNvPr>
+          <p:cNvCxnSpPr>
+            <a:stCxn id="4" idx="6"/>
+            <a:endCxn id="7" idx="2"/>
+          </p:cNvCxnSpPr>
+          <p:nvPr/>
+        </p:nvCxnSpPr>
+        <p:spPr>
+          <a:xfrm>
+            <a:off x="4795736" y="2968559"/>
+            <a:ext cx="1747733" cy="0"/>
+          </a:xfrm>
+          <a:prstGeom prst="line">
+            <a:avLst/>
+          </a:prstGeom>
+        </p:spPr>
+        <p:style>
+          <a:lnRef idx="1">
+            <a:schemeClr val="dk1"/>
+          </a:lnRef>
+          <a:fillRef idx="0">
+            <a:schemeClr val="dk1"/>
+          </a:fillRef>
+          <a:effectRef idx="0">
+            <a:schemeClr val="dk1"/>
+          </a:effectRef>
+          <a:fontRef idx="minor">
+            <a:schemeClr val="tx1"/>
+          </a:fontRef>
+        </p:style>
+      </p:cxnSp>
+      <p:cxnSp>
+        <p:nvCxnSpPr>
+          <p:cNvPr id="14" name="Straight Connector 13">
+            <a:extLst>
+              <a:ext uri="{FF2B5EF4-FFF2-40B4-BE49-F238E27FC236}">
+                <a16:creationId xmlns:a16="http://schemas.microsoft.com/office/drawing/2014/main" id="{1AD9745C-0B82-7D42-9476-8D644ACEE27D}"/>
+              </a:ext>
+            </a:extLst>
+          </p:cNvPr>
+          <p:cNvCxnSpPr>
+            <a:cxnSpLocks/>
+          </p:cNvCxnSpPr>
+          <p:nvPr/>
+        </p:nvCxnSpPr>
+        <p:spPr>
+          <a:xfrm>
+            <a:off x="4795736" y="2968558"/>
+            <a:ext cx="1747733" cy="1274324"/>
+          </a:xfrm>
+          <a:prstGeom prst="line">
+            <a:avLst/>
+          </a:prstGeom>
+        </p:spPr>
+        <p:style>
+          <a:lnRef idx="1">
+            <a:schemeClr val="dk1"/>
+          </a:lnRef>
+          <a:fillRef idx="0">
+            <a:schemeClr val="dk1"/>
+          </a:fillRef>
+          <a:effectRef idx="0">
+            <a:schemeClr val="dk1"/>
+          </a:effectRef>
+          <a:fontRef idx="minor">
+            <a:schemeClr val="tx1"/>
+          </a:fontRef>
+        </p:style>
+      </p:cxnSp>
+      <p:cxnSp>
+        <p:nvCxnSpPr>
+          <p:cNvPr id="16" name="Straight Connector 15">
+            <a:extLst>
+              <a:ext uri="{FF2B5EF4-FFF2-40B4-BE49-F238E27FC236}">
+                <a16:creationId xmlns:a16="http://schemas.microsoft.com/office/drawing/2014/main" id="{7141B0B6-27EB-F242-8771-A661A5254EC8}"/>
+              </a:ext>
+            </a:extLst>
+          </p:cNvPr>
+          <p:cNvCxnSpPr>
+            <a:stCxn id="4" idx="6"/>
+            <a:endCxn id="9" idx="2"/>
+          </p:cNvCxnSpPr>
+          <p:nvPr/>
+        </p:nvCxnSpPr>
+        <p:spPr>
+          <a:xfrm>
+            <a:off x="4795736" y="2968559"/>
+            <a:ext cx="1747733" cy="2613499"/>
+          </a:xfrm>
+          <a:prstGeom prst="line">
+            <a:avLst/>
+          </a:prstGeom>
+        </p:spPr>
+        <p:style>
+          <a:lnRef idx="1">
+            <a:schemeClr val="dk1"/>
+          </a:lnRef>
+          <a:fillRef idx="0">
+            <a:schemeClr val="dk1"/>
+          </a:fillRef>
+          <a:effectRef idx="0">
+            <a:schemeClr val="dk1"/>
+          </a:effectRef>
+          <a:fontRef idx="minor">
+            <a:schemeClr val="tx1"/>
+          </a:fontRef>
+        </p:style>
+      </p:cxnSp>
+      <p:cxnSp>
+        <p:nvCxnSpPr>
+          <p:cNvPr id="18" name="Straight Connector 17">
+            <a:extLst>
+              <a:ext uri="{FF2B5EF4-FFF2-40B4-BE49-F238E27FC236}">
+                <a16:creationId xmlns:a16="http://schemas.microsoft.com/office/drawing/2014/main" id="{10C01A82-01FB-694B-BCE8-96395AEE06CF}"/>
+              </a:ext>
+            </a:extLst>
+          </p:cNvPr>
+          <p:cNvCxnSpPr>
+            <a:stCxn id="5" idx="6"/>
+          </p:cNvCxnSpPr>
+          <p:nvPr/>
+        </p:nvCxnSpPr>
+        <p:spPr>
+          <a:xfrm flipV="1">
+            <a:off x="4795736" y="2968558"/>
+            <a:ext cx="1747733" cy="1274325"/>
+          </a:xfrm>
+          <a:prstGeom prst="line">
+            <a:avLst/>
+          </a:prstGeom>
+        </p:spPr>
+        <p:style>
+          <a:lnRef idx="1">
+            <a:schemeClr val="dk1"/>
+          </a:lnRef>
+          <a:fillRef idx="0">
+            <a:schemeClr val="dk1"/>
+          </a:fillRef>
+          <a:effectRef idx="0">
+            <a:schemeClr val="dk1"/>
+          </a:effectRef>
+          <a:fontRef idx="minor">
+            <a:schemeClr val="tx1"/>
+          </a:fontRef>
+        </p:style>
+      </p:cxnSp>
+      <p:cxnSp>
+        <p:nvCxnSpPr>
+          <p:cNvPr id="20" name="Straight Connector 19">
+            <a:extLst>
+              <a:ext uri="{FF2B5EF4-FFF2-40B4-BE49-F238E27FC236}">
+                <a16:creationId xmlns:a16="http://schemas.microsoft.com/office/drawing/2014/main" id="{1C9417E8-AABE-A94C-B18E-54918AC1C83A}"/>
+              </a:ext>
+            </a:extLst>
+          </p:cNvPr>
+          <p:cNvCxnSpPr>
+            <a:stCxn id="5" idx="6"/>
+            <a:endCxn id="8" idx="2"/>
+          </p:cNvCxnSpPr>
+          <p:nvPr/>
+        </p:nvCxnSpPr>
+        <p:spPr>
+          <a:xfrm>
+            <a:off x="4795736" y="4242883"/>
+            <a:ext cx="1747733" cy="0"/>
+          </a:xfrm>
+          <a:prstGeom prst="line">
+            <a:avLst/>
+          </a:prstGeom>
+        </p:spPr>
+        <p:style>
+          <a:lnRef idx="1">
+            <a:schemeClr val="dk1"/>
+          </a:lnRef>
+          <a:fillRef idx="0">
+            <a:schemeClr val="dk1"/>
+          </a:fillRef>
+          <a:effectRef idx="0">
+            <a:schemeClr val="dk1"/>
+          </a:effectRef>
+          <a:fontRef idx="minor">
+            <a:schemeClr val="tx1"/>
+          </a:fontRef>
+        </p:style>
+      </p:cxnSp>
+      <p:cxnSp>
+        <p:nvCxnSpPr>
+          <p:cNvPr id="22" name="Straight Connector 21">
+            <a:extLst>
+              <a:ext uri="{FF2B5EF4-FFF2-40B4-BE49-F238E27FC236}">
+                <a16:creationId xmlns:a16="http://schemas.microsoft.com/office/drawing/2014/main" id="{C44FA7A7-DC06-084A-96D3-2590E9FB5D39}"/>
+              </a:ext>
+            </a:extLst>
+          </p:cNvPr>
+          <p:cNvCxnSpPr>
+            <a:stCxn id="5" idx="6"/>
+            <a:endCxn id="9" idx="2"/>
+          </p:cNvCxnSpPr>
+          <p:nvPr/>
+        </p:nvCxnSpPr>
+        <p:spPr>
+          <a:xfrm>
+            <a:off x="4795736" y="4242883"/>
+            <a:ext cx="1747733" cy="1339175"/>
+          </a:xfrm>
+          <a:prstGeom prst="line">
+            <a:avLst/>
+          </a:prstGeom>
+        </p:spPr>
+        <p:style>
+          <a:lnRef idx="1">
+            <a:schemeClr val="dk1"/>
+          </a:lnRef>
+          <a:fillRef idx="0">
+            <a:schemeClr val="dk1"/>
+          </a:fillRef>
+          <a:effectRef idx="0">
+            <a:schemeClr val="dk1"/>
+          </a:effectRef>
+          <a:fontRef idx="minor">
+            <a:schemeClr val="tx1"/>
+          </a:fontRef>
+        </p:style>
+      </p:cxnSp>
+      <p:cxnSp>
+        <p:nvCxnSpPr>
+          <p:cNvPr id="24" name="Straight Connector 23">
+            <a:extLst>
+              <a:ext uri="{FF2B5EF4-FFF2-40B4-BE49-F238E27FC236}">
+                <a16:creationId xmlns:a16="http://schemas.microsoft.com/office/drawing/2014/main" id="{4B9DB077-6995-FF47-B09C-2EB9A3621EF7}"/>
+              </a:ext>
+            </a:extLst>
+          </p:cNvPr>
+          <p:cNvCxnSpPr>
+            <a:stCxn id="6" idx="6"/>
+            <a:endCxn id="7" idx="2"/>
+          </p:cNvCxnSpPr>
+          <p:nvPr/>
+        </p:nvCxnSpPr>
+        <p:spPr>
+          <a:xfrm flipV="1">
+            <a:off x="4795736" y="2968559"/>
+            <a:ext cx="1747733" cy="2613498"/>
+          </a:xfrm>
+          <a:prstGeom prst="line">
+            <a:avLst/>
+          </a:prstGeom>
+        </p:spPr>
+        <p:style>
+          <a:lnRef idx="1">
+            <a:schemeClr val="dk1"/>
+          </a:lnRef>
+          <a:fillRef idx="0">
+            <a:schemeClr val="dk1"/>
+          </a:fillRef>
+          <a:effectRef idx="0">
+            <a:schemeClr val="dk1"/>
+          </a:effectRef>
+          <a:fontRef idx="minor">
+            <a:schemeClr val="tx1"/>
+          </a:fontRef>
+        </p:style>
+      </p:cxnSp>
+      <p:cxnSp>
+        <p:nvCxnSpPr>
+          <p:cNvPr id="26" name="Straight Connector 25">
+            <a:extLst>
+              <a:ext uri="{FF2B5EF4-FFF2-40B4-BE49-F238E27FC236}">
+                <a16:creationId xmlns:a16="http://schemas.microsoft.com/office/drawing/2014/main" id="{F15CE843-28F5-A14C-960F-267ABE8C8F53}"/>
+              </a:ext>
+            </a:extLst>
+          </p:cNvPr>
+          <p:cNvCxnSpPr>
+            <a:stCxn id="6" idx="6"/>
+          </p:cNvCxnSpPr>
+          <p:nvPr/>
+        </p:nvCxnSpPr>
+        <p:spPr>
+          <a:xfrm flipV="1">
+            <a:off x="4795736" y="4242882"/>
+            <a:ext cx="1747733" cy="1339175"/>
+          </a:xfrm>
+          <a:prstGeom prst="line">
+            <a:avLst/>
+          </a:prstGeom>
+        </p:spPr>
+        <p:style>
+          <a:lnRef idx="1">
+            <a:schemeClr val="dk1"/>
+          </a:lnRef>
+          <a:fillRef idx="0">
+            <a:schemeClr val="dk1"/>
+          </a:fillRef>
+          <a:effectRef idx="0">
+            <a:schemeClr val="dk1"/>
+          </a:effectRef>
+          <a:fontRef idx="minor">
+            <a:schemeClr val="tx1"/>
+          </a:fontRef>
+        </p:style>
+      </p:cxnSp>
+      <p:cxnSp>
+        <p:nvCxnSpPr>
+          <p:cNvPr id="28" name="Straight Connector 27">
+            <a:extLst>
+              <a:ext uri="{FF2B5EF4-FFF2-40B4-BE49-F238E27FC236}">
+                <a16:creationId xmlns:a16="http://schemas.microsoft.com/office/drawing/2014/main" id="{94DA38DA-99B8-2242-A82A-705442B6860F}"/>
+              </a:ext>
+            </a:extLst>
+          </p:cNvPr>
+          <p:cNvCxnSpPr>
+            <a:stCxn id="6" idx="6"/>
+            <a:endCxn id="9" idx="2"/>
+          </p:cNvCxnSpPr>
+          <p:nvPr/>
+        </p:nvCxnSpPr>
+        <p:spPr>
+          <a:xfrm>
+            <a:off x="4795736" y="5582057"/>
+            <a:ext cx="1747733" cy="1"/>
+          </a:xfrm>
+          <a:prstGeom prst="line">
+            <a:avLst/>
+          </a:prstGeom>
+        </p:spPr>
+        <p:style>
+          <a:lnRef idx="1">
+            <a:schemeClr val="dk1"/>
+          </a:lnRef>
+          <a:fillRef idx="0">
+            <a:schemeClr val="dk1"/>
+          </a:fillRef>
+          <a:effectRef idx="0">
+            <a:schemeClr val="dk1"/>
+          </a:effectRef>
+          <a:fontRef idx="minor">
+            <a:schemeClr val="tx1"/>
+          </a:fontRef>
+        </p:style>
+      </p:cxnSp>
+      <p:sp>
+        <p:nvSpPr>
+          <p:cNvPr id="31" name="TextBox 30">
+            <a:extLst>
+              <a:ext uri="{FF2B5EF4-FFF2-40B4-BE49-F238E27FC236}">
+                <a16:creationId xmlns:a16="http://schemas.microsoft.com/office/drawing/2014/main" id="{7A75FC92-3A97-FF45-A717-E9DA8C660603}"/>
+              </a:ext>
+            </a:extLst>
+          </p:cNvPr>
+          <p:cNvSpPr txBox="1"/>
+          <p:nvPr/>
+        </p:nvSpPr>
+        <p:spPr>
+          <a:xfrm>
+            <a:off x="5059560" y="2736533"/>
+            <a:ext cx="377026" cy="246221"/>
+          </a:xfrm>
+          <a:prstGeom prst="rect">
+            <a:avLst/>
+          </a:prstGeom>
+          <a:noFill/>
+        </p:spPr>
+        <p:txBody>
+          <a:bodyPr wrap="none" rtlCol="0">
+            <a:spAutoFit/>
+          </a:bodyPr>
+          <a:lstStyle/>
+          <a:p>
+            <a:r>
+              <a:rPr lang="en-US" sz="1000" dirty="0"/>
+              <a:t>330</a:t>
+            </a:r>
+          </a:p>
+        </p:txBody>
+      </p:sp>
+      <p:sp>
+        <p:nvSpPr>
+          <p:cNvPr id="32" name="TextBox 31">
+            <a:extLst>
+              <a:ext uri="{FF2B5EF4-FFF2-40B4-BE49-F238E27FC236}">
+                <a16:creationId xmlns:a16="http://schemas.microsoft.com/office/drawing/2014/main" id="{438080BA-447F-114D-BA95-FA917B2BE6A5}"/>
+              </a:ext>
+            </a:extLst>
+          </p:cNvPr>
+          <p:cNvSpPr txBox="1"/>
+          <p:nvPr/>
+        </p:nvSpPr>
+        <p:spPr>
+          <a:xfrm rot="1904826">
+            <a:off x="5078251" y="3081678"/>
+            <a:ext cx="392076" cy="246221"/>
+          </a:xfrm>
+          <a:prstGeom prst="rect">
+            <a:avLst/>
+          </a:prstGeom>
+          <a:noFill/>
+        </p:spPr>
+        <p:txBody>
+          <a:bodyPr wrap="square" rtlCol="0">
+            <a:spAutoFit/>
+          </a:bodyPr>
+          <a:lstStyle/>
+          <a:p>
+            <a:r>
+              <a:rPr lang="en-US" sz="1000" dirty="0"/>
+              <a:t>470</a:t>
+            </a:r>
+          </a:p>
+        </p:txBody>
+      </p:sp>
+      <p:sp>
+        <p:nvSpPr>
+          <p:cNvPr id="33" name="TextBox 32">
+            <a:extLst>
+              <a:ext uri="{FF2B5EF4-FFF2-40B4-BE49-F238E27FC236}">
+                <a16:creationId xmlns:a16="http://schemas.microsoft.com/office/drawing/2014/main" id="{8C5E239F-4053-8747-ACB6-F0FDF6E39B25}"/>
+              </a:ext>
+            </a:extLst>
+          </p:cNvPr>
+          <p:cNvSpPr txBox="1"/>
+          <p:nvPr/>
+        </p:nvSpPr>
+        <p:spPr>
+          <a:xfrm rot="3257111">
+            <a:off x="5034279" y="3400516"/>
+            <a:ext cx="480019" cy="246221"/>
+          </a:xfrm>
+          <a:prstGeom prst="rect">
+            <a:avLst/>
+          </a:prstGeom>
+          <a:noFill/>
+        </p:spPr>
+        <p:txBody>
+          <a:bodyPr wrap="square" rtlCol="0">
+            <a:spAutoFit/>
+          </a:bodyPr>
+          <a:lstStyle/>
+          <a:p>
+            <a:r>
+              <a:rPr lang="en-US" sz="1000" dirty="0"/>
+              <a:t>200</a:t>
+            </a:r>
+          </a:p>
+        </p:txBody>
+      </p:sp>
+      <p:sp>
+        <p:nvSpPr>
+          <p:cNvPr id="34" name="TextBox 33">
+            <a:extLst>
+              <a:ext uri="{FF2B5EF4-FFF2-40B4-BE49-F238E27FC236}">
+                <a16:creationId xmlns:a16="http://schemas.microsoft.com/office/drawing/2014/main" id="{71F0DD60-4175-2D41-9ADC-B74262023D52}"/>
+              </a:ext>
+            </a:extLst>
+          </p:cNvPr>
+          <p:cNvSpPr txBox="1"/>
+          <p:nvPr/>
+        </p:nvSpPr>
+        <p:spPr>
+          <a:xfrm rot="19569268">
+            <a:off x="5542394" y="3337780"/>
+            <a:ext cx="377026" cy="246221"/>
+          </a:xfrm>
+          <a:prstGeom prst="rect">
+            <a:avLst/>
+          </a:prstGeom>
+          <a:noFill/>
+        </p:spPr>
+        <p:txBody>
+          <a:bodyPr wrap="none" rtlCol="0">
+            <a:spAutoFit/>
+          </a:bodyPr>
+          <a:lstStyle/>
+          <a:p>
+            <a:r>
+              <a:rPr lang="en-US" sz="1000" dirty="0"/>
+              <a:t>350</a:t>
+            </a:r>
+          </a:p>
+        </p:txBody>
+      </p:sp>
+      <p:sp>
+        <p:nvSpPr>
+          <p:cNvPr id="36" name="TextBox 35">
+            <a:extLst>
+              <a:ext uri="{FF2B5EF4-FFF2-40B4-BE49-F238E27FC236}">
+                <a16:creationId xmlns:a16="http://schemas.microsoft.com/office/drawing/2014/main" id="{F8DF9011-59CF-2146-9147-D1F612F90EEC}"/>
+              </a:ext>
+            </a:extLst>
+          </p:cNvPr>
+          <p:cNvSpPr txBox="1"/>
+          <p:nvPr/>
+        </p:nvSpPr>
+        <p:spPr>
+          <a:xfrm>
+            <a:off x="5824853" y="4029087"/>
+            <a:ext cx="377026" cy="246221"/>
+          </a:xfrm>
+          <a:prstGeom prst="rect">
+            <a:avLst/>
+          </a:prstGeom>
+          <a:noFill/>
+        </p:spPr>
+        <p:txBody>
+          <a:bodyPr wrap="none" rtlCol="0">
+            <a:spAutoFit/>
+          </a:bodyPr>
+          <a:lstStyle/>
+          <a:p>
+            <a:r>
+              <a:rPr lang="en-US" sz="1000" dirty="0"/>
+              <a:t>450</a:t>
+            </a:r>
+          </a:p>
+        </p:txBody>
+      </p:sp>
+      <p:sp>
+        <p:nvSpPr>
+          <p:cNvPr id="37" name="TextBox 36">
+            <a:extLst>
+              <a:ext uri="{FF2B5EF4-FFF2-40B4-BE49-F238E27FC236}">
+                <a16:creationId xmlns:a16="http://schemas.microsoft.com/office/drawing/2014/main" id="{D9640A53-B598-C54A-8C6C-48E3F295CF42}"/>
+              </a:ext>
+            </a:extLst>
+          </p:cNvPr>
+          <p:cNvSpPr txBox="1"/>
+          <p:nvPr/>
+        </p:nvSpPr>
+        <p:spPr>
+          <a:xfrm rot="2543047">
+            <a:off x="5705206" y="4864738"/>
+            <a:ext cx="377026" cy="246221"/>
+          </a:xfrm>
+          <a:prstGeom prst="rect">
+            <a:avLst/>
+          </a:prstGeom>
+          <a:noFill/>
+        </p:spPr>
+        <p:txBody>
+          <a:bodyPr wrap="none" rtlCol="0">
+            <a:spAutoFit/>
+          </a:bodyPr>
+          <a:lstStyle/>
+          <a:p>
+            <a:r>
+              <a:rPr lang="en-US" sz="1000" dirty="0"/>
+              <a:t>200</a:t>
+            </a:r>
+          </a:p>
+        </p:txBody>
+      </p:sp>
+      <p:sp>
+        <p:nvSpPr>
+          <p:cNvPr id="3" name="TextBox 2">
+            <a:extLst>
+              <a:ext uri="{FF2B5EF4-FFF2-40B4-BE49-F238E27FC236}">
+                <a16:creationId xmlns:a16="http://schemas.microsoft.com/office/drawing/2014/main" id="{8B0FEA3A-EAFB-404F-AE1D-194C17B02E49}"/>
+              </a:ext>
+            </a:extLst>
+          </p:cNvPr>
+          <p:cNvSpPr txBox="1"/>
+          <p:nvPr/>
+        </p:nvSpPr>
+        <p:spPr>
+          <a:xfrm rot="18148588">
+            <a:off x="4871047" y="4864737"/>
+            <a:ext cx="377026" cy="246221"/>
+          </a:xfrm>
+          <a:prstGeom prst="rect">
+            <a:avLst/>
+          </a:prstGeom>
+          <a:noFill/>
+        </p:spPr>
+        <p:txBody>
+          <a:bodyPr wrap="none" rtlCol="0">
+            <a:spAutoFit/>
+          </a:bodyPr>
+          <a:lstStyle/>
+          <a:p>
+            <a:r>
+              <a:rPr lang="en-US" sz="1000" dirty="0"/>
+              <a:t>225</a:t>
+            </a:r>
+          </a:p>
+        </p:txBody>
+      </p:sp>
+      <p:sp>
+        <p:nvSpPr>
+          <p:cNvPr id="10" name="TextBox 9">
+            <a:extLst>
+              <a:ext uri="{FF2B5EF4-FFF2-40B4-BE49-F238E27FC236}">
+                <a16:creationId xmlns:a16="http://schemas.microsoft.com/office/drawing/2014/main" id="{63226368-E414-794A-8176-27FA743EAFC9}"/>
+              </a:ext>
+            </a:extLst>
+          </p:cNvPr>
+          <p:cNvSpPr txBox="1"/>
+          <p:nvPr/>
+        </p:nvSpPr>
+        <p:spPr>
+          <a:xfrm rot="19622608">
+            <a:off x="5224419" y="4893013"/>
+            <a:ext cx="377026" cy="246221"/>
+          </a:xfrm>
+          <a:prstGeom prst="rect">
+            <a:avLst/>
+          </a:prstGeom>
+          <a:noFill/>
+        </p:spPr>
+        <p:txBody>
+          <a:bodyPr wrap="none" rtlCol="0">
+            <a:spAutoFit/>
+          </a:bodyPr>
+          <a:lstStyle/>
+          <a:p>
+            <a:r>
+              <a:rPr lang="en-US" sz="1000" dirty="0"/>
+              <a:t>375</a:t>
+            </a:r>
+          </a:p>
+        </p:txBody>
+      </p:sp>
+      <p:sp>
+        <p:nvSpPr>
+          <p:cNvPr id="11" name="TextBox 10">
+            <a:extLst>
+              <a:ext uri="{FF2B5EF4-FFF2-40B4-BE49-F238E27FC236}">
+                <a16:creationId xmlns:a16="http://schemas.microsoft.com/office/drawing/2014/main" id="{BEB6D01E-5FF0-D74E-984E-A10814409617}"/>
+              </a:ext>
+            </a:extLst>
+          </p:cNvPr>
+          <p:cNvSpPr txBox="1"/>
+          <p:nvPr/>
+        </p:nvSpPr>
+        <p:spPr>
+          <a:xfrm>
+            <a:off x="5270244" y="5383396"/>
+            <a:ext cx="377026" cy="246221"/>
+          </a:xfrm>
+          <a:prstGeom prst="rect">
+            <a:avLst/>
+          </a:prstGeom>
+          <a:noFill/>
+        </p:spPr>
+        <p:txBody>
+          <a:bodyPr wrap="none" rtlCol="0">
+            <a:spAutoFit/>
+          </a:bodyPr>
+          <a:lstStyle/>
+          <a:p>
+            <a:r>
+              <a:rPr lang="en-US" sz="1000" dirty="0"/>
+              <a:t>400</a:t>
+            </a:r>
+          </a:p>
+        </p:txBody>
+      </p:sp>
+    </p:spTree>
+    <p:extLst>
+      <p:ext uri="{BB962C8B-B14F-4D97-AF65-F5344CB8AC3E}">
+        <p14:creationId xmlns:p14="http://schemas.microsoft.com/office/powerpoint/2010/main" val="823344094"/>
+      </p:ext>
+    </p:extLst>
+  </p:cSld>
+  <p:clrMapOvr>
+    <a:masterClrMapping/>
+  </p:clrMapOvr>
+</p:sld>
+</file>
+
+<file path=ppt/slides/slide7.xml><?xml version="1.0" encoding="utf-8"?>
+<p:sld xmlns:a="http://schemas.openxmlformats.org/drawingml/2006/main" xmlns:r="http://schemas.openxmlformats.org/officeDocument/2006/relationships" xmlns:p="http://schemas.openxmlformats.org/presentationml/2006/main">
+  <p:cSld>
+    <p:spTree>
+      <p:nvGrpSpPr>
+        <p:cNvPr id="1" name=""/>
+        <p:cNvGrpSpPr/>
+        <p:nvPr/>
+      </p:nvGrpSpPr>
+      <p:grpSpPr>
+        <a:xfrm>
+          <a:off x="0" y="0"/>
+          <a:ext cx="0" cy="0"/>
+          <a:chOff x="0" y="0"/>
+          <a:chExt cx="0" cy="0"/>
+        </a:xfrm>
+      </p:grpSpPr>
+      <p:sp>
+        <p:nvSpPr>
+          <p:cNvPr id="19" name="Oval 18">
+            <a:extLst>
+              <a:ext uri="{FF2B5EF4-FFF2-40B4-BE49-F238E27FC236}">
+                <a16:creationId xmlns:a16="http://schemas.microsoft.com/office/drawing/2014/main" id="{8627C0DE-696F-B04C-854D-D65B6D888F18}"/>
+              </a:ext>
+            </a:extLst>
+          </p:cNvPr>
+          <p:cNvSpPr/>
+          <p:nvPr/>
+        </p:nvSpPr>
+        <p:spPr>
+          <a:xfrm>
+            <a:off x="5242769" y="5308484"/>
+            <a:ext cx="395314" cy="360081"/>
+          </a:xfrm>
+          <a:prstGeom prst="ellipse">
+            <a:avLst/>
+          </a:prstGeom>
+        </p:spPr>
+        <p:style>
+          <a:lnRef idx="1">
+            <a:schemeClr val="accent3"/>
+          </a:lnRef>
+          <a:fillRef idx="2">
+            <a:schemeClr val="accent3"/>
+          </a:fillRef>
+          <a:effectRef idx="1">
+            <a:schemeClr val="accent3"/>
+          </a:effectRef>
+          <a:fontRef idx="minor">
+            <a:schemeClr val="dk1"/>
+          </a:fontRef>
+        </p:style>
+        <p:txBody>
+          <a:bodyPr rtlCol="0" anchor="ctr"/>
+          <a:lstStyle/>
+          <a:p>
+            <a:pPr algn="ctr"/>
+            <a:endParaRPr lang="en-US"/>
+          </a:p>
+        </p:txBody>
+      </p:sp>
+      <p:sp>
+        <p:nvSpPr>
+          <p:cNvPr id="17" name="Oval 16">
+            <a:extLst>
+              <a:ext uri="{FF2B5EF4-FFF2-40B4-BE49-F238E27FC236}">
+                <a16:creationId xmlns:a16="http://schemas.microsoft.com/office/drawing/2014/main" id="{6E7A4B4B-A020-224A-82C7-8E400626D6F1}"/>
+              </a:ext>
+            </a:extLst>
+          </p:cNvPr>
+          <p:cNvSpPr/>
+          <p:nvPr/>
+        </p:nvSpPr>
+        <p:spPr>
+          <a:xfrm rot="19297576">
+            <a:off x="5519106" y="3301878"/>
+            <a:ext cx="407704" cy="315426"/>
+          </a:xfrm>
+          <a:prstGeom prst="ellipse">
+            <a:avLst/>
+          </a:prstGeom>
+        </p:spPr>
+        <p:style>
+          <a:lnRef idx="1">
+            <a:schemeClr val="accent3"/>
+          </a:lnRef>
+          <a:fillRef idx="2">
+            <a:schemeClr val="accent3"/>
+          </a:fillRef>
+          <a:effectRef idx="1">
+            <a:schemeClr val="accent3"/>
+          </a:effectRef>
+          <a:fontRef idx="minor">
+            <a:schemeClr val="dk1"/>
+          </a:fontRef>
+        </p:style>
+        <p:txBody>
+          <a:bodyPr rtlCol="0" anchor="ctr"/>
+          <a:lstStyle/>
+          <a:p>
+            <a:pPr algn="ctr"/>
+            <a:endParaRPr lang="en-US"/>
+          </a:p>
+        </p:txBody>
+      </p:sp>
+      <p:sp>
+        <p:nvSpPr>
+          <p:cNvPr id="15" name="Oval 14">
+            <a:extLst>
+              <a:ext uri="{FF2B5EF4-FFF2-40B4-BE49-F238E27FC236}">
+                <a16:creationId xmlns:a16="http://schemas.microsoft.com/office/drawing/2014/main" id="{1E05DAF0-5E6B-9E42-B0E4-6ECA8F6E35F9}"/>
+              </a:ext>
+            </a:extLst>
+          </p:cNvPr>
+          <p:cNvSpPr/>
+          <p:nvPr/>
+        </p:nvSpPr>
+        <p:spPr>
+          <a:xfrm rot="7667919">
+            <a:off x="5100752" y="2987555"/>
+            <a:ext cx="326571" cy="415681"/>
+          </a:xfrm>
+          <a:prstGeom prst="ellipse">
+            <a:avLst/>
+          </a:prstGeom>
+        </p:spPr>
+        <p:style>
+          <a:lnRef idx="1">
+            <a:schemeClr val="accent3"/>
+          </a:lnRef>
+          <a:fillRef idx="2">
+            <a:schemeClr val="accent3"/>
+          </a:fillRef>
+          <a:effectRef idx="1">
+            <a:schemeClr val="accent3"/>
+          </a:effectRef>
+          <a:fontRef idx="minor">
+            <a:schemeClr val="dk1"/>
+          </a:fontRef>
+        </p:style>
+        <p:txBody>
+          <a:bodyPr rtlCol="0" anchor="ctr"/>
+          <a:lstStyle/>
+          <a:p>
+            <a:pPr algn="ctr"/>
+            <a:endParaRPr lang="en-US"/>
+          </a:p>
+        </p:txBody>
+      </p:sp>
+      <p:sp>
+        <p:nvSpPr>
+          <p:cNvPr id="2" name="Title 1">
+            <a:extLst>
+              <a:ext uri="{FF2B5EF4-FFF2-40B4-BE49-F238E27FC236}">
+                <a16:creationId xmlns:a16="http://schemas.microsoft.com/office/drawing/2014/main" id="{2013F27C-3E12-D146-840D-6CE51F2E9F77}"/>
+              </a:ext>
+            </a:extLst>
+          </p:cNvPr>
+          <p:cNvSpPr>
+            <a:spLocks noGrp="1"/>
+          </p:cNvSpPr>
+          <p:nvPr>
+            <p:ph type="title"/>
+          </p:nvPr>
+        </p:nvSpPr>
+        <p:spPr/>
+        <p:txBody>
+          <a:bodyPr/>
+          <a:lstStyle/>
+          <a:p>
+            <a:r>
+              <a:rPr lang="en-US" dirty="0"/>
+              <a:t>Bipartite graph</a:t>
+            </a:r>
+          </a:p>
+        </p:txBody>
+      </p:sp>
+      <p:sp>
+        <p:nvSpPr>
+          <p:cNvPr id="4" name="Oval 3">
+            <a:extLst>
+              <a:ext uri="{FF2B5EF4-FFF2-40B4-BE49-F238E27FC236}">
+                <a16:creationId xmlns:a16="http://schemas.microsoft.com/office/drawing/2014/main" id="{18F98831-98E0-C944-B3AD-455DDAF43919}"/>
+              </a:ext>
+            </a:extLst>
+          </p:cNvPr>
+          <p:cNvSpPr/>
+          <p:nvPr/>
+        </p:nvSpPr>
+        <p:spPr>
+          <a:xfrm>
+            <a:off x="3891061" y="2516221"/>
+            <a:ext cx="904675" cy="904675"/>
+          </a:xfrm>
+          <a:prstGeom prst="ellipse">
+            <a:avLst/>
+          </a:prstGeom>
+        </p:spPr>
+        <p:style>
+          <a:lnRef idx="2">
+            <a:schemeClr val="accent2">
+              <a:shade val="50000"/>
+            </a:schemeClr>
+          </a:lnRef>
+          <a:fillRef idx="1">
+            <a:schemeClr val="accent2"/>
+          </a:fillRef>
+          <a:effectRef idx="0">
+            <a:schemeClr val="accent2"/>
+          </a:effectRef>
+          <a:fontRef idx="minor">
+            <a:schemeClr val="lt1"/>
+          </a:fontRef>
+        </p:style>
+        <p:txBody>
+          <a:bodyPr rtlCol="0" anchor="ctr"/>
+          <a:lstStyle/>
+          <a:p>
+            <a:pPr algn="ctr"/>
+            <a:r>
+              <a:rPr lang="en-US" sz="1400" dirty="0"/>
+              <a:t>Alice</a:t>
+            </a:r>
+            <a:endParaRPr lang="en-US" sz="1300" dirty="0"/>
+          </a:p>
+        </p:txBody>
+      </p:sp>
+      <p:sp>
+        <p:nvSpPr>
+          <p:cNvPr id="5" name="Oval 4">
+            <a:extLst>
+              <a:ext uri="{FF2B5EF4-FFF2-40B4-BE49-F238E27FC236}">
+                <a16:creationId xmlns:a16="http://schemas.microsoft.com/office/drawing/2014/main" id="{71FF0E78-637E-B744-B523-216A69FDA054}"/>
+              </a:ext>
+            </a:extLst>
+          </p:cNvPr>
+          <p:cNvSpPr/>
+          <p:nvPr/>
+        </p:nvSpPr>
+        <p:spPr>
+          <a:xfrm>
+            <a:off x="3891061" y="3790545"/>
+            <a:ext cx="904675" cy="904675"/>
+          </a:xfrm>
+          <a:prstGeom prst="ellipse">
+            <a:avLst/>
+          </a:prstGeom>
+        </p:spPr>
+        <p:style>
+          <a:lnRef idx="2">
+            <a:schemeClr val="accent2">
+              <a:shade val="50000"/>
+            </a:schemeClr>
+          </a:lnRef>
+          <a:fillRef idx="1">
+            <a:schemeClr val="accent2"/>
+          </a:fillRef>
+          <a:effectRef idx="0">
+            <a:schemeClr val="accent2"/>
+          </a:effectRef>
+          <a:fontRef idx="minor">
+            <a:schemeClr val="lt1"/>
+          </a:fontRef>
+        </p:style>
+        <p:txBody>
+          <a:bodyPr rtlCol="0" anchor="ctr"/>
+          <a:lstStyle/>
+          <a:p>
+            <a:pPr algn="ctr"/>
+            <a:r>
+              <a:rPr lang="en-US" sz="1400" dirty="0"/>
+              <a:t>Bob</a:t>
+            </a:r>
+            <a:endParaRPr lang="en-US" dirty="0"/>
+          </a:p>
+        </p:txBody>
+      </p:sp>
+      <p:sp>
+        <p:nvSpPr>
+          <p:cNvPr id="6" name="Oval 5">
+            <a:extLst>
+              <a:ext uri="{FF2B5EF4-FFF2-40B4-BE49-F238E27FC236}">
+                <a16:creationId xmlns:a16="http://schemas.microsoft.com/office/drawing/2014/main" id="{71336B16-F772-4B48-9A70-5B1F5533DA35}"/>
+              </a:ext>
+            </a:extLst>
+          </p:cNvPr>
+          <p:cNvSpPr/>
+          <p:nvPr/>
+        </p:nvSpPr>
+        <p:spPr>
+          <a:xfrm>
+            <a:off x="3891060" y="5129719"/>
+            <a:ext cx="904676" cy="904676"/>
+          </a:xfrm>
+          <a:prstGeom prst="ellipse">
+            <a:avLst/>
+          </a:prstGeom>
+        </p:spPr>
+        <p:style>
+          <a:lnRef idx="2">
+            <a:schemeClr val="accent2">
+              <a:shade val="50000"/>
+            </a:schemeClr>
+          </a:lnRef>
+          <a:fillRef idx="1">
+            <a:schemeClr val="accent2"/>
+          </a:fillRef>
+          <a:effectRef idx="0">
+            <a:schemeClr val="accent2"/>
+          </a:effectRef>
+          <a:fontRef idx="minor">
+            <a:schemeClr val="lt1"/>
+          </a:fontRef>
+        </p:style>
+        <p:txBody>
+          <a:bodyPr rtlCol="0" anchor="ctr"/>
+          <a:lstStyle/>
+          <a:p>
+            <a:pPr algn="ctr"/>
+            <a:r>
+              <a:rPr lang="en-US" sz="1400" dirty="0"/>
+              <a:t>Claire</a:t>
+            </a:r>
+          </a:p>
+        </p:txBody>
+      </p:sp>
+      <p:sp>
+        <p:nvSpPr>
+          <p:cNvPr id="7" name="Oval 6">
+            <a:extLst>
+              <a:ext uri="{FF2B5EF4-FFF2-40B4-BE49-F238E27FC236}">
+                <a16:creationId xmlns:a16="http://schemas.microsoft.com/office/drawing/2014/main" id="{B4A989AD-085A-B24C-A548-048F5F82318F}"/>
+              </a:ext>
+            </a:extLst>
+          </p:cNvPr>
+          <p:cNvSpPr/>
+          <p:nvPr/>
+        </p:nvSpPr>
+        <p:spPr>
+          <a:xfrm>
+            <a:off x="6543469" y="2516221"/>
+            <a:ext cx="904675" cy="904675"/>
+          </a:xfrm>
+          <a:prstGeom prst="ellipse">
+            <a:avLst/>
+          </a:prstGeom>
+        </p:spPr>
+        <p:style>
+          <a:lnRef idx="2">
+            <a:schemeClr val="accent2">
+              <a:shade val="50000"/>
+            </a:schemeClr>
+          </a:lnRef>
+          <a:fillRef idx="1">
+            <a:schemeClr val="accent2"/>
+          </a:fillRef>
+          <a:effectRef idx="0">
+            <a:schemeClr val="accent2"/>
+          </a:effectRef>
+          <a:fontRef idx="minor">
+            <a:schemeClr val="lt1"/>
+          </a:fontRef>
+        </p:style>
+        <p:txBody>
+          <a:bodyPr rtlCol="0" anchor="ctr"/>
+          <a:lstStyle/>
+          <a:p>
+            <a:pPr algn="ctr"/>
+            <a:r>
+              <a:rPr lang="en-US" sz="1400" dirty="0"/>
+              <a:t>Room 1</a:t>
+            </a:r>
+          </a:p>
+        </p:txBody>
+      </p:sp>
+      <p:sp>
+        <p:nvSpPr>
+          <p:cNvPr id="8" name="Oval 7">
+            <a:extLst>
+              <a:ext uri="{FF2B5EF4-FFF2-40B4-BE49-F238E27FC236}">
+                <a16:creationId xmlns:a16="http://schemas.microsoft.com/office/drawing/2014/main" id="{29AA50BA-69F1-7644-80AB-E33E0395C66A}"/>
+              </a:ext>
+            </a:extLst>
+          </p:cNvPr>
+          <p:cNvSpPr/>
+          <p:nvPr/>
+        </p:nvSpPr>
+        <p:spPr>
+          <a:xfrm>
+            <a:off x="6543469" y="3790545"/>
+            <a:ext cx="904675" cy="904675"/>
+          </a:xfrm>
+          <a:prstGeom prst="ellipse">
+            <a:avLst/>
+          </a:prstGeom>
+        </p:spPr>
+        <p:style>
+          <a:lnRef idx="2">
+            <a:schemeClr val="accent2">
+              <a:shade val="50000"/>
+            </a:schemeClr>
+          </a:lnRef>
+          <a:fillRef idx="1">
+            <a:schemeClr val="accent2"/>
+          </a:fillRef>
+          <a:effectRef idx="0">
+            <a:schemeClr val="accent2"/>
+          </a:effectRef>
+          <a:fontRef idx="minor">
+            <a:schemeClr val="lt1"/>
+          </a:fontRef>
+        </p:style>
+        <p:txBody>
+          <a:bodyPr rtlCol="0" anchor="ctr"/>
+          <a:lstStyle/>
+          <a:p>
+            <a:pPr algn="ctr"/>
+            <a:r>
+              <a:rPr lang="en-US" sz="1400" dirty="0"/>
+              <a:t>Room 2</a:t>
+            </a:r>
+          </a:p>
+        </p:txBody>
+      </p:sp>
+      <p:sp>
+        <p:nvSpPr>
+          <p:cNvPr id="9" name="Oval 8">
+            <a:extLst>
+              <a:ext uri="{FF2B5EF4-FFF2-40B4-BE49-F238E27FC236}">
+                <a16:creationId xmlns:a16="http://schemas.microsoft.com/office/drawing/2014/main" id="{68A1B6C1-A9D9-C347-879E-3409915DC332}"/>
+              </a:ext>
+            </a:extLst>
+          </p:cNvPr>
+          <p:cNvSpPr/>
+          <p:nvPr/>
+        </p:nvSpPr>
+        <p:spPr>
+          <a:xfrm>
+            <a:off x="6543469" y="5129719"/>
+            <a:ext cx="904677" cy="904677"/>
+          </a:xfrm>
+          <a:prstGeom prst="ellipse">
+            <a:avLst/>
+          </a:prstGeom>
+        </p:spPr>
+        <p:style>
+          <a:lnRef idx="2">
+            <a:schemeClr val="accent2">
+              <a:shade val="50000"/>
+            </a:schemeClr>
+          </a:lnRef>
+          <a:fillRef idx="1">
+            <a:schemeClr val="accent2"/>
+          </a:fillRef>
+          <a:effectRef idx="0">
+            <a:schemeClr val="accent2"/>
+          </a:effectRef>
+          <a:fontRef idx="minor">
+            <a:schemeClr val="lt1"/>
+          </a:fontRef>
+        </p:style>
+        <p:txBody>
+          <a:bodyPr rtlCol="0" anchor="ctr"/>
+          <a:lstStyle/>
+          <a:p>
+            <a:pPr algn="ctr"/>
+            <a:r>
+              <a:rPr lang="en-US" sz="1400" dirty="0"/>
+              <a:t>Room 3</a:t>
+            </a:r>
+          </a:p>
+        </p:txBody>
+      </p:sp>
+      <p:cxnSp>
+        <p:nvCxnSpPr>
+          <p:cNvPr id="12" name="Straight Connector 11">
+            <a:extLst>
+              <a:ext uri="{FF2B5EF4-FFF2-40B4-BE49-F238E27FC236}">
+                <a16:creationId xmlns:a16="http://schemas.microsoft.com/office/drawing/2014/main" id="{BA3908C4-FB9C-D44B-97B0-7F4C385B4925}"/>
+              </a:ext>
+            </a:extLst>
+          </p:cNvPr>
+          <p:cNvCxnSpPr>
+            <a:stCxn id="4" idx="6"/>
+            <a:endCxn id="7" idx="2"/>
+          </p:cNvCxnSpPr>
+          <p:nvPr/>
+        </p:nvCxnSpPr>
+        <p:spPr>
+          <a:xfrm>
+            <a:off x="4795736" y="2968559"/>
+            <a:ext cx="1747733" cy="0"/>
+          </a:xfrm>
+          <a:prstGeom prst="line">
+            <a:avLst/>
+          </a:prstGeom>
+        </p:spPr>
+        <p:style>
+          <a:lnRef idx="1">
+            <a:schemeClr val="dk1"/>
+          </a:lnRef>
+          <a:fillRef idx="0">
+            <a:schemeClr val="dk1"/>
+          </a:fillRef>
+          <a:effectRef idx="0">
+            <a:schemeClr val="dk1"/>
+          </a:effectRef>
+          <a:fontRef idx="minor">
+            <a:schemeClr val="tx1"/>
+          </a:fontRef>
+        </p:style>
+      </p:cxnSp>
+      <p:cxnSp>
+        <p:nvCxnSpPr>
+          <p:cNvPr id="14" name="Straight Connector 13">
+            <a:extLst>
+              <a:ext uri="{FF2B5EF4-FFF2-40B4-BE49-F238E27FC236}">
+                <a16:creationId xmlns:a16="http://schemas.microsoft.com/office/drawing/2014/main" id="{1AD9745C-0B82-7D42-9476-8D644ACEE27D}"/>
+              </a:ext>
+            </a:extLst>
+          </p:cNvPr>
+          <p:cNvCxnSpPr>
+            <a:cxnSpLocks/>
+          </p:cNvCxnSpPr>
+          <p:nvPr/>
+        </p:nvCxnSpPr>
+        <p:spPr>
+          <a:xfrm>
+            <a:off x="4795736" y="2968558"/>
+            <a:ext cx="1747733" cy="1274324"/>
+          </a:xfrm>
+          <a:prstGeom prst="line">
+            <a:avLst/>
+          </a:prstGeom>
+        </p:spPr>
+        <p:style>
+          <a:lnRef idx="1">
+            <a:schemeClr val="dk1"/>
+          </a:lnRef>
+          <a:fillRef idx="0">
+            <a:schemeClr val="dk1"/>
+          </a:fillRef>
+          <a:effectRef idx="0">
+            <a:schemeClr val="dk1"/>
+          </a:effectRef>
+          <a:fontRef idx="minor">
+            <a:schemeClr val="tx1"/>
+          </a:fontRef>
+        </p:style>
+      </p:cxnSp>
+      <p:cxnSp>
+        <p:nvCxnSpPr>
+          <p:cNvPr id="16" name="Straight Connector 15">
+            <a:extLst>
+              <a:ext uri="{FF2B5EF4-FFF2-40B4-BE49-F238E27FC236}">
+                <a16:creationId xmlns:a16="http://schemas.microsoft.com/office/drawing/2014/main" id="{7141B0B6-27EB-F242-8771-A661A5254EC8}"/>
+              </a:ext>
+            </a:extLst>
+          </p:cNvPr>
+          <p:cNvCxnSpPr>
+            <a:stCxn id="4" idx="6"/>
+            <a:endCxn id="9" idx="2"/>
+          </p:cNvCxnSpPr>
+          <p:nvPr/>
+        </p:nvCxnSpPr>
+        <p:spPr>
+          <a:xfrm>
+            <a:off x="4795736" y="2968559"/>
+            <a:ext cx="1747733" cy="2613499"/>
+          </a:xfrm>
+          <a:prstGeom prst="line">
+            <a:avLst/>
+          </a:prstGeom>
+        </p:spPr>
+        <p:style>
+          <a:lnRef idx="1">
+            <a:schemeClr val="dk1"/>
+          </a:lnRef>
+          <a:fillRef idx="0">
+            <a:schemeClr val="dk1"/>
+          </a:fillRef>
+          <a:effectRef idx="0">
+            <a:schemeClr val="dk1"/>
+          </a:effectRef>
+          <a:fontRef idx="minor">
+            <a:schemeClr val="tx1"/>
+          </a:fontRef>
+        </p:style>
+      </p:cxnSp>
+      <p:cxnSp>
+        <p:nvCxnSpPr>
+          <p:cNvPr id="18" name="Straight Connector 17">
+            <a:extLst>
+              <a:ext uri="{FF2B5EF4-FFF2-40B4-BE49-F238E27FC236}">
+                <a16:creationId xmlns:a16="http://schemas.microsoft.com/office/drawing/2014/main" id="{10C01A82-01FB-694B-BCE8-96395AEE06CF}"/>
+              </a:ext>
+            </a:extLst>
+          </p:cNvPr>
+          <p:cNvCxnSpPr>
+            <a:stCxn id="5" idx="6"/>
+          </p:cNvCxnSpPr>
+          <p:nvPr/>
+        </p:nvCxnSpPr>
+        <p:spPr>
+          <a:xfrm flipV="1">
+            <a:off x="4795736" y="2968558"/>
+            <a:ext cx="1747733" cy="1274325"/>
+          </a:xfrm>
+          <a:prstGeom prst="line">
+            <a:avLst/>
+          </a:prstGeom>
+        </p:spPr>
+        <p:style>
+          <a:lnRef idx="1">
+            <a:schemeClr val="dk1"/>
+          </a:lnRef>
+          <a:fillRef idx="0">
+            <a:schemeClr val="dk1"/>
+          </a:fillRef>
+          <a:effectRef idx="0">
+            <a:schemeClr val="dk1"/>
+          </a:effectRef>
+          <a:fontRef idx="minor">
+            <a:schemeClr val="tx1"/>
+          </a:fontRef>
+        </p:style>
+      </p:cxnSp>
+      <p:cxnSp>
+        <p:nvCxnSpPr>
+          <p:cNvPr id="20" name="Straight Connector 19">
+            <a:extLst>
+              <a:ext uri="{FF2B5EF4-FFF2-40B4-BE49-F238E27FC236}">
+                <a16:creationId xmlns:a16="http://schemas.microsoft.com/office/drawing/2014/main" id="{1C9417E8-AABE-A94C-B18E-54918AC1C83A}"/>
+              </a:ext>
+            </a:extLst>
+          </p:cNvPr>
+          <p:cNvCxnSpPr>
+            <a:stCxn id="5" idx="6"/>
+            <a:endCxn id="8" idx="2"/>
+          </p:cNvCxnSpPr>
+          <p:nvPr/>
+        </p:nvCxnSpPr>
+        <p:spPr>
+          <a:xfrm>
+            <a:off x="4795736" y="4242883"/>
+            <a:ext cx="1747733" cy="0"/>
+          </a:xfrm>
+          <a:prstGeom prst="line">
+            <a:avLst/>
+          </a:prstGeom>
+        </p:spPr>
+        <p:style>
+          <a:lnRef idx="1">
+            <a:schemeClr val="dk1"/>
+          </a:lnRef>
+          <a:fillRef idx="0">
+            <a:schemeClr val="dk1"/>
+          </a:fillRef>
+          <a:effectRef idx="0">
+            <a:schemeClr val="dk1"/>
+          </a:effectRef>
+          <a:fontRef idx="minor">
+            <a:schemeClr val="tx1"/>
+          </a:fontRef>
+        </p:style>
+      </p:cxnSp>
+      <p:cxnSp>
+        <p:nvCxnSpPr>
+          <p:cNvPr id="22" name="Straight Connector 21">
+            <a:extLst>
+              <a:ext uri="{FF2B5EF4-FFF2-40B4-BE49-F238E27FC236}">
+                <a16:creationId xmlns:a16="http://schemas.microsoft.com/office/drawing/2014/main" id="{C44FA7A7-DC06-084A-96D3-2590E9FB5D39}"/>
+              </a:ext>
+            </a:extLst>
+          </p:cNvPr>
+          <p:cNvCxnSpPr>
+            <a:stCxn id="5" idx="6"/>
+            <a:endCxn id="9" idx="2"/>
+          </p:cNvCxnSpPr>
+          <p:nvPr/>
+        </p:nvCxnSpPr>
+        <p:spPr>
+          <a:xfrm>
+            <a:off x="4795736" y="4242883"/>
+            <a:ext cx="1747733" cy="1339175"/>
+          </a:xfrm>
+          <a:prstGeom prst="line">
+            <a:avLst/>
+          </a:prstGeom>
+        </p:spPr>
+        <p:style>
+          <a:lnRef idx="1">
+            <a:schemeClr val="dk1"/>
+          </a:lnRef>
+          <a:fillRef idx="0">
+            <a:schemeClr val="dk1"/>
+          </a:fillRef>
+          <a:effectRef idx="0">
+            <a:schemeClr val="dk1"/>
+          </a:effectRef>
+          <a:fontRef idx="minor">
+            <a:schemeClr val="tx1"/>
+          </a:fontRef>
+        </p:style>
+      </p:cxnSp>
+      <p:cxnSp>
+        <p:nvCxnSpPr>
+          <p:cNvPr id="24" name="Straight Connector 23">
+            <a:extLst>
+              <a:ext uri="{FF2B5EF4-FFF2-40B4-BE49-F238E27FC236}">
+                <a16:creationId xmlns:a16="http://schemas.microsoft.com/office/drawing/2014/main" id="{4B9DB077-6995-FF47-B09C-2EB9A3621EF7}"/>
+              </a:ext>
+            </a:extLst>
+          </p:cNvPr>
+          <p:cNvCxnSpPr>
+            <a:stCxn id="6" idx="6"/>
+            <a:endCxn id="7" idx="2"/>
+          </p:cNvCxnSpPr>
+          <p:nvPr/>
+        </p:nvCxnSpPr>
+        <p:spPr>
+          <a:xfrm flipV="1">
+            <a:off x="4795736" y="2968559"/>
+            <a:ext cx="1747733" cy="2613498"/>
+          </a:xfrm>
+          <a:prstGeom prst="line">
+            <a:avLst/>
+          </a:prstGeom>
+        </p:spPr>
+        <p:style>
+          <a:lnRef idx="1">
+            <a:schemeClr val="dk1"/>
+          </a:lnRef>
+          <a:fillRef idx="0">
+            <a:schemeClr val="dk1"/>
+          </a:fillRef>
+          <a:effectRef idx="0">
+            <a:schemeClr val="dk1"/>
+          </a:effectRef>
+          <a:fontRef idx="minor">
+            <a:schemeClr val="tx1"/>
+          </a:fontRef>
+        </p:style>
+      </p:cxnSp>
+      <p:cxnSp>
+        <p:nvCxnSpPr>
+          <p:cNvPr id="26" name="Straight Connector 25">
+            <a:extLst>
+              <a:ext uri="{FF2B5EF4-FFF2-40B4-BE49-F238E27FC236}">
+                <a16:creationId xmlns:a16="http://schemas.microsoft.com/office/drawing/2014/main" id="{F15CE843-28F5-A14C-960F-267ABE8C8F53}"/>
+              </a:ext>
+            </a:extLst>
+          </p:cNvPr>
+          <p:cNvCxnSpPr>
+            <a:stCxn id="6" idx="6"/>
+          </p:cNvCxnSpPr>
+          <p:nvPr/>
+        </p:nvCxnSpPr>
+        <p:spPr>
+          <a:xfrm flipV="1">
+            <a:off x="4795736" y="4242882"/>
+            <a:ext cx="1747733" cy="1339175"/>
+          </a:xfrm>
+          <a:prstGeom prst="line">
+            <a:avLst/>
+          </a:prstGeom>
+        </p:spPr>
+        <p:style>
+          <a:lnRef idx="1">
+            <a:schemeClr val="dk1"/>
+          </a:lnRef>
+          <a:fillRef idx="0">
+            <a:schemeClr val="dk1"/>
+          </a:fillRef>
+          <a:effectRef idx="0">
+            <a:schemeClr val="dk1"/>
+          </a:effectRef>
+          <a:fontRef idx="minor">
+            <a:schemeClr val="tx1"/>
+          </a:fontRef>
+        </p:style>
+      </p:cxnSp>
+      <p:cxnSp>
+        <p:nvCxnSpPr>
+          <p:cNvPr id="28" name="Straight Connector 27">
+            <a:extLst>
+              <a:ext uri="{FF2B5EF4-FFF2-40B4-BE49-F238E27FC236}">
+                <a16:creationId xmlns:a16="http://schemas.microsoft.com/office/drawing/2014/main" id="{94DA38DA-99B8-2242-A82A-705442B6860F}"/>
+              </a:ext>
+            </a:extLst>
+          </p:cNvPr>
+          <p:cNvCxnSpPr>
+            <a:stCxn id="6" idx="6"/>
+            <a:endCxn id="9" idx="2"/>
+          </p:cNvCxnSpPr>
+          <p:nvPr/>
+        </p:nvCxnSpPr>
+        <p:spPr>
+          <a:xfrm>
+            <a:off x="4795736" y="5582057"/>
+            <a:ext cx="1747733" cy="1"/>
+          </a:xfrm>
+          <a:prstGeom prst="line">
+            <a:avLst/>
+          </a:prstGeom>
+        </p:spPr>
+        <p:style>
+          <a:lnRef idx="1">
+            <a:schemeClr val="dk1"/>
+          </a:lnRef>
+          <a:fillRef idx="0">
+            <a:schemeClr val="dk1"/>
+          </a:fillRef>
+          <a:effectRef idx="0">
+            <a:schemeClr val="dk1"/>
+          </a:effectRef>
+          <a:fontRef idx="minor">
+            <a:schemeClr val="tx1"/>
+          </a:fontRef>
+        </p:style>
+      </p:cxnSp>
+      <p:sp>
+        <p:nvSpPr>
+          <p:cNvPr id="31" name="TextBox 30">
+            <a:extLst>
+              <a:ext uri="{FF2B5EF4-FFF2-40B4-BE49-F238E27FC236}">
+                <a16:creationId xmlns:a16="http://schemas.microsoft.com/office/drawing/2014/main" id="{7A75FC92-3A97-FF45-A717-E9DA8C660603}"/>
+              </a:ext>
+            </a:extLst>
+          </p:cNvPr>
+          <p:cNvSpPr txBox="1"/>
+          <p:nvPr/>
+        </p:nvSpPr>
+        <p:spPr>
+          <a:xfrm>
+            <a:off x="5059560" y="2736533"/>
+            <a:ext cx="377026" cy="246221"/>
+          </a:xfrm>
+          <a:prstGeom prst="rect">
+            <a:avLst/>
+          </a:prstGeom>
+          <a:noFill/>
+        </p:spPr>
+        <p:txBody>
+          <a:bodyPr wrap="none" rtlCol="0">
+            <a:spAutoFit/>
+          </a:bodyPr>
+          <a:lstStyle/>
+          <a:p>
+            <a:r>
+              <a:rPr lang="en-US" sz="1000" dirty="0"/>
+              <a:t>330</a:t>
+            </a:r>
+          </a:p>
+        </p:txBody>
+      </p:sp>
+      <p:sp>
+        <p:nvSpPr>
+          <p:cNvPr id="32" name="TextBox 31">
+            <a:extLst>
+              <a:ext uri="{FF2B5EF4-FFF2-40B4-BE49-F238E27FC236}">
+                <a16:creationId xmlns:a16="http://schemas.microsoft.com/office/drawing/2014/main" id="{438080BA-447F-114D-BA95-FA917B2BE6A5}"/>
+              </a:ext>
+            </a:extLst>
+          </p:cNvPr>
+          <p:cNvSpPr txBox="1"/>
+          <p:nvPr/>
+        </p:nvSpPr>
+        <p:spPr>
+          <a:xfrm rot="1904826">
+            <a:off x="5078251" y="3081678"/>
+            <a:ext cx="392076" cy="246221"/>
+          </a:xfrm>
+          <a:prstGeom prst="rect">
+            <a:avLst/>
+          </a:prstGeom>
+          <a:noFill/>
+        </p:spPr>
+        <p:txBody>
+          <a:bodyPr wrap="square" rtlCol="0">
+            <a:spAutoFit/>
+          </a:bodyPr>
+          <a:lstStyle/>
+          <a:p>
+            <a:r>
+              <a:rPr lang="en-US" sz="1000" dirty="0"/>
+              <a:t>470</a:t>
+            </a:r>
+          </a:p>
+        </p:txBody>
+      </p:sp>
+      <p:sp>
+        <p:nvSpPr>
+          <p:cNvPr id="33" name="TextBox 32">
+            <a:extLst>
+              <a:ext uri="{FF2B5EF4-FFF2-40B4-BE49-F238E27FC236}">
+                <a16:creationId xmlns:a16="http://schemas.microsoft.com/office/drawing/2014/main" id="{8C5E239F-4053-8747-ACB6-F0FDF6E39B25}"/>
+              </a:ext>
+            </a:extLst>
+          </p:cNvPr>
+          <p:cNvSpPr txBox="1"/>
+          <p:nvPr/>
+        </p:nvSpPr>
+        <p:spPr>
+          <a:xfrm rot="3257111">
+            <a:off x="5034279" y="3400516"/>
+            <a:ext cx="480019" cy="246221"/>
+          </a:xfrm>
+          <a:prstGeom prst="rect">
+            <a:avLst/>
+          </a:prstGeom>
+          <a:noFill/>
+        </p:spPr>
+        <p:txBody>
+          <a:bodyPr wrap="square" rtlCol="0">
+            <a:spAutoFit/>
+          </a:bodyPr>
+          <a:lstStyle/>
+          <a:p>
+            <a:r>
+              <a:rPr lang="en-US" sz="1000" dirty="0"/>
+              <a:t>200</a:t>
+            </a:r>
+          </a:p>
+        </p:txBody>
+      </p:sp>
+      <p:sp>
+        <p:nvSpPr>
+          <p:cNvPr id="34" name="TextBox 33">
+            <a:extLst>
+              <a:ext uri="{FF2B5EF4-FFF2-40B4-BE49-F238E27FC236}">
+                <a16:creationId xmlns:a16="http://schemas.microsoft.com/office/drawing/2014/main" id="{71F0DD60-4175-2D41-9ADC-B74262023D52}"/>
+              </a:ext>
+            </a:extLst>
+          </p:cNvPr>
+          <p:cNvSpPr txBox="1"/>
+          <p:nvPr/>
+        </p:nvSpPr>
+        <p:spPr>
+          <a:xfrm rot="19569268">
+            <a:off x="5542394" y="3337780"/>
+            <a:ext cx="377026" cy="246221"/>
+          </a:xfrm>
+          <a:prstGeom prst="rect">
+            <a:avLst/>
+          </a:prstGeom>
+          <a:noFill/>
+        </p:spPr>
+        <p:txBody>
+          <a:bodyPr wrap="none" rtlCol="0">
+            <a:spAutoFit/>
+          </a:bodyPr>
+          <a:lstStyle/>
+          <a:p>
+            <a:r>
+              <a:rPr lang="en-US" sz="1000" dirty="0"/>
+              <a:t>350</a:t>
+            </a:r>
+          </a:p>
+        </p:txBody>
+      </p:sp>
+      <p:sp>
+        <p:nvSpPr>
+          <p:cNvPr id="36" name="TextBox 35">
+            <a:extLst>
+              <a:ext uri="{FF2B5EF4-FFF2-40B4-BE49-F238E27FC236}">
+                <a16:creationId xmlns:a16="http://schemas.microsoft.com/office/drawing/2014/main" id="{F8DF9011-59CF-2146-9147-D1F612F90EEC}"/>
+              </a:ext>
+            </a:extLst>
+          </p:cNvPr>
+          <p:cNvSpPr txBox="1"/>
+          <p:nvPr/>
+        </p:nvSpPr>
+        <p:spPr>
+          <a:xfrm>
+            <a:off x="5824853" y="4029087"/>
+            <a:ext cx="377026" cy="246221"/>
+          </a:xfrm>
+          <a:prstGeom prst="rect">
+            <a:avLst/>
+          </a:prstGeom>
+          <a:noFill/>
+        </p:spPr>
+        <p:txBody>
+          <a:bodyPr wrap="none" rtlCol="0">
+            <a:spAutoFit/>
+          </a:bodyPr>
+          <a:lstStyle/>
+          <a:p>
+            <a:r>
+              <a:rPr lang="en-US" sz="1000" dirty="0"/>
+              <a:t>450</a:t>
+            </a:r>
+          </a:p>
+        </p:txBody>
+      </p:sp>
+      <p:sp>
+        <p:nvSpPr>
+          <p:cNvPr id="37" name="TextBox 36">
+            <a:extLst>
+              <a:ext uri="{FF2B5EF4-FFF2-40B4-BE49-F238E27FC236}">
+                <a16:creationId xmlns:a16="http://schemas.microsoft.com/office/drawing/2014/main" id="{D9640A53-B598-C54A-8C6C-48E3F295CF42}"/>
+              </a:ext>
+            </a:extLst>
+          </p:cNvPr>
+          <p:cNvSpPr txBox="1"/>
+          <p:nvPr/>
+        </p:nvSpPr>
+        <p:spPr>
+          <a:xfrm rot="2543047">
+            <a:off x="5705206" y="4864738"/>
+            <a:ext cx="377026" cy="246221"/>
+          </a:xfrm>
+          <a:prstGeom prst="rect">
+            <a:avLst/>
+          </a:prstGeom>
+          <a:noFill/>
+        </p:spPr>
+        <p:txBody>
+          <a:bodyPr wrap="none" rtlCol="0">
+            <a:spAutoFit/>
+          </a:bodyPr>
+          <a:lstStyle/>
+          <a:p>
+            <a:r>
+              <a:rPr lang="en-US" sz="1000" dirty="0"/>
+              <a:t>200</a:t>
+            </a:r>
+          </a:p>
+        </p:txBody>
+      </p:sp>
+      <p:sp>
+        <p:nvSpPr>
+          <p:cNvPr id="3" name="TextBox 2">
+            <a:extLst>
+              <a:ext uri="{FF2B5EF4-FFF2-40B4-BE49-F238E27FC236}">
+                <a16:creationId xmlns:a16="http://schemas.microsoft.com/office/drawing/2014/main" id="{8B0FEA3A-EAFB-404F-AE1D-194C17B02E49}"/>
+              </a:ext>
+            </a:extLst>
+          </p:cNvPr>
+          <p:cNvSpPr txBox="1"/>
+          <p:nvPr/>
+        </p:nvSpPr>
+        <p:spPr>
+          <a:xfrm rot="18148588">
+            <a:off x="4871047" y="4864737"/>
+            <a:ext cx="377026" cy="246221"/>
+          </a:xfrm>
+          <a:prstGeom prst="rect">
+            <a:avLst/>
+          </a:prstGeom>
+          <a:noFill/>
+        </p:spPr>
+        <p:txBody>
+          <a:bodyPr wrap="none" rtlCol="0">
+            <a:spAutoFit/>
+          </a:bodyPr>
+          <a:lstStyle/>
+          <a:p>
+            <a:r>
+              <a:rPr lang="en-US" sz="1000" dirty="0"/>
+              <a:t>225</a:t>
+            </a:r>
+          </a:p>
+        </p:txBody>
+      </p:sp>
+      <p:sp>
+        <p:nvSpPr>
+          <p:cNvPr id="10" name="TextBox 9">
+            <a:extLst>
+              <a:ext uri="{FF2B5EF4-FFF2-40B4-BE49-F238E27FC236}">
+                <a16:creationId xmlns:a16="http://schemas.microsoft.com/office/drawing/2014/main" id="{63226368-E414-794A-8176-27FA743EAFC9}"/>
+              </a:ext>
+            </a:extLst>
+          </p:cNvPr>
+          <p:cNvSpPr txBox="1"/>
+          <p:nvPr/>
+        </p:nvSpPr>
+        <p:spPr>
+          <a:xfrm rot="19622608">
+            <a:off x="5224419" y="4893013"/>
+            <a:ext cx="377026" cy="246221"/>
+          </a:xfrm>
+          <a:prstGeom prst="rect">
+            <a:avLst/>
+          </a:prstGeom>
+          <a:noFill/>
+        </p:spPr>
+        <p:txBody>
+          <a:bodyPr wrap="none" rtlCol="0">
+            <a:spAutoFit/>
+          </a:bodyPr>
+          <a:lstStyle/>
+          <a:p>
+            <a:r>
+              <a:rPr lang="en-US" sz="1000" dirty="0"/>
+              <a:t>375</a:t>
+            </a:r>
+          </a:p>
+        </p:txBody>
+      </p:sp>
+      <p:sp>
+        <p:nvSpPr>
+          <p:cNvPr id="11" name="TextBox 10">
+            <a:extLst>
+              <a:ext uri="{FF2B5EF4-FFF2-40B4-BE49-F238E27FC236}">
+                <a16:creationId xmlns:a16="http://schemas.microsoft.com/office/drawing/2014/main" id="{BEB6D01E-5FF0-D74E-984E-A10814409617}"/>
+              </a:ext>
+            </a:extLst>
+          </p:cNvPr>
+          <p:cNvSpPr txBox="1"/>
+          <p:nvPr/>
+        </p:nvSpPr>
+        <p:spPr>
+          <a:xfrm>
+            <a:off x="5270244" y="5383396"/>
+            <a:ext cx="377026" cy="246221"/>
+          </a:xfrm>
+          <a:prstGeom prst="rect">
+            <a:avLst/>
+          </a:prstGeom>
+          <a:noFill/>
+        </p:spPr>
+        <p:txBody>
+          <a:bodyPr wrap="none" rtlCol="0">
+            <a:spAutoFit/>
+          </a:bodyPr>
+          <a:lstStyle/>
+          <a:p>
+            <a:r>
+              <a:rPr lang="en-US" sz="1000" dirty="0"/>
+              <a:t>400</a:t>
+            </a:r>
+          </a:p>
+        </p:txBody>
+      </p:sp>
+    </p:spTree>
+    <p:extLst>
+      <p:ext uri="{BB962C8B-B14F-4D97-AF65-F5344CB8AC3E}">
+        <p14:creationId xmlns:p14="http://schemas.microsoft.com/office/powerpoint/2010/main" val="2954721878"/>
+      </p:ext>
+    </p:extLst>
+  </p:cSld>
+  <p:clrMapOvr>
+    <a:masterClrMapping/>
+  </p:clrMapOvr>
+</p:sld>
+</file>
+
+<file path=ppt/slides/slide8.xml><?xml version="1.0" encoding="utf-8"?>
+<p:sld xmlns:a="http://schemas.openxmlformats.org/drawingml/2006/main" xmlns:r="http://schemas.openxmlformats.org/officeDocument/2006/relationships" xmlns:p="http://schemas.openxmlformats.org/presentationml/2006/main">
+  <p:cSld>
+    <p:spTree>
+      <p:nvGrpSpPr>
+        <p:cNvPr id="1" name=""/>
+        <p:cNvGrpSpPr/>
+        <p:nvPr/>
+      </p:nvGrpSpPr>
+      <p:grpSpPr>
+        <a:xfrm>
+          <a:off x="0" y="0"/>
+          <a:ext cx="0" cy="0"/>
+          <a:chOff x="0" y="0"/>
+          <a:chExt cx="0" cy="0"/>
+        </a:xfrm>
+      </p:grpSpPr>
+      <p:sp>
+        <p:nvSpPr>
+          <p:cNvPr id="2" name="Title 1">
+            <a:extLst>
+              <a:ext uri="{FF2B5EF4-FFF2-40B4-BE49-F238E27FC236}">
+                <a16:creationId xmlns:a16="http://schemas.microsoft.com/office/drawing/2014/main" id="{D752456A-CA8B-7A49-AD60-D333B7F0FE85}"/>
+              </a:ext>
+            </a:extLst>
+          </p:cNvPr>
+          <p:cNvSpPr>
+            <a:spLocks noGrp="1"/>
+          </p:cNvSpPr>
+          <p:nvPr>
+            <p:ph type="title"/>
+          </p:nvPr>
+        </p:nvSpPr>
+        <p:spPr/>
+        <p:txBody>
+          <a:bodyPr/>
+          <a:lstStyle/>
+          <a:p>
+            <a:r>
+              <a:rPr lang="en-US" dirty="0"/>
+              <a:t>final allocation</a:t>
+            </a:r>
+          </a:p>
+        </p:txBody>
+      </p:sp>
+      <p:graphicFrame>
+        <p:nvGraphicFramePr>
+          <p:cNvPr id="4" name="Content Placeholder 3">
+            <a:extLst>
+              <a:ext uri="{FF2B5EF4-FFF2-40B4-BE49-F238E27FC236}">
+                <a16:creationId xmlns:a16="http://schemas.microsoft.com/office/drawing/2014/main" id="{9062F77D-3103-E240-82E5-A70597554051}"/>
+              </a:ext>
+            </a:extLst>
+          </p:cNvPr>
+          <p:cNvGraphicFramePr>
+            <a:graphicFrameLocks noGrp="1"/>
+          </p:cNvGraphicFramePr>
+          <p:nvPr>
+            <p:ph idx="1"/>
+            <p:extLst>
+              <p:ext uri="{D42A27DB-BD31-4B8C-83A1-F6EECF244321}">
+                <p14:modId xmlns:p14="http://schemas.microsoft.com/office/powerpoint/2010/main" val="1362486496"/>
+              </p:ext>
+            </p:extLst>
+          </p:nvPr>
+        </p:nvGraphicFramePr>
+        <p:xfrm>
+          <a:off x="2230437" y="2920527"/>
+          <a:ext cx="7731126" cy="1483360"/>
+        </p:xfrm>
+        <a:graphic>
+          <a:graphicData uri="http://schemas.openxmlformats.org/drawingml/2006/table">
+            <a:tbl>
+              <a:tblPr firstRow="1" bandRow="1">
+                <a:tableStyleId>{21E4AEA4-8DFA-4A89-87EB-49C32662AFE0}</a:tableStyleId>
+              </a:tblPr>
+              <a:tblGrid>
+                <a:gridCol w="2577042">
+                  <a:extLst>
+                    <a:ext uri="{9D8B030D-6E8A-4147-A177-3AD203B41FA5}">
+                      <a16:colId xmlns:a16="http://schemas.microsoft.com/office/drawing/2014/main" val="4124667606"/>
+                    </a:ext>
+                  </a:extLst>
+                </a:gridCol>
+                <a:gridCol w="2577042">
+                  <a:extLst>
+                    <a:ext uri="{9D8B030D-6E8A-4147-A177-3AD203B41FA5}">
+                      <a16:colId xmlns:a16="http://schemas.microsoft.com/office/drawing/2014/main" val="3870526257"/>
+                    </a:ext>
+                  </a:extLst>
+                </a:gridCol>
+                <a:gridCol w="2577042">
+                  <a:extLst>
+                    <a:ext uri="{9D8B030D-6E8A-4147-A177-3AD203B41FA5}">
+                      <a16:colId xmlns:a16="http://schemas.microsoft.com/office/drawing/2014/main" val="673473217"/>
+                    </a:ext>
+                  </a:extLst>
+                </a:gridCol>
+              </a:tblGrid>
+              <a:tr h="370840">
+                <a:tc>
+                  <a:txBody>
+                    <a:bodyPr/>
+                    <a:lstStyle/>
+                    <a:p>
+                      <a:pPr algn="ctr"/>
+                      <a:r>
+                        <a:rPr lang="en-US" dirty="0"/>
+                        <a:t>Person</a:t>
+                      </a:r>
+                    </a:p>
+                  </a:txBody>
+                  <a:tcPr/>
+                </a:tc>
+                <a:tc>
+                  <a:txBody>
+                    <a:bodyPr/>
+                    <a:lstStyle/>
+                    <a:p>
+                      <a:pPr algn="ctr"/>
+                      <a:r>
+                        <a:rPr lang="en-US" dirty="0"/>
+                        <a:t>Room</a:t>
+                      </a:r>
+                    </a:p>
+                  </a:txBody>
+                  <a:tcPr/>
+                </a:tc>
+                <a:tc>
+                  <a:txBody>
+                    <a:bodyPr/>
+                    <a:lstStyle/>
+                    <a:p>
+                      <a:pPr algn="ctr"/>
+                      <a:r>
+                        <a:rPr lang="en-US" dirty="0"/>
+                        <a:t>Price</a:t>
+                      </a:r>
+                    </a:p>
+                  </a:txBody>
+                  <a:tcPr/>
+                </a:tc>
+                <a:extLst>
+                  <a:ext uri="{0D108BD9-81ED-4DB2-BD59-A6C34878D82A}">
+                    <a16:rowId xmlns:a16="http://schemas.microsoft.com/office/drawing/2014/main" val="103007724"/>
+                  </a:ext>
+                </a:extLst>
+              </a:tr>
+              <a:tr h="370840">
+                <a:tc>
+                  <a:txBody>
+                    <a:bodyPr/>
+                    <a:lstStyle/>
+                    <a:p>
+                      <a:pPr algn="ctr"/>
+                      <a:r>
+                        <a:rPr lang="en-US" dirty="0"/>
+                        <a:t>Alice</a:t>
+                      </a:r>
+                    </a:p>
+                  </a:txBody>
+                  <a:tcPr/>
+                </a:tc>
+                <a:tc>
+                  <a:txBody>
+                    <a:bodyPr/>
+                    <a:lstStyle/>
+                    <a:p>
+                      <a:pPr algn="ctr"/>
+                      <a:r>
+                        <a:rPr lang="en-US" dirty="0"/>
+                        <a:t>2</a:t>
+                      </a:r>
+                    </a:p>
+                  </a:txBody>
+                  <a:tcPr/>
+                </a:tc>
+                <a:tc>
+                  <a:txBody>
+                    <a:bodyPr/>
+                    <a:lstStyle/>
+                    <a:p>
+                      <a:pPr algn="ctr"/>
+                      <a:r>
+                        <a:rPr lang="en-US" dirty="0"/>
+                        <a:t>396.67</a:t>
+                      </a:r>
+                    </a:p>
+                  </a:txBody>
+                  <a:tcPr/>
+                </a:tc>
+                <a:extLst>
+                  <a:ext uri="{0D108BD9-81ED-4DB2-BD59-A6C34878D82A}">
+                    <a16:rowId xmlns:a16="http://schemas.microsoft.com/office/drawing/2014/main" val="1792344990"/>
+                  </a:ext>
+                </a:extLst>
+              </a:tr>
+              <a:tr h="370840">
+                <a:tc>
+                  <a:txBody>
+                    <a:bodyPr/>
+                    <a:lstStyle/>
+                    <a:p>
+                      <a:pPr algn="ctr"/>
+                      <a:r>
+                        <a:rPr lang="en-US" dirty="0"/>
+                        <a:t>Bob</a:t>
+                      </a:r>
+                    </a:p>
+                  </a:txBody>
+                  <a:tcPr/>
+                </a:tc>
+                <a:tc>
+                  <a:txBody>
+                    <a:bodyPr/>
+                    <a:lstStyle/>
+                    <a:p>
+                      <a:pPr algn="ctr"/>
+                      <a:r>
+                        <a:rPr lang="en-US" dirty="0"/>
+                        <a:t>1</a:t>
+                      </a:r>
+                    </a:p>
+                  </a:txBody>
+                  <a:tcPr/>
+                </a:tc>
+                <a:tc>
+                  <a:txBody>
+                    <a:bodyPr/>
+                    <a:lstStyle/>
+                    <a:p>
+                      <a:pPr algn="ctr"/>
+                      <a:r>
+                        <a:rPr lang="en-US" dirty="0"/>
+                        <a:t>276.67</a:t>
+                      </a:r>
+                    </a:p>
+                  </a:txBody>
+                  <a:tcPr/>
+                </a:tc>
+                <a:extLst>
+                  <a:ext uri="{0D108BD9-81ED-4DB2-BD59-A6C34878D82A}">
+                    <a16:rowId xmlns:a16="http://schemas.microsoft.com/office/drawing/2014/main" val="3283769993"/>
+                  </a:ext>
+                </a:extLst>
+              </a:tr>
+              <a:tr h="370840">
+                <a:tc>
+                  <a:txBody>
+                    <a:bodyPr/>
+                    <a:lstStyle/>
+                    <a:p>
+                      <a:pPr algn="ctr"/>
+                      <a:r>
+                        <a:rPr lang="en-US" dirty="0"/>
+                        <a:t> Claire</a:t>
+                      </a:r>
+                    </a:p>
+                  </a:txBody>
+                  <a:tcPr/>
+                </a:tc>
+                <a:tc>
+                  <a:txBody>
+                    <a:bodyPr/>
+                    <a:lstStyle/>
+                    <a:p>
+                      <a:pPr algn="ctr"/>
+                      <a:r>
+                        <a:rPr lang="en-US" dirty="0"/>
+                        <a:t>3</a:t>
+                      </a:r>
+                    </a:p>
+                  </a:txBody>
+                  <a:tcPr/>
+                </a:tc>
+                <a:tc>
+                  <a:txBody>
+                    <a:bodyPr/>
+                    <a:lstStyle/>
+                    <a:p>
+                      <a:pPr algn="ctr"/>
+                      <a:r>
+                        <a:rPr lang="en-US" dirty="0"/>
+                        <a:t>326.67</a:t>
+                      </a:r>
+                    </a:p>
+                  </a:txBody>
+                  <a:tcPr/>
+                </a:tc>
+                <a:extLst>
+                  <a:ext uri="{0D108BD9-81ED-4DB2-BD59-A6C34878D82A}">
+                    <a16:rowId xmlns:a16="http://schemas.microsoft.com/office/drawing/2014/main" val="509887948"/>
+                  </a:ext>
+                </a:extLst>
+              </a:tr>
+            </a:tbl>
+          </a:graphicData>
+        </a:graphic>
+      </p:graphicFrame>
+      <p:sp>
+        <p:nvSpPr>
+          <p:cNvPr id="5" name="TextBox 4">
+            <a:extLst>
+              <a:ext uri="{FF2B5EF4-FFF2-40B4-BE49-F238E27FC236}">
+                <a16:creationId xmlns:a16="http://schemas.microsoft.com/office/drawing/2014/main" id="{8FDD2D2D-BED5-BD48-AA61-073FCB21DC81}"/>
+              </a:ext>
+            </a:extLst>
+          </p:cNvPr>
+          <p:cNvSpPr txBox="1"/>
+          <p:nvPr/>
+        </p:nvSpPr>
+        <p:spPr>
+          <a:xfrm>
+            <a:off x="1099226" y="1692613"/>
+            <a:ext cx="184731" cy="369332"/>
+          </a:xfrm>
+          <a:prstGeom prst="rect">
+            <a:avLst/>
+          </a:prstGeom>
+          <a:noFill/>
+        </p:spPr>
+        <p:txBody>
+          <a:bodyPr wrap="none" rtlCol="0">
+            <a:spAutoFit/>
+          </a:bodyPr>
+          <a:lstStyle/>
+          <a:p>
+            <a:endParaRPr lang="en-US"/>
+          </a:p>
+        </p:txBody>
+      </p:sp>
+    </p:spTree>
+    <p:extLst>
+      <p:ext uri="{BB962C8B-B14F-4D97-AF65-F5344CB8AC3E}">
+        <p14:creationId xmlns:p14="http://schemas.microsoft.com/office/powerpoint/2010/main" val="3334310483"/>
+      </p:ext>
+    </p:extLst>
+  </p:cSld>
+  <p:clrMapOvr>
+    <a:masterClrMapping/>
+  </p:clrMapOvr>
+</p:sld>
+</file>
+
+<file path=ppt/slides/slide9.xml><?xml version="1.0" encoding="utf-8"?>
+<p:sld xmlns:a="http://schemas.openxmlformats.org/drawingml/2006/main" xmlns:r="http://schemas.openxmlformats.org/officeDocument/2006/relationships" xmlns:p="http://schemas.openxmlformats.org/presentationml/2006/main">
+  <p:cSld>
+    <p:spTree>
+      <p:nvGrpSpPr>
+        <p:cNvPr id="1" name=""/>
+        <p:cNvGrpSpPr/>
+        <p:nvPr/>
+      </p:nvGrpSpPr>
+      <p:grpSpPr>
+        <a:xfrm>
+          <a:off x="0" y="0"/>
+          <a:ext cx="0" cy="0"/>
+          <a:chOff x="0" y="0"/>
+          <a:chExt cx="0" cy="0"/>
+        </a:xfrm>
+      </p:grpSpPr>
+      <p:sp>
+        <p:nvSpPr>
+          <p:cNvPr id="2" name="Title 1">
+            <a:extLst>
+              <a:ext uri="{FF2B5EF4-FFF2-40B4-BE49-F238E27FC236}">
+                <a16:creationId xmlns:a16="http://schemas.microsoft.com/office/drawing/2014/main" id="{DD9E1A25-0A69-D846-8BFE-0A3201ECBAEC}"/>
+              </a:ext>
+            </a:extLst>
+          </p:cNvPr>
+          <p:cNvSpPr>
+            <a:spLocks noGrp="1"/>
+          </p:cNvSpPr>
+          <p:nvPr>
+            <p:ph type="title"/>
+          </p:nvPr>
+        </p:nvSpPr>
+        <p:spPr/>
+        <p:txBody>
+          <a:bodyPr/>
+          <a:lstStyle/>
+          <a:p>
+            <a:endParaRPr lang="en-US"/>
+          </a:p>
+        </p:txBody>
+      </p:sp>
+      <p:sp>
+        <p:nvSpPr>
+          <p:cNvPr id="3" name="Content Placeholder 2">
+            <a:extLst>
+              <a:ext uri="{FF2B5EF4-FFF2-40B4-BE49-F238E27FC236}">
+                <a16:creationId xmlns:a16="http://schemas.microsoft.com/office/drawing/2014/main" id="{12C897BF-5B62-B147-B635-504C20DE1A14}"/>
+              </a:ext>
+            </a:extLst>
+          </p:cNvPr>
+          <p:cNvSpPr>
+            <a:spLocks noGrp="1"/>
+          </p:cNvSpPr>
+          <p:nvPr>
+            <p:ph idx="1"/>
+          </p:nvPr>
+        </p:nvSpPr>
+        <p:spPr/>
+        <p:txBody>
+          <a:bodyPr/>
+          <a:lstStyle/>
+          <a:p>
+            <a:endParaRPr lang="en-US"/>
+          </a:p>
+        </p:txBody>
+      </p:sp>
+    </p:spTree>
+    <p:extLst>
+      <p:ext uri="{BB962C8B-B14F-4D97-AF65-F5344CB8AC3E}">
+        <p14:creationId xmlns:p14="http://schemas.microsoft.com/office/powerpoint/2010/main" val="1453867749"/>
+      </p:ext>
+    </p:extLst>
+  </p:cSld>
+  <p:clrMapOvr>
+    <a:masterClrMapping/>
+  </p:clrMapOvr>
+</p:sld>
+</file>
+
 <file path=ppt/theme/theme1.xml><?xml version="1.0" encoding="utf-8"?>
 <a:theme xmlns:a="http://schemas.openxmlformats.org/drawingml/2006/main" name="Parcel">
   <a:themeElements>

--- a/final-ppt.pptx
+++ b/final-ppt.pptx
@@ -3459,7 +3459,7 @@
           <a:p>
             <a:fld id="{1160EA64-D806-43AC-9DF2-F8C432F32B4C}" type="datetimeFigureOut">
               <a:rPr lang="en-US" dirty="0"/>
-              <a:t>4/10/19</a:t>
+              <a:t>4/11/19</a:t>
             </a:fld>
             <a:endParaRPr lang="en-US" dirty="0"/>
           </a:p>
@@ -3625,7 +3625,7 @@
           <a:p>
             <a:fld id="{E9F9C37B-1D36-470B-8223-D6C91242EC14}" type="datetimeFigureOut">
               <a:rPr lang="en-US" dirty="0"/>
-              <a:t>4/10/19</a:t>
+              <a:t>4/11/19</a:t>
             </a:fld>
             <a:endParaRPr lang="en-US" dirty="0"/>
           </a:p>
@@ -3800,7 +3800,7 @@
           <a:p>
             <a:fld id="{67C6F52A-A82B-47A2-A83A-8C4C91F2D59F}" type="datetimeFigureOut">
               <a:rPr lang="en-US" dirty="0"/>
-              <a:t>4/10/19</a:t>
+              <a:t>4/11/19</a:t>
             </a:fld>
             <a:endParaRPr lang="en-US" dirty="0"/>
           </a:p>
@@ -3965,7 +3965,7 @@
           <a:p>
             <a:fld id="{F070A7B3-6521-4DCA-87E5-044747A908C1}" type="datetimeFigureOut">
               <a:rPr lang="en-US" dirty="0"/>
-              <a:t>4/10/19</a:t>
+              <a:t>4/11/19</a:t>
             </a:fld>
             <a:endParaRPr lang="en-US" dirty="0"/>
           </a:p>
@@ -4229,7 +4229,7 @@
           <a:p>
             <a:fld id="{1160EA64-D806-43AC-9DF2-F8C432F32B4C}" type="datetimeFigureOut">
               <a:rPr lang="en-US" dirty="0"/>
-              <a:t>4/10/19</a:t>
+              <a:t>4/11/19</a:t>
             </a:fld>
             <a:endParaRPr lang="en-US" dirty="0"/>
           </a:p>
@@ -4457,7 +4457,7 @@
           <a:p>
             <a:fld id="{AB134690-1557-4C89-A502-4959FE7FAD70}" type="datetimeFigureOut">
               <a:rPr lang="en-US" dirty="0"/>
-              <a:t>4/10/19</a:t>
+              <a:t>4/11/19</a:t>
             </a:fld>
             <a:endParaRPr lang="en-US" dirty="0"/>
           </a:p>
@@ -4811,7 +4811,7 @@
           <a:p>
             <a:fld id="{4F7D4976-E339-4826-83B7-FBD03F55ECF8}" type="datetimeFigureOut">
               <a:rPr lang="en-US" dirty="0"/>
-              <a:t>4/10/19</a:t>
+              <a:t>4/11/19</a:t>
             </a:fld>
             <a:endParaRPr lang="en-US" dirty="0"/>
           </a:p>
@@ -4947,7 +4947,7 @@
           <a:p>
             <a:fld id="{E1037C31-9E7A-4F99-8774-A0E530DE1A42}" type="datetimeFigureOut">
               <a:rPr lang="en-US" dirty="0"/>
-              <a:t>4/10/19</a:t>
+              <a:t>4/11/19</a:t>
             </a:fld>
             <a:endParaRPr lang="en-US" dirty="0"/>
           </a:p>
@@ -5037,7 +5037,7 @@
           <a:p>
             <a:fld id="{C278504F-A551-4DE0-9316-4DCD1D8CC752}" type="datetimeFigureOut">
               <a:rPr lang="en-US" dirty="0"/>
-              <a:t>4/10/19</a:t>
+              <a:t>4/11/19</a:t>
             </a:fld>
             <a:endParaRPr lang="en-US" dirty="0"/>
           </a:p>
@@ -5389,7 +5389,7 @@
           <a:p>
             <a:fld id="{D1BE4249-C0D0-4B06-8692-E8BB871AF643}" type="datetimeFigureOut">
               <a:rPr lang="en-US" dirty="0"/>
-              <a:t>4/10/19</a:t>
+              <a:t>4/11/19</a:t>
             </a:fld>
             <a:endParaRPr lang="en-US" dirty="0"/>
           </a:p>
@@ -5741,7 +5741,7 @@
           <a:p>
             <a:fld id="{042B0DB6-F5C7-45FB-8CF3-31B45F9C2DAC}" type="datetimeFigureOut">
               <a:rPr lang="en-US" dirty="0"/>
-              <a:t>4/10/19</a:t>
+              <a:t>4/11/19</a:t>
             </a:fld>
             <a:endParaRPr lang="en-US" dirty="0"/>
           </a:p>
@@ -5977,7 +5977,7 @@
           <a:p>
             <a:fld id="{1160EA64-D806-43AC-9DF2-F8C432F32B4C}" type="datetimeFigureOut">
               <a:rPr lang="en-US" dirty="0"/>
-              <a:t>4/10/19</a:t>
+              <a:t>4/11/19</a:t>
             </a:fld>
             <a:endParaRPr lang="en-US" dirty="0"/>
           </a:p>
@@ -7826,7 +7826,7 @@
             <p:ph idx="1"/>
             <p:extLst>
               <p:ext uri="{D42A27DB-BD31-4B8C-83A1-F6EECF244321}">
-                <p14:modId xmlns:p14="http://schemas.microsoft.com/office/powerpoint/2010/main" val="1632804673"/>
+                <p14:modId xmlns:p14="http://schemas.microsoft.com/office/powerpoint/2010/main" val="350013130"/>
               </p:ext>
             </p:extLst>
           </p:nvPr>
@@ -7954,7 +7954,7 @@
                       <a:pPr algn="ctr"/>
                       <a:r>
                         <a:rPr lang="en-US" dirty="0"/>
-                        <a:t>330</a:t>
+                        <a:t>315</a:t>
                       </a:r>
                     </a:p>
                   </a:txBody>
@@ -7968,7 +7968,7 @@
                       <a:pPr algn="ctr"/>
                       <a:r>
                         <a:rPr lang="en-US" dirty="0"/>
-                        <a:t>470</a:t>
+                        <a:t>280</a:t>
                       </a:r>
                     </a:p>
                   </a:txBody>
@@ -7982,7 +7982,7 @@
                       <a:pPr algn="ctr"/>
                       <a:r>
                         <a:rPr lang="en-US" dirty="0"/>
-                        <a:t>200</a:t>
+                        <a:t>405</a:t>
                       </a:r>
                     </a:p>
                   </a:txBody>
@@ -8017,7 +8017,7 @@
                       <a:pPr algn="ctr"/>
                       <a:r>
                         <a:rPr lang="en-US" dirty="0"/>
-                        <a:t>350</a:t>
+                        <a:t>390</a:t>
                       </a:r>
                     </a:p>
                   </a:txBody>
@@ -8031,7 +8031,7 @@
                       <a:pPr algn="ctr"/>
                       <a:r>
                         <a:rPr lang="en-US" dirty="0"/>
-                        <a:t>450</a:t>
+                        <a:t>275</a:t>
                       </a:r>
                     </a:p>
                   </a:txBody>
@@ -8045,7 +8045,7 @@
                       <a:pPr algn="ctr"/>
                       <a:r>
                         <a:rPr lang="en-US" dirty="0"/>
-                        <a:t>200</a:t>
+                        <a:t>335</a:t>
                       </a:r>
                     </a:p>
                   </a:txBody>
@@ -8080,7 +8080,7 @@
                       <a:pPr algn="ctr"/>
                       <a:r>
                         <a:rPr lang="en-US" dirty="0"/>
-                        <a:t>225</a:t>
+                        <a:t>275</a:t>
                       </a:r>
                     </a:p>
                   </a:txBody>
@@ -8094,7 +8094,7 @@
                       <a:pPr algn="ctr"/>
                       <a:r>
                         <a:rPr lang="en-US" dirty="0"/>
-                        <a:t>375</a:t>
+                        <a:t>410</a:t>
                       </a:r>
                     </a:p>
                   </a:txBody>
@@ -8107,9 +8107,10 @@
                     <a:p>
                       <a:pPr algn="ctr"/>
                       <a:r>
-                        <a:rPr lang="en-US" dirty="0"/>
-                        <a:t>400</a:t>
+                        <a:rPr lang="en-US"/>
+                        <a:t>315</a:t>
                       </a:r>
+                      <a:endParaRPr lang="en-US" dirty="0"/>
                     </a:p>
                   </a:txBody>
                   <a:tcPr/>

--- a/final-ppt.pptx
+++ b/final-ppt.pptx
@@ -11,9 +11,15 @@
     <p:sldId id="259" r:id="rId5"/>
     <p:sldId id="260" r:id="rId6"/>
     <p:sldId id="261" r:id="rId7"/>
-    <p:sldId id="262" r:id="rId8"/>
-    <p:sldId id="263" r:id="rId9"/>
-    <p:sldId id="264" r:id="rId10"/>
+    <p:sldId id="265" r:id="rId8"/>
+    <p:sldId id="266" r:id="rId9"/>
+    <p:sldId id="267" r:id="rId10"/>
+    <p:sldId id="268" r:id="rId11"/>
+    <p:sldId id="263" r:id="rId12"/>
+    <p:sldId id="270" r:id="rId13"/>
+    <p:sldId id="271" r:id="rId14"/>
+    <p:sldId id="274" r:id="rId15"/>
+    <p:sldId id="275" r:id="rId16"/>
   </p:sldIdLst>
   <p:sldSz cx="12192000" cy="6858000"/>
   <p:notesSz cx="6858000" cy="9144000"/>
@@ -121,15 +127,17 @@
 </file>
 
 <file path=ppt/diagrams/colors1.xml><?xml version="1.0" encoding="utf-8"?>
-<dgm:colorsDef xmlns:dgm="http://schemas.openxmlformats.org/drawingml/2006/diagram" xmlns:a="http://schemas.openxmlformats.org/drawingml/2006/main" uniqueId="urn:microsoft.com/office/officeart/2005/8/colors/accent2_2">
+<dgm:colorsDef xmlns:dgm="http://schemas.openxmlformats.org/drawingml/2006/diagram" xmlns:a="http://schemas.openxmlformats.org/drawingml/2006/main" uniqueId="urn:microsoft.com/office/officeart/2005/8/colors/accent2_3">
   <dgm:title val=""/>
   <dgm:desc val=""/>
   <dgm:catLst>
-    <dgm:cat type="accent2" pri="11200"/>
+    <dgm:cat type="accent2" pri="11300"/>
   </dgm:catLst>
   <dgm:styleLbl name="node0">
     <dgm:fillClrLst meth="repeat">
-      <a:schemeClr val="accent2"/>
+      <a:schemeClr val="accent2">
+        <a:shade val="80000"/>
+      </a:schemeClr>
     </dgm:fillClrLst>
     <dgm:linClrLst meth="repeat">
       <a:schemeClr val="lt1"/>
@@ -140,8 +148,13 @@
     <dgm:txEffectClrLst/>
   </dgm:styleLbl>
   <dgm:styleLbl name="node1">
-    <dgm:fillClrLst meth="repeat">
-      <a:schemeClr val="accent2"/>
+    <dgm:fillClrLst>
+      <a:schemeClr val="accent2">
+        <a:shade val="80000"/>
+      </a:schemeClr>
+      <a:schemeClr val="accent2">
+        <a:tint val="70000"/>
+      </a:schemeClr>
     </dgm:fillClrLst>
     <dgm:linClrLst meth="repeat">
       <a:schemeClr val="lt1"/>
@@ -152,11 +165,21 @@
     <dgm:txEffectClrLst/>
   </dgm:styleLbl>
   <dgm:styleLbl name="alignNode1">
-    <dgm:fillClrLst meth="repeat">
-      <a:schemeClr val="accent2"/>
+    <dgm:fillClrLst>
+      <a:schemeClr val="accent2">
+        <a:shade val="80000"/>
+      </a:schemeClr>
+      <a:schemeClr val="accent2">
+        <a:tint val="70000"/>
+      </a:schemeClr>
     </dgm:fillClrLst>
-    <dgm:linClrLst meth="repeat">
-      <a:schemeClr val="accent2"/>
+    <dgm:linClrLst>
+      <a:schemeClr val="accent2">
+        <a:shade val="80000"/>
+      </a:schemeClr>
+      <a:schemeClr val="accent2">
+        <a:tint val="70000"/>
+      </a:schemeClr>
     </dgm:linClrLst>
     <dgm:effectClrLst/>
     <dgm:txLinClrLst/>
@@ -164,8 +187,13 @@
     <dgm:txEffectClrLst/>
   </dgm:styleLbl>
   <dgm:styleLbl name="lnNode1">
-    <dgm:fillClrLst meth="repeat">
-      <a:schemeClr val="accent2"/>
+    <dgm:fillClrLst>
+      <a:schemeClr val="accent2">
+        <a:shade val="80000"/>
+      </a:schemeClr>
+      <a:schemeClr val="accent2">
+        <a:tint val="70000"/>
+      </a:schemeClr>
     </dgm:fillClrLst>
     <dgm:linClrLst meth="repeat">
       <a:schemeClr val="lt1"/>
@@ -176,8 +204,13 @@
     <dgm:txEffectClrLst/>
   </dgm:styleLbl>
   <dgm:styleLbl name="vennNode1">
-    <dgm:fillClrLst meth="repeat">
+    <dgm:fillClrLst>
       <a:schemeClr val="accent2">
+        <a:shade val="80000"/>
+        <a:alpha val="50000"/>
+      </a:schemeClr>
+      <a:schemeClr val="accent2">
+        <a:tint val="70000"/>
         <a:alpha val="50000"/>
       </a:schemeClr>
     </dgm:fillClrLst>
@@ -190,8 +223,10 @@
     <dgm:txEffectClrLst/>
   </dgm:styleLbl>
   <dgm:styleLbl name="node2">
-    <dgm:fillClrLst meth="repeat">
-      <a:schemeClr val="accent2"/>
+    <dgm:fillClrLst>
+      <a:schemeClr val="accent2">
+        <a:tint val="99000"/>
+      </a:schemeClr>
     </dgm:fillClrLst>
     <dgm:linClrLst meth="repeat">
       <a:schemeClr val="lt1"/>
@@ -202,8 +237,10 @@
     <dgm:txEffectClrLst/>
   </dgm:styleLbl>
   <dgm:styleLbl name="node3">
-    <dgm:fillClrLst meth="repeat">
-      <a:schemeClr val="accent2"/>
+    <dgm:fillClrLst>
+      <a:schemeClr val="accent2">
+        <a:tint val="80000"/>
+      </a:schemeClr>
     </dgm:fillClrLst>
     <dgm:linClrLst meth="repeat">
       <a:schemeClr val="lt1"/>
@@ -214,8 +251,10 @@
     <dgm:txEffectClrLst/>
   </dgm:styleLbl>
   <dgm:styleLbl name="node4">
-    <dgm:fillClrLst meth="repeat">
-      <a:schemeClr val="accent2"/>
+    <dgm:fillClrLst>
+      <a:schemeClr val="accent2">
+        <a:tint val="70000"/>
+      </a:schemeClr>
     </dgm:fillClrLst>
     <dgm:linClrLst meth="repeat">
       <a:schemeClr val="lt1"/>
@@ -226,9 +265,12 @@
     <dgm:txEffectClrLst/>
   </dgm:styleLbl>
   <dgm:styleLbl name="fgImgPlace1">
-    <dgm:fillClrLst meth="repeat">
+    <dgm:fillClrLst>
       <a:schemeClr val="accent2">
         <a:tint val="50000"/>
+      </a:schemeClr>
+      <a:schemeClr val="accent2">
+        <a:tint val="20000"/>
       </a:schemeClr>
     </dgm:fillClrLst>
     <dgm:linClrLst meth="repeat">
@@ -242,9 +284,12 @@
     <dgm:txEffectClrLst/>
   </dgm:styleLbl>
   <dgm:styleLbl name="alignImgPlace1">
-    <dgm:fillClrLst meth="repeat">
+    <dgm:fillClrLst>
       <a:schemeClr val="accent2">
         <a:tint val="50000"/>
+      </a:schemeClr>
+      <a:schemeClr val="accent2">
+        <a:tint val="20000"/>
       </a:schemeClr>
     </dgm:fillClrLst>
     <dgm:linClrLst meth="repeat">
@@ -258,9 +303,12 @@
     <dgm:txEffectClrLst/>
   </dgm:styleLbl>
   <dgm:styleLbl name="bgImgPlace1">
-    <dgm:fillClrLst meth="repeat">
+    <dgm:fillClrLst>
       <a:schemeClr val="accent2">
         <a:tint val="50000"/>
+      </a:schemeClr>
+      <a:schemeClr val="accent2">
+        <a:tint val="20000"/>
       </a:schemeClr>
     </dgm:fillClrLst>
     <dgm:linClrLst meth="repeat">
@@ -274,14 +322,20 @@
     <dgm:txEffectClrLst/>
   </dgm:styleLbl>
   <dgm:styleLbl name="sibTrans2D1">
-    <dgm:fillClrLst meth="repeat">
+    <dgm:fillClrLst>
       <a:schemeClr val="accent2">
-        <a:tint val="60000"/>
+        <a:shade val="90000"/>
+      </a:schemeClr>
+      <a:schemeClr val="accent2">
+        <a:tint val="70000"/>
       </a:schemeClr>
     </dgm:fillClrLst>
-    <dgm:linClrLst meth="repeat">
+    <dgm:linClrLst>
       <a:schemeClr val="accent2">
-        <a:tint val="60000"/>
+        <a:shade val="90000"/>
+      </a:schemeClr>
+      <a:schemeClr val="accent2">
+        <a:tint val="70000"/>
       </a:schemeClr>
     </dgm:linClrLst>
     <dgm:effectClrLst/>
@@ -290,38 +344,78 @@
     <dgm:txEffectClrLst/>
   </dgm:styleLbl>
   <dgm:styleLbl name="fgSibTrans2D1">
-    <dgm:fillClrLst meth="repeat">
+    <dgm:fillClrLst>
       <a:schemeClr val="accent2">
-        <a:tint val="60000"/>
+        <a:shade val="90000"/>
+      </a:schemeClr>
+      <a:schemeClr val="accent2">
+        <a:tint val="70000"/>
       </a:schemeClr>
     </dgm:fillClrLst>
-    <dgm:linClrLst meth="repeat">
+    <dgm:linClrLst>
       <a:schemeClr val="accent2">
-        <a:tint val="60000"/>
+        <a:shade val="90000"/>
+      </a:schemeClr>
+      <a:schemeClr val="accent2">
+        <a:tint val="70000"/>
       </a:schemeClr>
     </dgm:linClrLst>
     <dgm:effectClrLst/>
     <dgm:txLinClrLst/>
-    <dgm:txFillClrLst/>
+    <dgm:txFillClrLst meth="repeat">
+      <a:schemeClr val="lt1"/>
+    </dgm:txFillClrLst>
     <dgm:txEffectClrLst/>
   </dgm:styleLbl>
   <dgm:styleLbl name="bgSibTrans2D1">
-    <dgm:fillClrLst meth="repeat">
+    <dgm:fillClrLst>
       <a:schemeClr val="accent2">
-        <a:tint val="60000"/>
+        <a:shade val="90000"/>
+      </a:schemeClr>
+      <a:schemeClr val="accent2">
+        <a:tint val="70000"/>
       </a:schemeClr>
     </dgm:fillClrLst>
-    <dgm:linClrLst meth="repeat">
+    <dgm:linClrLst>
       <a:schemeClr val="accent2">
-        <a:tint val="60000"/>
+        <a:shade val="90000"/>
+      </a:schemeClr>
+      <a:schemeClr val="accent2">
+        <a:tint val="70000"/>
       </a:schemeClr>
     </dgm:linClrLst>
     <dgm:effectClrLst/>
     <dgm:txLinClrLst/>
-    <dgm:txFillClrLst/>
+    <dgm:txFillClrLst meth="repeat">
+      <a:schemeClr val="lt1"/>
+    </dgm:txFillClrLst>
     <dgm:txEffectClrLst/>
   </dgm:styleLbl>
   <dgm:styleLbl name="sibTrans1D1">
+    <dgm:fillClrLst>
+      <a:schemeClr val="accent2">
+        <a:shade val="90000"/>
+      </a:schemeClr>
+      <a:schemeClr val="accent2">
+        <a:tint val="70000"/>
+      </a:schemeClr>
+    </dgm:fillClrLst>
+    <dgm:linClrLst>
+      <a:schemeClr val="accent2">
+        <a:shade val="90000"/>
+      </a:schemeClr>
+      <a:schemeClr val="accent2">
+        <a:tint val="70000"/>
+      </a:schemeClr>
+    </dgm:linClrLst>
+    <dgm:effectClrLst/>
+    <dgm:txLinClrLst/>
+    <dgm:txFillClrLst meth="repeat">
+      <a:schemeClr val="tx1"/>
+    </dgm:txFillClrLst>
+    <dgm:txEffectClrLst/>
+  </dgm:styleLbl>
+  <dgm:styleLbl name="callout">
     <dgm:fillClrLst meth="repeat">
       <a:schemeClr val="accent2"/>
     </dgm:fillClrLst>
@@ -335,25 +429,11 @@
     </dgm:txFillClrLst>
     <dgm:txEffectClrLst/>
   </dgm:styleLbl>
-  <dgm:styleLbl name="callout">
-    <dgm:fillClrLst meth="repeat">
-      <a:schemeClr val="accent2"/>
-    </dgm:fillClrLst>
-    <dgm:linClrLst meth="repeat">
-      <a:schemeClr val="accent2">
-        <a:tint val="50000"/>
-      </a:schemeClr>
-    </dgm:linClrLst>
-    <dgm:effectClrLst/>
-    <dgm:txLinClrLst/>
-    <dgm:txFillClrLst meth="repeat">
-      <a:schemeClr val="tx1"/>
-    </dgm:txFillClrLst>
-    <dgm:txEffectClrLst/>
-  </dgm:styleLbl>
   <dgm:styleLbl name="asst0">
     <dgm:fillClrLst meth="repeat">
-      <a:schemeClr val="accent2"/>
+      <a:schemeClr val="accent2">
+        <a:shade val="80000"/>
+      </a:schemeClr>
     </dgm:fillClrLst>
     <dgm:linClrLst meth="repeat">
       <a:schemeClr val="lt1"/>
@@ -365,7 +445,9 @@
   </dgm:styleLbl>
   <dgm:styleLbl name="asst1">
     <dgm:fillClrLst meth="repeat">
-      <a:schemeClr val="accent2"/>
+      <a:schemeClr val="accent2">
+        <a:shade val="80000"/>
+      </a:schemeClr>
     </dgm:fillClrLst>
     <dgm:linClrLst meth="repeat">
       <a:schemeClr val="lt1"/>
@@ -376,8 +458,10 @@
     <dgm:txEffectClrLst/>
   </dgm:styleLbl>
   <dgm:styleLbl name="asst2">
-    <dgm:fillClrLst meth="repeat">
-      <a:schemeClr val="accent2"/>
+    <dgm:fillClrLst>
+      <a:schemeClr val="accent2">
+        <a:tint val="99000"/>
+      </a:schemeClr>
     </dgm:fillClrLst>
     <dgm:linClrLst meth="repeat">
       <a:schemeClr val="lt1"/>
@@ -388,8 +472,10 @@
     <dgm:txEffectClrLst/>
   </dgm:styleLbl>
   <dgm:styleLbl name="asst3">
-    <dgm:fillClrLst meth="repeat">
-      <a:schemeClr val="accent2"/>
+    <dgm:fillClrLst>
+      <a:schemeClr val="accent2">
+        <a:tint val="80000"/>
+      </a:schemeClr>
     </dgm:fillClrLst>
     <dgm:linClrLst meth="repeat">
       <a:schemeClr val="lt1"/>
@@ -400,8 +486,10 @@
     <dgm:txEffectClrLst/>
   </dgm:styleLbl>
   <dgm:styleLbl name="asst4">
-    <dgm:fillClrLst meth="repeat">
-      <a:schemeClr val="accent2"/>
+    <dgm:fillClrLst>
+      <a:schemeClr val="accent2">
+        <a:tint val="70000"/>
+      </a:schemeClr>
     </dgm:fillClrLst>
     <dgm:linClrLst meth="repeat">
       <a:schemeClr val="lt1"/>
@@ -431,38 +519,46 @@
   </dgm:styleLbl>
   <dgm:styleLbl name="parChTrans2D2">
     <dgm:fillClrLst meth="repeat">
-      <a:schemeClr val="accent2"/>
+      <a:schemeClr val="accent2">
+        <a:tint val="90000"/>
+      </a:schemeClr>
     </dgm:fillClrLst>
     <dgm:linClrLst meth="repeat">
-      <a:schemeClr val="accent2"/>
+      <a:schemeClr val="accent2">
+        <a:tint val="90000"/>
+      </a:schemeClr>
     </dgm:linClrLst>
     <dgm:effectClrLst/>
     <dgm:txLinClrLst/>
-    <dgm:txFillClrLst meth="repeat">
-      <a:schemeClr val="lt1"/>
-    </dgm:txFillClrLst>
+    <dgm:txFillClrLst/>
     <dgm:txEffectClrLst/>
   </dgm:styleLbl>
   <dgm:styleLbl name="parChTrans2D3">
     <dgm:fillClrLst meth="repeat">
-      <a:schemeClr val="accent2"/>
+      <a:schemeClr val="accent2">
+        <a:tint val="70000"/>
+      </a:schemeClr>
     </dgm:fillClrLst>
     <dgm:linClrLst meth="repeat">
-      <a:schemeClr val="accent2"/>
+      <a:schemeClr val="accent2">
+        <a:tint val="70000"/>
+      </a:schemeClr>
     </dgm:linClrLst>
     <dgm:effectClrLst/>
     <dgm:txLinClrLst/>
-    <dgm:txFillClrLst meth="repeat">
-      <a:schemeClr val="lt1"/>
-    </dgm:txFillClrLst>
+    <dgm:txFillClrLst/>
     <dgm:txEffectClrLst/>
   </dgm:styleLbl>
   <dgm:styleLbl name="parChTrans2D4">
     <dgm:fillClrLst meth="repeat">
-      <a:schemeClr val="accent2"/>
+      <a:schemeClr val="accent2">
+        <a:tint val="50000"/>
+      </a:schemeClr>
     </dgm:fillClrLst>
     <dgm:linClrLst meth="repeat">
-      <a:schemeClr val="accent2"/>
+      <a:schemeClr val="accent2">
+        <a:tint val="50000"/>
+      </a:schemeClr>
     </dgm:linClrLst>
     <dgm:effectClrLst/>
     <dgm:txLinClrLst/>
@@ -473,39 +569,9 @@
   </dgm:styleLbl>
   <dgm:styleLbl name="parChTrans1D1">
     <dgm:fillClrLst meth="repeat">
-      <a:schemeClr val="accent2"/>
-    </dgm:fillClrLst>
-    <dgm:linClrLst meth="repeat">
       <a:schemeClr val="accent2">
-        <a:shade val="60000"/>
+        <a:shade val="80000"/>
       </a:schemeClr>
-    </dgm:linClrLst>
-    <dgm:effectClrLst/>
-    <dgm:txLinClrLst/>
-    <dgm:txFillClrLst meth="repeat">
-      <a:schemeClr val="tx1"/>
-    </dgm:txFillClrLst>
-    <dgm:txEffectClrLst/>
-  </dgm:styleLbl>
-  <dgm:styleLbl name="parChTrans1D2">
-    <dgm:fillClrLst meth="repeat">
-      <a:schemeClr val="accent2"/>
-    </dgm:fillClrLst>
-    <dgm:linClrLst meth="repeat">
-      <a:schemeClr val="accent2">
-        <a:shade val="60000"/>
-      </a:schemeClr>
-    </dgm:linClrLst>
-    <dgm:effectClrLst/>
-    <dgm:txLinClrLst/>
-    <dgm:txFillClrLst meth="repeat">
-      <a:schemeClr val="tx1"/>
-    </dgm:txFillClrLst>
-    <dgm:txEffectClrLst/>
-  </dgm:styleLbl>
-  <dgm:styleLbl name="parChTrans1D3">
-    <dgm:fillClrLst meth="repeat">
-      <a:schemeClr val="accent2"/>
     </dgm:fillClrLst>
     <dgm:linClrLst meth="repeat">
       <a:schemeClr val="accent2">
@@ -519,13 +585,51 @@
     </dgm:txFillClrLst>
     <dgm:txEffectClrLst/>
   </dgm:styleLbl>
-  <dgm:styleLbl name="parChTrans1D4">
+  <dgm:styleLbl name="parChTrans1D2">
     <dgm:fillClrLst meth="repeat">
-      <a:schemeClr val="accent2"/>
+      <a:schemeClr val="accent2">
+        <a:tint val="99000"/>
+      </a:schemeClr>
     </dgm:fillClrLst>
     <dgm:linClrLst meth="repeat">
       <a:schemeClr val="accent2">
-        <a:shade val="80000"/>
+        <a:tint val="99000"/>
+      </a:schemeClr>
+    </dgm:linClrLst>
+    <dgm:effectClrLst/>
+    <dgm:txLinClrLst/>
+    <dgm:txFillClrLst meth="repeat">
+      <a:schemeClr val="tx1"/>
+    </dgm:txFillClrLst>
+    <dgm:txEffectClrLst/>
+  </dgm:styleLbl>
+  <dgm:styleLbl name="parChTrans1D3">
+    <dgm:fillClrLst meth="repeat">
+      <a:schemeClr val="accent2">
+        <a:tint val="80000"/>
+      </a:schemeClr>
+    </dgm:fillClrLst>
+    <dgm:linClrLst meth="repeat">
+      <a:schemeClr val="accent2">
+        <a:tint val="80000"/>
+      </a:schemeClr>
+    </dgm:linClrLst>
+    <dgm:effectClrLst/>
+    <dgm:txLinClrLst/>
+    <dgm:txFillClrLst meth="repeat">
+      <a:schemeClr val="tx1"/>
+    </dgm:txFillClrLst>
+    <dgm:txEffectClrLst/>
+  </dgm:styleLbl>
+  <dgm:styleLbl name="parChTrans1D4">
+    <dgm:fillClrLst meth="repeat">
+      <a:schemeClr val="accent2">
+        <a:tint val="70000"/>
+      </a:schemeClr>
+    </dgm:fillClrLst>
+    <dgm:linClrLst meth="repeat">
+      <a:schemeClr val="accent2">
+        <a:tint val="70000"/>
       </a:schemeClr>
     </dgm:linClrLst>
     <dgm:effectClrLst/>
@@ -541,8 +645,13 @@
         <a:alpha val="90000"/>
       </a:schemeClr>
     </dgm:fillClrLst>
-    <dgm:linClrLst meth="repeat">
-      <a:schemeClr val="accent2"/>
+    <dgm:linClrLst>
+      <a:schemeClr val="accent2">
+        <a:shade val="80000"/>
+      </a:schemeClr>
+      <a:schemeClr val="accent2">
+        <a:tint val="70000"/>
+      </a:schemeClr>
     </dgm:linClrLst>
     <dgm:effectClrLst/>
     <dgm:txLinClrLst/>
@@ -557,8 +666,13 @@
         <a:alpha val="90000"/>
       </a:schemeClr>
     </dgm:fillClrLst>
-    <dgm:linClrLst meth="repeat">
-      <a:schemeClr val="accent2"/>
+    <dgm:linClrLst>
+      <a:schemeClr val="accent2">
+        <a:shade val="80000"/>
+      </a:schemeClr>
+      <a:schemeClr val="accent2">
+        <a:tint val="70000"/>
+      </a:schemeClr>
     </dgm:linClrLst>
     <dgm:effectClrLst/>
     <dgm:txLinClrLst/>
@@ -573,8 +687,13 @@
         <a:alpha val="90000"/>
       </a:schemeClr>
     </dgm:fillClrLst>
-    <dgm:linClrLst meth="repeat">
-      <a:schemeClr val="accent2"/>
+    <dgm:linClrLst>
+      <a:schemeClr val="accent2">
+        <a:shade val="80000"/>
+      </a:schemeClr>
+      <a:schemeClr val="accent2">
+        <a:tint val="70000"/>
+      </a:schemeClr>
     </dgm:linClrLst>
     <dgm:effectClrLst/>
     <dgm:txLinClrLst/>
@@ -605,8 +724,13 @@
         <a:alpha val="90000"/>
       </a:schemeClr>
     </dgm:fillClrLst>
-    <dgm:linClrLst meth="repeat">
-      <a:schemeClr val="accent2"/>
+    <dgm:linClrLst>
+      <a:schemeClr val="accent2">
+        <a:shade val="80000"/>
+      </a:schemeClr>
+      <a:schemeClr val="accent2">
+        <a:tint val="70000"/>
+      </a:schemeClr>
     </dgm:linClrLst>
     <dgm:effectClrLst/>
     <dgm:txLinClrLst/>
@@ -619,8 +743,13 @@
     <dgm:fillClrLst meth="repeat">
       <a:schemeClr val="lt1"/>
     </dgm:fillClrLst>
-    <dgm:linClrLst meth="repeat">
-      <a:schemeClr val="accent2"/>
+    <dgm:linClrLst>
+      <a:schemeClr val="accent2">
+        <a:shade val="80000"/>
+      </a:schemeClr>
+      <a:schemeClr val="accent2">
+        <a:tint val="70000"/>
+      </a:schemeClr>
     </dgm:linClrLst>
     <dgm:effectClrLst/>
     <dgm:txLinClrLst/>
@@ -705,10 +834,7 @@
       </a:schemeClr>
     </dgm:fillClrLst>
     <dgm:linClrLst meth="repeat">
-      <a:schemeClr val="accent2">
-        <a:alpha val="90000"/>
-        <a:tint val="40000"/>
-      </a:schemeClr>
+      <a:schemeClr val="lt1"/>
     </dgm:linClrLst>
     <dgm:effectClrLst/>
     <dgm:txLinClrLst/>
@@ -724,7 +850,9 @@
       </a:schemeClr>
     </dgm:fillClrLst>
     <dgm:linClrLst meth="repeat">
-      <a:schemeClr val="accent2"/>
+      <a:schemeClr val="accent2">
+        <a:shade val="80000"/>
+      </a:schemeClr>
     </dgm:linClrLst>
     <dgm:effectClrLst/>
     <dgm:txLinClrLst/>
@@ -740,7 +868,9 @@
       </a:schemeClr>
     </dgm:fillClrLst>
     <dgm:linClrLst meth="repeat">
-      <a:schemeClr val="accent2"/>
+      <a:schemeClr val="accent2">
+        <a:tint val="99000"/>
+      </a:schemeClr>
     </dgm:linClrLst>
     <dgm:effectClrLst/>
     <dgm:txLinClrLst/>
@@ -756,7 +886,9 @@
       </a:schemeClr>
     </dgm:fillClrLst>
     <dgm:linClrLst meth="repeat">
-      <a:schemeClr val="accent2"/>
+      <a:schemeClr val="accent2">
+        <a:tint val="80000"/>
+      </a:schemeClr>
     </dgm:linClrLst>
     <dgm:effectClrLst/>
     <dgm:txLinClrLst/>
@@ -772,7 +904,9 @@
       </a:schemeClr>
     </dgm:fillClrLst>
     <dgm:linClrLst meth="repeat">
-      <a:schemeClr val="accent2"/>
+      <a:schemeClr val="accent2">
+        <a:tint val="70000"/>
+      </a:schemeClr>
     </dgm:linClrLst>
     <dgm:effectClrLst/>
     <dgm:txLinClrLst/>
@@ -788,7 +922,7 @@
       </a:schemeClr>
     </dgm:fillClrLst>
     <dgm:linClrLst meth="repeat">
-      <a:schemeClr val="accent2"/>
+      <a:schemeClr val="dk1"/>
     </dgm:linClrLst>
     <dgm:effectClrLst/>
     <dgm:txLinClrLst/>
@@ -800,11 +934,11 @@
   <dgm:styleLbl name="dkBgShp">
     <dgm:fillClrLst meth="repeat">
       <a:schemeClr val="accent2">
-        <a:shade val="80000"/>
+        <a:shade val="90000"/>
       </a:schemeClr>
     </dgm:fillClrLst>
     <dgm:linClrLst meth="repeat">
-      <a:schemeClr val="accent2"/>
+      <a:schemeClr val="dk1"/>
     </dgm:linClrLst>
     <dgm:effectClrLst/>
     <dgm:txLinClrLst/>
@@ -833,7 +967,7 @@
   <dgm:styleLbl name="fgShp">
     <dgm:fillClrLst meth="repeat">
       <a:schemeClr val="accent2">
-        <a:tint val="60000"/>
+        <a:tint val="40000"/>
       </a:schemeClr>
     </dgm:fillClrLst>
     <dgm:linClrLst meth="repeat">
@@ -871,7 +1005,7 @@
 <dgm:dataModel xmlns:dgm="http://schemas.openxmlformats.org/drawingml/2006/diagram" xmlns:a="http://schemas.openxmlformats.org/drawingml/2006/main">
   <dgm:ptLst>
     <dgm:pt modelId="{3FAAB076-25A9-F74A-A31B-EFD11629609B}" type="doc">
-      <dgm:prSet loTypeId="urn:microsoft.com/office/officeart/2005/8/layout/process5" loCatId="" qsTypeId="urn:microsoft.com/office/officeart/2005/8/quickstyle/simple1" qsCatId="simple" csTypeId="urn:microsoft.com/office/officeart/2005/8/colors/accent2_2" csCatId="accent2" phldr="1"/>
+      <dgm:prSet loTypeId="urn:microsoft.com/office/officeart/2005/8/layout/process5" loCatId="" qsTypeId="urn:microsoft.com/office/officeart/2005/8/quickstyle/simple5" qsCatId="simple" csTypeId="urn:microsoft.com/office/officeart/2005/8/colors/accent2_3" csCatId="accent2" phldr="1"/>
       <dgm:spPr/>
     </dgm:pt>
     <dgm:pt modelId="{68EEB23B-731D-F546-BF6B-E34C333AE230}">
@@ -955,15 +1089,7 @@
         <a:p>
           <a:r>
             <a:rPr lang="en-US" dirty="0"/>
-            <a:t>Using Linear </a:t>
-          </a:r>
-          <a:r>
-            <a:rPr lang="en-US" dirty="0" err="1"/>
-            <a:t>Optimiization</a:t>
-          </a:r>
-          <a:r>
-            <a:rPr lang="en-US" dirty="0"/>
-            <a:t>,  find any solution that satisfies the constraints</a:t>
+            <a:t>Using Linear Optimization,  find any solution that satisfies the constraints</a:t>
           </a:r>
         </a:p>
       </dgm:t>
@@ -1071,7 +1197,7 @@
         <a:p>
           <a:r>
             <a:rPr lang="en-US" dirty="0"/>
-            <a:t>Final Room Allocation with Prices is done!</a:t>
+            <a:t>Final Room Allocation with Prices is done</a:t>
           </a:r>
         </a:p>
       </dgm:t>
@@ -1270,35 +1396,75 @@
             <a:gd name="adj" fmla="val 10000"/>
           </a:avLst>
         </a:prstGeom>
-        <a:solidFill>
-          <a:schemeClr val="accent2">
-            <a:hueOff val="0"/>
-            <a:satOff val="0"/>
-            <a:lumOff val="0"/>
-            <a:alphaOff val="0"/>
-          </a:schemeClr>
-        </a:solidFill>
-        <a:ln w="12700" cap="flat" cmpd="sng" algn="ctr">
-          <a:solidFill>
-            <a:schemeClr val="lt1">
-              <a:hueOff val="0"/>
-              <a:satOff val="0"/>
-              <a:lumOff val="0"/>
-              <a:alphaOff val="0"/>
-            </a:schemeClr>
-          </a:solidFill>
-          <a:prstDash val="solid"/>
+        <a:gradFill rotWithShape="0">
+          <a:gsLst>
+            <a:gs pos="0">
+              <a:schemeClr val="accent2">
+                <a:shade val="80000"/>
+                <a:hueOff val="0"/>
+                <a:satOff val="0"/>
+                <a:lumOff val="0"/>
+                <a:alphaOff val="0"/>
+                <a:tint val="97000"/>
+                <a:satMod val="100000"/>
+                <a:lumMod val="102000"/>
+              </a:schemeClr>
+            </a:gs>
+            <a:gs pos="50000">
+              <a:schemeClr val="accent2">
+                <a:shade val="80000"/>
+                <a:hueOff val="0"/>
+                <a:satOff val="0"/>
+                <a:lumOff val="0"/>
+                <a:alphaOff val="0"/>
+                <a:shade val="100000"/>
+                <a:satMod val="103000"/>
+                <a:lumMod val="100000"/>
+              </a:schemeClr>
+            </a:gs>
+            <a:gs pos="100000">
+              <a:schemeClr val="accent2">
+                <a:shade val="80000"/>
+                <a:hueOff val="0"/>
+                <a:satOff val="0"/>
+                <a:lumOff val="0"/>
+                <a:alphaOff val="0"/>
+                <a:shade val="93000"/>
+                <a:satMod val="110000"/>
+                <a:lumMod val="99000"/>
+              </a:schemeClr>
+            </a:gs>
+          </a:gsLst>
+          <a:lin ang="5400000" scaled="0"/>
+        </a:gradFill>
+        <a:ln>
+          <a:noFill/>
         </a:ln>
-        <a:effectLst/>
+        <a:effectLst>
+          <a:outerShdw blurRad="55880" dist="15240" dir="5400000" algn="ctr" rotWithShape="0">
+            <a:srgbClr val="000000">
+              <a:alpha val="45000"/>
+            </a:srgbClr>
+          </a:outerShdw>
+        </a:effectLst>
+        <a:scene3d>
+          <a:camera prst="orthographicFront">
+            <a:rot lat="0" lon="0" rev="0"/>
+          </a:camera>
+          <a:lightRig rig="brightRoom" dir="tl"/>
+        </a:scene3d>
+        <a:sp3d prstMaterial="dkEdge">
+          <a:bevelT w="0" h="0"/>
+        </a:sp3d>
       </dsp:spPr>
       <dsp:style>
-        <a:lnRef idx="2">
+        <a:lnRef idx="0">
           <a:scrgbClr r="0" g="0" b="0"/>
         </a:lnRef>
-        <a:fillRef idx="1">
+        <a:fillRef idx="3">
           <a:scrgbClr r="0" g="0" b="0"/>
         </a:fillRef>
-        <a:effectRef idx="0">
+        <a:effectRef idx="3">
           <a:scrgbClr r="0" g="0" b="0"/>
         </a:effectRef>
         <a:fontRef idx="minor">
@@ -1306,12 +1472,12 @@
         </a:fontRef>
       </dsp:style>
       <dsp:txBody>
-        <a:bodyPr spcFirstLastPara="0" vert="horz" wrap="square" lIns="53340" tIns="53340" rIns="53340" bIns="53340" numCol="1" spcCol="1270" anchor="ctr" anchorCtr="0">
+        <a:bodyPr spcFirstLastPara="0" vert="horz" wrap="square" lIns="57150" tIns="57150" rIns="57150" bIns="57150" numCol="1" spcCol="1270" anchor="ctr" anchorCtr="0">
           <a:noAutofit/>
         </a:bodyPr>
         <a:lstStyle/>
         <a:p>
-          <a:pPr marL="0" lvl="0" indent="0" algn="ctr" defTabSz="622300">
+          <a:pPr marL="0" lvl="0" indent="0" algn="ctr" defTabSz="666750">
             <a:lnSpc>
               <a:spcPct val="90000"/>
             </a:lnSpc>
@@ -1324,7 +1490,7 @@
             <a:buNone/>
           </a:pPr>
           <a:r>
-            <a:rPr lang="en-US" sz="1400" kern="1200" dirty="0"/>
+            <a:rPr lang="en-US" sz="1500" kern="1200" dirty="0"/>
             <a:t>Accept Input from all Players</a:t>
           </a:r>
         </a:p>
@@ -1350,28 +1516,75 @@
             <a:gd name="adj2" fmla="val 50000"/>
           </a:avLst>
         </a:prstGeom>
-        <a:solidFill>
-          <a:schemeClr val="accent2">
-            <a:tint val="60000"/>
-            <a:hueOff val="0"/>
-            <a:satOff val="0"/>
-            <a:lumOff val="0"/>
-            <a:alphaOff val="0"/>
-          </a:schemeClr>
-        </a:solidFill>
+        <a:gradFill rotWithShape="0">
+          <a:gsLst>
+            <a:gs pos="0">
+              <a:schemeClr val="accent2">
+                <a:shade val="90000"/>
+                <a:hueOff val="0"/>
+                <a:satOff val="0"/>
+                <a:lumOff val="0"/>
+                <a:alphaOff val="0"/>
+                <a:tint val="97000"/>
+                <a:satMod val="100000"/>
+                <a:lumMod val="102000"/>
+              </a:schemeClr>
+            </a:gs>
+            <a:gs pos="50000">
+              <a:schemeClr val="accent2">
+                <a:shade val="90000"/>
+                <a:hueOff val="0"/>
+                <a:satOff val="0"/>
+                <a:lumOff val="0"/>
+                <a:alphaOff val="0"/>
+                <a:shade val="100000"/>
+                <a:satMod val="103000"/>
+                <a:lumMod val="100000"/>
+              </a:schemeClr>
+            </a:gs>
+            <a:gs pos="100000">
+              <a:schemeClr val="accent2">
+                <a:shade val="90000"/>
+                <a:hueOff val="0"/>
+                <a:satOff val="0"/>
+                <a:lumOff val="0"/>
+                <a:alphaOff val="0"/>
+                <a:shade val="93000"/>
+                <a:satMod val="110000"/>
+                <a:lumMod val="99000"/>
+              </a:schemeClr>
+            </a:gs>
+          </a:gsLst>
+          <a:lin ang="5400000" scaled="0"/>
+        </a:gradFill>
         <a:ln>
           <a:noFill/>
         </a:ln>
-        <a:effectLst/>
+        <a:effectLst>
+          <a:outerShdw blurRad="55880" dist="15240" dir="5400000" algn="ctr" rotWithShape="0">
+            <a:srgbClr val="000000">
+              <a:alpha val="45000"/>
+            </a:srgbClr>
+          </a:outerShdw>
+        </a:effectLst>
+        <a:scene3d>
+          <a:camera prst="orthographicFront">
+            <a:rot lat="0" lon="0" rev="0"/>
+          </a:camera>
+          <a:lightRig rig="brightRoom" dir="tl"/>
+        </a:scene3d>
+        <a:sp3d prstMaterial="dkEdge">
+          <a:bevelT w="0" h="0"/>
+        </a:sp3d>
       </dsp:spPr>
       <dsp:style>
         <a:lnRef idx="0">
           <a:scrgbClr r="0" g="0" b="0"/>
         </a:lnRef>
-        <a:fillRef idx="1">
+        <a:fillRef idx="3">
           <a:scrgbClr r="0" g="0" b="0"/>
         </a:fillRef>
-        <a:effectRef idx="0">
+        <a:effectRef idx="3">
           <a:scrgbClr r="0" g="0" b="0"/>
         </a:effectRef>
         <a:fontRef idx="minor">
@@ -1384,7 +1597,7 @@
         </a:bodyPr>
         <a:lstStyle/>
         <a:p>
-          <a:pPr marL="0" lvl="0" indent="0" algn="ctr" defTabSz="488950">
+          <a:pPr marL="0" lvl="0" indent="0" algn="ctr" defTabSz="533400">
             <a:lnSpc>
               <a:spcPct val="90000"/>
             </a:lnSpc>
@@ -1396,7 +1609,7 @@
             </a:spcAft>
             <a:buNone/>
           </a:pPr>
-          <a:endParaRPr lang="en-US" sz="1100" kern="1200"/>
+          <a:endParaRPr lang="en-US" sz="1200" kern="1200"/>
         </a:p>
       </dsp:txBody>
       <dsp:txXfrm>
@@ -1419,35 +1632,75 @@
             <a:gd name="adj" fmla="val 10000"/>
           </a:avLst>
         </a:prstGeom>
-        <a:solidFill>
-          <a:schemeClr val="accent2">
-            <a:hueOff val="0"/>
-            <a:satOff val="0"/>
-            <a:lumOff val="0"/>
-            <a:alphaOff val="0"/>
-          </a:schemeClr>
-        </a:solidFill>
-        <a:ln w="12700" cap="flat" cmpd="sng" algn="ctr">
-          <a:solidFill>
-            <a:schemeClr val="lt1">
-              <a:hueOff val="0"/>
-              <a:satOff val="0"/>
-              <a:lumOff val="0"/>
-              <a:alphaOff val="0"/>
-            </a:schemeClr>
-          </a:solidFill>
-          <a:prstDash val="solid"/>
+        <a:gradFill rotWithShape="0">
+          <a:gsLst>
+            <a:gs pos="0">
+              <a:schemeClr val="accent2">
+                <a:shade val="80000"/>
+                <a:hueOff val="6631"/>
+                <a:satOff val="332"/>
+                <a:lumOff val="3750"/>
+                <a:alphaOff val="0"/>
+                <a:tint val="97000"/>
+                <a:satMod val="100000"/>
+                <a:lumMod val="102000"/>
+              </a:schemeClr>
+            </a:gs>
+            <a:gs pos="50000">
+              <a:schemeClr val="accent2">
+                <a:shade val="80000"/>
+                <a:hueOff val="6631"/>
+                <a:satOff val="332"/>
+                <a:lumOff val="3750"/>
+                <a:alphaOff val="0"/>
+                <a:shade val="100000"/>
+                <a:satMod val="103000"/>
+                <a:lumMod val="100000"/>
+              </a:schemeClr>
+            </a:gs>
+            <a:gs pos="100000">
+              <a:schemeClr val="accent2">
+                <a:shade val="80000"/>
+                <a:hueOff val="6631"/>
+                <a:satOff val="332"/>
+                <a:lumOff val="3750"/>
+                <a:alphaOff val="0"/>
+                <a:shade val="93000"/>
+                <a:satMod val="110000"/>
+                <a:lumMod val="99000"/>
+              </a:schemeClr>
+            </a:gs>
+          </a:gsLst>
+          <a:lin ang="5400000" scaled="0"/>
+        </a:gradFill>
+        <a:ln>
+          <a:noFill/>
         </a:ln>
-        <a:effectLst/>
+        <a:effectLst>
+          <a:outerShdw blurRad="55880" dist="15240" dir="5400000" algn="ctr" rotWithShape="0">
+            <a:srgbClr val="000000">
+              <a:alpha val="45000"/>
+            </a:srgbClr>
+          </a:outerShdw>
+        </a:effectLst>
+        <a:scene3d>
+          <a:camera prst="orthographicFront">
+            <a:rot lat="0" lon="0" rev="0"/>
+          </a:camera>
+          <a:lightRig rig="brightRoom" dir="tl"/>
+        </a:scene3d>
+        <a:sp3d prstMaterial="dkEdge">
+          <a:bevelT w="0" h="0"/>
+        </a:sp3d>
       </dsp:spPr>
       <dsp:style>
-        <a:lnRef idx="2">
+        <a:lnRef idx="0">
           <a:scrgbClr r="0" g="0" b="0"/>
         </a:lnRef>
-        <a:fillRef idx="1">
+        <a:fillRef idx="3">
           <a:scrgbClr r="0" g="0" b="0"/>
         </a:fillRef>
-        <a:effectRef idx="0">
+        <a:effectRef idx="3">
           <a:scrgbClr r="0" g="0" b="0"/>
         </a:effectRef>
         <a:fontRef idx="minor">
@@ -1455,12 +1708,12 @@
         </a:fontRef>
       </dsp:style>
       <dsp:txBody>
-        <a:bodyPr spcFirstLastPara="0" vert="horz" wrap="square" lIns="53340" tIns="53340" rIns="53340" bIns="53340" numCol="1" spcCol="1270" anchor="ctr" anchorCtr="0">
+        <a:bodyPr spcFirstLastPara="0" vert="horz" wrap="square" lIns="57150" tIns="57150" rIns="57150" bIns="57150" numCol="1" spcCol="1270" anchor="ctr" anchorCtr="0">
           <a:noAutofit/>
         </a:bodyPr>
         <a:lstStyle/>
         <a:p>
-          <a:pPr marL="0" lvl="0" indent="0" algn="ctr" defTabSz="622300">
+          <a:pPr marL="0" lvl="0" indent="0" algn="ctr" defTabSz="666750">
             <a:lnSpc>
               <a:spcPct val="90000"/>
             </a:lnSpc>
@@ -1473,7 +1726,7 @@
             <a:buNone/>
           </a:pPr>
           <a:r>
-            <a:rPr lang="en-US" sz="1400" kern="1200" dirty="0"/>
+            <a:rPr lang="en-US" sz="1500" kern="1200" dirty="0"/>
             <a:t>Room to Person Allocation done using Maximum Weighted Bipartite Matching</a:t>
           </a:r>
         </a:p>
@@ -1499,28 +1752,75 @@
             <a:gd name="adj2" fmla="val 50000"/>
           </a:avLst>
         </a:prstGeom>
-        <a:solidFill>
-          <a:schemeClr val="accent2">
-            <a:tint val="60000"/>
-            <a:hueOff val="0"/>
-            <a:satOff val="0"/>
-            <a:lumOff val="0"/>
-            <a:alphaOff val="0"/>
-          </a:schemeClr>
-        </a:solidFill>
+        <a:gradFill rotWithShape="0">
+          <a:gsLst>
+            <a:gs pos="0">
+              <a:schemeClr val="accent2">
+                <a:shade val="90000"/>
+                <a:hueOff val="8280"/>
+                <a:satOff val="5"/>
+                <a:lumOff val="3870"/>
+                <a:alphaOff val="0"/>
+                <a:tint val="97000"/>
+                <a:satMod val="100000"/>
+                <a:lumMod val="102000"/>
+              </a:schemeClr>
+            </a:gs>
+            <a:gs pos="50000">
+              <a:schemeClr val="accent2">
+                <a:shade val="90000"/>
+                <a:hueOff val="8280"/>
+                <a:satOff val="5"/>
+                <a:lumOff val="3870"/>
+                <a:alphaOff val="0"/>
+                <a:shade val="100000"/>
+                <a:satMod val="103000"/>
+                <a:lumMod val="100000"/>
+              </a:schemeClr>
+            </a:gs>
+            <a:gs pos="100000">
+              <a:schemeClr val="accent2">
+                <a:shade val="90000"/>
+                <a:hueOff val="8280"/>
+                <a:satOff val="5"/>
+                <a:lumOff val="3870"/>
+                <a:alphaOff val="0"/>
+                <a:shade val="93000"/>
+                <a:satMod val="110000"/>
+                <a:lumMod val="99000"/>
+              </a:schemeClr>
+            </a:gs>
+          </a:gsLst>
+          <a:lin ang="5400000" scaled="0"/>
+        </a:gradFill>
         <a:ln>
           <a:noFill/>
         </a:ln>
-        <a:effectLst/>
+        <a:effectLst>
+          <a:outerShdw blurRad="55880" dist="15240" dir="5400000" algn="ctr" rotWithShape="0">
+            <a:srgbClr val="000000">
+              <a:alpha val="45000"/>
+            </a:srgbClr>
+          </a:outerShdw>
+        </a:effectLst>
+        <a:scene3d>
+          <a:camera prst="orthographicFront">
+            <a:rot lat="0" lon="0" rev="0"/>
+          </a:camera>
+          <a:lightRig rig="brightRoom" dir="tl"/>
+        </a:scene3d>
+        <a:sp3d prstMaterial="dkEdge">
+          <a:bevelT w="0" h="0"/>
+        </a:sp3d>
       </dsp:spPr>
       <dsp:style>
         <a:lnRef idx="0">
           <a:scrgbClr r="0" g="0" b="0"/>
         </a:lnRef>
-        <a:fillRef idx="1">
+        <a:fillRef idx="3">
           <a:scrgbClr r="0" g="0" b="0"/>
         </a:fillRef>
-        <a:effectRef idx="0">
+        <a:effectRef idx="3">
           <a:scrgbClr r="0" g="0" b="0"/>
         </a:effectRef>
         <a:fontRef idx="minor">
@@ -1533,7 +1833,7 @@
         </a:bodyPr>
         <a:lstStyle/>
         <a:p>
-          <a:pPr marL="0" lvl="0" indent="0" algn="ctr" defTabSz="488950">
+          <a:pPr marL="0" lvl="0" indent="0" algn="ctr" defTabSz="533400">
             <a:lnSpc>
               <a:spcPct val="90000"/>
             </a:lnSpc>
@@ -1545,7 +1845,7 @@
             </a:spcAft>
             <a:buNone/>
           </a:pPr>
-          <a:endParaRPr lang="en-US" sz="1100" kern="1200"/>
+          <a:endParaRPr lang="en-US" sz="1200" kern="1200"/>
         </a:p>
       </dsp:txBody>
       <dsp:txXfrm>
@@ -1568,35 +1868,75 @@
             <a:gd name="adj" fmla="val 10000"/>
           </a:avLst>
         </a:prstGeom>
-        <a:solidFill>
-          <a:schemeClr val="accent2">
-            <a:hueOff val="0"/>
-            <a:satOff val="0"/>
-            <a:lumOff val="0"/>
-            <a:alphaOff val="0"/>
-          </a:schemeClr>
-        </a:solidFill>
-        <a:ln w="12700" cap="flat" cmpd="sng" algn="ctr">
-          <a:solidFill>
-            <a:schemeClr val="lt1">
-              <a:hueOff val="0"/>
-              <a:satOff val="0"/>
-              <a:lumOff val="0"/>
-              <a:alphaOff val="0"/>
-            </a:schemeClr>
-          </a:solidFill>
-          <a:prstDash val="solid"/>
+        <a:gradFill rotWithShape="0">
+          <a:gsLst>
+            <a:gs pos="0">
+              <a:schemeClr val="accent2">
+                <a:shade val="80000"/>
+                <a:hueOff val="13263"/>
+                <a:satOff val="663"/>
+                <a:lumOff val="7500"/>
+                <a:alphaOff val="0"/>
+                <a:tint val="97000"/>
+                <a:satMod val="100000"/>
+                <a:lumMod val="102000"/>
+              </a:schemeClr>
+            </a:gs>
+            <a:gs pos="50000">
+              <a:schemeClr val="accent2">
+                <a:shade val="80000"/>
+                <a:hueOff val="13263"/>
+                <a:satOff val="663"/>
+                <a:lumOff val="7500"/>
+                <a:alphaOff val="0"/>
+                <a:shade val="100000"/>
+                <a:satMod val="103000"/>
+                <a:lumMod val="100000"/>
+              </a:schemeClr>
+            </a:gs>
+            <a:gs pos="100000">
+              <a:schemeClr val="accent2">
+                <a:shade val="80000"/>
+                <a:hueOff val="13263"/>
+                <a:satOff val="663"/>
+                <a:lumOff val="7500"/>
+                <a:alphaOff val="0"/>
+                <a:shade val="93000"/>
+                <a:satMod val="110000"/>
+                <a:lumMod val="99000"/>
+              </a:schemeClr>
+            </a:gs>
+          </a:gsLst>
+          <a:lin ang="5400000" scaled="0"/>
+        </a:gradFill>
+        <a:ln>
+          <a:noFill/>
         </a:ln>
-        <a:effectLst/>
+        <a:effectLst>
+          <a:outerShdw blurRad="55880" dist="15240" dir="5400000" algn="ctr" rotWithShape="0">
+            <a:srgbClr val="000000">
+              <a:alpha val="45000"/>
+            </a:srgbClr>
+          </a:outerShdw>
+        </a:effectLst>
+        <a:scene3d>
+          <a:camera prst="orthographicFront">
+            <a:rot lat="0" lon="0" rev="0"/>
+          </a:camera>
+          <a:lightRig rig="brightRoom" dir="tl"/>
+        </a:scene3d>
+        <a:sp3d prstMaterial="dkEdge">
+          <a:bevelT w="0" h="0"/>
+        </a:sp3d>
       </dsp:spPr>
       <dsp:style>
-        <a:lnRef idx="2">
+        <a:lnRef idx="0">
           <a:scrgbClr r="0" g="0" b="0"/>
         </a:lnRef>
-        <a:fillRef idx="1">
+        <a:fillRef idx="3">
           <a:scrgbClr r="0" g="0" b="0"/>
         </a:fillRef>
-        <a:effectRef idx="0">
+        <a:effectRef idx="3">
           <a:scrgbClr r="0" g="0" b="0"/>
         </a:effectRef>
         <a:fontRef idx="minor">
@@ -1604,12 +1944,12 @@
         </a:fontRef>
       </dsp:style>
       <dsp:txBody>
-        <a:bodyPr spcFirstLastPara="0" vert="horz" wrap="square" lIns="53340" tIns="53340" rIns="53340" bIns="53340" numCol="1" spcCol="1270" anchor="ctr" anchorCtr="0">
+        <a:bodyPr spcFirstLastPara="0" vert="horz" wrap="square" lIns="57150" tIns="57150" rIns="57150" bIns="57150" numCol="1" spcCol="1270" anchor="ctr" anchorCtr="0">
           <a:noAutofit/>
         </a:bodyPr>
         <a:lstStyle/>
         <a:p>
-          <a:pPr marL="0" lvl="0" indent="0" algn="ctr" defTabSz="622300">
+          <a:pPr marL="0" lvl="0" indent="0" algn="ctr" defTabSz="666750">
             <a:lnSpc>
               <a:spcPct val="90000"/>
             </a:lnSpc>
@@ -1622,16 +1962,8 @@
             <a:buNone/>
           </a:pPr>
           <a:r>
-            <a:rPr lang="en-US" sz="1400" kern="1200" dirty="0"/>
-            <a:t>Using Linear </a:t>
-          </a:r>
-          <a:r>
-            <a:rPr lang="en-US" sz="1400" kern="1200" dirty="0" err="1"/>
-            <a:t>Optimiization</a:t>
-          </a:r>
-          <a:r>
-            <a:rPr lang="en-US" sz="1400" kern="1200" dirty="0"/>
-            <a:t>,  find any solution that satisfies the constraints</a:t>
+            <a:rPr lang="en-US" sz="1500" kern="1200" dirty="0"/>
+            <a:t>Using Linear Optimization,  find any solution that satisfies the constraints</a:t>
           </a:r>
         </a:p>
       </dsp:txBody>
@@ -1656,28 +1988,75 @@
             <a:gd name="adj2" fmla="val 50000"/>
           </a:avLst>
         </a:prstGeom>
-        <a:solidFill>
-          <a:schemeClr val="accent2">
-            <a:tint val="60000"/>
-            <a:hueOff val="0"/>
-            <a:satOff val="0"/>
-            <a:lumOff val="0"/>
-            <a:alphaOff val="0"/>
-          </a:schemeClr>
-        </a:solidFill>
+        <a:gradFill rotWithShape="0">
+          <a:gsLst>
+            <a:gs pos="0">
+              <a:schemeClr val="accent2">
+                <a:shade val="90000"/>
+                <a:hueOff val="16561"/>
+                <a:satOff val="10"/>
+                <a:lumOff val="7739"/>
+                <a:alphaOff val="0"/>
+                <a:tint val="97000"/>
+                <a:satMod val="100000"/>
+                <a:lumMod val="102000"/>
+              </a:schemeClr>
+            </a:gs>
+            <a:gs pos="50000">
+              <a:schemeClr val="accent2">
+                <a:shade val="90000"/>
+                <a:hueOff val="16561"/>
+                <a:satOff val="10"/>
+                <a:lumOff val="7739"/>
+                <a:alphaOff val="0"/>
+                <a:shade val="100000"/>
+                <a:satMod val="103000"/>
+                <a:lumMod val="100000"/>
+              </a:schemeClr>
+            </a:gs>
+            <a:gs pos="100000">
+              <a:schemeClr val="accent2">
+                <a:shade val="90000"/>
+                <a:hueOff val="16561"/>
+                <a:satOff val="10"/>
+                <a:lumOff val="7739"/>
+                <a:alphaOff val="0"/>
+                <a:shade val="93000"/>
+                <a:satMod val="110000"/>
+                <a:lumMod val="99000"/>
+              </a:schemeClr>
+            </a:gs>
+          </a:gsLst>
+          <a:lin ang="5400000" scaled="0"/>
+        </a:gradFill>
         <a:ln>
           <a:noFill/>
         </a:ln>
-        <a:effectLst/>
+        <a:effectLst>
+          <a:outerShdw blurRad="55880" dist="15240" dir="5400000" algn="ctr" rotWithShape="0">
+            <a:srgbClr val="000000">
+              <a:alpha val="45000"/>
+            </a:srgbClr>
+          </a:outerShdw>
+        </a:effectLst>
+        <a:scene3d>
+          <a:camera prst="orthographicFront">
+            <a:rot lat="0" lon="0" rev="0"/>
+          </a:camera>
+          <a:lightRig rig="brightRoom" dir="tl"/>
+        </a:scene3d>
+        <a:sp3d prstMaterial="dkEdge">
+          <a:bevelT w="0" h="0"/>
+        </a:sp3d>
       </dsp:spPr>
       <dsp:style>
         <a:lnRef idx="0">
           <a:scrgbClr r="0" g="0" b="0"/>
         </a:lnRef>
-        <a:fillRef idx="1">
+        <a:fillRef idx="3">
           <a:scrgbClr r="0" g="0" b="0"/>
         </a:fillRef>
-        <a:effectRef idx="0">
+        <a:effectRef idx="3">
           <a:scrgbClr r="0" g="0" b="0"/>
         </a:effectRef>
         <a:fontRef idx="minor">
@@ -1690,7 +2069,7 @@
         </a:bodyPr>
         <a:lstStyle/>
         <a:p>
-          <a:pPr marL="0" lvl="0" indent="0" algn="ctr" defTabSz="488950">
+          <a:pPr marL="0" lvl="0" indent="0" algn="ctr" defTabSz="533400">
             <a:lnSpc>
               <a:spcPct val="90000"/>
             </a:lnSpc>
@@ -1702,7 +2081,7 @@
             </a:spcAft>
             <a:buNone/>
           </a:pPr>
-          <a:endParaRPr lang="en-US" sz="1100" kern="1200"/>
+          <a:endParaRPr lang="en-US" sz="1200" kern="1200"/>
         </a:p>
       </dsp:txBody>
       <dsp:txXfrm rot="-5400000">
@@ -1725,35 +2104,75 @@
             <a:gd name="adj" fmla="val 10000"/>
           </a:avLst>
         </a:prstGeom>
-        <a:solidFill>
-          <a:schemeClr val="accent2">
-            <a:hueOff val="0"/>
-            <a:satOff val="0"/>
-            <a:lumOff val="0"/>
-            <a:alphaOff val="0"/>
-          </a:schemeClr>
-        </a:solidFill>
-        <a:ln w="12700" cap="flat" cmpd="sng" algn="ctr">
-          <a:solidFill>
-            <a:schemeClr val="lt1">
-              <a:hueOff val="0"/>
-              <a:satOff val="0"/>
-              <a:lumOff val="0"/>
-              <a:alphaOff val="0"/>
-            </a:schemeClr>
-          </a:solidFill>
-          <a:prstDash val="solid"/>
+        <a:gradFill rotWithShape="0">
+          <a:gsLst>
+            <a:gs pos="0">
+              <a:schemeClr val="accent2">
+                <a:shade val="80000"/>
+                <a:hueOff val="19894"/>
+                <a:satOff val="995"/>
+                <a:lumOff val="11251"/>
+                <a:alphaOff val="0"/>
+                <a:tint val="97000"/>
+                <a:satMod val="100000"/>
+                <a:lumMod val="102000"/>
+              </a:schemeClr>
+            </a:gs>
+            <a:gs pos="50000">
+              <a:schemeClr val="accent2">
+                <a:shade val="80000"/>
+                <a:hueOff val="19894"/>
+                <a:satOff val="995"/>
+                <a:lumOff val="11251"/>
+                <a:alphaOff val="0"/>
+                <a:shade val="100000"/>
+                <a:satMod val="103000"/>
+                <a:lumMod val="100000"/>
+              </a:schemeClr>
+            </a:gs>
+            <a:gs pos="100000">
+              <a:schemeClr val="accent2">
+                <a:shade val="80000"/>
+                <a:hueOff val="19894"/>
+                <a:satOff val="995"/>
+                <a:lumOff val="11251"/>
+                <a:alphaOff val="0"/>
+                <a:shade val="93000"/>
+                <a:satMod val="110000"/>
+                <a:lumMod val="99000"/>
+              </a:schemeClr>
+            </a:gs>
+          </a:gsLst>
+          <a:lin ang="5400000" scaled="0"/>
+        </a:gradFill>
+        <a:ln>
+          <a:noFill/>
         </a:ln>
-        <a:effectLst/>
+        <a:effectLst>
+          <a:outerShdw blurRad="55880" dist="15240" dir="5400000" algn="ctr" rotWithShape="0">
+            <a:srgbClr val="000000">
+              <a:alpha val="45000"/>
+            </a:srgbClr>
+          </a:outerShdw>
+        </a:effectLst>
+        <a:scene3d>
+          <a:camera prst="orthographicFront">
+            <a:rot lat="0" lon="0" rev="0"/>
+          </a:camera>
+          <a:lightRig rig="brightRoom" dir="tl"/>
+        </a:scene3d>
+        <a:sp3d prstMaterial="dkEdge">
+          <a:bevelT w="0" h="0"/>
+        </a:sp3d>
       </dsp:spPr>
       <dsp:style>
-        <a:lnRef idx="2">
+        <a:lnRef idx="0">
           <a:scrgbClr r="0" g="0" b="0"/>
         </a:lnRef>
-        <a:fillRef idx="1">
+        <a:fillRef idx="3">
           <a:scrgbClr r="0" g="0" b="0"/>
         </a:fillRef>
-        <a:effectRef idx="0">
+        <a:effectRef idx="3">
           <a:scrgbClr r="0" g="0" b="0"/>
         </a:effectRef>
         <a:fontRef idx="minor">
@@ -1761,12 +2180,12 @@
         </a:fontRef>
       </dsp:style>
       <dsp:txBody>
-        <a:bodyPr spcFirstLastPara="0" vert="horz" wrap="square" lIns="53340" tIns="53340" rIns="53340" bIns="53340" numCol="1" spcCol="1270" anchor="ctr" anchorCtr="0">
+        <a:bodyPr spcFirstLastPara="0" vert="horz" wrap="square" lIns="57150" tIns="57150" rIns="57150" bIns="57150" numCol="1" spcCol="1270" anchor="ctr" anchorCtr="0">
           <a:noAutofit/>
         </a:bodyPr>
         <a:lstStyle/>
         <a:p>
-          <a:pPr marL="0" lvl="0" indent="0" algn="ctr" defTabSz="622300">
+          <a:pPr marL="0" lvl="0" indent="0" algn="ctr" defTabSz="666750">
             <a:lnSpc>
               <a:spcPct val="90000"/>
             </a:lnSpc>
@@ -1779,7 +2198,7 @@
             <a:buNone/>
           </a:pPr>
           <a:r>
-            <a:rPr lang="en-US" sz="1400" kern="1200" dirty="0"/>
+            <a:rPr lang="en-US" sz="1500" kern="1200" dirty="0"/>
             <a:t>Calculate total utility</a:t>
           </a:r>
         </a:p>
@@ -1805,28 +2224,75 @@
             <a:gd name="adj2" fmla="val 50000"/>
           </a:avLst>
         </a:prstGeom>
-        <a:solidFill>
-          <a:schemeClr val="accent2">
-            <a:tint val="60000"/>
-            <a:hueOff val="0"/>
-            <a:satOff val="0"/>
-            <a:lumOff val="0"/>
-            <a:alphaOff val="0"/>
-          </a:schemeClr>
-        </a:solidFill>
+        <a:gradFill rotWithShape="0">
+          <a:gsLst>
+            <a:gs pos="0">
+              <a:schemeClr val="accent2">
+                <a:shade val="90000"/>
+                <a:hueOff val="24841"/>
+                <a:satOff val="14"/>
+                <a:lumOff val="11609"/>
+                <a:alphaOff val="0"/>
+                <a:tint val="97000"/>
+                <a:satMod val="100000"/>
+                <a:lumMod val="102000"/>
+              </a:schemeClr>
+            </a:gs>
+            <a:gs pos="50000">
+              <a:schemeClr val="accent2">
+                <a:shade val="90000"/>
+                <a:hueOff val="24841"/>
+                <a:satOff val="14"/>
+                <a:lumOff val="11609"/>
+                <a:alphaOff val="0"/>
+                <a:shade val="100000"/>
+                <a:satMod val="103000"/>
+                <a:lumMod val="100000"/>
+              </a:schemeClr>
+            </a:gs>
+            <a:gs pos="100000">
+              <a:schemeClr val="accent2">
+                <a:shade val="90000"/>
+                <a:hueOff val="24841"/>
+                <a:satOff val="14"/>
+                <a:lumOff val="11609"/>
+                <a:alphaOff val="0"/>
+                <a:shade val="93000"/>
+                <a:satMod val="110000"/>
+                <a:lumMod val="99000"/>
+              </a:schemeClr>
+            </a:gs>
+          </a:gsLst>
+          <a:lin ang="5400000" scaled="0"/>
+        </a:gradFill>
         <a:ln>
           <a:noFill/>
         </a:ln>
-        <a:effectLst/>
+        <a:effectLst>
+          <a:outerShdw blurRad="55880" dist="15240" dir="5400000" algn="ctr" rotWithShape="0">
+            <a:srgbClr val="000000">
+              <a:alpha val="45000"/>
+            </a:srgbClr>
+          </a:outerShdw>
+        </a:effectLst>
+        <a:scene3d>
+          <a:camera prst="orthographicFront">
+            <a:rot lat="0" lon="0" rev="0"/>
+          </a:camera>
+          <a:lightRig rig="brightRoom" dir="tl"/>
+        </a:scene3d>
+        <a:sp3d prstMaterial="dkEdge">
+          <a:bevelT w="0" h="0"/>
+        </a:sp3d>
       </dsp:spPr>
       <dsp:style>
         <a:lnRef idx="0">
           <a:scrgbClr r="0" g="0" b="0"/>
         </a:lnRef>
-        <a:fillRef idx="1">
+        <a:fillRef idx="3">
           <a:scrgbClr r="0" g="0" b="0"/>
         </a:fillRef>
-        <a:effectRef idx="0">
+        <a:effectRef idx="3">
           <a:scrgbClr r="0" g="0" b="0"/>
         </a:effectRef>
         <a:fontRef idx="minor">
@@ -1839,7 +2305,7 @@
         </a:bodyPr>
         <a:lstStyle/>
         <a:p>
-          <a:pPr marL="0" lvl="0" indent="0" algn="ctr" defTabSz="488950">
+          <a:pPr marL="0" lvl="0" indent="0" algn="ctr" defTabSz="533400">
             <a:lnSpc>
               <a:spcPct val="90000"/>
             </a:lnSpc>
@@ -1851,7 +2317,7 @@
             </a:spcAft>
             <a:buNone/>
           </a:pPr>
-          <a:endParaRPr lang="en-US" sz="1100" kern="1200"/>
+          <a:endParaRPr lang="en-US" sz="1200" kern="1200"/>
         </a:p>
       </dsp:txBody>
       <dsp:txXfrm rot="10800000">
@@ -1874,35 +2340,75 @@
             <a:gd name="adj" fmla="val 10000"/>
           </a:avLst>
         </a:prstGeom>
-        <a:solidFill>
-          <a:schemeClr val="accent2">
-            <a:hueOff val="0"/>
-            <a:satOff val="0"/>
-            <a:lumOff val="0"/>
-            <a:alphaOff val="0"/>
-          </a:schemeClr>
-        </a:solidFill>
-        <a:ln w="12700" cap="flat" cmpd="sng" algn="ctr">
-          <a:solidFill>
-            <a:schemeClr val="lt1">
-              <a:hueOff val="0"/>
-              <a:satOff val="0"/>
-              <a:lumOff val="0"/>
-              <a:alphaOff val="0"/>
-            </a:schemeClr>
-          </a:solidFill>
-          <a:prstDash val="solid"/>
+        <a:gradFill rotWithShape="0">
+          <a:gsLst>
+            <a:gs pos="0">
+              <a:schemeClr val="accent2">
+                <a:shade val="80000"/>
+                <a:hueOff val="26525"/>
+                <a:satOff val="1326"/>
+                <a:lumOff val="15001"/>
+                <a:alphaOff val="0"/>
+                <a:tint val="97000"/>
+                <a:satMod val="100000"/>
+                <a:lumMod val="102000"/>
+              </a:schemeClr>
+            </a:gs>
+            <a:gs pos="50000">
+              <a:schemeClr val="accent2">
+                <a:shade val="80000"/>
+                <a:hueOff val="26525"/>
+                <a:satOff val="1326"/>
+                <a:lumOff val="15001"/>
+                <a:alphaOff val="0"/>
+                <a:shade val="100000"/>
+                <a:satMod val="103000"/>
+                <a:lumMod val="100000"/>
+              </a:schemeClr>
+            </a:gs>
+            <a:gs pos="100000">
+              <a:schemeClr val="accent2">
+                <a:shade val="80000"/>
+                <a:hueOff val="26525"/>
+                <a:satOff val="1326"/>
+                <a:lumOff val="15001"/>
+                <a:alphaOff val="0"/>
+                <a:shade val="93000"/>
+                <a:satMod val="110000"/>
+                <a:lumMod val="99000"/>
+              </a:schemeClr>
+            </a:gs>
+          </a:gsLst>
+          <a:lin ang="5400000" scaled="0"/>
+        </a:gradFill>
+        <a:ln>
+          <a:noFill/>
         </a:ln>
-        <a:effectLst/>
+        <a:effectLst>
+          <a:outerShdw blurRad="55880" dist="15240" dir="5400000" algn="ctr" rotWithShape="0">
+            <a:srgbClr val="000000">
+              <a:alpha val="45000"/>
+            </a:srgbClr>
+          </a:outerShdw>
+        </a:effectLst>
+        <a:scene3d>
+          <a:camera prst="orthographicFront">
+            <a:rot lat="0" lon="0" rev="0"/>
+          </a:camera>
+          <a:lightRig rig="brightRoom" dir="tl"/>
+        </a:scene3d>
+        <a:sp3d prstMaterial="dkEdge">
+          <a:bevelT w="0" h="0"/>
+        </a:sp3d>
       </dsp:spPr>
       <dsp:style>
-        <a:lnRef idx="2">
+        <a:lnRef idx="0">
           <a:scrgbClr r="0" g="0" b="0"/>
         </a:lnRef>
-        <a:fillRef idx="1">
+        <a:fillRef idx="3">
           <a:scrgbClr r="0" g="0" b="0"/>
         </a:fillRef>
-        <a:effectRef idx="0">
+        <a:effectRef idx="3">
           <a:scrgbClr r="0" g="0" b="0"/>
         </a:effectRef>
         <a:fontRef idx="minor">
@@ -1910,12 +2416,12 @@
         </a:fontRef>
       </dsp:style>
       <dsp:txBody>
-        <a:bodyPr spcFirstLastPara="0" vert="horz" wrap="square" lIns="53340" tIns="53340" rIns="53340" bIns="53340" numCol="1" spcCol="1270" anchor="ctr" anchorCtr="0">
+        <a:bodyPr spcFirstLastPara="0" vert="horz" wrap="square" lIns="57150" tIns="57150" rIns="57150" bIns="57150" numCol="1" spcCol="1270" anchor="ctr" anchorCtr="0">
           <a:noAutofit/>
         </a:bodyPr>
         <a:lstStyle/>
         <a:p>
-          <a:pPr marL="0" lvl="0" indent="0" algn="ctr" defTabSz="622300">
+          <a:pPr marL="0" lvl="0" indent="0" algn="ctr" defTabSz="666750">
             <a:lnSpc>
               <a:spcPct val="90000"/>
             </a:lnSpc>
@@ -1928,7 +2434,7 @@
             <a:buNone/>
           </a:pPr>
           <a:r>
-            <a:rPr lang="en-US" sz="1400" kern="1200" dirty="0"/>
+            <a:rPr lang="en-US" sz="1500" kern="1200" dirty="0"/>
             <a:t>Subtract average utility from the allocated prices to get result</a:t>
           </a:r>
         </a:p>
@@ -1954,28 +2460,75 @@
             <a:gd name="adj2" fmla="val 50000"/>
           </a:avLst>
         </a:prstGeom>
-        <a:solidFill>
-          <a:schemeClr val="accent2">
-            <a:tint val="60000"/>
-            <a:hueOff val="0"/>
-            <a:satOff val="0"/>
-            <a:lumOff val="0"/>
-            <a:alphaOff val="0"/>
-          </a:schemeClr>
-        </a:solidFill>
+        <a:gradFill rotWithShape="0">
+          <a:gsLst>
+            <a:gs pos="0">
+              <a:schemeClr val="accent2">
+                <a:shade val="90000"/>
+                <a:hueOff val="33122"/>
+                <a:satOff val="19"/>
+                <a:lumOff val="15479"/>
+                <a:alphaOff val="0"/>
+                <a:tint val="97000"/>
+                <a:satMod val="100000"/>
+                <a:lumMod val="102000"/>
+              </a:schemeClr>
+            </a:gs>
+            <a:gs pos="50000">
+              <a:schemeClr val="accent2">
+                <a:shade val="90000"/>
+                <a:hueOff val="33122"/>
+                <a:satOff val="19"/>
+                <a:lumOff val="15479"/>
+                <a:alphaOff val="0"/>
+                <a:shade val="100000"/>
+                <a:satMod val="103000"/>
+                <a:lumMod val="100000"/>
+              </a:schemeClr>
+            </a:gs>
+            <a:gs pos="100000">
+              <a:schemeClr val="accent2">
+                <a:shade val="90000"/>
+                <a:hueOff val="33122"/>
+                <a:satOff val="19"/>
+                <a:lumOff val="15479"/>
+                <a:alphaOff val="0"/>
+                <a:shade val="93000"/>
+                <a:satMod val="110000"/>
+                <a:lumMod val="99000"/>
+              </a:schemeClr>
+            </a:gs>
+          </a:gsLst>
+          <a:lin ang="5400000" scaled="0"/>
+        </a:gradFill>
         <a:ln>
           <a:noFill/>
         </a:ln>
-        <a:effectLst/>
+        <a:effectLst>
+          <a:outerShdw blurRad="55880" dist="15240" dir="5400000" algn="ctr" rotWithShape="0">
+            <a:srgbClr val="000000">
+              <a:alpha val="45000"/>
+            </a:srgbClr>
+          </a:outerShdw>
+        </a:effectLst>
+        <a:scene3d>
+          <a:camera prst="orthographicFront">
+            <a:rot lat="0" lon="0" rev="0"/>
+          </a:camera>
+          <a:lightRig rig="brightRoom" dir="tl"/>
+        </a:scene3d>
+        <a:sp3d prstMaterial="dkEdge">
+          <a:bevelT w="0" h="0"/>
+        </a:sp3d>
       </dsp:spPr>
       <dsp:style>
         <a:lnRef idx="0">
           <a:scrgbClr r="0" g="0" b="0"/>
         </a:lnRef>
-        <a:fillRef idx="1">
+        <a:fillRef idx="3">
           <a:scrgbClr r="0" g="0" b="0"/>
         </a:fillRef>
-        <a:effectRef idx="0">
+        <a:effectRef idx="3">
           <a:scrgbClr r="0" g="0" b="0"/>
         </a:effectRef>
         <a:fontRef idx="minor">
@@ -1988,7 +2541,7 @@
         </a:bodyPr>
         <a:lstStyle/>
         <a:p>
-          <a:pPr marL="0" lvl="0" indent="0" algn="ctr" defTabSz="488950">
+          <a:pPr marL="0" lvl="0" indent="0" algn="ctr" defTabSz="533400">
             <a:lnSpc>
               <a:spcPct val="90000"/>
             </a:lnSpc>
@@ -2000,7 +2553,7 @@
             </a:spcAft>
             <a:buNone/>
           </a:pPr>
-          <a:endParaRPr lang="en-US" sz="1100" kern="1200"/>
+          <a:endParaRPr lang="en-US" sz="1200" kern="1200"/>
         </a:p>
       </dsp:txBody>
       <dsp:txXfrm rot="10800000">
@@ -2023,35 +2576,75 @@
             <a:gd name="adj" fmla="val 10000"/>
           </a:avLst>
         </a:prstGeom>
-        <a:solidFill>
-          <a:schemeClr val="accent2">
-            <a:hueOff val="0"/>
-            <a:satOff val="0"/>
-            <a:lumOff val="0"/>
-            <a:alphaOff val="0"/>
-          </a:schemeClr>
-        </a:solidFill>
-        <a:ln w="12700" cap="flat" cmpd="sng" algn="ctr">
-          <a:solidFill>
-            <a:schemeClr val="lt1">
-              <a:hueOff val="0"/>
-              <a:satOff val="0"/>
-              <a:lumOff val="0"/>
-              <a:alphaOff val="0"/>
-            </a:schemeClr>
-          </a:solidFill>
-          <a:prstDash val="solid"/>
+        <a:gradFill rotWithShape="0">
+          <a:gsLst>
+            <a:gs pos="0">
+              <a:schemeClr val="accent2">
+                <a:shade val="80000"/>
+                <a:hueOff val="33157"/>
+                <a:satOff val="1658"/>
+                <a:lumOff val="18751"/>
+                <a:alphaOff val="0"/>
+                <a:tint val="97000"/>
+                <a:satMod val="100000"/>
+                <a:lumMod val="102000"/>
+              </a:schemeClr>
+            </a:gs>
+            <a:gs pos="50000">
+              <a:schemeClr val="accent2">
+                <a:shade val="80000"/>
+                <a:hueOff val="33157"/>
+                <a:satOff val="1658"/>
+                <a:lumOff val="18751"/>
+                <a:alphaOff val="0"/>
+                <a:shade val="100000"/>
+                <a:satMod val="103000"/>
+                <a:lumMod val="100000"/>
+              </a:schemeClr>
+            </a:gs>
+            <a:gs pos="100000">
+              <a:schemeClr val="accent2">
+                <a:shade val="80000"/>
+                <a:hueOff val="33157"/>
+                <a:satOff val="1658"/>
+                <a:lumOff val="18751"/>
+                <a:alphaOff val="0"/>
+                <a:shade val="93000"/>
+                <a:satMod val="110000"/>
+                <a:lumMod val="99000"/>
+              </a:schemeClr>
+            </a:gs>
+          </a:gsLst>
+          <a:lin ang="5400000" scaled="0"/>
+        </a:gradFill>
+        <a:ln>
+          <a:noFill/>
         </a:ln>
-        <a:effectLst/>
+        <a:effectLst>
+          <a:outerShdw blurRad="55880" dist="15240" dir="5400000" algn="ctr" rotWithShape="0">
+            <a:srgbClr val="000000">
+              <a:alpha val="45000"/>
+            </a:srgbClr>
+          </a:outerShdw>
+        </a:effectLst>
+        <a:scene3d>
+          <a:camera prst="orthographicFront">
+            <a:rot lat="0" lon="0" rev="0"/>
+          </a:camera>
+          <a:lightRig rig="brightRoom" dir="tl"/>
+        </a:scene3d>
+        <a:sp3d prstMaterial="dkEdge">
+          <a:bevelT w="0" h="0"/>
+        </a:sp3d>
       </dsp:spPr>
       <dsp:style>
-        <a:lnRef idx="2">
+        <a:lnRef idx="0">
           <a:scrgbClr r="0" g="0" b="0"/>
         </a:lnRef>
-        <a:fillRef idx="1">
+        <a:fillRef idx="3">
           <a:scrgbClr r="0" g="0" b="0"/>
         </a:fillRef>
-        <a:effectRef idx="0">
+        <a:effectRef idx="3">
           <a:scrgbClr r="0" g="0" b="0"/>
         </a:effectRef>
         <a:fontRef idx="minor">
@@ -2059,12 +2652,12 @@
         </a:fontRef>
       </dsp:style>
       <dsp:txBody>
-        <a:bodyPr spcFirstLastPara="0" vert="horz" wrap="square" lIns="53340" tIns="53340" rIns="53340" bIns="53340" numCol="1" spcCol="1270" anchor="ctr" anchorCtr="0">
+        <a:bodyPr spcFirstLastPara="0" vert="horz" wrap="square" lIns="57150" tIns="57150" rIns="57150" bIns="57150" numCol="1" spcCol="1270" anchor="ctr" anchorCtr="0">
           <a:noAutofit/>
         </a:bodyPr>
         <a:lstStyle/>
         <a:p>
-          <a:pPr marL="0" lvl="0" indent="0" algn="ctr" defTabSz="622300">
+          <a:pPr marL="0" lvl="0" indent="0" algn="ctr" defTabSz="666750">
             <a:lnSpc>
               <a:spcPct val="90000"/>
             </a:lnSpc>
@@ -2077,8 +2670,8 @@
             <a:buNone/>
           </a:pPr>
           <a:r>
-            <a:rPr lang="en-US" sz="1400" kern="1200" dirty="0"/>
-            <a:t>Final Room Allocation with Prices is done!</a:t>
+            <a:rPr lang="en-US" sz="1500" kern="1200" dirty="0"/>
+            <a:t>Final Room Allocation with Prices is done</a:t>
           </a:r>
         </a:p>
       </dsp:txBody>
@@ -2263,11 +2856,11 @@
 </file>
 
 <file path=ppt/diagrams/quickStyle1.xml><?xml version="1.0" encoding="utf-8"?>
-<dgm:styleDef xmlns:dgm="http://schemas.openxmlformats.org/drawingml/2006/diagram" xmlns:a="http://schemas.openxmlformats.org/drawingml/2006/main" uniqueId="urn:microsoft.com/office/officeart/2005/8/quickstyle/simple1">
+<dgm:styleDef xmlns:dgm="http://schemas.openxmlformats.org/drawingml/2006/diagram" xmlns:a="http://schemas.openxmlformats.org/drawingml/2006/main" uniqueId="urn:microsoft.com/office/officeart/2005/8/quickstyle/simple5">
   <dgm:title val=""/>
   <dgm:desc val=""/>
   <dgm:catLst>
-    <dgm:cat type="simple" pri="10100"/>
+    <dgm:cat type="simple" pri="10500"/>
   </dgm:catLst>
   <dgm:scene3d>
     <a:camera prst="orthographicFront"/>
@@ -2281,13 +2874,13 @@
     <dgm:sp3d/>
     <dgm:txPr/>
     <dgm:style>
-      <a:lnRef idx="2">
+      <a:lnRef idx="0">
         <a:scrgbClr r="0" g="0" b="0"/>
       </a:lnRef>
-      <a:fillRef idx="1">
+      <a:fillRef idx="3">
         <a:scrgbClr r="0" g="0" b="0"/>
       </a:fillRef>
-      <a:effectRef idx="0">
+      <a:effectRef idx="3">
         <a:scrgbClr r="0" g="0" b="0"/>
       </a:effectRef>
       <a:fontRef idx="minor">
@@ -2303,13 +2896,13 @@
     <dgm:sp3d/>
     <dgm:txPr/>
     <dgm:style>
-      <a:lnRef idx="2">
+      <a:lnRef idx="0">
         <a:scrgbClr r="0" g="0" b="0"/>
       </a:lnRef>
-      <a:fillRef idx="1">
+      <a:fillRef idx="3">
         <a:scrgbClr r="0" g="0" b="0"/>
       </a:fillRef>
-      <a:effectRef idx="0">
+      <a:effectRef idx="3">
         <a:scrgbClr r="0" g="0" b="0"/>
       </a:effectRef>
       <a:fontRef idx="minor">
@@ -2325,13 +2918,13 @@
     <dgm:sp3d/>
     <dgm:txPr/>
     <dgm:style>
-      <a:lnRef idx="2">
+      <a:lnRef idx="0">
         <a:scrgbClr r="0" g="0" b="0"/>
       </a:lnRef>
-      <a:fillRef idx="1">
+      <a:fillRef idx="3">
         <a:scrgbClr r="0" g="0" b="0"/>
       </a:fillRef>
-      <a:effectRef idx="0">
+      <a:effectRef idx="3">
         <a:scrgbClr r="0" g="0" b="0"/>
       </a:effectRef>
       <a:fontRef idx="minor">
@@ -2347,13 +2940,13 @@
     <dgm:sp3d/>
     <dgm:txPr/>
     <dgm:style>
-      <a:lnRef idx="2">
+      <a:lnRef idx="1">
         <a:scrgbClr r="0" g="0" b="0"/>
       </a:lnRef>
-      <a:fillRef idx="1">
+      <a:fillRef idx="3">
         <a:scrgbClr r="0" g="0" b="0"/>
       </a:fillRef>
-      <a:effectRef idx="0">
+      <a:effectRef idx="3">
         <a:scrgbClr r="0" g="0" b="0"/>
       </a:effectRef>
       <a:fontRef idx="minor">
@@ -2369,13 +2962,13 @@
     <dgm:sp3d/>
     <dgm:txPr/>
     <dgm:style>
-      <a:lnRef idx="2">
+      <a:lnRef idx="0">
         <a:scrgbClr r="0" g="0" b="0"/>
       </a:lnRef>
-      <a:fillRef idx="1">
+      <a:fillRef idx="3">
         <a:scrgbClr r="0" g="0" b="0"/>
       </a:fillRef>
-      <a:effectRef idx="0">
+      <a:effectRef idx="3">
         <a:scrgbClr r="0" g="0" b="0"/>
       </a:effectRef>
       <a:fontRef idx="minor">
@@ -2391,13 +2984,13 @@
     <dgm:sp3d/>
     <dgm:txPr/>
     <dgm:style>
-      <a:lnRef idx="2">
+      <a:lnRef idx="0">
         <a:scrgbClr r="0" g="0" b="0"/>
       </a:lnRef>
-      <a:fillRef idx="1">
+      <a:fillRef idx="3">
         <a:scrgbClr r="0" g="0" b="0"/>
       </a:fillRef>
-      <a:effectRef idx="0">
+      <a:effectRef idx="3">
         <a:scrgbClr r="0" g="0" b="0"/>
       </a:effectRef>
       <a:fontRef idx="minor">
@@ -2413,13 +3006,13 @@
     <dgm:sp3d/>
     <dgm:txPr/>
     <dgm:style>
-      <a:lnRef idx="2">
+      <a:lnRef idx="0">
         <a:scrgbClr r="0" g="0" b="0"/>
       </a:lnRef>
-      <a:fillRef idx="1">
+      <a:fillRef idx="3">
         <a:scrgbClr r="0" g="0" b="0"/>
       </a:fillRef>
-      <a:effectRef idx="0">
+      <a:effectRef idx="3">
         <a:scrgbClr r="0" g="0" b="0"/>
       </a:effectRef>
       <a:fontRef idx="minor">
@@ -2435,13 +3028,13 @@
     <dgm:sp3d/>
     <dgm:txPr/>
     <dgm:style>
-      <a:lnRef idx="2">
+      <a:lnRef idx="0">
         <a:scrgbClr r="0" g="0" b="0"/>
       </a:lnRef>
-      <a:fillRef idx="1">
+      <a:fillRef idx="3">
         <a:scrgbClr r="0" g="0" b="0"/>
       </a:fillRef>
-      <a:effectRef idx="0">
+      <a:effectRef idx="3">
         <a:scrgbClr r="0" g="0" b="0"/>
       </a:effectRef>
       <a:fontRef idx="minor">
@@ -2457,13 +3050,13 @@
     <dgm:sp3d/>
     <dgm:txPr/>
     <dgm:style>
-      <a:lnRef idx="2">
+      <a:lnRef idx="0">
         <a:scrgbClr r="0" g="0" b="0"/>
       </a:lnRef>
       <a:fillRef idx="1">
         <a:scrgbClr r="0" g="0" b="0"/>
       </a:fillRef>
-      <a:effectRef idx="0">
+      <a:effectRef idx="3">
         <a:scrgbClr r="0" g="0" b="0"/>
       </a:effectRef>
       <a:fontRef idx="minor"/>
@@ -2477,13 +3070,13 @@
     <dgm:sp3d/>
     <dgm:txPr/>
     <dgm:style>
-      <a:lnRef idx="2">
+      <a:lnRef idx="0">
         <a:scrgbClr r="0" g="0" b="0"/>
       </a:lnRef>
       <a:fillRef idx="1">
         <a:scrgbClr r="0" g="0" b="0"/>
       </a:fillRef>
-      <a:effectRef idx="0">
+      <a:effectRef idx="3">
         <a:scrgbClr r="0" g="0" b="0"/>
       </a:effectRef>
       <a:fontRef idx="minor"/>
@@ -2497,13 +3090,13 @@
     <dgm:sp3d/>
     <dgm:txPr/>
     <dgm:style>
-      <a:lnRef idx="2">
+      <a:lnRef idx="0">
         <a:scrgbClr r="0" g="0" b="0"/>
       </a:lnRef>
       <a:fillRef idx="1">
         <a:scrgbClr r="0" g="0" b="0"/>
       </a:fillRef>
-      <a:effectRef idx="0">
+      <a:effectRef idx="3">
         <a:scrgbClr r="0" g="0" b="0"/>
       </a:effectRef>
       <a:fontRef idx="minor"/>
@@ -2520,10 +3113,10 @@
       <a:lnRef idx="0">
         <a:scrgbClr r="0" g="0" b="0"/>
       </a:lnRef>
-      <a:fillRef idx="1">
+      <a:fillRef idx="3">
         <a:scrgbClr r="0" g="0" b="0"/>
       </a:fillRef>
-      <a:effectRef idx="0">
+      <a:effectRef idx="3">
         <a:scrgbClr r="0" g="0" b="0"/>
       </a:effectRef>
       <a:fontRef idx="minor">
@@ -2542,10 +3135,10 @@
       <a:lnRef idx="0">
         <a:scrgbClr r="0" g="0" b="0"/>
       </a:lnRef>
-      <a:fillRef idx="1">
+      <a:fillRef idx="3">
         <a:scrgbClr r="0" g="0" b="0"/>
       </a:fillRef>
-      <a:effectRef idx="0">
+      <a:effectRef idx="3">
         <a:scrgbClr r="0" g="0" b="0"/>
       </a:effectRef>
       <a:fontRef idx="minor">
@@ -2564,10 +3157,10 @@
       <a:lnRef idx="0">
         <a:scrgbClr r="0" g="0" b="0"/>
       </a:lnRef>
-      <a:fillRef idx="1">
+      <a:fillRef idx="3">
         <a:scrgbClr r="0" g="0" b="0"/>
       </a:fillRef>
-      <a:effectRef idx="0">
+      <a:effectRef idx="3">
         <a:scrgbClr r="0" g="0" b="0"/>
       </a:effectRef>
       <a:fontRef idx="minor">
@@ -2603,13 +3196,13 @@
     <dgm:sp3d/>
     <dgm:txPr/>
     <dgm:style>
-      <a:lnRef idx="2">
+      <a:lnRef idx="1">
         <a:scrgbClr r="0" g="0" b="0"/>
       </a:lnRef>
-      <a:fillRef idx="1">
+      <a:fillRef idx="0">
         <a:scrgbClr r="0" g="0" b="0"/>
       </a:fillRef>
-      <a:effectRef idx="0">
+      <a:effectRef idx="1">
         <a:scrgbClr r="0" g="0" b="0"/>
       </a:effectRef>
       <a:fontRef idx="minor"/>
@@ -2623,13 +3216,13 @@
     <dgm:sp3d/>
     <dgm:txPr/>
     <dgm:style>
-      <a:lnRef idx="2">
+      <a:lnRef idx="0">
         <a:scrgbClr r="0" g="0" b="0"/>
       </a:lnRef>
-      <a:fillRef idx="1">
+      <a:fillRef idx="3">
         <a:scrgbClr r="0" g="0" b="0"/>
       </a:fillRef>
-      <a:effectRef idx="0">
+      <a:effectRef idx="3">
         <a:scrgbClr r="0" g="0" b="0"/>
       </a:effectRef>
       <a:fontRef idx="minor">
@@ -2645,13 +3238,13 @@
     <dgm:sp3d/>
     <dgm:txPr/>
     <dgm:style>
-      <a:lnRef idx="2">
+      <a:lnRef idx="0">
         <a:scrgbClr r="0" g="0" b="0"/>
       </a:lnRef>
-      <a:fillRef idx="1">
+      <a:fillRef idx="3">
         <a:scrgbClr r="0" g="0" b="0"/>
       </a:fillRef>
-      <a:effectRef idx="0">
+      <a:effectRef idx="3">
         <a:scrgbClr r="0" g="0" b="0"/>
       </a:effectRef>
       <a:fontRef idx="minor">
@@ -2667,13 +3260,13 @@
     <dgm:sp3d/>
     <dgm:txPr/>
     <dgm:style>
-      <a:lnRef idx="2">
+      <a:lnRef idx="0">
         <a:scrgbClr r="0" g="0" b="0"/>
       </a:lnRef>
-      <a:fillRef idx="1">
+      <a:fillRef idx="3">
         <a:scrgbClr r="0" g="0" b="0"/>
       </a:fillRef>
-      <a:effectRef idx="0">
+      <a:effectRef idx="3">
         <a:scrgbClr r="0" g="0" b="0"/>
       </a:effectRef>
       <a:fontRef idx="minor">
@@ -2689,13 +3282,13 @@
     <dgm:sp3d/>
     <dgm:txPr/>
     <dgm:style>
-      <a:lnRef idx="2">
+      <a:lnRef idx="0">
         <a:scrgbClr r="0" g="0" b="0"/>
       </a:lnRef>
-      <a:fillRef idx="1">
+      <a:fillRef idx="3">
         <a:scrgbClr r="0" g="0" b="0"/>
       </a:fillRef>
-      <a:effectRef idx="0">
+      <a:effectRef idx="3">
         <a:scrgbClr r="0" g="0" b="0"/>
       </a:effectRef>
       <a:fontRef idx="minor">
@@ -2711,13 +3304,13 @@
     <dgm:sp3d/>
     <dgm:txPr/>
     <dgm:style>
-      <a:lnRef idx="2">
+      <a:lnRef idx="0">
         <a:scrgbClr r="0" g="0" b="0"/>
       </a:lnRef>
-      <a:fillRef idx="1">
+      <a:fillRef idx="3">
         <a:scrgbClr r="0" g="0" b="0"/>
       </a:fillRef>
-      <a:effectRef idx="0">
+      <a:effectRef idx="3">
         <a:scrgbClr r="0" g="0" b="0"/>
       </a:effectRef>
       <a:fontRef idx="minor">
@@ -2733,13 +3326,13 @@
     <dgm:sp3d/>
     <dgm:txPr/>
     <dgm:style>
-      <a:lnRef idx="2">
+      <a:lnRef idx="0">
         <a:scrgbClr r="0" g="0" b="0"/>
       </a:lnRef>
-      <a:fillRef idx="1">
+      <a:fillRef idx="3">
         <a:scrgbClr r="0" g="0" b="0"/>
       </a:fillRef>
-      <a:effectRef idx="0">
+      <a:effectRef idx="3">
         <a:scrgbClr r="0" g="0" b="0"/>
       </a:effectRef>
       <a:fontRef idx="minor">
@@ -2755,13 +3348,13 @@
     <dgm:sp3d/>
     <dgm:txPr/>
     <dgm:style>
-      <a:lnRef idx="2">
+      <a:lnRef idx="0">
         <a:scrgbClr r="0" g="0" b="0"/>
       </a:lnRef>
-      <a:fillRef idx="1">
+      <a:fillRef idx="3">
         <a:scrgbClr r="0" g="0" b="0"/>
       </a:fillRef>
-      <a:effectRef idx="0">
+      <a:effectRef idx="3">
         <a:scrgbClr r="0" g="0" b="0"/>
       </a:effectRef>
       <a:fontRef idx="minor">
@@ -2777,13 +3370,13 @@
     <dgm:sp3d/>
     <dgm:txPr/>
     <dgm:style>
-      <a:lnRef idx="2">
+      <a:lnRef idx="0">
         <a:scrgbClr r="0" g="0" b="0"/>
       </a:lnRef>
-      <a:fillRef idx="1">
+      <a:fillRef idx="3">
         <a:scrgbClr r="0" g="0" b="0"/>
       </a:fillRef>
-      <a:effectRef idx="0">
+      <a:effectRef idx="3">
         <a:scrgbClr r="0" g="0" b="0"/>
       </a:effectRef>
       <a:fontRef idx="minor">
@@ -2799,13 +3392,13 @@
     <dgm:sp3d/>
     <dgm:txPr/>
     <dgm:style>
-      <a:lnRef idx="2">
+      <a:lnRef idx="0">
         <a:scrgbClr r="0" g="0" b="0"/>
       </a:lnRef>
-      <a:fillRef idx="1">
+      <a:fillRef idx="3">
         <a:scrgbClr r="0" g="0" b="0"/>
       </a:fillRef>
-      <a:effectRef idx="0">
+      <a:effectRef idx="3">
         <a:scrgbClr r="0" g="0" b="0"/>
       </a:effectRef>
       <a:fontRef idx="minor">
@@ -2901,13 +3494,13 @@
     <dgm:sp3d/>
     <dgm:txPr/>
     <dgm:style>
-      <a:lnRef idx="2">
+      <a:lnRef idx="1">
         <a:scrgbClr r="0" g="0" b="0"/>
       </a:lnRef>
       <a:fillRef idx="1">
         <a:scrgbClr r="0" g="0" b="0"/>
       </a:fillRef>
-      <a:effectRef idx="0">
+      <a:effectRef idx="2">
         <a:scrgbClr r="0" g="0" b="0"/>
       </a:effectRef>
       <a:fontRef idx="minor"/>
@@ -2921,13 +3514,13 @@
     <dgm:sp3d/>
     <dgm:txPr/>
     <dgm:style>
-      <a:lnRef idx="2">
+      <a:lnRef idx="1">
         <a:scrgbClr r="0" g="0" b="0"/>
       </a:lnRef>
       <a:fillRef idx="1">
         <a:scrgbClr r="0" g="0" b="0"/>
       </a:fillRef>
-      <a:effectRef idx="0">
+      <a:effectRef idx="2">
         <a:scrgbClr r="0" g="0" b="0"/>
       </a:effectRef>
       <a:fontRef idx="minor"/>
@@ -2941,13 +3534,13 @@
     <dgm:sp3d/>
     <dgm:txPr/>
     <dgm:style>
-      <a:lnRef idx="2">
+      <a:lnRef idx="1">
         <a:scrgbClr r="0" g="0" b="0"/>
       </a:lnRef>
       <a:fillRef idx="1">
         <a:scrgbClr r="0" g="0" b="0"/>
       </a:fillRef>
-      <a:effectRef idx="0">
+      <a:effectRef idx="2">
         <a:scrgbClr r="0" g="0" b="0"/>
       </a:effectRef>
       <a:fontRef idx="minor"/>
@@ -2981,13 +3574,13 @@
     <dgm:sp3d/>
     <dgm:txPr/>
     <dgm:style>
-      <a:lnRef idx="2">
+      <a:lnRef idx="1">
         <a:scrgbClr r="0" g="0" b="0"/>
       </a:lnRef>
       <a:fillRef idx="1">
         <a:scrgbClr r="0" g="0" b="0"/>
       </a:fillRef>
-      <a:effectRef idx="0">
+      <a:effectRef idx="2">
         <a:scrgbClr r="0" g="0" b="0"/>
       </a:effectRef>
       <a:fontRef idx="minor"/>
@@ -3001,13 +3594,13 @@
     <dgm:sp3d/>
     <dgm:txPr/>
     <dgm:style>
-      <a:lnRef idx="2">
+      <a:lnRef idx="1">
         <a:scrgbClr r="0" g="0" b="0"/>
       </a:lnRef>
       <a:fillRef idx="1">
         <a:scrgbClr r="0" g="0" b="0"/>
       </a:fillRef>
-      <a:effectRef idx="0">
+      <a:effectRef idx="2">
         <a:scrgbClr r="0" g="0" b="0"/>
       </a:effectRef>
       <a:fontRef idx="minor"/>
@@ -3021,13 +3614,13 @@
     <dgm:sp3d/>
     <dgm:txPr/>
     <dgm:style>
-      <a:lnRef idx="2">
+      <a:lnRef idx="1">
         <a:scrgbClr r="0" g="0" b="0"/>
       </a:lnRef>
       <a:fillRef idx="1">
         <a:scrgbClr r="0" g="0" b="0"/>
       </a:fillRef>
-      <a:effectRef idx="0">
+      <a:effectRef idx="3">
         <a:scrgbClr r="0" g="0" b="0"/>
       </a:effectRef>
       <a:fontRef idx="minor"/>
@@ -3041,13 +3634,13 @@
     <dgm:sp3d/>
     <dgm:txPr/>
     <dgm:style>
-      <a:lnRef idx="2">
+      <a:lnRef idx="1">
         <a:scrgbClr r="0" g="0" b="0"/>
       </a:lnRef>
       <a:fillRef idx="1">
         <a:scrgbClr r="0" g="0" b="0"/>
       </a:fillRef>
-      <a:effectRef idx="0">
+      <a:effectRef idx="3">
         <a:scrgbClr r="0" g="0" b="0"/>
       </a:effectRef>
       <a:fontRef idx="minor"/>
@@ -3061,13 +3654,13 @@
     <dgm:sp3d/>
     <dgm:txPr/>
     <dgm:style>
-      <a:lnRef idx="2">
+      <a:lnRef idx="1">
         <a:scrgbClr r="0" g="0" b="0"/>
       </a:lnRef>
       <a:fillRef idx="1">
         <a:scrgbClr r="0" g="0" b="0"/>
       </a:fillRef>
-      <a:effectRef idx="0">
+      <a:effectRef idx="2">
         <a:scrgbClr r="0" g="0" b="0"/>
       </a:effectRef>
       <a:fontRef idx="minor"/>
@@ -3081,13 +3674,13 @@
     <dgm:sp3d/>
     <dgm:txPr/>
     <dgm:style>
-      <a:lnRef idx="2">
+      <a:lnRef idx="1">
         <a:scrgbClr r="0" g="0" b="0"/>
       </a:lnRef>
       <a:fillRef idx="1">
         <a:scrgbClr r="0" g="0" b="0"/>
       </a:fillRef>
-      <a:effectRef idx="0">
+      <a:effectRef idx="2">
         <a:scrgbClr r="0" g="0" b="0"/>
       </a:effectRef>
       <a:fontRef idx="minor"/>
@@ -3101,13 +3694,13 @@
     <dgm:sp3d/>
     <dgm:txPr/>
     <dgm:style>
-      <a:lnRef idx="2">
+      <a:lnRef idx="1">
         <a:scrgbClr r="0" g="0" b="0"/>
       </a:lnRef>
       <a:fillRef idx="1">
         <a:scrgbClr r="0" g="0" b="0"/>
       </a:fillRef>
-      <a:effectRef idx="0">
+      <a:effectRef idx="2">
         <a:scrgbClr r="0" g="0" b="0"/>
       </a:effectRef>
       <a:fontRef idx="minor"/>
@@ -3121,13 +3714,13 @@
     <dgm:sp3d/>
     <dgm:txPr/>
     <dgm:style>
-      <a:lnRef idx="2">
+      <a:lnRef idx="1">
         <a:scrgbClr r="0" g="0" b="0"/>
       </a:lnRef>
       <a:fillRef idx="1">
         <a:scrgbClr r="0" g="0" b="0"/>
       </a:fillRef>
-      <a:effectRef idx="0">
+      <a:effectRef idx="2">
         <a:scrgbClr r="0" g="0" b="0"/>
       </a:effectRef>
       <a:fontRef idx="minor"/>
@@ -3141,13 +3734,13 @@
     <dgm:sp3d/>
     <dgm:txPr/>
     <dgm:style>
-      <a:lnRef idx="2">
+      <a:lnRef idx="1">
         <a:scrgbClr r="0" g="0" b="0"/>
       </a:lnRef>
       <a:fillRef idx="1">
         <a:scrgbClr r="0" g="0" b="0"/>
       </a:fillRef>
-      <a:effectRef idx="0">
+      <a:effectRef idx="2">
         <a:scrgbClr r="0" g="0" b="0"/>
       </a:effectRef>
       <a:fontRef idx="minor"/>
@@ -3161,13 +3754,13 @@
     <dgm:sp3d/>
     <dgm:txPr/>
     <dgm:style>
-      <a:lnRef idx="2">
+      <a:lnRef idx="1">
         <a:scrgbClr r="0" g="0" b="0"/>
       </a:lnRef>
       <a:fillRef idx="1">
         <a:scrgbClr r="0" g="0" b="0"/>
       </a:fillRef>
-      <a:effectRef idx="0">
+      <a:effectRef idx="2">
         <a:scrgbClr r="0" g="0" b="0"/>
       </a:effectRef>
       <a:fontRef idx="minor"/>
@@ -3181,13 +3774,13 @@
     <dgm:sp3d/>
     <dgm:txPr/>
     <dgm:style>
-      <a:lnRef idx="2">
+      <a:lnRef idx="1">
         <a:scrgbClr r="0" g="0" b="0"/>
       </a:lnRef>
       <a:fillRef idx="1">
         <a:scrgbClr r="0" g="0" b="0"/>
       </a:fillRef>
-      <a:effectRef idx="0">
+      <a:effectRef idx="2">
         <a:scrgbClr r="0" g="0" b="0"/>
       </a:effectRef>
       <a:fontRef idx="minor"/>
@@ -3207,7 +3800,7 @@
       <a:fillRef idx="1">
         <a:scrgbClr r="0" g="0" b="0"/>
       </a:fillRef>
-      <a:effectRef idx="0">
+      <a:effectRef idx="2">
         <a:scrgbClr r="0" g="0" b="0"/>
       </a:effectRef>
       <a:fontRef idx="minor"/>
@@ -3227,7 +3820,7 @@
       <a:fillRef idx="1">
         <a:scrgbClr r="0" g="0" b="0"/>
       </a:fillRef>
-      <a:effectRef idx="0">
+      <a:effectRef idx="3">
         <a:scrgbClr r="0" g="0" b="0"/>
       </a:effectRef>
       <a:fontRef idx="minor"/>
@@ -3261,13 +3854,13 @@
     <dgm:sp3d/>
     <dgm:txPr/>
     <dgm:style>
-      <a:lnRef idx="2">
+      <a:lnRef idx="0">
         <a:scrgbClr r="0" g="0" b="0"/>
       </a:lnRef>
-      <a:fillRef idx="1">
+      <a:fillRef idx="3">
         <a:scrgbClr r="0" g="0" b="0"/>
       </a:fillRef>
-      <a:effectRef idx="0">
+      <a:effectRef idx="3">
         <a:scrgbClr r="0" g="0" b="0"/>
       </a:effectRef>
       <a:fontRef idx="minor"/>
@@ -6468,6 +7061,2386 @@
 </p:sld>
 </file>
 
+<file path=ppt/slides/slide10.xml><?xml version="1.0" encoding="utf-8"?>
+<p:sld xmlns:a="http://schemas.openxmlformats.org/drawingml/2006/main" xmlns:r="http://schemas.openxmlformats.org/officeDocument/2006/relationships" xmlns:p="http://schemas.openxmlformats.org/presentationml/2006/main">
+  <p:cSld>
+    <p:spTree>
+      <p:nvGrpSpPr>
+        <p:cNvPr id="1" name=""/>
+        <p:cNvGrpSpPr/>
+        <p:nvPr/>
+      </p:nvGrpSpPr>
+      <p:grpSpPr>
+        <a:xfrm>
+          <a:off x="0" y="0"/>
+          <a:ext cx="0" cy="0"/>
+          <a:chOff x="0" y="0"/>
+          <a:chExt cx="0" cy="0"/>
+        </a:xfrm>
+      </p:grpSpPr>
+      <p:sp>
+        <p:nvSpPr>
+          <p:cNvPr id="2" name="Title 1">
+            <a:extLst>
+              <a:ext uri="{FF2B5EF4-FFF2-40B4-BE49-F238E27FC236}">
+                <a16:creationId xmlns:a16="http://schemas.microsoft.com/office/drawing/2014/main" id="{A67E8EF7-FA1F-2E4E-A9E9-1303FBEA2549}"/>
+              </a:ext>
+            </a:extLst>
+          </p:cNvPr>
+          <p:cNvSpPr>
+            <a:spLocks noGrp="1"/>
+          </p:cNvSpPr>
+          <p:nvPr>
+            <p:ph type="title"/>
+          </p:nvPr>
+        </p:nvSpPr>
+        <p:spPr/>
+        <p:txBody>
+          <a:bodyPr/>
+          <a:lstStyle/>
+          <a:p>
+            <a:r>
+              <a:rPr lang="en-US" dirty="0"/>
+              <a:t>Envy-freeness algorithm</a:t>
+            </a:r>
+          </a:p>
+        </p:txBody>
+      </p:sp>
+      <p:sp>
+        <p:nvSpPr>
+          <p:cNvPr id="3" name="Content Placeholder 2">
+            <a:extLst>
+              <a:ext uri="{FF2B5EF4-FFF2-40B4-BE49-F238E27FC236}">
+                <a16:creationId xmlns:a16="http://schemas.microsoft.com/office/drawing/2014/main" id="{6A7EAF7D-DDC7-FA42-82B0-134C6A71F1D1}"/>
+              </a:ext>
+            </a:extLst>
+          </p:cNvPr>
+          <p:cNvSpPr>
+            <a:spLocks noGrp="1"/>
+          </p:cNvSpPr>
+          <p:nvPr>
+            <p:ph idx="1"/>
+          </p:nvPr>
+        </p:nvSpPr>
+        <p:spPr/>
+        <p:txBody>
+          <a:bodyPr/>
+          <a:lstStyle/>
+          <a:p>
+            <a:r>
+              <a:rPr lang="en-US" dirty="0"/>
+              <a:t>Total Utility =</a:t>
+            </a:r>
+          </a:p>
+          <a:p>
+            <a:endParaRPr lang="en-US" dirty="0"/>
+          </a:p>
+          <a:p>
+            <a:pPr marL="0" indent="0">
+              <a:buNone/>
+            </a:pPr>
+            <a:r>
+              <a:rPr lang="en-US" dirty="0"/>
+              <a:t>	</a:t>
+            </a:r>
+          </a:p>
+          <a:p>
+            <a:pPr marL="0" indent="0">
+              <a:buNone/>
+            </a:pPr>
+            <a:endParaRPr lang="en-US" dirty="0"/>
+          </a:p>
+          <a:p>
+            <a:r>
+              <a:rPr lang="en-US" dirty="0"/>
+              <a:t>Average utility is found. Here, average utility = 220.0/3 = 73.33</a:t>
+            </a:r>
+          </a:p>
+          <a:p>
+            <a:r>
+              <a:rPr lang="en-US" dirty="0"/>
+              <a:t>This is reduced from their MWBM allotted prices.</a:t>
+            </a:r>
+          </a:p>
+          <a:p>
+            <a:r>
+              <a:rPr lang="en-US" dirty="0"/>
+              <a:t>Since utilities of all players are equal, envy-freeness is guaranteed.</a:t>
+            </a:r>
+          </a:p>
+        </p:txBody>
+      </p:sp>
+      <p:sp>
+        <p:nvSpPr>
+          <p:cNvPr id="4" name="TextBox 3">
+            <a:extLst>
+              <a:ext uri="{FF2B5EF4-FFF2-40B4-BE49-F238E27FC236}">
+                <a16:creationId xmlns:a16="http://schemas.microsoft.com/office/drawing/2014/main" id="{7D32F4D9-AF47-8048-8983-D7056912AC15}"/>
+              </a:ext>
+            </a:extLst>
+          </p:cNvPr>
+          <p:cNvSpPr txBox="1"/>
+          <p:nvPr/>
+        </p:nvSpPr>
+        <p:spPr>
+          <a:xfrm>
+            <a:off x="6640401" y="2638043"/>
+            <a:ext cx="2568973" cy="646331"/>
+          </a:xfrm>
+          <a:prstGeom prst="rect">
+            <a:avLst/>
+          </a:prstGeom>
+          <a:noFill/>
+        </p:spPr>
+        <p:txBody>
+          <a:bodyPr wrap="none" rtlCol="0">
+            <a:spAutoFit/>
+          </a:bodyPr>
+          <a:lstStyle/>
+          <a:p>
+            <a:pPr algn="ctr"/>
+            <a:r>
+              <a:rPr lang="en-US" dirty="0"/>
+              <a:t>Sum of allotted prices </a:t>
+            </a:r>
+          </a:p>
+          <a:p>
+            <a:pPr algn="ctr"/>
+            <a:r>
+              <a:rPr lang="en-US" dirty="0"/>
+              <a:t>from Linear Optimization</a:t>
+            </a:r>
+          </a:p>
+        </p:txBody>
+      </p:sp>
+      <p:sp>
+        <p:nvSpPr>
+          <p:cNvPr id="5" name="TextBox 4">
+            <a:extLst>
+              <a:ext uri="{FF2B5EF4-FFF2-40B4-BE49-F238E27FC236}">
+                <a16:creationId xmlns:a16="http://schemas.microsoft.com/office/drawing/2014/main" id="{7E85625C-046B-654B-A0C2-28E083F97B0B}"/>
+              </a:ext>
+            </a:extLst>
+          </p:cNvPr>
+          <p:cNvSpPr txBox="1"/>
+          <p:nvPr/>
+        </p:nvSpPr>
+        <p:spPr>
+          <a:xfrm>
+            <a:off x="3955775" y="2638043"/>
+            <a:ext cx="2226892" cy="646331"/>
+          </a:xfrm>
+          <a:prstGeom prst="rect">
+            <a:avLst/>
+          </a:prstGeom>
+          <a:noFill/>
+        </p:spPr>
+        <p:txBody>
+          <a:bodyPr wrap="none" rtlCol="0">
+            <a:spAutoFit/>
+          </a:bodyPr>
+          <a:lstStyle/>
+          <a:p>
+            <a:r>
+              <a:rPr lang="en-US" dirty="0"/>
+              <a:t>Sum of allotted prices</a:t>
+            </a:r>
+          </a:p>
+          <a:p>
+            <a:pPr algn="ctr"/>
+            <a:r>
+              <a:rPr lang="en-US" dirty="0"/>
+              <a:t>from MWBM</a:t>
+            </a:r>
+          </a:p>
+        </p:txBody>
+      </p:sp>
+      <p:sp>
+        <p:nvSpPr>
+          <p:cNvPr id="6" name="TextBox 5">
+            <a:extLst>
+              <a:ext uri="{FF2B5EF4-FFF2-40B4-BE49-F238E27FC236}">
+                <a16:creationId xmlns:a16="http://schemas.microsoft.com/office/drawing/2014/main" id="{2DF4C67D-4377-9C4F-8860-7EA7898749DB}"/>
+              </a:ext>
+            </a:extLst>
+          </p:cNvPr>
+          <p:cNvSpPr txBox="1"/>
+          <p:nvPr/>
+        </p:nvSpPr>
+        <p:spPr>
+          <a:xfrm>
+            <a:off x="6281530" y="2776542"/>
+            <a:ext cx="260008" cy="369332"/>
+          </a:xfrm>
+          <a:prstGeom prst="rect">
+            <a:avLst/>
+          </a:prstGeom>
+          <a:noFill/>
+        </p:spPr>
+        <p:txBody>
+          <a:bodyPr wrap="none" rtlCol="0">
+            <a:spAutoFit/>
+          </a:bodyPr>
+          <a:lstStyle/>
+          <a:p>
+            <a:r>
+              <a:rPr lang="en-US" dirty="0"/>
+              <a:t>-</a:t>
+            </a:r>
+          </a:p>
+        </p:txBody>
+      </p:sp>
+      <p:sp>
+        <p:nvSpPr>
+          <p:cNvPr id="7" name="TextBox 6">
+            <a:extLst>
+              <a:ext uri="{FF2B5EF4-FFF2-40B4-BE49-F238E27FC236}">
+                <a16:creationId xmlns:a16="http://schemas.microsoft.com/office/drawing/2014/main" id="{F674E2D5-1E3D-5A43-BCF1-561A7B3CC16B}"/>
+              </a:ext>
+            </a:extLst>
+          </p:cNvPr>
+          <p:cNvSpPr txBox="1"/>
+          <p:nvPr/>
+        </p:nvSpPr>
+        <p:spPr>
+          <a:xfrm>
+            <a:off x="3614933" y="3323471"/>
+            <a:ext cx="4698722" cy="369332"/>
+          </a:xfrm>
+          <a:prstGeom prst="rect">
+            <a:avLst/>
+          </a:prstGeom>
+          <a:noFill/>
+        </p:spPr>
+        <p:txBody>
+          <a:bodyPr wrap="none" rtlCol="0">
+            <a:spAutoFit/>
+          </a:bodyPr>
+          <a:lstStyle/>
+          <a:p>
+            <a:r>
+              <a:rPr lang="en-US" dirty="0"/>
+              <a:t>= 		1220.0		      - 		  1000.0 </a:t>
+            </a:r>
+          </a:p>
+        </p:txBody>
+      </p:sp>
+      <p:sp>
+        <p:nvSpPr>
+          <p:cNvPr id="9" name="TextBox 8">
+            <a:extLst>
+              <a:ext uri="{FF2B5EF4-FFF2-40B4-BE49-F238E27FC236}">
+                <a16:creationId xmlns:a16="http://schemas.microsoft.com/office/drawing/2014/main" id="{8EEEE81C-E2D9-2D4D-B0A0-C84CA548A4D7}"/>
+              </a:ext>
+            </a:extLst>
+          </p:cNvPr>
+          <p:cNvSpPr txBox="1"/>
+          <p:nvPr/>
+        </p:nvSpPr>
+        <p:spPr>
+          <a:xfrm>
+            <a:off x="3614933" y="3819703"/>
+            <a:ext cx="1620957" cy="369332"/>
+          </a:xfrm>
+          <a:prstGeom prst="rect">
+            <a:avLst/>
+          </a:prstGeom>
+          <a:noFill/>
+        </p:spPr>
+        <p:txBody>
+          <a:bodyPr wrap="none" rtlCol="0">
+            <a:spAutoFit/>
+          </a:bodyPr>
+          <a:lstStyle/>
+          <a:p>
+            <a:r>
+              <a:rPr lang="en-US" dirty="0"/>
+              <a:t>= 		220.0</a:t>
+            </a:r>
+          </a:p>
+        </p:txBody>
+      </p:sp>
+    </p:spTree>
+    <p:extLst>
+      <p:ext uri="{BB962C8B-B14F-4D97-AF65-F5344CB8AC3E}">
+        <p14:creationId xmlns:p14="http://schemas.microsoft.com/office/powerpoint/2010/main" val="2287636882"/>
+      </p:ext>
+    </p:extLst>
+  </p:cSld>
+  <p:clrMapOvr>
+    <a:masterClrMapping/>
+  </p:clrMapOvr>
+  <p:timing>
+    <p:tnLst>
+      <p:par>
+        <p:cTn id="1" dur="indefinite" restart="never" nodeType="tmRoot">
+          <p:childTnLst>
+            <p:seq concurrent="1" nextAc="seek">
+              <p:cTn id="2" dur="indefinite" nodeType="mainSeq">
+                <p:childTnLst>
+                  <p:par>
+                    <p:cTn id="3" fill="hold">
+                      <p:stCondLst>
+                        <p:cond delay="indefinite"/>
+                      </p:stCondLst>
+                      <p:childTnLst>
+                        <p:par>
+                          <p:cTn id="4" fill="hold">
+                            <p:stCondLst>
+                              <p:cond delay="0"/>
+                            </p:stCondLst>
+                            <p:childTnLst>
+                              <p:par>
+                                <p:cTn id="5" presetID="1" presetClass="entr" presetSubtype="0" fill="hold" grpId="0" nodeType="clickEffect">
+                                  <p:stCondLst>
+                                    <p:cond delay="0"/>
+                                  </p:stCondLst>
+                                  <p:childTnLst>
+                                    <p:set>
+                                      <p:cBhvr>
+                                        <p:cTn id="6" dur="1" fill="hold">
+                                          <p:stCondLst>
+                                            <p:cond delay="0"/>
+                                          </p:stCondLst>
+                                        </p:cTn>
+                                        <p:tgtEl>
+                                          <p:spTgt spid="3">
+                                            <p:txEl>
+                                              <p:pRg st="0" end="0"/>
+                                            </p:txEl>
+                                          </p:spTgt>
+                                        </p:tgtEl>
+                                        <p:attrNameLst>
+                                          <p:attrName>style.visibility</p:attrName>
+                                        </p:attrNameLst>
+                                      </p:cBhvr>
+                                      <p:to>
+                                        <p:strVal val="visible"/>
+                                      </p:to>
+                                    </p:set>
+                                  </p:childTnLst>
+                                </p:cTn>
+                              </p:par>
+                            </p:childTnLst>
+                          </p:cTn>
+                        </p:par>
+                      </p:childTnLst>
+                    </p:cTn>
+                  </p:par>
+                  <p:par>
+                    <p:cTn id="7" fill="hold">
+                      <p:stCondLst>
+                        <p:cond delay="indefinite"/>
+                      </p:stCondLst>
+                      <p:childTnLst>
+                        <p:par>
+                          <p:cTn id="8" fill="hold">
+                            <p:stCondLst>
+                              <p:cond delay="0"/>
+                            </p:stCondLst>
+                            <p:childTnLst>
+                              <p:par>
+                                <p:cTn id="9" presetID="1" presetClass="entr" presetSubtype="0" fill="hold" grpId="0" nodeType="clickEffect">
+                                  <p:stCondLst>
+                                    <p:cond delay="0"/>
+                                  </p:stCondLst>
+                                  <p:childTnLst>
+                                    <p:set>
+                                      <p:cBhvr>
+                                        <p:cTn id="10" dur="1" fill="hold">
+                                          <p:stCondLst>
+                                            <p:cond delay="0"/>
+                                          </p:stCondLst>
+                                        </p:cTn>
+                                        <p:tgtEl>
+                                          <p:spTgt spid="4"/>
+                                        </p:tgtEl>
+                                        <p:attrNameLst>
+                                          <p:attrName>style.visibility</p:attrName>
+                                        </p:attrNameLst>
+                                      </p:cBhvr>
+                                      <p:to>
+                                        <p:strVal val="visible"/>
+                                      </p:to>
+                                    </p:set>
+                                  </p:childTnLst>
+                                </p:cTn>
+                              </p:par>
+                              <p:par>
+                                <p:cTn id="11" presetID="1" presetClass="entr" presetSubtype="0" fill="hold" grpId="0" nodeType="withEffect">
+                                  <p:stCondLst>
+                                    <p:cond delay="0"/>
+                                  </p:stCondLst>
+                                  <p:childTnLst>
+                                    <p:set>
+                                      <p:cBhvr>
+                                        <p:cTn id="12" dur="1" fill="hold">
+                                          <p:stCondLst>
+                                            <p:cond delay="0"/>
+                                          </p:stCondLst>
+                                        </p:cTn>
+                                        <p:tgtEl>
+                                          <p:spTgt spid="5"/>
+                                        </p:tgtEl>
+                                        <p:attrNameLst>
+                                          <p:attrName>style.visibility</p:attrName>
+                                        </p:attrNameLst>
+                                      </p:cBhvr>
+                                      <p:to>
+                                        <p:strVal val="visible"/>
+                                      </p:to>
+                                    </p:set>
+                                  </p:childTnLst>
+                                </p:cTn>
+                              </p:par>
+                              <p:par>
+                                <p:cTn id="13" presetID="1" presetClass="entr" presetSubtype="0" fill="hold" grpId="0" nodeType="withEffect">
+                                  <p:stCondLst>
+                                    <p:cond delay="0"/>
+                                  </p:stCondLst>
+                                  <p:childTnLst>
+                                    <p:set>
+                                      <p:cBhvr>
+                                        <p:cTn id="14" dur="1" fill="hold">
+                                          <p:stCondLst>
+                                            <p:cond delay="0"/>
+                                          </p:stCondLst>
+                                        </p:cTn>
+                                        <p:tgtEl>
+                                          <p:spTgt spid="6"/>
+                                        </p:tgtEl>
+                                        <p:attrNameLst>
+                                          <p:attrName>style.visibility</p:attrName>
+                                        </p:attrNameLst>
+                                      </p:cBhvr>
+                                      <p:to>
+                                        <p:strVal val="visible"/>
+                                      </p:to>
+                                    </p:set>
+                                  </p:childTnLst>
+                                </p:cTn>
+                              </p:par>
+                            </p:childTnLst>
+                          </p:cTn>
+                        </p:par>
+                      </p:childTnLst>
+                    </p:cTn>
+                  </p:par>
+                  <p:par>
+                    <p:cTn id="15" fill="hold">
+                      <p:stCondLst>
+                        <p:cond delay="indefinite"/>
+                      </p:stCondLst>
+                      <p:childTnLst>
+                        <p:par>
+                          <p:cTn id="16" fill="hold">
+                            <p:stCondLst>
+                              <p:cond delay="0"/>
+                            </p:stCondLst>
+                            <p:childTnLst>
+                              <p:par>
+                                <p:cTn id="17" presetID="1" presetClass="entr" presetSubtype="0" fill="hold" grpId="0" nodeType="clickEffect">
+                                  <p:stCondLst>
+                                    <p:cond delay="0"/>
+                                  </p:stCondLst>
+                                  <p:childTnLst>
+                                    <p:set>
+                                      <p:cBhvr>
+                                        <p:cTn id="18" dur="1" fill="hold">
+                                          <p:stCondLst>
+                                            <p:cond delay="0"/>
+                                          </p:stCondLst>
+                                        </p:cTn>
+                                        <p:tgtEl>
+                                          <p:spTgt spid="7"/>
+                                        </p:tgtEl>
+                                        <p:attrNameLst>
+                                          <p:attrName>style.visibility</p:attrName>
+                                        </p:attrNameLst>
+                                      </p:cBhvr>
+                                      <p:to>
+                                        <p:strVal val="visible"/>
+                                      </p:to>
+                                    </p:set>
+                                  </p:childTnLst>
+                                </p:cTn>
+                              </p:par>
+                              <p:par>
+                                <p:cTn id="19" presetID="1" presetClass="entr" presetSubtype="0" fill="hold" grpId="0" nodeType="withEffect">
+                                  <p:stCondLst>
+                                    <p:cond delay="0"/>
+                                  </p:stCondLst>
+                                  <p:childTnLst>
+                                    <p:set>
+                                      <p:cBhvr>
+                                        <p:cTn id="20" dur="1" fill="hold">
+                                          <p:stCondLst>
+                                            <p:cond delay="0"/>
+                                          </p:stCondLst>
+                                        </p:cTn>
+                                        <p:tgtEl>
+                                          <p:spTgt spid="9"/>
+                                        </p:tgtEl>
+                                        <p:attrNameLst>
+                                          <p:attrName>style.visibility</p:attrName>
+                                        </p:attrNameLst>
+                                      </p:cBhvr>
+                                      <p:to>
+                                        <p:strVal val="visible"/>
+                                      </p:to>
+                                    </p:set>
+                                  </p:childTnLst>
+                                </p:cTn>
+                              </p:par>
+                            </p:childTnLst>
+                          </p:cTn>
+                        </p:par>
+                      </p:childTnLst>
+                    </p:cTn>
+                  </p:par>
+                  <p:par>
+                    <p:cTn id="21" fill="hold">
+                      <p:stCondLst>
+                        <p:cond delay="indefinite"/>
+                      </p:stCondLst>
+                      <p:childTnLst>
+                        <p:par>
+                          <p:cTn id="22" fill="hold">
+                            <p:stCondLst>
+                              <p:cond delay="0"/>
+                            </p:stCondLst>
+                            <p:childTnLst>
+                              <p:par>
+                                <p:cTn id="23" presetID="1" presetClass="entr" presetSubtype="0" fill="hold" grpId="0" nodeType="clickEffect">
+                                  <p:stCondLst>
+                                    <p:cond delay="0"/>
+                                  </p:stCondLst>
+                                  <p:childTnLst>
+                                    <p:set>
+                                      <p:cBhvr>
+                                        <p:cTn id="24" dur="1" fill="hold">
+                                          <p:stCondLst>
+                                            <p:cond delay="0"/>
+                                          </p:stCondLst>
+                                        </p:cTn>
+                                        <p:tgtEl>
+                                          <p:spTgt spid="3">
+                                            <p:txEl>
+                                              <p:pRg st="4" end="4"/>
+                                            </p:txEl>
+                                          </p:spTgt>
+                                        </p:tgtEl>
+                                        <p:attrNameLst>
+                                          <p:attrName>style.visibility</p:attrName>
+                                        </p:attrNameLst>
+                                      </p:cBhvr>
+                                      <p:to>
+                                        <p:strVal val="visible"/>
+                                      </p:to>
+                                    </p:set>
+                                  </p:childTnLst>
+                                </p:cTn>
+                              </p:par>
+                            </p:childTnLst>
+                          </p:cTn>
+                        </p:par>
+                      </p:childTnLst>
+                    </p:cTn>
+                  </p:par>
+                  <p:par>
+                    <p:cTn id="25" fill="hold">
+                      <p:stCondLst>
+                        <p:cond delay="indefinite"/>
+                      </p:stCondLst>
+                      <p:childTnLst>
+                        <p:par>
+                          <p:cTn id="26" fill="hold">
+                            <p:stCondLst>
+                              <p:cond delay="0"/>
+                            </p:stCondLst>
+                            <p:childTnLst>
+                              <p:par>
+                                <p:cTn id="27" presetID="1" presetClass="entr" presetSubtype="0" fill="hold" grpId="0" nodeType="clickEffect">
+                                  <p:stCondLst>
+                                    <p:cond delay="0"/>
+                                  </p:stCondLst>
+                                  <p:childTnLst>
+                                    <p:set>
+                                      <p:cBhvr>
+                                        <p:cTn id="28" dur="1" fill="hold">
+                                          <p:stCondLst>
+                                            <p:cond delay="0"/>
+                                          </p:stCondLst>
+                                        </p:cTn>
+                                        <p:tgtEl>
+                                          <p:spTgt spid="3">
+                                            <p:txEl>
+                                              <p:pRg st="5" end="5"/>
+                                            </p:txEl>
+                                          </p:spTgt>
+                                        </p:tgtEl>
+                                        <p:attrNameLst>
+                                          <p:attrName>style.visibility</p:attrName>
+                                        </p:attrNameLst>
+                                      </p:cBhvr>
+                                      <p:to>
+                                        <p:strVal val="visible"/>
+                                      </p:to>
+                                    </p:set>
+                                  </p:childTnLst>
+                                </p:cTn>
+                              </p:par>
+                            </p:childTnLst>
+                          </p:cTn>
+                        </p:par>
+                      </p:childTnLst>
+                    </p:cTn>
+                  </p:par>
+                  <p:par>
+                    <p:cTn id="29" fill="hold">
+                      <p:stCondLst>
+                        <p:cond delay="indefinite"/>
+                      </p:stCondLst>
+                      <p:childTnLst>
+                        <p:par>
+                          <p:cTn id="30" fill="hold">
+                            <p:stCondLst>
+                              <p:cond delay="0"/>
+                            </p:stCondLst>
+                            <p:childTnLst>
+                              <p:par>
+                                <p:cTn id="31" presetID="1" presetClass="entr" presetSubtype="0" fill="hold" grpId="0" nodeType="clickEffect">
+                                  <p:stCondLst>
+                                    <p:cond delay="0"/>
+                                  </p:stCondLst>
+                                  <p:childTnLst>
+                                    <p:set>
+                                      <p:cBhvr>
+                                        <p:cTn id="32" dur="1" fill="hold">
+                                          <p:stCondLst>
+                                            <p:cond delay="0"/>
+                                          </p:stCondLst>
+                                        </p:cTn>
+                                        <p:tgtEl>
+                                          <p:spTgt spid="3">
+                                            <p:txEl>
+                                              <p:pRg st="6" end="6"/>
+                                            </p:txEl>
+                                          </p:spTgt>
+                                        </p:tgtEl>
+                                        <p:attrNameLst>
+                                          <p:attrName>style.visibility</p:attrName>
+                                        </p:attrNameLst>
+                                      </p:cBhvr>
+                                      <p:to>
+                                        <p:strVal val="visible"/>
+                                      </p:to>
+                                    </p:set>
+                                  </p:childTnLst>
+                                </p:cTn>
+                              </p:par>
+                            </p:childTnLst>
+                          </p:cTn>
+                        </p:par>
+                      </p:childTnLst>
+                    </p:cTn>
+                  </p:par>
+                </p:childTnLst>
+              </p:cTn>
+              <p:prevCondLst>
+                <p:cond evt="onPrev" delay="0">
+                  <p:tgtEl>
+                    <p:sldTgt/>
+                  </p:tgtEl>
+                </p:cond>
+              </p:prevCondLst>
+              <p:nextCondLst>
+                <p:cond evt="onNext" delay="0">
+                  <p:tgtEl>
+                    <p:sldTgt/>
+                  </p:tgtEl>
+                </p:cond>
+              </p:nextCondLst>
+            </p:seq>
+          </p:childTnLst>
+        </p:cTn>
+      </p:par>
+    </p:tnLst>
+    <p:bldLst>
+      <p:bldP spid="3" grpId="0" uiExpand="1" build="p"/>
+      <p:bldP spid="4" grpId="0"/>
+      <p:bldP spid="5" grpId="0"/>
+      <p:bldP spid="6" grpId="0"/>
+      <p:bldP spid="7" grpId="0"/>
+      <p:bldP spid="9" grpId="0"/>
+    </p:bldLst>
+  </p:timing>
+</p:sld>
+</file>
+
+<file path=ppt/slides/slide11.xml><?xml version="1.0" encoding="utf-8"?>
+<p:sld xmlns:a="http://schemas.openxmlformats.org/drawingml/2006/main" xmlns:r="http://schemas.openxmlformats.org/officeDocument/2006/relationships" xmlns:p="http://schemas.openxmlformats.org/presentationml/2006/main">
+  <p:cSld>
+    <p:spTree>
+      <p:nvGrpSpPr>
+        <p:cNvPr id="1" name=""/>
+        <p:cNvGrpSpPr/>
+        <p:nvPr/>
+      </p:nvGrpSpPr>
+      <p:grpSpPr>
+        <a:xfrm>
+          <a:off x="0" y="0"/>
+          <a:ext cx="0" cy="0"/>
+          <a:chOff x="0" y="0"/>
+          <a:chExt cx="0" cy="0"/>
+        </a:xfrm>
+      </p:grpSpPr>
+      <p:sp>
+        <p:nvSpPr>
+          <p:cNvPr id="2" name="Title 1">
+            <a:extLst>
+              <a:ext uri="{FF2B5EF4-FFF2-40B4-BE49-F238E27FC236}">
+                <a16:creationId xmlns:a16="http://schemas.microsoft.com/office/drawing/2014/main" id="{D752456A-CA8B-7A49-AD60-D333B7F0FE85}"/>
+              </a:ext>
+            </a:extLst>
+          </p:cNvPr>
+          <p:cNvSpPr>
+            <a:spLocks noGrp="1"/>
+          </p:cNvSpPr>
+          <p:nvPr>
+            <p:ph type="title"/>
+          </p:nvPr>
+        </p:nvSpPr>
+        <p:spPr/>
+        <p:txBody>
+          <a:bodyPr/>
+          <a:lstStyle/>
+          <a:p>
+            <a:r>
+              <a:rPr lang="en-US" dirty="0"/>
+              <a:t>final allocation</a:t>
+            </a:r>
+          </a:p>
+        </p:txBody>
+      </p:sp>
+      <p:graphicFrame>
+        <p:nvGraphicFramePr>
+          <p:cNvPr id="4" name="Content Placeholder 3">
+            <a:extLst>
+              <a:ext uri="{FF2B5EF4-FFF2-40B4-BE49-F238E27FC236}">
+                <a16:creationId xmlns:a16="http://schemas.microsoft.com/office/drawing/2014/main" id="{9062F77D-3103-E240-82E5-A70597554051}"/>
+              </a:ext>
+            </a:extLst>
+          </p:cNvPr>
+          <p:cNvGraphicFramePr>
+            <a:graphicFrameLocks noGrp="1"/>
+          </p:cNvGraphicFramePr>
+          <p:nvPr>
+            <p:ph idx="1"/>
+            <p:extLst>
+              <p:ext uri="{D42A27DB-BD31-4B8C-83A1-F6EECF244321}">
+                <p14:modId xmlns:p14="http://schemas.microsoft.com/office/powerpoint/2010/main" val="3931987164"/>
+              </p:ext>
+            </p:extLst>
+          </p:nvPr>
+        </p:nvGraphicFramePr>
+        <p:xfrm>
+          <a:off x="2230437" y="2920527"/>
+          <a:ext cx="7731128" cy="1483360"/>
+        </p:xfrm>
+        <a:graphic>
+          <a:graphicData uri="http://schemas.openxmlformats.org/drawingml/2006/table">
+            <a:tbl>
+              <a:tblPr firstRow="1" bandRow="1">
+                <a:tableStyleId>{21E4AEA4-8DFA-4A89-87EB-49C32662AFE0}</a:tableStyleId>
+              </a:tblPr>
+              <a:tblGrid>
+                <a:gridCol w="1635885">
+                  <a:extLst>
+                    <a:ext uri="{9D8B030D-6E8A-4147-A177-3AD203B41FA5}">
+                      <a16:colId xmlns:a16="http://schemas.microsoft.com/office/drawing/2014/main" val="4124667606"/>
+                    </a:ext>
+                  </a:extLst>
+                </a:gridCol>
+                <a:gridCol w="1560443">
+                  <a:extLst>
+                    <a:ext uri="{9D8B030D-6E8A-4147-A177-3AD203B41FA5}">
+                      <a16:colId xmlns:a16="http://schemas.microsoft.com/office/drawing/2014/main" val="3870526257"/>
+                    </a:ext>
+                  </a:extLst>
+                </a:gridCol>
+                <a:gridCol w="2602018">
+                  <a:extLst>
+                    <a:ext uri="{9D8B030D-6E8A-4147-A177-3AD203B41FA5}">
+                      <a16:colId xmlns:a16="http://schemas.microsoft.com/office/drawing/2014/main" val="3956548275"/>
+                    </a:ext>
+                  </a:extLst>
+                </a:gridCol>
+                <a:gridCol w="1932782">
+                  <a:extLst>
+                    <a:ext uri="{9D8B030D-6E8A-4147-A177-3AD203B41FA5}">
+                      <a16:colId xmlns:a16="http://schemas.microsoft.com/office/drawing/2014/main" val="673473217"/>
+                    </a:ext>
+                  </a:extLst>
+                </a:gridCol>
+              </a:tblGrid>
+              <a:tr h="370840">
+                <a:tc>
+                  <a:txBody>
+                    <a:bodyPr/>
+                    <a:lstStyle/>
+                    <a:p>
+                      <a:pPr algn="ctr"/>
+                      <a:r>
+                        <a:rPr lang="en-US" dirty="0"/>
+                        <a:t>Person</a:t>
+                      </a:r>
+                    </a:p>
+                  </a:txBody>
+                  <a:tcPr/>
+                </a:tc>
+                <a:tc>
+                  <a:txBody>
+                    <a:bodyPr/>
+                    <a:lstStyle/>
+                    <a:p>
+                      <a:pPr algn="ctr"/>
+                      <a:r>
+                        <a:rPr lang="en-US" dirty="0"/>
+                        <a:t>Room</a:t>
+                      </a:r>
+                    </a:p>
+                  </a:txBody>
+                  <a:tcPr/>
+                </a:tc>
+                <a:tc>
+                  <a:txBody>
+                    <a:bodyPr/>
+                    <a:lstStyle/>
+                    <a:p>
+                      <a:pPr algn="ctr"/>
+                      <a:r>
+                        <a:rPr lang="en-US" dirty="0"/>
+                        <a:t>Allotted Price - Utility</a:t>
+                      </a:r>
+                    </a:p>
+                  </a:txBody>
+                  <a:tcPr/>
+                </a:tc>
+                <a:tc>
+                  <a:txBody>
+                    <a:bodyPr/>
+                    <a:lstStyle/>
+                    <a:p>
+                      <a:pPr algn="ctr"/>
+                      <a:r>
+                        <a:rPr lang="en-US" dirty="0"/>
+                        <a:t>Final Price</a:t>
+                      </a:r>
+                    </a:p>
+                  </a:txBody>
+                  <a:tcPr/>
+                </a:tc>
+                <a:extLst>
+                  <a:ext uri="{0D108BD9-81ED-4DB2-BD59-A6C34878D82A}">
+                    <a16:rowId xmlns:a16="http://schemas.microsoft.com/office/drawing/2014/main" val="103007724"/>
+                  </a:ext>
+                </a:extLst>
+              </a:tr>
+              <a:tr h="370840">
+                <a:tc>
+                  <a:txBody>
+                    <a:bodyPr/>
+                    <a:lstStyle/>
+                    <a:p>
+                      <a:pPr algn="ctr"/>
+                      <a:r>
+                        <a:rPr lang="en-US" dirty="0"/>
+                        <a:t>Alice</a:t>
+                      </a:r>
+                    </a:p>
+                  </a:txBody>
+                  <a:tcPr/>
+                </a:tc>
+                <a:tc>
+                  <a:txBody>
+                    <a:bodyPr/>
+                    <a:lstStyle/>
+                    <a:p>
+                      <a:pPr algn="ctr"/>
+                      <a:r>
+                        <a:rPr lang="en-US" dirty="0"/>
+                        <a:t>2</a:t>
+                      </a:r>
+                    </a:p>
+                  </a:txBody>
+                  <a:tcPr/>
+                </a:tc>
+                <a:tc>
+                  <a:txBody>
+                    <a:bodyPr/>
+                    <a:lstStyle/>
+                    <a:p>
+                      <a:pPr algn="ctr"/>
+                      <a:r>
+                        <a:rPr lang="en-US" dirty="0"/>
+                        <a:t>470.0 - 73.33</a:t>
+                      </a:r>
+                    </a:p>
+                  </a:txBody>
+                  <a:tcPr/>
+                </a:tc>
+                <a:tc>
+                  <a:txBody>
+                    <a:bodyPr/>
+                    <a:lstStyle/>
+                    <a:p>
+                      <a:pPr algn="ctr"/>
+                      <a:r>
+                        <a:rPr lang="en-US" dirty="0"/>
+                        <a:t>396.67</a:t>
+                      </a:r>
+                    </a:p>
+                  </a:txBody>
+                  <a:tcPr/>
+                </a:tc>
+                <a:extLst>
+                  <a:ext uri="{0D108BD9-81ED-4DB2-BD59-A6C34878D82A}">
+                    <a16:rowId xmlns:a16="http://schemas.microsoft.com/office/drawing/2014/main" val="1792344990"/>
+                  </a:ext>
+                </a:extLst>
+              </a:tr>
+              <a:tr h="370840">
+                <a:tc>
+                  <a:txBody>
+                    <a:bodyPr/>
+                    <a:lstStyle/>
+                    <a:p>
+                      <a:pPr algn="ctr"/>
+                      <a:r>
+                        <a:rPr lang="en-US" dirty="0"/>
+                        <a:t>Bob</a:t>
+                      </a:r>
+                    </a:p>
+                  </a:txBody>
+                  <a:tcPr/>
+                </a:tc>
+                <a:tc>
+                  <a:txBody>
+                    <a:bodyPr/>
+                    <a:lstStyle/>
+                    <a:p>
+                      <a:pPr algn="ctr"/>
+                      <a:r>
+                        <a:rPr lang="en-US" dirty="0"/>
+                        <a:t>1</a:t>
+                      </a:r>
+                    </a:p>
+                  </a:txBody>
+                  <a:tcPr/>
+                </a:tc>
+                <a:tc>
+                  <a:txBody>
+                    <a:bodyPr/>
+                    <a:lstStyle/>
+                    <a:p>
+                      <a:pPr algn="ctr"/>
+                      <a:r>
+                        <a:rPr lang="en-US" dirty="0"/>
+                        <a:t>350.0 - 73.33</a:t>
+                      </a:r>
+                    </a:p>
+                  </a:txBody>
+                  <a:tcPr/>
+                </a:tc>
+                <a:tc>
+                  <a:txBody>
+                    <a:bodyPr/>
+                    <a:lstStyle/>
+                    <a:p>
+                      <a:pPr algn="ctr"/>
+                      <a:r>
+                        <a:rPr lang="en-US" dirty="0"/>
+                        <a:t>276.67</a:t>
+                      </a:r>
+                    </a:p>
+                  </a:txBody>
+                  <a:tcPr/>
+                </a:tc>
+                <a:extLst>
+                  <a:ext uri="{0D108BD9-81ED-4DB2-BD59-A6C34878D82A}">
+                    <a16:rowId xmlns:a16="http://schemas.microsoft.com/office/drawing/2014/main" val="3283769993"/>
+                  </a:ext>
+                </a:extLst>
+              </a:tr>
+              <a:tr h="370840">
+                <a:tc>
+                  <a:txBody>
+                    <a:bodyPr/>
+                    <a:lstStyle/>
+                    <a:p>
+                      <a:pPr algn="ctr"/>
+                      <a:r>
+                        <a:rPr lang="en-US" dirty="0"/>
+                        <a:t> Claire</a:t>
+                      </a:r>
+                    </a:p>
+                  </a:txBody>
+                  <a:tcPr/>
+                </a:tc>
+                <a:tc>
+                  <a:txBody>
+                    <a:bodyPr/>
+                    <a:lstStyle/>
+                    <a:p>
+                      <a:pPr algn="ctr"/>
+                      <a:r>
+                        <a:rPr lang="en-US" dirty="0"/>
+                        <a:t>3</a:t>
+                      </a:r>
+                    </a:p>
+                  </a:txBody>
+                  <a:tcPr/>
+                </a:tc>
+                <a:tc>
+                  <a:txBody>
+                    <a:bodyPr/>
+                    <a:lstStyle/>
+                    <a:p>
+                      <a:pPr algn="ctr"/>
+                      <a:r>
+                        <a:rPr lang="en-US" dirty="0"/>
+                        <a:t>400.0 - 73.33</a:t>
+                      </a:r>
+                    </a:p>
+                  </a:txBody>
+                  <a:tcPr/>
+                </a:tc>
+                <a:tc>
+                  <a:txBody>
+                    <a:bodyPr/>
+                    <a:lstStyle/>
+                    <a:p>
+                      <a:pPr algn="ctr"/>
+                      <a:r>
+                        <a:rPr lang="en-US" dirty="0"/>
+                        <a:t>326.67</a:t>
+                      </a:r>
+                    </a:p>
+                  </a:txBody>
+                  <a:tcPr/>
+                </a:tc>
+                <a:extLst>
+                  <a:ext uri="{0D108BD9-81ED-4DB2-BD59-A6C34878D82A}">
+                    <a16:rowId xmlns:a16="http://schemas.microsoft.com/office/drawing/2014/main" val="509887948"/>
+                  </a:ext>
+                </a:extLst>
+              </a:tr>
+            </a:tbl>
+          </a:graphicData>
+        </a:graphic>
+      </p:graphicFrame>
+      <p:sp>
+        <p:nvSpPr>
+          <p:cNvPr id="5" name="TextBox 4">
+            <a:extLst>
+              <a:ext uri="{FF2B5EF4-FFF2-40B4-BE49-F238E27FC236}">
+                <a16:creationId xmlns:a16="http://schemas.microsoft.com/office/drawing/2014/main" id="{8FDD2D2D-BED5-BD48-AA61-073FCB21DC81}"/>
+              </a:ext>
+            </a:extLst>
+          </p:cNvPr>
+          <p:cNvSpPr txBox="1"/>
+          <p:nvPr/>
+        </p:nvSpPr>
+        <p:spPr>
+          <a:xfrm>
+            <a:off x="1099226" y="1692613"/>
+            <a:ext cx="184731" cy="369332"/>
+          </a:xfrm>
+          <a:prstGeom prst="rect">
+            <a:avLst/>
+          </a:prstGeom>
+          <a:noFill/>
+        </p:spPr>
+        <p:txBody>
+          <a:bodyPr wrap="none" rtlCol="0">
+            <a:spAutoFit/>
+          </a:bodyPr>
+          <a:lstStyle/>
+          <a:p>
+            <a:endParaRPr lang="en-US"/>
+          </a:p>
+        </p:txBody>
+      </p:sp>
+    </p:spTree>
+    <p:extLst>
+      <p:ext uri="{BB962C8B-B14F-4D97-AF65-F5344CB8AC3E}">
+        <p14:creationId xmlns:p14="http://schemas.microsoft.com/office/powerpoint/2010/main" val="3334310483"/>
+      </p:ext>
+    </p:extLst>
+  </p:cSld>
+  <p:clrMapOvr>
+    <a:masterClrMapping/>
+  </p:clrMapOvr>
+  <p:timing>
+    <p:tnLst>
+      <p:par>
+        <p:cTn id="1" dur="indefinite" restart="never" nodeType="tmRoot">
+          <p:childTnLst>
+            <p:seq concurrent="1" nextAc="seek">
+              <p:cTn id="2" dur="indefinite" nodeType="mainSeq">
+                <p:childTnLst>
+                  <p:par>
+                    <p:cTn id="3" fill="hold">
+                      <p:stCondLst>
+                        <p:cond delay="indefinite"/>
+                      </p:stCondLst>
+                      <p:childTnLst>
+                        <p:par>
+                          <p:cTn id="4" fill="hold">
+                            <p:stCondLst>
+                              <p:cond delay="0"/>
+                            </p:stCondLst>
+                            <p:childTnLst>
+                              <p:par>
+                                <p:cTn id="5" presetID="1" presetClass="entr" presetSubtype="0" fill="hold" nodeType="clickEffect">
+                                  <p:stCondLst>
+                                    <p:cond delay="0"/>
+                                  </p:stCondLst>
+                                  <p:childTnLst>
+                                    <p:set>
+                                      <p:cBhvr>
+                                        <p:cTn id="6" dur="1" fill="hold">
+                                          <p:stCondLst>
+                                            <p:cond delay="0"/>
+                                          </p:stCondLst>
+                                        </p:cTn>
+                                        <p:tgtEl>
+                                          <p:spTgt spid="4"/>
+                                        </p:tgtEl>
+                                        <p:attrNameLst>
+                                          <p:attrName>style.visibility</p:attrName>
+                                        </p:attrNameLst>
+                                      </p:cBhvr>
+                                      <p:to>
+                                        <p:strVal val="visible"/>
+                                      </p:to>
+                                    </p:set>
+                                  </p:childTnLst>
+                                </p:cTn>
+                              </p:par>
+                            </p:childTnLst>
+                          </p:cTn>
+                        </p:par>
+                      </p:childTnLst>
+                    </p:cTn>
+                  </p:par>
+                </p:childTnLst>
+              </p:cTn>
+              <p:prevCondLst>
+                <p:cond evt="onPrev" delay="0">
+                  <p:tgtEl>
+                    <p:sldTgt/>
+                  </p:tgtEl>
+                </p:cond>
+              </p:prevCondLst>
+              <p:nextCondLst>
+                <p:cond evt="onNext" delay="0">
+                  <p:tgtEl>
+                    <p:sldTgt/>
+                  </p:tgtEl>
+                </p:cond>
+              </p:nextCondLst>
+            </p:seq>
+          </p:childTnLst>
+        </p:cTn>
+      </p:par>
+    </p:tnLst>
+  </p:timing>
+</p:sld>
+</file>
+
+<file path=ppt/slides/slide12.xml><?xml version="1.0" encoding="utf-8"?>
+<p:sld xmlns:a="http://schemas.openxmlformats.org/drawingml/2006/main" xmlns:r="http://schemas.openxmlformats.org/officeDocument/2006/relationships" xmlns:p="http://schemas.openxmlformats.org/presentationml/2006/main">
+  <p:cSld>
+    <p:spTree>
+      <p:nvGrpSpPr>
+        <p:cNvPr id="1" name=""/>
+        <p:cNvGrpSpPr/>
+        <p:nvPr/>
+      </p:nvGrpSpPr>
+      <p:grpSpPr>
+        <a:xfrm>
+          <a:off x="0" y="0"/>
+          <a:ext cx="0" cy="0"/>
+          <a:chOff x="0" y="0"/>
+          <a:chExt cx="0" cy="0"/>
+        </a:xfrm>
+      </p:grpSpPr>
+      <p:sp>
+        <p:nvSpPr>
+          <p:cNvPr id="2" name="Title 1">
+            <a:extLst>
+              <a:ext uri="{FF2B5EF4-FFF2-40B4-BE49-F238E27FC236}">
+                <a16:creationId xmlns:a16="http://schemas.microsoft.com/office/drawing/2014/main" id="{7176889F-5998-5C48-A535-0697F3373A4E}"/>
+              </a:ext>
+            </a:extLst>
+          </p:cNvPr>
+          <p:cNvSpPr>
+            <a:spLocks noGrp="1"/>
+          </p:cNvSpPr>
+          <p:nvPr>
+            <p:ph type="title"/>
+          </p:nvPr>
+        </p:nvSpPr>
+        <p:spPr/>
+        <p:txBody>
+          <a:bodyPr/>
+          <a:lstStyle/>
+          <a:p>
+            <a:r>
+              <a:rPr lang="en-US" dirty="0"/>
+              <a:t>validation of final allocation</a:t>
+            </a:r>
+          </a:p>
+        </p:txBody>
+      </p:sp>
+      <p:graphicFrame>
+        <p:nvGraphicFramePr>
+          <p:cNvPr id="4" name="Content Placeholder 3">
+            <a:extLst>
+              <a:ext uri="{FF2B5EF4-FFF2-40B4-BE49-F238E27FC236}">
+                <a16:creationId xmlns:a16="http://schemas.microsoft.com/office/drawing/2014/main" id="{9237DCE0-83DC-3546-A4C7-A7835E4328D5}"/>
+              </a:ext>
+            </a:extLst>
+          </p:cNvPr>
+          <p:cNvGraphicFramePr>
+            <a:graphicFrameLocks noGrp="1"/>
+          </p:cNvGraphicFramePr>
+          <p:nvPr>
+            <p:ph idx="1"/>
+            <p:extLst>
+              <p:ext uri="{D42A27DB-BD31-4B8C-83A1-F6EECF244321}">
+                <p14:modId xmlns:p14="http://schemas.microsoft.com/office/powerpoint/2010/main" val="3923245159"/>
+              </p:ext>
+            </p:extLst>
+          </p:nvPr>
+        </p:nvGraphicFramePr>
+        <p:xfrm>
+          <a:off x="2230438" y="2742600"/>
+          <a:ext cx="7731124" cy="1483360"/>
+        </p:xfrm>
+        <a:graphic>
+          <a:graphicData uri="http://schemas.openxmlformats.org/drawingml/2006/table">
+            <a:tbl>
+              <a:tblPr firstRow="1" bandRow="1">
+                <a:tableStyleId>{21E4AEA4-8DFA-4A89-87EB-49C32662AFE0}</a:tableStyleId>
+              </a:tblPr>
+              <a:tblGrid>
+                <a:gridCol w="1932781">
+                  <a:extLst>
+                    <a:ext uri="{9D8B030D-6E8A-4147-A177-3AD203B41FA5}">
+                      <a16:colId xmlns:a16="http://schemas.microsoft.com/office/drawing/2014/main" val="3726560"/>
+                    </a:ext>
+                  </a:extLst>
+                </a:gridCol>
+                <a:gridCol w="1932781">
+                  <a:extLst>
+                    <a:ext uri="{9D8B030D-6E8A-4147-A177-3AD203B41FA5}">
+                      <a16:colId xmlns:a16="http://schemas.microsoft.com/office/drawing/2014/main" val="3168687314"/>
+                    </a:ext>
+                  </a:extLst>
+                </a:gridCol>
+                <a:gridCol w="1932781">
+                  <a:extLst>
+                    <a:ext uri="{9D8B030D-6E8A-4147-A177-3AD203B41FA5}">
+                      <a16:colId xmlns:a16="http://schemas.microsoft.com/office/drawing/2014/main" val="2678281939"/>
+                    </a:ext>
+                  </a:extLst>
+                </a:gridCol>
+                <a:gridCol w="1932781">
+                  <a:extLst>
+                    <a:ext uri="{9D8B030D-6E8A-4147-A177-3AD203B41FA5}">
+                      <a16:colId xmlns:a16="http://schemas.microsoft.com/office/drawing/2014/main" val="3151972442"/>
+                    </a:ext>
+                  </a:extLst>
+                </a:gridCol>
+              </a:tblGrid>
+              <a:tr h="370840">
+                <a:tc>
+                  <a:txBody>
+                    <a:bodyPr/>
+                    <a:lstStyle/>
+                    <a:p>
+                      <a:pPr algn="ctr"/>
+                      <a:endParaRPr lang="en-US" dirty="0"/>
+                    </a:p>
+                  </a:txBody>
+                  <a:tcPr/>
+                </a:tc>
+                <a:tc>
+                  <a:txBody>
+                    <a:bodyPr/>
+                    <a:lstStyle/>
+                    <a:p>
+                      <a:pPr algn="ctr"/>
+                      <a:r>
+                        <a:rPr lang="en-US" dirty="0"/>
+                        <a:t>Room 1</a:t>
+                      </a:r>
+                    </a:p>
+                  </a:txBody>
+                  <a:tcPr/>
+                </a:tc>
+                <a:tc>
+                  <a:txBody>
+                    <a:bodyPr/>
+                    <a:lstStyle/>
+                    <a:p>
+                      <a:pPr algn="ctr"/>
+                      <a:r>
+                        <a:rPr lang="en-US" dirty="0"/>
+                        <a:t>Room 2</a:t>
+                      </a:r>
+                    </a:p>
+                  </a:txBody>
+                  <a:tcPr/>
+                </a:tc>
+                <a:tc>
+                  <a:txBody>
+                    <a:bodyPr/>
+                    <a:lstStyle/>
+                    <a:p>
+                      <a:pPr algn="ctr"/>
+                      <a:r>
+                        <a:rPr lang="en-US" dirty="0"/>
+                        <a:t>Room 3</a:t>
+                      </a:r>
+                    </a:p>
+                  </a:txBody>
+                  <a:tcPr/>
+                </a:tc>
+                <a:extLst>
+                  <a:ext uri="{0D108BD9-81ED-4DB2-BD59-A6C34878D82A}">
+                    <a16:rowId xmlns:a16="http://schemas.microsoft.com/office/drawing/2014/main" val="1714920863"/>
+                  </a:ext>
+                </a:extLst>
+              </a:tr>
+              <a:tr h="370840">
+                <a:tc>
+                  <a:txBody>
+                    <a:bodyPr/>
+                    <a:lstStyle/>
+                    <a:p>
+                      <a:pPr algn="ctr"/>
+                      <a:r>
+                        <a:rPr lang="en-US" dirty="0"/>
+                        <a:t>Alice</a:t>
+                      </a:r>
+                    </a:p>
+                  </a:txBody>
+                  <a:tcPr/>
+                </a:tc>
+                <a:tc>
+                  <a:txBody>
+                    <a:bodyPr/>
+                    <a:lstStyle/>
+                    <a:p>
+                      <a:pPr algn="ctr" fontAlgn="ctr"/>
+                      <a:r>
+                        <a:rPr lang="en-IN" sz="1800" b="0" i="0" u="none" strike="noStrike">
+                          <a:solidFill>
+                            <a:srgbClr val="000000"/>
+                          </a:solidFill>
+                          <a:effectLst/>
+                          <a:latin typeface="Gill Sans MT" panose="020B0502020104020203" pitchFamily="34" charset="77"/>
+                        </a:rPr>
+                        <a:t>53.33</a:t>
+                      </a:r>
+                    </a:p>
+                  </a:txBody>
+                  <a:tcPr marL="9525" marR="9525" marT="9525" marB="0" anchor="ctr"/>
+                </a:tc>
+                <a:tc>
+                  <a:txBody>
+                    <a:bodyPr/>
+                    <a:lstStyle/>
+                    <a:p>
+                      <a:pPr algn="ctr" fontAlgn="ctr"/>
+                      <a:r>
+                        <a:rPr lang="en-IN" sz="1800" b="0" i="0" u="none" strike="noStrike" dirty="0">
+                          <a:solidFill>
+                            <a:srgbClr val="000000"/>
+                          </a:solidFill>
+                          <a:effectLst/>
+                          <a:latin typeface="Gill Sans MT" panose="020B0502020104020203" pitchFamily="34" charset="77"/>
+                        </a:rPr>
+                        <a:t>73.33</a:t>
+                      </a:r>
+                    </a:p>
+                  </a:txBody>
+                  <a:tcPr marL="9525" marR="9525" marT="9525" marB="0" anchor="ctr">
+                    <a:solidFill>
+                      <a:srgbClr val="FFC000"/>
+                    </a:solidFill>
+                  </a:tcPr>
+                </a:tc>
+                <a:tc>
+                  <a:txBody>
+                    <a:bodyPr/>
+                    <a:lstStyle/>
+                    <a:p>
+                      <a:pPr algn="ctr" fontAlgn="ctr"/>
+                      <a:r>
+                        <a:rPr lang="en-IN" sz="1800" b="0" i="0" u="none" strike="noStrike">
+                          <a:solidFill>
+                            <a:srgbClr val="000000"/>
+                          </a:solidFill>
+                          <a:effectLst/>
+                          <a:latin typeface="Gill Sans MT" panose="020B0502020104020203" pitchFamily="34" charset="77"/>
+                        </a:rPr>
+                        <a:t>-126.67</a:t>
+                      </a:r>
+                    </a:p>
+                  </a:txBody>
+                  <a:tcPr marL="9525" marR="9525" marT="9525" marB="0" anchor="ctr"/>
+                </a:tc>
+                <a:extLst>
+                  <a:ext uri="{0D108BD9-81ED-4DB2-BD59-A6C34878D82A}">
+                    <a16:rowId xmlns:a16="http://schemas.microsoft.com/office/drawing/2014/main" val="3383498833"/>
+                  </a:ext>
+                </a:extLst>
+              </a:tr>
+              <a:tr h="370840">
+                <a:tc>
+                  <a:txBody>
+                    <a:bodyPr/>
+                    <a:lstStyle/>
+                    <a:p>
+                      <a:pPr algn="ctr"/>
+                      <a:r>
+                        <a:rPr lang="en-US" dirty="0"/>
+                        <a:t>Bob</a:t>
+                      </a:r>
+                    </a:p>
+                  </a:txBody>
+                  <a:tcPr/>
+                </a:tc>
+                <a:tc>
+                  <a:txBody>
+                    <a:bodyPr/>
+                    <a:lstStyle/>
+                    <a:p>
+                      <a:pPr algn="ctr" fontAlgn="ctr"/>
+                      <a:r>
+                        <a:rPr lang="en-IN" sz="1800" b="0" i="0" u="none" strike="noStrike" dirty="0">
+                          <a:solidFill>
+                            <a:srgbClr val="000000"/>
+                          </a:solidFill>
+                          <a:effectLst/>
+                          <a:latin typeface="Gill Sans MT" panose="020B0502020104020203" pitchFamily="34" charset="77"/>
+                        </a:rPr>
+                        <a:t>73.33</a:t>
+                      </a:r>
+                    </a:p>
+                  </a:txBody>
+                  <a:tcPr marL="9525" marR="9525" marT="9525" marB="0" anchor="ctr">
+                    <a:solidFill>
+                      <a:srgbClr val="FFC000"/>
+                    </a:solidFill>
+                  </a:tcPr>
+                </a:tc>
+                <a:tc>
+                  <a:txBody>
+                    <a:bodyPr/>
+                    <a:lstStyle/>
+                    <a:p>
+                      <a:pPr algn="ctr" fontAlgn="ctr"/>
+                      <a:r>
+                        <a:rPr lang="en-IN" sz="1800" b="0" i="0" u="none" strike="noStrike">
+                          <a:solidFill>
+                            <a:srgbClr val="000000"/>
+                          </a:solidFill>
+                          <a:effectLst/>
+                          <a:latin typeface="Gill Sans MT" panose="020B0502020104020203" pitchFamily="34" charset="77"/>
+                        </a:rPr>
+                        <a:t>53.33</a:t>
+                      </a:r>
+                    </a:p>
+                  </a:txBody>
+                  <a:tcPr marL="9525" marR="9525" marT="9525" marB="0" anchor="ctr"/>
+                </a:tc>
+                <a:tc>
+                  <a:txBody>
+                    <a:bodyPr/>
+                    <a:lstStyle/>
+                    <a:p>
+                      <a:pPr algn="ctr" fontAlgn="ctr"/>
+                      <a:r>
+                        <a:rPr lang="en-IN" sz="1800" b="0" i="0" u="none" strike="noStrike">
+                          <a:solidFill>
+                            <a:srgbClr val="000000"/>
+                          </a:solidFill>
+                          <a:effectLst/>
+                          <a:latin typeface="Gill Sans MT" panose="020B0502020104020203" pitchFamily="34" charset="77"/>
+                        </a:rPr>
+                        <a:t>-126.67</a:t>
+                      </a:r>
+                    </a:p>
+                  </a:txBody>
+                  <a:tcPr marL="9525" marR="9525" marT="9525" marB="0" anchor="ctr"/>
+                </a:tc>
+                <a:extLst>
+                  <a:ext uri="{0D108BD9-81ED-4DB2-BD59-A6C34878D82A}">
+                    <a16:rowId xmlns:a16="http://schemas.microsoft.com/office/drawing/2014/main" val="1761978725"/>
+                  </a:ext>
+                </a:extLst>
+              </a:tr>
+              <a:tr h="370840">
+                <a:tc>
+                  <a:txBody>
+                    <a:bodyPr/>
+                    <a:lstStyle/>
+                    <a:p>
+                      <a:pPr algn="ctr"/>
+                      <a:r>
+                        <a:rPr lang="en-US" dirty="0"/>
+                        <a:t>Claire</a:t>
+                      </a:r>
+                    </a:p>
+                  </a:txBody>
+                  <a:tcPr/>
+                </a:tc>
+                <a:tc>
+                  <a:txBody>
+                    <a:bodyPr/>
+                    <a:lstStyle/>
+                    <a:p>
+                      <a:pPr algn="ctr" fontAlgn="ctr"/>
+                      <a:r>
+                        <a:rPr lang="en-IN" sz="1800" b="0" i="0" u="none" strike="noStrike">
+                          <a:solidFill>
+                            <a:srgbClr val="000000"/>
+                          </a:solidFill>
+                          <a:effectLst/>
+                          <a:latin typeface="Gill Sans MT" panose="020B0502020104020203" pitchFamily="34" charset="77"/>
+                        </a:rPr>
+                        <a:t>-51.67</a:t>
+                      </a:r>
+                    </a:p>
+                  </a:txBody>
+                  <a:tcPr marL="9525" marR="9525" marT="9525" marB="0" anchor="ctr"/>
+                </a:tc>
+                <a:tc>
+                  <a:txBody>
+                    <a:bodyPr/>
+                    <a:lstStyle/>
+                    <a:p>
+                      <a:pPr algn="ctr" fontAlgn="ctr"/>
+                      <a:r>
+                        <a:rPr lang="en-IN" sz="1800" b="0" i="0" u="none" strike="noStrike">
+                          <a:solidFill>
+                            <a:srgbClr val="000000"/>
+                          </a:solidFill>
+                          <a:effectLst/>
+                          <a:latin typeface="Gill Sans MT" panose="020B0502020104020203" pitchFamily="34" charset="77"/>
+                        </a:rPr>
+                        <a:t>-21.67</a:t>
+                      </a:r>
+                    </a:p>
+                  </a:txBody>
+                  <a:tcPr marL="9525" marR="9525" marT="9525" marB="0" anchor="ctr"/>
+                </a:tc>
+                <a:tc>
+                  <a:txBody>
+                    <a:bodyPr/>
+                    <a:lstStyle/>
+                    <a:p>
+                      <a:pPr algn="ctr" fontAlgn="ctr"/>
+                      <a:r>
+                        <a:rPr lang="en-IN" sz="1800" b="0" i="0" u="none" strike="noStrike" dirty="0">
+                          <a:solidFill>
+                            <a:srgbClr val="000000"/>
+                          </a:solidFill>
+                          <a:effectLst/>
+                          <a:latin typeface="Gill Sans MT" panose="020B0502020104020203" pitchFamily="34" charset="77"/>
+                        </a:rPr>
+                        <a:t>73.33</a:t>
+                      </a:r>
+                    </a:p>
+                  </a:txBody>
+                  <a:tcPr marL="9525" marR="9525" marT="9525" marB="0" anchor="ctr">
+                    <a:solidFill>
+                      <a:srgbClr val="FFC000"/>
+                    </a:solidFill>
+                  </a:tcPr>
+                </a:tc>
+                <a:extLst>
+                  <a:ext uri="{0D108BD9-81ED-4DB2-BD59-A6C34878D82A}">
+                    <a16:rowId xmlns:a16="http://schemas.microsoft.com/office/drawing/2014/main" val="4234361589"/>
+                  </a:ext>
+                </a:extLst>
+              </a:tr>
+            </a:tbl>
+          </a:graphicData>
+        </a:graphic>
+      </p:graphicFrame>
+      <p:sp>
+        <p:nvSpPr>
+          <p:cNvPr id="5" name="TextBox 4">
+            <a:extLst>
+              <a:ext uri="{FF2B5EF4-FFF2-40B4-BE49-F238E27FC236}">
+                <a16:creationId xmlns:a16="http://schemas.microsoft.com/office/drawing/2014/main" id="{A8F842B6-9F53-A947-A3C3-A5333896E906}"/>
+              </a:ext>
+            </a:extLst>
+          </p:cNvPr>
+          <p:cNvSpPr txBox="1"/>
+          <p:nvPr/>
+        </p:nvSpPr>
+        <p:spPr>
+          <a:xfrm>
+            <a:off x="2230438" y="4768766"/>
+            <a:ext cx="7907549" cy="369332"/>
+          </a:xfrm>
+          <a:prstGeom prst="rect">
+            <a:avLst/>
+          </a:prstGeom>
+          <a:noFill/>
+        </p:spPr>
+        <p:txBody>
+          <a:bodyPr wrap="none" rtlCol="0">
+            <a:spAutoFit/>
+          </a:bodyPr>
+          <a:lstStyle/>
+          <a:p>
+            <a:r>
+              <a:rPr lang="en-US" dirty="0"/>
+              <a:t>For all players, highest gain is when they are allocated these rooms for these prices.</a:t>
+            </a:r>
+          </a:p>
+        </p:txBody>
+      </p:sp>
+    </p:spTree>
+    <p:extLst>
+      <p:ext uri="{BB962C8B-B14F-4D97-AF65-F5344CB8AC3E}">
+        <p14:creationId xmlns:p14="http://schemas.microsoft.com/office/powerpoint/2010/main" val="3273029065"/>
+      </p:ext>
+    </p:extLst>
+  </p:cSld>
+  <p:clrMapOvr>
+    <a:masterClrMapping/>
+  </p:clrMapOvr>
+  <p:timing>
+    <p:tnLst>
+      <p:par>
+        <p:cTn id="1" dur="indefinite" restart="never" nodeType="tmRoot">
+          <p:childTnLst>
+            <p:seq concurrent="1" nextAc="seek">
+              <p:cTn id="2" dur="indefinite" nodeType="mainSeq">
+                <p:childTnLst>
+                  <p:par>
+                    <p:cTn id="3" fill="hold">
+                      <p:stCondLst>
+                        <p:cond delay="indefinite"/>
+                      </p:stCondLst>
+                      <p:childTnLst>
+                        <p:par>
+                          <p:cTn id="4" fill="hold">
+                            <p:stCondLst>
+                              <p:cond delay="0"/>
+                            </p:stCondLst>
+                            <p:childTnLst>
+                              <p:par>
+                                <p:cTn id="5" presetID="1" presetClass="entr" presetSubtype="0" fill="hold" nodeType="clickEffect">
+                                  <p:stCondLst>
+                                    <p:cond delay="0"/>
+                                  </p:stCondLst>
+                                  <p:childTnLst>
+                                    <p:set>
+                                      <p:cBhvr>
+                                        <p:cTn id="6" dur="1" fill="hold">
+                                          <p:stCondLst>
+                                            <p:cond delay="0"/>
+                                          </p:stCondLst>
+                                        </p:cTn>
+                                        <p:tgtEl>
+                                          <p:spTgt spid="4"/>
+                                        </p:tgtEl>
+                                        <p:attrNameLst>
+                                          <p:attrName>style.visibility</p:attrName>
+                                        </p:attrNameLst>
+                                      </p:cBhvr>
+                                      <p:to>
+                                        <p:strVal val="visible"/>
+                                      </p:to>
+                                    </p:set>
+                                  </p:childTnLst>
+                                </p:cTn>
+                              </p:par>
+                            </p:childTnLst>
+                          </p:cTn>
+                        </p:par>
+                      </p:childTnLst>
+                    </p:cTn>
+                  </p:par>
+                  <p:par>
+                    <p:cTn id="7" fill="hold">
+                      <p:stCondLst>
+                        <p:cond delay="indefinite"/>
+                      </p:stCondLst>
+                      <p:childTnLst>
+                        <p:par>
+                          <p:cTn id="8" fill="hold">
+                            <p:stCondLst>
+                              <p:cond delay="0"/>
+                            </p:stCondLst>
+                            <p:childTnLst>
+                              <p:par>
+                                <p:cTn id="9" presetID="1" presetClass="entr" presetSubtype="0" fill="hold" grpId="0" nodeType="clickEffect">
+                                  <p:stCondLst>
+                                    <p:cond delay="0"/>
+                                  </p:stCondLst>
+                                  <p:childTnLst>
+                                    <p:set>
+                                      <p:cBhvr>
+                                        <p:cTn id="10" dur="1" fill="hold">
+                                          <p:stCondLst>
+                                            <p:cond delay="0"/>
+                                          </p:stCondLst>
+                                        </p:cTn>
+                                        <p:tgtEl>
+                                          <p:spTgt spid="5"/>
+                                        </p:tgtEl>
+                                        <p:attrNameLst>
+                                          <p:attrName>style.visibility</p:attrName>
+                                        </p:attrNameLst>
+                                      </p:cBhvr>
+                                      <p:to>
+                                        <p:strVal val="visible"/>
+                                      </p:to>
+                                    </p:set>
+                                  </p:childTnLst>
+                                </p:cTn>
+                              </p:par>
+                            </p:childTnLst>
+                          </p:cTn>
+                        </p:par>
+                      </p:childTnLst>
+                    </p:cTn>
+                  </p:par>
+                </p:childTnLst>
+              </p:cTn>
+              <p:prevCondLst>
+                <p:cond evt="onPrev" delay="0">
+                  <p:tgtEl>
+                    <p:sldTgt/>
+                  </p:tgtEl>
+                </p:cond>
+              </p:prevCondLst>
+              <p:nextCondLst>
+                <p:cond evt="onNext" delay="0">
+                  <p:tgtEl>
+                    <p:sldTgt/>
+                  </p:tgtEl>
+                </p:cond>
+              </p:nextCondLst>
+            </p:seq>
+          </p:childTnLst>
+        </p:cTn>
+      </p:par>
+    </p:tnLst>
+    <p:bldLst>
+      <p:bldP spid="5" grpId="0"/>
+    </p:bldLst>
+  </p:timing>
+</p:sld>
+</file>
+
+<file path=ppt/slides/slide13.xml><?xml version="1.0" encoding="utf-8"?>
+<p:sld xmlns:a="http://schemas.openxmlformats.org/drawingml/2006/main" xmlns:r="http://schemas.openxmlformats.org/officeDocument/2006/relationships" xmlns:p="http://schemas.openxmlformats.org/presentationml/2006/main">
+  <p:cSld>
+    <p:spTree>
+      <p:nvGrpSpPr>
+        <p:cNvPr id="1" name=""/>
+        <p:cNvGrpSpPr/>
+        <p:nvPr/>
+      </p:nvGrpSpPr>
+      <p:grpSpPr>
+        <a:xfrm>
+          <a:off x="0" y="0"/>
+          <a:ext cx="0" cy="0"/>
+          <a:chOff x="0" y="0"/>
+          <a:chExt cx="0" cy="0"/>
+        </a:xfrm>
+      </p:grpSpPr>
+      <p:sp>
+        <p:nvSpPr>
+          <p:cNvPr id="2" name="Title 1">
+            <a:extLst>
+              <a:ext uri="{FF2B5EF4-FFF2-40B4-BE49-F238E27FC236}">
+                <a16:creationId xmlns:a16="http://schemas.microsoft.com/office/drawing/2014/main" id="{A8D075F1-5490-234A-A29C-F9B3F6370F3F}"/>
+              </a:ext>
+            </a:extLst>
+          </p:cNvPr>
+          <p:cNvSpPr>
+            <a:spLocks noGrp="1"/>
+          </p:cNvSpPr>
+          <p:nvPr>
+            <p:ph type="title"/>
+          </p:nvPr>
+        </p:nvSpPr>
+        <p:spPr/>
+        <p:txBody>
+          <a:bodyPr/>
+          <a:lstStyle/>
+          <a:p>
+            <a:r>
+              <a:rPr lang="en-US" dirty="0"/>
+              <a:t>Features of the code</a:t>
+            </a:r>
+          </a:p>
+        </p:txBody>
+      </p:sp>
+      <p:sp>
+        <p:nvSpPr>
+          <p:cNvPr id="3" name="Content Placeholder 2">
+            <a:extLst>
+              <a:ext uri="{FF2B5EF4-FFF2-40B4-BE49-F238E27FC236}">
+                <a16:creationId xmlns:a16="http://schemas.microsoft.com/office/drawing/2014/main" id="{91BC5410-FDB3-084D-9AFD-9333BE06CEDD}"/>
+              </a:ext>
+            </a:extLst>
+          </p:cNvPr>
+          <p:cNvSpPr>
+            <a:spLocks noGrp="1"/>
+          </p:cNvSpPr>
+          <p:nvPr>
+            <p:ph idx="1"/>
+          </p:nvPr>
+        </p:nvSpPr>
+        <p:spPr/>
+        <p:txBody>
+          <a:bodyPr/>
+          <a:lstStyle/>
+          <a:p>
+            <a:r>
+              <a:rPr lang="en-US" dirty="0"/>
+              <a:t>Programming Language used: Python</a:t>
+            </a:r>
+          </a:p>
+          <a:p>
+            <a:r>
+              <a:rPr lang="en-US" dirty="0"/>
+              <a:t>Libraries used: </a:t>
+            </a:r>
+          </a:p>
+          <a:p>
+            <a:pPr lvl="1"/>
+            <a:r>
+              <a:rPr lang="en-US" dirty="0"/>
+              <a:t>pulp – </a:t>
+            </a:r>
+            <a:r>
+              <a:rPr lang="en-US" dirty="0" err="1"/>
+              <a:t>LpVariable</a:t>
+            </a:r>
+            <a:r>
+              <a:rPr lang="en-US" dirty="0"/>
+              <a:t>, </a:t>
+            </a:r>
+            <a:r>
+              <a:rPr lang="en-US" dirty="0" err="1"/>
+              <a:t>LpProblem</a:t>
+            </a:r>
+            <a:r>
+              <a:rPr lang="en-US" dirty="0"/>
+              <a:t>, </a:t>
+            </a:r>
+            <a:r>
+              <a:rPr lang="en-US" dirty="0" err="1"/>
+              <a:t>LpMaximise</a:t>
+            </a:r>
+            <a:r>
+              <a:rPr lang="en-US" dirty="0"/>
+              <a:t>, </a:t>
+            </a:r>
+            <a:r>
+              <a:rPr lang="en-US" dirty="0" err="1"/>
+              <a:t>lpSum</a:t>
+            </a:r>
+            <a:r>
+              <a:rPr lang="en-US" dirty="0"/>
+              <a:t>, solve, </a:t>
+            </a:r>
+            <a:r>
+              <a:rPr lang="en-US" dirty="0" err="1"/>
+              <a:t>writeLP</a:t>
+            </a:r>
+            <a:endParaRPr lang="en-US" dirty="0"/>
+          </a:p>
+          <a:p>
+            <a:pPr lvl="1"/>
+            <a:r>
+              <a:rPr lang="en-US" dirty="0" err="1"/>
+              <a:t>scipy</a:t>
+            </a:r>
+            <a:r>
+              <a:rPr lang="en-US" dirty="0"/>
+              <a:t> – optimize() using simplex method</a:t>
+            </a:r>
+          </a:p>
+          <a:p>
+            <a:r>
+              <a:rPr lang="en-US" dirty="0"/>
+              <a:t>Algorithm used for MWBM is an implementation of the Hungarian Algorithm (also known as </a:t>
+            </a:r>
+            <a:r>
+              <a:rPr lang="en-US" dirty="0" err="1"/>
+              <a:t>Munkres</a:t>
+            </a:r>
+            <a:r>
+              <a:rPr lang="en-US" dirty="0"/>
+              <a:t> algorithm)</a:t>
+            </a:r>
+          </a:p>
+          <a:p>
+            <a:r>
+              <a:rPr lang="en-US" dirty="0"/>
+              <a:t>File Handling has been implemented.</a:t>
+            </a:r>
+          </a:p>
+        </p:txBody>
+      </p:sp>
+    </p:spTree>
+    <p:extLst>
+      <p:ext uri="{BB962C8B-B14F-4D97-AF65-F5344CB8AC3E}">
+        <p14:creationId xmlns:p14="http://schemas.microsoft.com/office/powerpoint/2010/main" val="1908783346"/>
+      </p:ext>
+    </p:extLst>
+  </p:cSld>
+  <p:clrMapOvr>
+    <a:masterClrMapping/>
+  </p:clrMapOvr>
+  <p:timing>
+    <p:tnLst>
+      <p:par>
+        <p:cTn id="1" dur="indefinite" restart="never" nodeType="tmRoot">
+          <p:childTnLst>
+            <p:seq concurrent="1" nextAc="seek">
+              <p:cTn id="2" dur="indefinite" nodeType="mainSeq">
+                <p:childTnLst>
+                  <p:par>
+                    <p:cTn id="3" fill="hold">
+                      <p:stCondLst>
+                        <p:cond delay="indefinite"/>
+                      </p:stCondLst>
+                      <p:childTnLst>
+                        <p:par>
+                          <p:cTn id="4" fill="hold">
+                            <p:stCondLst>
+                              <p:cond delay="0"/>
+                            </p:stCondLst>
+                            <p:childTnLst>
+                              <p:par>
+                                <p:cTn id="5" presetID="1" presetClass="entr" presetSubtype="0" fill="hold" grpId="0" nodeType="clickEffect">
+                                  <p:stCondLst>
+                                    <p:cond delay="0"/>
+                                  </p:stCondLst>
+                                  <p:childTnLst>
+                                    <p:set>
+                                      <p:cBhvr>
+                                        <p:cTn id="6" dur="1" fill="hold">
+                                          <p:stCondLst>
+                                            <p:cond delay="0"/>
+                                          </p:stCondLst>
+                                        </p:cTn>
+                                        <p:tgtEl>
+                                          <p:spTgt spid="3">
+                                            <p:txEl>
+                                              <p:pRg st="0" end="0"/>
+                                            </p:txEl>
+                                          </p:spTgt>
+                                        </p:tgtEl>
+                                        <p:attrNameLst>
+                                          <p:attrName>style.visibility</p:attrName>
+                                        </p:attrNameLst>
+                                      </p:cBhvr>
+                                      <p:to>
+                                        <p:strVal val="visible"/>
+                                      </p:to>
+                                    </p:set>
+                                  </p:childTnLst>
+                                </p:cTn>
+                              </p:par>
+                            </p:childTnLst>
+                          </p:cTn>
+                        </p:par>
+                      </p:childTnLst>
+                    </p:cTn>
+                  </p:par>
+                  <p:par>
+                    <p:cTn id="7" fill="hold">
+                      <p:stCondLst>
+                        <p:cond delay="indefinite"/>
+                      </p:stCondLst>
+                      <p:childTnLst>
+                        <p:par>
+                          <p:cTn id="8" fill="hold">
+                            <p:stCondLst>
+                              <p:cond delay="0"/>
+                            </p:stCondLst>
+                            <p:childTnLst>
+                              <p:par>
+                                <p:cTn id="9" presetID="1" presetClass="entr" presetSubtype="0" fill="hold" grpId="0" nodeType="clickEffect">
+                                  <p:stCondLst>
+                                    <p:cond delay="0"/>
+                                  </p:stCondLst>
+                                  <p:childTnLst>
+                                    <p:set>
+                                      <p:cBhvr>
+                                        <p:cTn id="10" dur="1" fill="hold">
+                                          <p:stCondLst>
+                                            <p:cond delay="0"/>
+                                          </p:stCondLst>
+                                        </p:cTn>
+                                        <p:tgtEl>
+                                          <p:spTgt spid="3">
+                                            <p:txEl>
+                                              <p:pRg st="1" end="1"/>
+                                            </p:txEl>
+                                          </p:spTgt>
+                                        </p:tgtEl>
+                                        <p:attrNameLst>
+                                          <p:attrName>style.visibility</p:attrName>
+                                        </p:attrNameLst>
+                                      </p:cBhvr>
+                                      <p:to>
+                                        <p:strVal val="visible"/>
+                                      </p:to>
+                                    </p:set>
+                                  </p:childTnLst>
+                                </p:cTn>
+                              </p:par>
+                              <p:par>
+                                <p:cTn id="11" presetID="1" presetClass="entr" presetSubtype="0" fill="hold" grpId="0" nodeType="withEffect">
+                                  <p:stCondLst>
+                                    <p:cond delay="0"/>
+                                  </p:stCondLst>
+                                  <p:childTnLst>
+                                    <p:set>
+                                      <p:cBhvr>
+                                        <p:cTn id="12" dur="1" fill="hold">
+                                          <p:stCondLst>
+                                            <p:cond delay="0"/>
+                                          </p:stCondLst>
+                                        </p:cTn>
+                                        <p:tgtEl>
+                                          <p:spTgt spid="3">
+                                            <p:txEl>
+                                              <p:pRg st="2" end="2"/>
+                                            </p:txEl>
+                                          </p:spTgt>
+                                        </p:tgtEl>
+                                        <p:attrNameLst>
+                                          <p:attrName>style.visibility</p:attrName>
+                                        </p:attrNameLst>
+                                      </p:cBhvr>
+                                      <p:to>
+                                        <p:strVal val="visible"/>
+                                      </p:to>
+                                    </p:set>
+                                  </p:childTnLst>
+                                </p:cTn>
+                              </p:par>
+                              <p:par>
+                                <p:cTn id="13" presetID="1" presetClass="entr" presetSubtype="0" fill="hold" grpId="0" nodeType="withEffect">
+                                  <p:stCondLst>
+                                    <p:cond delay="0"/>
+                                  </p:stCondLst>
+                                  <p:childTnLst>
+                                    <p:set>
+                                      <p:cBhvr>
+                                        <p:cTn id="14" dur="1" fill="hold">
+                                          <p:stCondLst>
+                                            <p:cond delay="0"/>
+                                          </p:stCondLst>
+                                        </p:cTn>
+                                        <p:tgtEl>
+                                          <p:spTgt spid="3">
+                                            <p:txEl>
+                                              <p:pRg st="3" end="3"/>
+                                            </p:txEl>
+                                          </p:spTgt>
+                                        </p:tgtEl>
+                                        <p:attrNameLst>
+                                          <p:attrName>style.visibility</p:attrName>
+                                        </p:attrNameLst>
+                                      </p:cBhvr>
+                                      <p:to>
+                                        <p:strVal val="visible"/>
+                                      </p:to>
+                                    </p:set>
+                                  </p:childTnLst>
+                                </p:cTn>
+                              </p:par>
+                            </p:childTnLst>
+                          </p:cTn>
+                        </p:par>
+                      </p:childTnLst>
+                    </p:cTn>
+                  </p:par>
+                  <p:par>
+                    <p:cTn id="15" fill="hold">
+                      <p:stCondLst>
+                        <p:cond delay="indefinite"/>
+                      </p:stCondLst>
+                      <p:childTnLst>
+                        <p:par>
+                          <p:cTn id="16" fill="hold">
+                            <p:stCondLst>
+                              <p:cond delay="0"/>
+                            </p:stCondLst>
+                            <p:childTnLst>
+                              <p:par>
+                                <p:cTn id="17" presetID="1" presetClass="entr" presetSubtype="0" fill="hold" grpId="0" nodeType="clickEffect">
+                                  <p:stCondLst>
+                                    <p:cond delay="0"/>
+                                  </p:stCondLst>
+                                  <p:childTnLst>
+                                    <p:set>
+                                      <p:cBhvr>
+                                        <p:cTn id="18" dur="1" fill="hold">
+                                          <p:stCondLst>
+                                            <p:cond delay="0"/>
+                                          </p:stCondLst>
+                                        </p:cTn>
+                                        <p:tgtEl>
+                                          <p:spTgt spid="3">
+                                            <p:txEl>
+                                              <p:pRg st="4" end="4"/>
+                                            </p:txEl>
+                                          </p:spTgt>
+                                        </p:tgtEl>
+                                        <p:attrNameLst>
+                                          <p:attrName>style.visibility</p:attrName>
+                                        </p:attrNameLst>
+                                      </p:cBhvr>
+                                      <p:to>
+                                        <p:strVal val="visible"/>
+                                      </p:to>
+                                    </p:set>
+                                  </p:childTnLst>
+                                </p:cTn>
+                              </p:par>
+                            </p:childTnLst>
+                          </p:cTn>
+                        </p:par>
+                      </p:childTnLst>
+                    </p:cTn>
+                  </p:par>
+                  <p:par>
+                    <p:cTn id="19" fill="hold">
+                      <p:stCondLst>
+                        <p:cond delay="indefinite"/>
+                      </p:stCondLst>
+                      <p:childTnLst>
+                        <p:par>
+                          <p:cTn id="20" fill="hold">
+                            <p:stCondLst>
+                              <p:cond delay="0"/>
+                            </p:stCondLst>
+                            <p:childTnLst>
+                              <p:par>
+                                <p:cTn id="21" presetID="1" presetClass="entr" presetSubtype="0" fill="hold" grpId="0" nodeType="clickEffect">
+                                  <p:stCondLst>
+                                    <p:cond delay="0"/>
+                                  </p:stCondLst>
+                                  <p:childTnLst>
+                                    <p:set>
+                                      <p:cBhvr>
+                                        <p:cTn id="22" dur="1" fill="hold">
+                                          <p:stCondLst>
+                                            <p:cond delay="0"/>
+                                          </p:stCondLst>
+                                        </p:cTn>
+                                        <p:tgtEl>
+                                          <p:spTgt spid="3">
+                                            <p:txEl>
+                                              <p:pRg st="5" end="5"/>
+                                            </p:txEl>
+                                          </p:spTgt>
+                                        </p:tgtEl>
+                                        <p:attrNameLst>
+                                          <p:attrName>style.visibility</p:attrName>
+                                        </p:attrNameLst>
+                                      </p:cBhvr>
+                                      <p:to>
+                                        <p:strVal val="visible"/>
+                                      </p:to>
+                                    </p:set>
+                                  </p:childTnLst>
+                                </p:cTn>
+                              </p:par>
+                            </p:childTnLst>
+                          </p:cTn>
+                        </p:par>
+                      </p:childTnLst>
+                    </p:cTn>
+                  </p:par>
+                </p:childTnLst>
+              </p:cTn>
+              <p:prevCondLst>
+                <p:cond evt="onPrev" delay="0">
+                  <p:tgtEl>
+                    <p:sldTgt/>
+                  </p:tgtEl>
+                </p:cond>
+              </p:prevCondLst>
+              <p:nextCondLst>
+                <p:cond evt="onNext" delay="0">
+                  <p:tgtEl>
+                    <p:sldTgt/>
+                  </p:tgtEl>
+                </p:cond>
+              </p:nextCondLst>
+            </p:seq>
+          </p:childTnLst>
+        </p:cTn>
+      </p:par>
+    </p:tnLst>
+    <p:bldLst>
+      <p:bldP spid="3" grpId="0" build="p"/>
+    </p:bldLst>
+  </p:timing>
+</p:sld>
+</file>
+
+<file path=ppt/slides/slide14.xml><?xml version="1.0" encoding="utf-8"?>
+<p:sld xmlns:a="http://schemas.openxmlformats.org/drawingml/2006/main" xmlns:r="http://schemas.openxmlformats.org/officeDocument/2006/relationships" xmlns:p="http://schemas.openxmlformats.org/presentationml/2006/main">
+  <p:cSld>
+    <p:spTree>
+      <p:nvGrpSpPr>
+        <p:cNvPr id="1" name=""/>
+        <p:cNvGrpSpPr/>
+        <p:nvPr/>
+      </p:nvGrpSpPr>
+      <p:grpSpPr>
+        <a:xfrm>
+          <a:off x="0" y="0"/>
+          <a:ext cx="0" cy="0"/>
+          <a:chOff x="0" y="0"/>
+          <a:chExt cx="0" cy="0"/>
+        </a:xfrm>
+      </p:grpSpPr>
+      <p:sp>
+        <p:nvSpPr>
+          <p:cNvPr id="2" name="Title 1">
+            <a:extLst>
+              <a:ext uri="{FF2B5EF4-FFF2-40B4-BE49-F238E27FC236}">
+                <a16:creationId xmlns:a16="http://schemas.microsoft.com/office/drawing/2014/main" id="{4B8A27B1-8D9C-BD4C-A66D-8517F282E409}"/>
+              </a:ext>
+            </a:extLst>
+          </p:cNvPr>
+          <p:cNvSpPr>
+            <a:spLocks noGrp="1"/>
+          </p:cNvSpPr>
+          <p:nvPr>
+            <p:ph type="title"/>
+          </p:nvPr>
+        </p:nvSpPr>
+        <p:spPr>
+          <a:xfrm>
+            <a:off x="2231136" y="2534003"/>
+            <a:ext cx="7729728" cy="1188720"/>
+          </a:xfrm>
+        </p:spPr>
+        <p:txBody>
+          <a:bodyPr/>
+          <a:lstStyle/>
+          <a:p>
+            <a:r>
+              <a:rPr lang="en-US" dirty="0"/>
+              <a:t>DEMO</a:t>
+            </a:r>
+          </a:p>
+        </p:txBody>
+      </p:sp>
+    </p:spTree>
+    <p:extLst>
+      <p:ext uri="{BB962C8B-B14F-4D97-AF65-F5344CB8AC3E}">
+        <p14:creationId xmlns:p14="http://schemas.microsoft.com/office/powerpoint/2010/main" val="2367175400"/>
+      </p:ext>
+    </p:extLst>
+  </p:cSld>
+  <p:clrMapOvr>
+    <a:masterClrMapping/>
+  </p:clrMapOvr>
+</p:sld>
+</file>
+
+<file path=ppt/slides/slide15.xml><?xml version="1.0" encoding="utf-8"?>
+<p:sld xmlns:a="http://schemas.openxmlformats.org/drawingml/2006/main" xmlns:r="http://schemas.openxmlformats.org/officeDocument/2006/relationships" xmlns:p="http://schemas.openxmlformats.org/presentationml/2006/main">
+  <p:cSld>
+    <p:spTree>
+      <p:nvGrpSpPr>
+        <p:cNvPr id="1" name=""/>
+        <p:cNvGrpSpPr/>
+        <p:nvPr/>
+      </p:nvGrpSpPr>
+      <p:grpSpPr>
+        <a:xfrm>
+          <a:off x="0" y="0"/>
+          <a:ext cx="0" cy="0"/>
+          <a:chOff x="0" y="0"/>
+          <a:chExt cx="0" cy="0"/>
+        </a:xfrm>
+      </p:grpSpPr>
+      <p:sp>
+        <p:nvSpPr>
+          <p:cNvPr id="2" name="Title 1">
+            <a:extLst>
+              <a:ext uri="{FF2B5EF4-FFF2-40B4-BE49-F238E27FC236}">
+                <a16:creationId xmlns:a16="http://schemas.microsoft.com/office/drawing/2014/main" id="{4B8A27B1-8D9C-BD4C-A66D-8517F282E409}"/>
+              </a:ext>
+            </a:extLst>
+          </p:cNvPr>
+          <p:cNvSpPr>
+            <a:spLocks noGrp="1"/>
+          </p:cNvSpPr>
+          <p:nvPr>
+            <p:ph type="title"/>
+          </p:nvPr>
+        </p:nvSpPr>
+        <p:spPr>
+          <a:xfrm>
+            <a:off x="2231136" y="2534003"/>
+            <a:ext cx="7729728" cy="1188720"/>
+          </a:xfrm>
+        </p:spPr>
+        <p:txBody>
+          <a:bodyPr/>
+          <a:lstStyle/>
+          <a:p>
+            <a:r>
+              <a:rPr lang="en-US"/>
+              <a:t>QUESTIONs?</a:t>
+            </a:r>
+            <a:endParaRPr lang="en-US" dirty="0"/>
+          </a:p>
+        </p:txBody>
+      </p:sp>
+    </p:spTree>
+    <p:extLst>
+      <p:ext uri="{BB962C8B-B14F-4D97-AF65-F5344CB8AC3E}">
+        <p14:creationId xmlns:p14="http://schemas.microsoft.com/office/powerpoint/2010/main" val="3846673919"/>
+      </p:ext>
+    </p:extLst>
+  </p:cSld>
+  <p:clrMapOvr>
+    <a:masterClrMapping/>
+  </p:clrMapOvr>
+</p:sld>
+</file>
+
 <file path=ppt/slides/slide2.xml><?xml version="1.0" encoding="utf-8"?>
 <p:sld xmlns:a="http://schemas.openxmlformats.org/drawingml/2006/main" xmlns:r="http://schemas.openxmlformats.org/officeDocument/2006/relationships" xmlns:p="http://schemas.openxmlformats.org/presentationml/2006/main">
   <p:cSld>
@@ -6531,7 +9504,9 @@
         </p:nvSpPr>
         <p:spPr/>
         <p:txBody>
-          <a:bodyPr/>
+          <a:bodyPr>
+            <a:normAutofit lnSpcReduction="10000"/>
+          </a:bodyPr>
           <a:lstStyle/>
           <a:p>
             <a:r>
@@ -6542,11 +9517,8 @@
           <a:p>
             <a:r>
               <a:rPr lang="en-US" dirty="0"/>
-              <a:t>It is not fair that each of them pay the same rent for different rooms.</a:t>
+              <a:t>Since the rooms are different, each one will not want to pay the same rent for each room.</a:t>
             </a:r>
-          </a:p>
-          <a:p>
-            <a:endParaRPr lang="en-US" dirty="0"/>
           </a:p>
           <a:p>
             <a:endParaRPr lang="en-US" dirty="0"/>
@@ -6566,7 +9538,7 @@
           <a:p>
             <a:r>
               <a:rPr lang="en-US" dirty="0"/>
-              <a:t>The aim of this project is to find a fair rent allocation such that in the final outcome, none of the roommates are envious of each other’s allocations.</a:t>
+              <a:t>The aim of this project is to find a fair rent allocation such that in the final outcome, none of the roommates are envious of each other’s allocations and prices.</a:t>
             </a:r>
           </a:p>
         </p:txBody>
@@ -6773,7 +9745,7 @@
                                           </p:stCondLst>
                                         </p:cTn>
                                         <p:tgtEl>
-                                          <p:spTgt spid="5"/>
+                                          <p:spTgt spid="4"/>
                                         </p:tgtEl>
                                         <p:attrNameLst>
                                           <p:attrName>style.visibility</p:attrName>
@@ -6800,7 +9772,7 @@
                                           </p:stCondLst>
                                         </p:cTn>
                                         <p:tgtEl>
-                                          <p:spTgt spid="4"/>
+                                          <p:spTgt spid="5"/>
                                         </p:tgtEl>
                                         <p:attrNameLst>
                                           <p:attrName>style.visibility</p:attrName>
@@ -6847,7 +9819,7 @@
                                         <p:tgtEl>
                                           <p:spTgt spid="3">
                                             <p:txEl>
-                                              <p:pRg st="6" end="6"/>
+                                              <p:pRg st="5" end="5"/>
                                             </p:txEl>
                                           </p:spTgt>
                                         </p:tgtEl>
@@ -6992,7 +9964,7 @@
             </a:r>
             <a:r>
               <a:rPr lang="en-IN" dirty="0"/>
-              <a:t>)—its valuation of its room minus the rent it pays for it—is maximized.</a:t>
+              <a:t>)—their valuation of the room minus the rent they pay for it—is maximized.</a:t>
             </a:r>
           </a:p>
         </p:txBody>
@@ -7251,7 +10223,7 @@
             <p:ph idx="1"/>
             <p:extLst>
               <p:ext uri="{D42A27DB-BD31-4B8C-83A1-F6EECF244321}">
-                <p14:modId xmlns:p14="http://schemas.microsoft.com/office/powerpoint/2010/main" val="1467041316"/>
+                <p14:modId xmlns:p14="http://schemas.microsoft.com/office/powerpoint/2010/main" val="1159654259"/>
               </p:ext>
             </p:extLst>
           </p:nvPr>
@@ -7826,7 +10798,7 @@
             <p:ph idx="1"/>
             <p:extLst>
               <p:ext uri="{D42A27DB-BD31-4B8C-83A1-F6EECF244321}">
-                <p14:modId xmlns:p14="http://schemas.microsoft.com/office/powerpoint/2010/main" val="350013130"/>
+                <p14:modId xmlns:p14="http://schemas.microsoft.com/office/powerpoint/2010/main" val="1853757925"/>
               </p:ext>
             </p:extLst>
           </p:nvPr>
@@ -7951,42 +10923,60 @@
                     <a:bodyPr/>
                     <a:lstStyle/>
                     <a:p>
-                      <a:pPr algn="ctr"/>
+                      <a:pPr algn="ctr" rtl="0" fontAlgn="ctr"/>
                       <a:r>
-                        <a:rPr lang="en-US" dirty="0"/>
-                        <a:t>315</a:t>
+                        <a:rPr lang="en-IN" sz="1800" b="0" i="0" u="none" strike="noStrike">
+                          <a:solidFill>
+                            <a:srgbClr val="000000"/>
+                          </a:solidFill>
+                          <a:effectLst/>
+                          <a:latin typeface="Gill Sans MT" panose="020B0502020104020203" pitchFamily="34" charset="77"/>
+                        </a:rPr>
+                        <a:t>330</a:t>
                       </a:r>
                     </a:p>
                   </a:txBody>
-                  <a:tcPr/>
+                  <a:tcPr marL="9525" marR="9525" marT="9525" marB="0" anchor="ctr"/>
                 </a:tc>
                 <a:tc>
                   <a:txBody>
                     <a:bodyPr/>
                     <a:lstStyle/>
                     <a:p>
-                      <a:pPr algn="ctr"/>
+                      <a:pPr algn="ctr" rtl="0" fontAlgn="ctr"/>
                       <a:r>
-                        <a:rPr lang="en-US" dirty="0"/>
-                        <a:t>280</a:t>
+                        <a:rPr lang="en-IN" sz="1800" b="0" i="0" u="none" strike="noStrike">
+                          <a:solidFill>
+                            <a:srgbClr val="000000"/>
+                          </a:solidFill>
+                          <a:effectLst/>
+                          <a:latin typeface="Gill Sans MT" panose="020B0502020104020203" pitchFamily="34" charset="77"/>
+                        </a:rPr>
+                        <a:t>470</a:t>
                       </a:r>
                     </a:p>
                   </a:txBody>
-                  <a:tcPr/>
+                  <a:tcPr marL="9525" marR="9525" marT="9525" marB="0" anchor="ctr"/>
                 </a:tc>
                 <a:tc>
                   <a:txBody>
                     <a:bodyPr/>
                     <a:lstStyle/>
                     <a:p>
-                      <a:pPr algn="ctr"/>
+                      <a:pPr algn="ctr" rtl="0" fontAlgn="ctr"/>
                       <a:r>
-                        <a:rPr lang="en-US" dirty="0"/>
-                        <a:t>405</a:t>
+                        <a:rPr lang="en-IN" sz="1800" b="0" i="0" u="none" strike="noStrike">
+                          <a:solidFill>
+                            <a:srgbClr val="000000"/>
+                          </a:solidFill>
+                          <a:effectLst/>
+                          <a:latin typeface="Gill Sans MT" panose="020B0502020104020203" pitchFamily="34" charset="77"/>
+                        </a:rPr>
+                        <a:t>200</a:t>
                       </a:r>
                     </a:p>
                   </a:txBody>
-                  <a:tcPr/>
+                  <a:tcPr marL="9525" marR="9525" marT="9525" marB="0" anchor="ctr"/>
                 </a:tc>
                 <a:extLst>
                   <a:ext uri="{0D108BD9-81ED-4DB2-BD59-A6C34878D82A}">
@@ -8014,42 +11004,60 @@
                     <a:bodyPr/>
                     <a:lstStyle/>
                     <a:p>
-                      <a:pPr algn="ctr"/>
+                      <a:pPr algn="ctr" rtl="0" fontAlgn="ctr"/>
                       <a:r>
-                        <a:rPr lang="en-US" dirty="0"/>
-                        <a:t>390</a:t>
+                        <a:rPr lang="en-IN" sz="1800" b="0" i="0" u="none" strike="noStrike">
+                          <a:solidFill>
+                            <a:srgbClr val="000000"/>
+                          </a:solidFill>
+                          <a:effectLst/>
+                          <a:latin typeface="Gill Sans MT" panose="020B0502020104020203" pitchFamily="34" charset="77"/>
+                        </a:rPr>
+                        <a:t>350</a:t>
                       </a:r>
                     </a:p>
                   </a:txBody>
-                  <a:tcPr/>
+                  <a:tcPr marL="9525" marR="9525" marT="9525" marB="0" anchor="ctr"/>
                 </a:tc>
                 <a:tc>
                   <a:txBody>
                     <a:bodyPr/>
                     <a:lstStyle/>
                     <a:p>
-                      <a:pPr algn="ctr"/>
+                      <a:pPr algn="ctr" rtl="0" fontAlgn="ctr"/>
                       <a:r>
-                        <a:rPr lang="en-US" dirty="0"/>
-                        <a:t>275</a:t>
+                        <a:rPr lang="en-IN" sz="1800" b="0" i="0" u="none" strike="noStrike">
+                          <a:solidFill>
+                            <a:srgbClr val="000000"/>
+                          </a:solidFill>
+                          <a:effectLst/>
+                          <a:latin typeface="Gill Sans MT" panose="020B0502020104020203" pitchFamily="34" charset="77"/>
+                        </a:rPr>
+                        <a:t>450</a:t>
                       </a:r>
                     </a:p>
                   </a:txBody>
-                  <a:tcPr/>
+                  <a:tcPr marL="9525" marR="9525" marT="9525" marB="0" anchor="ctr"/>
                 </a:tc>
                 <a:tc>
                   <a:txBody>
                     <a:bodyPr/>
                     <a:lstStyle/>
                     <a:p>
-                      <a:pPr algn="ctr"/>
+                      <a:pPr algn="ctr" rtl="0" fontAlgn="ctr"/>
                       <a:r>
-                        <a:rPr lang="en-US" dirty="0"/>
-                        <a:t>335</a:t>
+                        <a:rPr lang="en-IN" sz="1800" b="0" i="0" u="none" strike="noStrike">
+                          <a:solidFill>
+                            <a:srgbClr val="000000"/>
+                          </a:solidFill>
+                          <a:effectLst/>
+                          <a:latin typeface="Gill Sans MT" panose="020B0502020104020203" pitchFamily="34" charset="77"/>
+                        </a:rPr>
+                        <a:t>200</a:t>
                       </a:r>
                     </a:p>
                   </a:txBody>
-                  <a:tcPr/>
+                  <a:tcPr marL="9525" marR="9525" marT="9525" marB="0" anchor="ctr"/>
                 </a:tc>
                 <a:extLst>
                   <a:ext uri="{0D108BD9-81ED-4DB2-BD59-A6C34878D82A}">
@@ -8077,43 +11085,60 @@
                     <a:bodyPr/>
                     <a:lstStyle/>
                     <a:p>
-                      <a:pPr algn="ctr"/>
+                      <a:pPr algn="ctr" rtl="0" fontAlgn="ctr"/>
                       <a:r>
-                        <a:rPr lang="en-US" dirty="0"/>
-                        <a:t>275</a:t>
+                        <a:rPr lang="en-IN" sz="1800" b="0" i="0" u="none" strike="noStrike">
+                          <a:solidFill>
+                            <a:srgbClr val="000000"/>
+                          </a:solidFill>
+                          <a:effectLst/>
+                          <a:latin typeface="Gill Sans MT" panose="020B0502020104020203" pitchFamily="34" charset="77"/>
+                        </a:rPr>
+                        <a:t>225</a:t>
                       </a:r>
                     </a:p>
                   </a:txBody>
-                  <a:tcPr/>
+                  <a:tcPr marL="9525" marR="9525" marT="9525" marB="0" anchor="ctr"/>
                 </a:tc>
                 <a:tc>
                   <a:txBody>
                     <a:bodyPr/>
                     <a:lstStyle/>
                     <a:p>
-                      <a:pPr algn="ctr"/>
+                      <a:pPr algn="ctr" rtl="0" fontAlgn="ctr"/>
                       <a:r>
-                        <a:rPr lang="en-US" dirty="0"/>
-                        <a:t>410</a:t>
+                        <a:rPr lang="en-IN" sz="1800" b="0" i="0" u="none" strike="noStrike">
+                          <a:solidFill>
+                            <a:srgbClr val="000000"/>
+                          </a:solidFill>
+                          <a:effectLst/>
+                          <a:latin typeface="Gill Sans MT" panose="020B0502020104020203" pitchFamily="34" charset="77"/>
+                        </a:rPr>
+                        <a:t>375</a:t>
                       </a:r>
                     </a:p>
                   </a:txBody>
-                  <a:tcPr/>
+                  <a:tcPr marL="9525" marR="9525" marT="9525" marB="0" anchor="ctr"/>
                 </a:tc>
                 <a:tc>
                   <a:txBody>
                     <a:bodyPr/>
                     <a:lstStyle/>
                     <a:p>
-                      <a:pPr algn="ctr"/>
+                      <a:pPr algn="ctr" rtl="0" fontAlgn="ctr"/>
                       <a:r>
-                        <a:rPr lang="en-US"/>
-                        <a:t>315</a:t>
+                        <a:rPr lang="en-IN" sz="1800" b="0" i="0" u="none" strike="noStrike" dirty="0">
+                          <a:solidFill>
+                            <a:srgbClr val="000000"/>
+                          </a:solidFill>
+                          <a:effectLst/>
+                          <a:latin typeface="Gill Sans MT" panose="020B0502020104020203" pitchFamily="34" charset="77"/>
+                        </a:rPr>
+                        <a:t>400</a:t>
                       </a:r>
-                      <a:endParaRPr lang="en-US" dirty="0"/>
                     </a:p>
                   </a:txBody>
-                  <a:tcPr/>
+                  <a:tcPr marL="9525" marR="9525" marT="9525" marB="0" anchor="ctr"/>
                 </a:tc>
                 <a:extLst>
                   <a:ext uri="{0D108BD9-81ED-4DB2-BD59-A6C34878D82A}">
@@ -8135,6 +11160,81 @@
   <p:clrMapOvr>
     <a:masterClrMapping/>
   </p:clrMapOvr>
+  <p:timing>
+    <p:tnLst>
+      <p:par>
+        <p:cTn id="1" dur="indefinite" restart="never" nodeType="tmRoot">
+          <p:childTnLst>
+            <p:seq concurrent="1" nextAc="seek">
+              <p:cTn id="2" dur="indefinite" nodeType="mainSeq">
+                <p:childTnLst>
+                  <p:par>
+                    <p:cTn id="3" fill="hold">
+                      <p:stCondLst>
+                        <p:cond delay="indefinite"/>
+                      </p:stCondLst>
+                      <p:childTnLst>
+                        <p:par>
+                          <p:cTn id="4" fill="hold">
+                            <p:stCondLst>
+                              <p:cond delay="0"/>
+                            </p:stCondLst>
+                            <p:childTnLst>
+                              <p:par>
+                                <p:cTn id="5" presetID="1" presetClass="entr" presetSubtype="0" fill="hold" nodeType="clickEffect">
+                                  <p:stCondLst>
+                                    <p:cond delay="0"/>
+                                  </p:stCondLst>
+                                  <p:childTnLst>
+                                    <p:set>
+                                      <p:cBhvr>
+                                        <p:cTn id="6" dur="1" fill="hold">
+                                          <p:stCondLst>
+                                            <p:cond delay="0"/>
+                                          </p:stCondLst>
+                                        </p:cTn>
+                                        <p:tgtEl>
+                                          <p:spTgt spid="4"/>
+                                        </p:tgtEl>
+                                        <p:attrNameLst>
+                                          <p:attrName>style.visibility</p:attrName>
+                                        </p:attrNameLst>
+                                      </p:cBhvr>
+                                      <p:to>
+                                        <p:strVal val="visible"/>
+                                      </p:to>
+                                    </p:set>
+                                  </p:childTnLst>
+                                </p:cTn>
+                              </p:par>
+                            </p:childTnLst>
+                          </p:cTn>
+                        </p:par>
+                      </p:childTnLst>
+                    </p:cTn>
+                  </p:par>
+                </p:childTnLst>
+              </p:cTn>
+              <p:prevCondLst>
+                <p:cond evt="onPrev" delay="0">
+                  <p:tgtEl>
+                    <p:sldTgt/>
+                  </p:tgtEl>
+                </p:cond>
+              </p:prevCondLst>
+              <p:nextCondLst>
+                <p:cond evt="onNext" delay="0">
+                  <p:tgtEl>
+                    <p:sldTgt/>
+                  </p:tgtEl>
+                </p:cond>
+              </p:nextCondLst>
+            </p:seq>
+          </p:childTnLst>
+        </p:cTn>
+      </p:par>
+    </p:tnLst>
+  </p:timing>
 </p:sld>
 </file>
 
@@ -8171,7 +11271,12 @@
             <p:ph type="title"/>
           </p:nvPr>
         </p:nvSpPr>
-        <p:spPr/>
+        <p:spPr>
+          <a:xfrm>
+            <a:off x="2231136" y="964692"/>
+            <a:ext cx="7729728" cy="1188720"/>
+          </a:xfrm>
+        </p:spPr>
         <p:txBody>
           <a:bodyPr/>
           <a:lstStyle/>
@@ -8197,24 +11302,48 @@
         </p:nvSpPr>
         <p:spPr>
           <a:xfrm>
-            <a:off x="3891061" y="2516221"/>
+            <a:off x="4203950" y="2922111"/>
             <a:ext cx="904675" cy="904675"/>
           </a:xfrm>
           <a:prstGeom prst="ellipse">
             <a:avLst/>
           </a:prstGeom>
+          <a:gradFill flip="none" rotWithShape="1">
+            <a:gsLst>
+              <a:gs pos="0">
+                <a:schemeClr val="accent2">
+                  <a:lumMod val="67000"/>
+                </a:schemeClr>
+              </a:gs>
+              <a:gs pos="48000">
+                <a:schemeClr val="accent2">
+                  <a:lumMod val="97000"/>
+                  <a:lumOff val="3000"/>
+                </a:schemeClr>
+              </a:gs>
+              <a:gs pos="100000">
+                <a:schemeClr val="accent2">
+                  <a:lumMod val="60000"/>
+                  <a:lumOff val="40000"/>
+                </a:schemeClr>
+              </a:gs>
+            </a:gsLst>
+            <a:lin ang="16200000" scaled="1"/>
+            <a:tileRect/>
+          </a:gradFill>
+          <a:ln>
+            <a:noFill/>
+          </a:ln>
         </p:spPr>
         <p:style>
-          <a:lnRef idx="2">
-            <a:schemeClr val="accent2">
-              <a:shade val="50000"/>
-            </a:schemeClr>
+          <a:lnRef idx="0">
+            <a:scrgbClr r="0" g="0" b="0"/>
           </a:lnRef>
-          <a:fillRef idx="1">
-            <a:schemeClr val="accent2"/>
+          <a:fillRef idx="0">
+            <a:scrgbClr r="0" g="0" b="0"/>
           </a:fillRef>
           <a:effectRef idx="0">
-            <a:schemeClr val="accent2"/>
+            <a:scrgbClr r="0" g="0" b="0"/>
           </a:effectRef>
           <a:fontRef idx="minor">
             <a:schemeClr val="lt1"/>
@@ -8247,24 +11376,48 @@
         </p:nvSpPr>
         <p:spPr>
           <a:xfrm>
-            <a:off x="3891061" y="3790545"/>
+            <a:off x="4203950" y="4196435"/>
             <a:ext cx="904675" cy="904675"/>
           </a:xfrm>
           <a:prstGeom prst="ellipse">
             <a:avLst/>
           </a:prstGeom>
+          <a:gradFill flip="none" rotWithShape="1">
+            <a:gsLst>
+              <a:gs pos="0">
+                <a:schemeClr val="accent2">
+                  <a:lumMod val="67000"/>
+                </a:schemeClr>
+              </a:gs>
+              <a:gs pos="48000">
+                <a:schemeClr val="accent2">
+                  <a:lumMod val="97000"/>
+                  <a:lumOff val="3000"/>
+                </a:schemeClr>
+              </a:gs>
+              <a:gs pos="100000">
+                <a:schemeClr val="accent2">
+                  <a:lumMod val="60000"/>
+                  <a:lumOff val="40000"/>
+                </a:schemeClr>
+              </a:gs>
+            </a:gsLst>
+            <a:lin ang="16200000" scaled="1"/>
+            <a:tileRect/>
+          </a:gradFill>
+          <a:ln>
+            <a:noFill/>
+          </a:ln>
         </p:spPr>
         <p:style>
-          <a:lnRef idx="2">
-            <a:schemeClr val="accent2">
-              <a:shade val="50000"/>
-            </a:schemeClr>
+          <a:lnRef idx="0">
+            <a:scrgbClr r="0" g="0" b="0"/>
           </a:lnRef>
-          <a:fillRef idx="1">
-            <a:schemeClr val="accent2"/>
+          <a:fillRef idx="0">
+            <a:scrgbClr r="0" g="0" b="0"/>
           </a:fillRef>
           <a:effectRef idx="0">
-            <a:schemeClr val="accent2"/>
+            <a:scrgbClr r="0" g="0" b="0"/>
           </a:effectRef>
           <a:fontRef idx="minor">
             <a:schemeClr val="lt1"/>
@@ -8297,24 +11450,48 @@
         </p:nvSpPr>
         <p:spPr>
           <a:xfrm>
-            <a:off x="3891060" y="5129719"/>
+            <a:off x="4203949" y="5535609"/>
             <a:ext cx="904676" cy="904676"/>
           </a:xfrm>
           <a:prstGeom prst="ellipse">
             <a:avLst/>
           </a:prstGeom>
+          <a:gradFill flip="none" rotWithShape="1">
+            <a:gsLst>
+              <a:gs pos="0">
+                <a:schemeClr val="accent2">
+                  <a:lumMod val="67000"/>
+                </a:schemeClr>
+              </a:gs>
+              <a:gs pos="48000">
+                <a:schemeClr val="accent2">
+                  <a:lumMod val="97000"/>
+                  <a:lumOff val="3000"/>
+                </a:schemeClr>
+              </a:gs>
+              <a:gs pos="100000">
+                <a:schemeClr val="accent2">
+                  <a:lumMod val="60000"/>
+                  <a:lumOff val="40000"/>
+                </a:schemeClr>
+              </a:gs>
+            </a:gsLst>
+            <a:lin ang="16200000" scaled="1"/>
+            <a:tileRect/>
+          </a:gradFill>
+          <a:ln>
+            <a:noFill/>
+          </a:ln>
         </p:spPr>
         <p:style>
-          <a:lnRef idx="2">
-            <a:schemeClr val="accent2">
-              <a:shade val="50000"/>
-            </a:schemeClr>
+          <a:lnRef idx="0">
+            <a:scrgbClr r="0" g="0" b="0"/>
           </a:lnRef>
-          <a:fillRef idx="1">
-            <a:schemeClr val="accent2"/>
+          <a:fillRef idx="0">
+            <a:scrgbClr r="0" g="0" b="0"/>
           </a:fillRef>
           <a:effectRef idx="0">
-            <a:schemeClr val="accent2"/>
+            <a:scrgbClr r="0" g="0" b="0"/>
           </a:effectRef>
           <a:fontRef idx="minor">
             <a:schemeClr val="lt1"/>
@@ -8346,24 +11523,48 @@
         </p:nvSpPr>
         <p:spPr>
           <a:xfrm>
-            <a:off x="6543469" y="2516221"/>
+            <a:off x="6856358" y="2922111"/>
             <a:ext cx="904675" cy="904675"/>
           </a:xfrm>
           <a:prstGeom prst="ellipse">
             <a:avLst/>
           </a:prstGeom>
+          <a:gradFill flip="none" rotWithShape="1">
+            <a:gsLst>
+              <a:gs pos="0">
+                <a:schemeClr val="accent2">
+                  <a:lumMod val="67000"/>
+                </a:schemeClr>
+              </a:gs>
+              <a:gs pos="48000">
+                <a:schemeClr val="accent2">
+                  <a:lumMod val="97000"/>
+                  <a:lumOff val="3000"/>
+                </a:schemeClr>
+              </a:gs>
+              <a:gs pos="100000">
+                <a:schemeClr val="accent2">
+                  <a:lumMod val="60000"/>
+                  <a:lumOff val="40000"/>
+                </a:schemeClr>
+              </a:gs>
+            </a:gsLst>
+            <a:lin ang="16200000" scaled="1"/>
+            <a:tileRect/>
+          </a:gradFill>
+          <a:ln>
+            <a:noFill/>
+          </a:ln>
         </p:spPr>
         <p:style>
-          <a:lnRef idx="2">
-            <a:schemeClr val="accent2">
-              <a:shade val="50000"/>
-            </a:schemeClr>
+          <a:lnRef idx="0">
+            <a:scrgbClr r="0" g="0" b="0"/>
           </a:lnRef>
-          <a:fillRef idx="1">
-            <a:schemeClr val="accent2"/>
+          <a:fillRef idx="0">
+            <a:scrgbClr r="0" g="0" b="0"/>
           </a:fillRef>
           <a:effectRef idx="0">
-            <a:schemeClr val="accent2"/>
+            <a:scrgbClr r="0" g="0" b="0"/>
           </a:effectRef>
           <a:fontRef idx="minor">
             <a:schemeClr val="lt1"/>
@@ -8395,24 +11596,48 @@
         </p:nvSpPr>
         <p:spPr>
           <a:xfrm>
-            <a:off x="6543469" y="3790545"/>
+            <a:off x="6856358" y="4196435"/>
             <a:ext cx="904675" cy="904675"/>
           </a:xfrm>
           <a:prstGeom prst="ellipse">
             <a:avLst/>
           </a:prstGeom>
+          <a:gradFill flip="none" rotWithShape="1">
+            <a:gsLst>
+              <a:gs pos="0">
+                <a:schemeClr val="accent2">
+                  <a:lumMod val="67000"/>
+                </a:schemeClr>
+              </a:gs>
+              <a:gs pos="48000">
+                <a:schemeClr val="accent2">
+                  <a:lumMod val="97000"/>
+                  <a:lumOff val="3000"/>
+                </a:schemeClr>
+              </a:gs>
+              <a:gs pos="100000">
+                <a:schemeClr val="accent2">
+                  <a:lumMod val="60000"/>
+                  <a:lumOff val="40000"/>
+                </a:schemeClr>
+              </a:gs>
+            </a:gsLst>
+            <a:lin ang="16200000" scaled="1"/>
+            <a:tileRect/>
+          </a:gradFill>
+          <a:ln>
+            <a:noFill/>
+          </a:ln>
         </p:spPr>
         <p:style>
-          <a:lnRef idx="2">
-            <a:schemeClr val="accent2">
-              <a:shade val="50000"/>
-            </a:schemeClr>
+          <a:lnRef idx="0">
+            <a:scrgbClr r="0" g="0" b="0"/>
           </a:lnRef>
-          <a:fillRef idx="1">
-            <a:schemeClr val="accent2"/>
+          <a:fillRef idx="0">
+            <a:scrgbClr r="0" g="0" b="0"/>
           </a:fillRef>
           <a:effectRef idx="0">
-            <a:schemeClr val="accent2"/>
+            <a:scrgbClr r="0" g="0" b="0"/>
           </a:effectRef>
           <a:fontRef idx="minor">
             <a:schemeClr val="lt1"/>
@@ -8444,24 +11669,48 @@
         </p:nvSpPr>
         <p:spPr>
           <a:xfrm>
-            <a:off x="6543469" y="5129719"/>
+            <a:off x="6856358" y="5535609"/>
             <a:ext cx="904677" cy="904677"/>
           </a:xfrm>
           <a:prstGeom prst="ellipse">
             <a:avLst/>
           </a:prstGeom>
+          <a:gradFill flip="none" rotWithShape="1">
+            <a:gsLst>
+              <a:gs pos="0">
+                <a:schemeClr val="accent2">
+                  <a:lumMod val="67000"/>
+                </a:schemeClr>
+              </a:gs>
+              <a:gs pos="48000">
+                <a:schemeClr val="accent2">
+                  <a:lumMod val="97000"/>
+                  <a:lumOff val="3000"/>
+                </a:schemeClr>
+              </a:gs>
+              <a:gs pos="100000">
+                <a:schemeClr val="accent2">
+                  <a:lumMod val="60000"/>
+                  <a:lumOff val="40000"/>
+                </a:schemeClr>
+              </a:gs>
+            </a:gsLst>
+            <a:lin ang="16200000" scaled="1"/>
+            <a:tileRect/>
+          </a:gradFill>
+          <a:ln>
+            <a:noFill/>
+          </a:ln>
         </p:spPr>
         <p:style>
-          <a:lnRef idx="2">
-            <a:schemeClr val="accent2">
-              <a:shade val="50000"/>
-            </a:schemeClr>
+          <a:lnRef idx="0">
+            <a:scrgbClr r="0" g="0" b="0"/>
           </a:lnRef>
-          <a:fillRef idx="1">
-            <a:schemeClr val="accent2"/>
+          <a:fillRef idx="0">
+            <a:scrgbClr r="0" g="0" b="0"/>
           </a:fillRef>
           <a:effectRef idx="0">
-            <a:schemeClr val="accent2"/>
+            <a:scrgbClr r="0" g="0" b="0"/>
           </a:effectRef>
           <a:fontRef idx="minor">
             <a:schemeClr val="lt1"/>
@@ -8496,7 +11745,7 @@
         </p:nvCxnSpPr>
         <p:spPr>
           <a:xfrm>
-            <a:off x="4795736" y="2968559"/>
+            <a:off x="5108625" y="3374449"/>
             <a:ext cx="1747733" cy="0"/>
           </a:xfrm>
           <a:prstGeom prst="line">
@@ -8534,7 +11783,7 @@
         </p:nvCxnSpPr>
         <p:spPr>
           <a:xfrm>
-            <a:off x="4795736" y="2968558"/>
+            <a:off x="5108625" y="3374448"/>
             <a:ext cx="1747733" cy="1274324"/>
           </a:xfrm>
           <a:prstGeom prst="line">
@@ -8573,7 +11822,7 @@
         </p:nvCxnSpPr>
         <p:spPr>
           <a:xfrm>
-            <a:off x="4795736" y="2968559"/>
+            <a:off x="5108625" y="3374449"/>
             <a:ext cx="1747733" cy="2613499"/>
           </a:xfrm>
           <a:prstGeom prst="line">
@@ -8611,7 +11860,7 @@
         </p:nvCxnSpPr>
         <p:spPr>
           <a:xfrm flipV="1">
-            <a:off x="4795736" y="2968558"/>
+            <a:off x="5108625" y="3374448"/>
             <a:ext cx="1747733" cy="1274325"/>
           </a:xfrm>
           <a:prstGeom prst="line">
@@ -8650,7 +11899,7 @@
         </p:nvCxnSpPr>
         <p:spPr>
           <a:xfrm>
-            <a:off x="4795736" y="4242883"/>
+            <a:off x="5108625" y="4648773"/>
             <a:ext cx="1747733" cy="0"/>
           </a:xfrm>
           <a:prstGeom prst="line">
@@ -8689,7 +11938,7 @@
         </p:nvCxnSpPr>
         <p:spPr>
           <a:xfrm>
-            <a:off x="4795736" y="4242883"/>
+            <a:off x="5108625" y="4648773"/>
             <a:ext cx="1747733" cy="1339175"/>
           </a:xfrm>
           <a:prstGeom prst="line">
@@ -8728,7 +11977,7 @@
         </p:nvCxnSpPr>
         <p:spPr>
           <a:xfrm flipV="1">
-            <a:off x="4795736" y="2968559"/>
+            <a:off x="5108625" y="3374449"/>
             <a:ext cx="1747733" cy="2613498"/>
           </a:xfrm>
           <a:prstGeom prst="line">
@@ -8766,7 +12015,7 @@
         </p:nvCxnSpPr>
         <p:spPr>
           <a:xfrm flipV="1">
-            <a:off x="4795736" y="4242882"/>
+            <a:off x="5108625" y="4648772"/>
             <a:ext cx="1747733" cy="1339175"/>
           </a:xfrm>
           <a:prstGeom prst="line">
@@ -8805,7 +12054,7 @@
         </p:nvCxnSpPr>
         <p:spPr>
           <a:xfrm>
-            <a:off x="4795736" y="5582057"/>
+            <a:off x="5108625" y="5987947"/>
             <a:ext cx="1747733" cy="1"/>
           </a:xfrm>
           <a:prstGeom prst="line">
@@ -8841,7 +12090,7 @@
         </p:nvSpPr>
         <p:spPr>
           <a:xfrm>
-            <a:off x="5059560" y="2736533"/>
+            <a:off x="5372449" y="3142423"/>
             <a:ext cx="377026" cy="246221"/>
           </a:xfrm>
           <a:prstGeom prst="rect">
@@ -8876,7 +12125,7 @@
         </p:nvSpPr>
         <p:spPr>
           <a:xfrm rot="1904826">
-            <a:off x="5078251" y="3081678"/>
+            <a:off x="5391140" y="3487568"/>
             <a:ext cx="392076" cy="246221"/>
           </a:xfrm>
           <a:prstGeom prst="rect">
@@ -8911,7 +12160,7 @@
         </p:nvSpPr>
         <p:spPr>
           <a:xfrm rot="3257111">
-            <a:off x="5034279" y="3400516"/>
+            <a:off x="5347168" y="3806406"/>
             <a:ext cx="480019" cy="246221"/>
           </a:xfrm>
           <a:prstGeom prst="rect">
@@ -8946,7 +12195,7 @@
         </p:nvSpPr>
         <p:spPr>
           <a:xfrm rot="19569268">
-            <a:off x="5542394" y="3337780"/>
+            <a:off x="5855283" y="3743670"/>
             <a:ext cx="377026" cy="246221"/>
           </a:xfrm>
           <a:prstGeom prst="rect">
@@ -8981,7 +12230,7 @@
         </p:nvSpPr>
         <p:spPr>
           <a:xfrm>
-            <a:off x="5824853" y="4029087"/>
+            <a:off x="6137742" y="4434977"/>
             <a:ext cx="377026" cy="246221"/>
           </a:xfrm>
           <a:prstGeom prst="rect">
@@ -9016,7 +12265,7 @@
         </p:nvSpPr>
         <p:spPr>
           <a:xfrm rot="2543047">
-            <a:off x="5705206" y="4864738"/>
+            <a:off x="6018095" y="5270628"/>
             <a:ext cx="377026" cy="246221"/>
           </a:xfrm>
           <a:prstGeom prst="rect">
@@ -9051,7 +12300,7 @@
         </p:nvSpPr>
         <p:spPr>
           <a:xfrm rot="18148588">
-            <a:off x="4871047" y="4864737"/>
+            <a:off x="5183936" y="5270627"/>
             <a:ext cx="377026" cy="246221"/>
           </a:xfrm>
           <a:prstGeom prst="rect">
@@ -9086,7 +12335,7 @@
         </p:nvSpPr>
         <p:spPr>
           <a:xfrm rot="19622608">
-            <a:off x="5224419" y="4893013"/>
+            <a:off x="5362206" y="5435094"/>
             <a:ext cx="377026" cy="246221"/>
           </a:xfrm>
           <a:prstGeom prst="rect">
@@ -9121,7 +12370,7 @@
         </p:nvSpPr>
         <p:spPr>
           <a:xfrm>
-            <a:off x="5270244" y="5383396"/>
+            <a:off x="5417763" y="5789286"/>
             <a:ext cx="377026" cy="246221"/>
           </a:xfrm>
           <a:prstGeom prst="rect">
@@ -9142,6 +12391,49 @@
           </a:p>
         </p:txBody>
       </p:sp>
+      <p:sp>
+        <p:nvSpPr>
+          <p:cNvPr id="13" name="TextBox 12">
+            <a:extLst>
+              <a:ext uri="{FF2B5EF4-FFF2-40B4-BE49-F238E27FC236}">
+                <a16:creationId xmlns:a16="http://schemas.microsoft.com/office/drawing/2014/main" id="{65300928-B1B4-8748-9730-9C8253CD1083}"/>
+              </a:ext>
+            </a:extLst>
+          </p:cNvPr>
+          <p:cNvSpPr txBox="1"/>
+          <p:nvPr/>
+        </p:nvSpPr>
+        <p:spPr>
+          <a:xfrm>
+            <a:off x="2070495" y="2260424"/>
+            <a:ext cx="8111580" cy="646331"/>
+          </a:xfrm>
+          <a:prstGeom prst="rect">
+            <a:avLst/>
+          </a:prstGeom>
+          <a:noFill/>
+        </p:spPr>
+        <p:txBody>
+          <a:bodyPr wrap="none" rtlCol="0">
+            <a:spAutoFit/>
+          </a:bodyPr>
+          <a:lstStyle/>
+          <a:p>
+            <a:pPr algn="ctr"/>
+            <a:r>
+              <a:rPr lang="en-US" dirty="0"/>
+              <a:t>A weighted bipartite graph is made. The weights are the prices each player would pay</a:t>
+            </a:r>
+          </a:p>
+          <a:p>
+            <a:pPr algn="ctr"/>
+            <a:r>
+              <a:rPr lang="en-US" dirty="0"/>
+              <a:t>if allotted that room.</a:t>
+            </a:r>
+          </a:p>
+        </p:txBody>
+      </p:sp>
     </p:spTree>
     <p:extLst>
       <p:ext uri="{BB962C8B-B14F-4D97-AF65-F5344CB8AC3E}">
@@ -9152,6 +12444,855 @@
   <p:clrMapOvr>
     <a:masterClrMapping/>
   </p:clrMapOvr>
+  <p:timing>
+    <p:tnLst>
+      <p:par>
+        <p:cTn id="1" dur="indefinite" restart="never" nodeType="tmRoot">
+          <p:childTnLst>
+            <p:seq concurrent="1" nextAc="seek">
+              <p:cTn id="2" dur="indefinite" nodeType="mainSeq">
+                <p:childTnLst>
+                  <p:par>
+                    <p:cTn id="3" fill="hold">
+                      <p:stCondLst>
+                        <p:cond delay="indefinite"/>
+                      </p:stCondLst>
+                      <p:childTnLst>
+                        <p:par>
+                          <p:cTn id="4" fill="hold">
+                            <p:stCondLst>
+                              <p:cond delay="0"/>
+                            </p:stCondLst>
+                            <p:childTnLst>
+                              <p:par>
+                                <p:cTn id="5" presetID="1" presetClass="entr" presetSubtype="0" fill="hold" grpId="0" nodeType="clickEffect">
+                                  <p:stCondLst>
+                                    <p:cond delay="0"/>
+                                  </p:stCondLst>
+                                  <p:childTnLst>
+                                    <p:set>
+                                      <p:cBhvr>
+                                        <p:cTn id="6" dur="1" fill="hold">
+                                          <p:stCondLst>
+                                            <p:cond delay="0"/>
+                                          </p:stCondLst>
+                                        </p:cTn>
+                                        <p:tgtEl>
+                                          <p:spTgt spid="13"/>
+                                        </p:tgtEl>
+                                        <p:attrNameLst>
+                                          <p:attrName>style.visibility</p:attrName>
+                                        </p:attrNameLst>
+                                      </p:cBhvr>
+                                      <p:to>
+                                        <p:strVal val="visible"/>
+                                      </p:to>
+                                    </p:set>
+                                  </p:childTnLst>
+                                </p:cTn>
+                              </p:par>
+                            </p:childTnLst>
+                          </p:cTn>
+                        </p:par>
+                      </p:childTnLst>
+                    </p:cTn>
+                  </p:par>
+                  <p:par>
+                    <p:cTn id="7" fill="hold">
+                      <p:stCondLst>
+                        <p:cond delay="indefinite"/>
+                      </p:stCondLst>
+                      <p:childTnLst>
+                        <p:par>
+                          <p:cTn id="8" fill="hold">
+                            <p:stCondLst>
+                              <p:cond delay="0"/>
+                            </p:stCondLst>
+                            <p:childTnLst>
+                              <p:par>
+                                <p:cTn id="9" presetID="1" presetClass="entr" presetSubtype="0" fill="hold" grpId="0" nodeType="clickEffect">
+                                  <p:stCondLst>
+                                    <p:cond delay="0"/>
+                                  </p:stCondLst>
+                                  <p:childTnLst>
+                                    <p:set>
+                                      <p:cBhvr>
+                                        <p:cTn id="10" dur="1" fill="hold">
+                                          <p:stCondLst>
+                                            <p:cond delay="0"/>
+                                          </p:stCondLst>
+                                        </p:cTn>
+                                        <p:tgtEl>
+                                          <p:spTgt spid="4"/>
+                                        </p:tgtEl>
+                                        <p:attrNameLst>
+                                          <p:attrName>style.visibility</p:attrName>
+                                        </p:attrNameLst>
+                                      </p:cBhvr>
+                                      <p:to>
+                                        <p:strVal val="visible"/>
+                                      </p:to>
+                                    </p:set>
+                                  </p:childTnLst>
+                                </p:cTn>
+                              </p:par>
+                              <p:par>
+                                <p:cTn id="11" presetID="1" presetClass="entr" presetSubtype="0" fill="hold" grpId="0" nodeType="withEffect">
+                                  <p:stCondLst>
+                                    <p:cond delay="0"/>
+                                  </p:stCondLst>
+                                  <p:childTnLst>
+                                    <p:set>
+                                      <p:cBhvr>
+                                        <p:cTn id="12" dur="1" fill="hold">
+                                          <p:stCondLst>
+                                            <p:cond delay="0"/>
+                                          </p:stCondLst>
+                                        </p:cTn>
+                                        <p:tgtEl>
+                                          <p:spTgt spid="5"/>
+                                        </p:tgtEl>
+                                        <p:attrNameLst>
+                                          <p:attrName>style.visibility</p:attrName>
+                                        </p:attrNameLst>
+                                      </p:cBhvr>
+                                      <p:to>
+                                        <p:strVal val="visible"/>
+                                      </p:to>
+                                    </p:set>
+                                  </p:childTnLst>
+                                </p:cTn>
+                              </p:par>
+                              <p:par>
+                                <p:cTn id="13" presetID="1" presetClass="entr" presetSubtype="0" fill="hold" grpId="0" nodeType="withEffect">
+                                  <p:stCondLst>
+                                    <p:cond delay="0"/>
+                                  </p:stCondLst>
+                                  <p:childTnLst>
+                                    <p:set>
+                                      <p:cBhvr>
+                                        <p:cTn id="14" dur="1" fill="hold">
+                                          <p:stCondLst>
+                                            <p:cond delay="0"/>
+                                          </p:stCondLst>
+                                        </p:cTn>
+                                        <p:tgtEl>
+                                          <p:spTgt spid="6"/>
+                                        </p:tgtEl>
+                                        <p:attrNameLst>
+                                          <p:attrName>style.visibility</p:attrName>
+                                        </p:attrNameLst>
+                                      </p:cBhvr>
+                                      <p:to>
+                                        <p:strVal val="visible"/>
+                                      </p:to>
+                                    </p:set>
+                                  </p:childTnLst>
+                                </p:cTn>
+                              </p:par>
+                            </p:childTnLst>
+                          </p:cTn>
+                        </p:par>
+                      </p:childTnLst>
+                    </p:cTn>
+                  </p:par>
+                  <p:par>
+                    <p:cTn id="15" fill="hold">
+                      <p:stCondLst>
+                        <p:cond delay="indefinite"/>
+                      </p:stCondLst>
+                      <p:childTnLst>
+                        <p:par>
+                          <p:cTn id="16" fill="hold">
+                            <p:stCondLst>
+                              <p:cond delay="0"/>
+                            </p:stCondLst>
+                            <p:childTnLst>
+                              <p:par>
+                                <p:cTn id="17" presetID="1" presetClass="entr" presetSubtype="0" fill="hold" grpId="0" nodeType="clickEffect">
+                                  <p:stCondLst>
+                                    <p:cond delay="0"/>
+                                  </p:stCondLst>
+                                  <p:childTnLst>
+                                    <p:set>
+                                      <p:cBhvr>
+                                        <p:cTn id="18" dur="1" fill="hold">
+                                          <p:stCondLst>
+                                            <p:cond delay="0"/>
+                                          </p:stCondLst>
+                                        </p:cTn>
+                                        <p:tgtEl>
+                                          <p:spTgt spid="7"/>
+                                        </p:tgtEl>
+                                        <p:attrNameLst>
+                                          <p:attrName>style.visibility</p:attrName>
+                                        </p:attrNameLst>
+                                      </p:cBhvr>
+                                      <p:to>
+                                        <p:strVal val="visible"/>
+                                      </p:to>
+                                    </p:set>
+                                  </p:childTnLst>
+                                </p:cTn>
+                              </p:par>
+                              <p:par>
+                                <p:cTn id="19" presetID="1" presetClass="entr" presetSubtype="0" fill="hold" grpId="0" nodeType="withEffect">
+                                  <p:stCondLst>
+                                    <p:cond delay="0"/>
+                                  </p:stCondLst>
+                                  <p:childTnLst>
+                                    <p:set>
+                                      <p:cBhvr>
+                                        <p:cTn id="20" dur="1" fill="hold">
+                                          <p:stCondLst>
+                                            <p:cond delay="0"/>
+                                          </p:stCondLst>
+                                        </p:cTn>
+                                        <p:tgtEl>
+                                          <p:spTgt spid="8"/>
+                                        </p:tgtEl>
+                                        <p:attrNameLst>
+                                          <p:attrName>style.visibility</p:attrName>
+                                        </p:attrNameLst>
+                                      </p:cBhvr>
+                                      <p:to>
+                                        <p:strVal val="visible"/>
+                                      </p:to>
+                                    </p:set>
+                                  </p:childTnLst>
+                                </p:cTn>
+                              </p:par>
+                              <p:par>
+                                <p:cTn id="21" presetID="1" presetClass="entr" presetSubtype="0" fill="hold" grpId="0" nodeType="withEffect">
+                                  <p:stCondLst>
+                                    <p:cond delay="0"/>
+                                  </p:stCondLst>
+                                  <p:childTnLst>
+                                    <p:set>
+                                      <p:cBhvr>
+                                        <p:cTn id="22" dur="1" fill="hold">
+                                          <p:stCondLst>
+                                            <p:cond delay="0"/>
+                                          </p:stCondLst>
+                                        </p:cTn>
+                                        <p:tgtEl>
+                                          <p:spTgt spid="9"/>
+                                        </p:tgtEl>
+                                        <p:attrNameLst>
+                                          <p:attrName>style.visibility</p:attrName>
+                                        </p:attrNameLst>
+                                      </p:cBhvr>
+                                      <p:to>
+                                        <p:strVal val="visible"/>
+                                      </p:to>
+                                    </p:set>
+                                  </p:childTnLst>
+                                </p:cTn>
+                              </p:par>
+                            </p:childTnLst>
+                          </p:cTn>
+                        </p:par>
+                      </p:childTnLst>
+                    </p:cTn>
+                  </p:par>
+                  <p:par>
+                    <p:cTn id="23" fill="hold">
+                      <p:stCondLst>
+                        <p:cond delay="indefinite"/>
+                      </p:stCondLst>
+                      <p:childTnLst>
+                        <p:par>
+                          <p:cTn id="24" fill="hold">
+                            <p:stCondLst>
+                              <p:cond delay="0"/>
+                            </p:stCondLst>
+                            <p:childTnLst>
+                              <p:par>
+                                <p:cTn id="25" presetID="1" presetClass="entr" presetSubtype="0" fill="hold" nodeType="clickEffect">
+                                  <p:stCondLst>
+                                    <p:cond delay="0"/>
+                                  </p:stCondLst>
+                                  <p:childTnLst>
+                                    <p:set>
+                                      <p:cBhvr>
+                                        <p:cTn id="26" dur="1" fill="hold">
+                                          <p:stCondLst>
+                                            <p:cond delay="0"/>
+                                          </p:stCondLst>
+                                        </p:cTn>
+                                        <p:tgtEl>
+                                          <p:spTgt spid="12"/>
+                                        </p:tgtEl>
+                                        <p:attrNameLst>
+                                          <p:attrName>style.visibility</p:attrName>
+                                        </p:attrNameLst>
+                                      </p:cBhvr>
+                                      <p:to>
+                                        <p:strVal val="visible"/>
+                                      </p:to>
+                                    </p:set>
+                                  </p:childTnLst>
+                                </p:cTn>
+                              </p:par>
+                              <p:par>
+                                <p:cTn id="27" presetID="1" presetClass="entr" presetSubtype="0" fill="hold" nodeType="withEffect">
+                                  <p:stCondLst>
+                                    <p:cond delay="0"/>
+                                  </p:stCondLst>
+                                  <p:childTnLst>
+                                    <p:set>
+                                      <p:cBhvr>
+                                        <p:cTn id="28" dur="1" fill="hold">
+                                          <p:stCondLst>
+                                            <p:cond delay="0"/>
+                                          </p:stCondLst>
+                                        </p:cTn>
+                                        <p:tgtEl>
+                                          <p:spTgt spid="14"/>
+                                        </p:tgtEl>
+                                        <p:attrNameLst>
+                                          <p:attrName>style.visibility</p:attrName>
+                                        </p:attrNameLst>
+                                      </p:cBhvr>
+                                      <p:to>
+                                        <p:strVal val="visible"/>
+                                      </p:to>
+                                    </p:set>
+                                  </p:childTnLst>
+                                </p:cTn>
+                              </p:par>
+                              <p:par>
+                                <p:cTn id="29" presetID="1" presetClass="entr" presetSubtype="0" fill="hold" nodeType="withEffect">
+                                  <p:stCondLst>
+                                    <p:cond delay="0"/>
+                                  </p:stCondLst>
+                                  <p:childTnLst>
+                                    <p:set>
+                                      <p:cBhvr>
+                                        <p:cTn id="30" dur="1" fill="hold">
+                                          <p:stCondLst>
+                                            <p:cond delay="0"/>
+                                          </p:stCondLst>
+                                        </p:cTn>
+                                        <p:tgtEl>
+                                          <p:spTgt spid="16"/>
+                                        </p:tgtEl>
+                                        <p:attrNameLst>
+                                          <p:attrName>style.visibility</p:attrName>
+                                        </p:attrNameLst>
+                                      </p:cBhvr>
+                                      <p:to>
+                                        <p:strVal val="visible"/>
+                                      </p:to>
+                                    </p:set>
+                                  </p:childTnLst>
+                                </p:cTn>
+                              </p:par>
+                              <p:par>
+                                <p:cTn id="31" presetID="1" presetClass="entr" presetSubtype="0" fill="hold" nodeType="withEffect">
+                                  <p:stCondLst>
+                                    <p:cond delay="0"/>
+                                  </p:stCondLst>
+                                  <p:childTnLst>
+                                    <p:set>
+                                      <p:cBhvr>
+                                        <p:cTn id="32" dur="1" fill="hold">
+                                          <p:stCondLst>
+                                            <p:cond delay="0"/>
+                                          </p:stCondLst>
+                                        </p:cTn>
+                                        <p:tgtEl>
+                                          <p:spTgt spid="18"/>
+                                        </p:tgtEl>
+                                        <p:attrNameLst>
+                                          <p:attrName>style.visibility</p:attrName>
+                                        </p:attrNameLst>
+                                      </p:cBhvr>
+                                      <p:to>
+                                        <p:strVal val="visible"/>
+                                      </p:to>
+                                    </p:set>
+                                  </p:childTnLst>
+                                </p:cTn>
+                              </p:par>
+                              <p:par>
+                                <p:cTn id="33" presetID="1" presetClass="entr" presetSubtype="0" fill="hold" nodeType="withEffect">
+                                  <p:stCondLst>
+                                    <p:cond delay="0"/>
+                                  </p:stCondLst>
+                                  <p:childTnLst>
+                                    <p:set>
+                                      <p:cBhvr>
+                                        <p:cTn id="34" dur="1" fill="hold">
+                                          <p:stCondLst>
+                                            <p:cond delay="0"/>
+                                          </p:stCondLst>
+                                        </p:cTn>
+                                        <p:tgtEl>
+                                          <p:spTgt spid="20"/>
+                                        </p:tgtEl>
+                                        <p:attrNameLst>
+                                          <p:attrName>style.visibility</p:attrName>
+                                        </p:attrNameLst>
+                                      </p:cBhvr>
+                                      <p:to>
+                                        <p:strVal val="visible"/>
+                                      </p:to>
+                                    </p:set>
+                                  </p:childTnLst>
+                                </p:cTn>
+                              </p:par>
+                              <p:par>
+                                <p:cTn id="35" presetID="1" presetClass="entr" presetSubtype="0" fill="hold" nodeType="withEffect">
+                                  <p:stCondLst>
+                                    <p:cond delay="0"/>
+                                  </p:stCondLst>
+                                  <p:childTnLst>
+                                    <p:set>
+                                      <p:cBhvr>
+                                        <p:cTn id="36" dur="1" fill="hold">
+                                          <p:stCondLst>
+                                            <p:cond delay="0"/>
+                                          </p:stCondLst>
+                                        </p:cTn>
+                                        <p:tgtEl>
+                                          <p:spTgt spid="22"/>
+                                        </p:tgtEl>
+                                        <p:attrNameLst>
+                                          <p:attrName>style.visibility</p:attrName>
+                                        </p:attrNameLst>
+                                      </p:cBhvr>
+                                      <p:to>
+                                        <p:strVal val="visible"/>
+                                      </p:to>
+                                    </p:set>
+                                  </p:childTnLst>
+                                </p:cTn>
+                              </p:par>
+                              <p:par>
+                                <p:cTn id="37" presetID="1" presetClass="entr" presetSubtype="0" fill="hold" nodeType="withEffect">
+                                  <p:stCondLst>
+                                    <p:cond delay="0"/>
+                                  </p:stCondLst>
+                                  <p:childTnLst>
+                                    <p:set>
+                                      <p:cBhvr>
+                                        <p:cTn id="38" dur="1" fill="hold">
+                                          <p:stCondLst>
+                                            <p:cond delay="0"/>
+                                          </p:stCondLst>
+                                        </p:cTn>
+                                        <p:tgtEl>
+                                          <p:spTgt spid="24"/>
+                                        </p:tgtEl>
+                                        <p:attrNameLst>
+                                          <p:attrName>style.visibility</p:attrName>
+                                        </p:attrNameLst>
+                                      </p:cBhvr>
+                                      <p:to>
+                                        <p:strVal val="visible"/>
+                                      </p:to>
+                                    </p:set>
+                                  </p:childTnLst>
+                                </p:cTn>
+                              </p:par>
+                              <p:par>
+                                <p:cTn id="39" presetID="1" presetClass="entr" presetSubtype="0" fill="hold" nodeType="withEffect">
+                                  <p:stCondLst>
+                                    <p:cond delay="0"/>
+                                  </p:stCondLst>
+                                  <p:childTnLst>
+                                    <p:set>
+                                      <p:cBhvr>
+                                        <p:cTn id="40" dur="1" fill="hold">
+                                          <p:stCondLst>
+                                            <p:cond delay="0"/>
+                                          </p:stCondLst>
+                                        </p:cTn>
+                                        <p:tgtEl>
+                                          <p:spTgt spid="26"/>
+                                        </p:tgtEl>
+                                        <p:attrNameLst>
+                                          <p:attrName>style.visibility</p:attrName>
+                                        </p:attrNameLst>
+                                      </p:cBhvr>
+                                      <p:to>
+                                        <p:strVal val="visible"/>
+                                      </p:to>
+                                    </p:set>
+                                  </p:childTnLst>
+                                </p:cTn>
+                              </p:par>
+                              <p:par>
+                                <p:cTn id="41" presetID="1" presetClass="entr" presetSubtype="0" fill="hold" nodeType="withEffect">
+                                  <p:stCondLst>
+                                    <p:cond delay="0"/>
+                                  </p:stCondLst>
+                                  <p:childTnLst>
+                                    <p:set>
+                                      <p:cBhvr>
+                                        <p:cTn id="42" dur="1" fill="hold">
+                                          <p:stCondLst>
+                                            <p:cond delay="0"/>
+                                          </p:stCondLst>
+                                        </p:cTn>
+                                        <p:tgtEl>
+                                          <p:spTgt spid="28"/>
+                                        </p:tgtEl>
+                                        <p:attrNameLst>
+                                          <p:attrName>style.visibility</p:attrName>
+                                        </p:attrNameLst>
+                                      </p:cBhvr>
+                                      <p:to>
+                                        <p:strVal val="visible"/>
+                                      </p:to>
+                                    </p:set>
+                                  </p:childTnLst>
+                                </p:cTn>
+                              </p:par>
+                            </p:childTnLst>
+                          </p:cTn>
+                        </p:par>
+                      </p:childTnLst>
+                    </p:cTn>
+                  </p:par>
+                  <p:par>
+                    <p:cTn id="43" fill="hold">
+                      <p:stCondLst>
+                        <p:cond delay="indefinite"/>
+                      </p:stCondLst>
+                      <p:childTnLst>
+                        <p:par>
+                          <p:cTn id="44" fill="hold">
+                            <p:stCondLst>
+                              <p:cond delay="0"/>
+                            </p:stCondLst>
+                            <p:childTnLst>
+                              <p:par>
+                                <p:cTn id="45" presetID="1" presetClass="entr" presetSubtype="0" fill="hold" grpId="0" nodeType="clickEffect">
+                                  <p:stCondLst>
+                                    <p:cond delay="0"/>
+                                  </p:stCondLst>
+                                  <p:childTnLst>
+                                    <p:set>
+                                      <p:cBhvr>
+                                        <p:cTn id="46" dur="1" fill="hold">
+                                          <p:stCondLst>
+                                            <p:cond delay="0"/>
+                                          </p:stCondLst>
+                                        </p:cTn>
+                                        <p:tgtEl>
+                                          <p:spTgt spid="31"/>
+                                        </p:tgtEl>
+                                        <p:attrNameLst>
+                                          <p:attrName>style.visibility</p:attrName>
+                                        </p:attrNameLst>
+                                      </p:cBhvr>
+                                      <p:to>
+                                        <p:strVal val="visible"/>
+                                      </p:to>
+                                    </p:set>
+                                  </p:childTnLst>
+                                </p:cTn>
+                              </p:par>
+                              <p:par>
+                                <p:cTn id="47" presetID="1" presetClass="entr" presetSubtype="0" fill="hold" grpId="0" nodeType="withEffect">
+                                  <p:stCondLst>
+                                    <p:cond delay="0"/>
+                                  </p:stCondLst>
+                                  <p:childTnLst>
+                                    <p:set>
+                                      <p:cBhvr>
+                                        <p:cTn id="48" dur="1" fill="hold">
+                                          <p:stCondLst>
+                                            <p:cond delay="0"/>
+                                          </p:stCondLst>
+                                        </p:cTn>
+                                        <p:tgtEl>
+                                          <p:spTgt spid="32"/>
+                                        </p:tgtEl>
+                                        <p:attrNameLst>
+                                          <p:attrName>style.visibility</p:attrName>
+                                        </p:attrNameLst>
+                                      </p:cBhvr>
+                                      <p:to>
+                                        <p:strVal val="visible"/>
+                                      </p:to>
+                                    </p:set>
+                                  </p:childTnLst>
+                                </p:cTn>
+                              </p:par>
+                              <p:par>
+                                <p:cTn id="49" presetID="1" presetClass="entr" presetSubtype="0" fill="hold" grpId="0" nodeType="withEffect">
+                                  <p:stCondLst>
+                                    <p:cond delay="0"/>
+                                  </p:stCondLst>
+                                  <p:childTnLst>
+                                    <p:set>
+                                      <p:cBhvr>
+                                        <p:cTn id="50" dur="1" fill="hold">
+                                          <p:stCondLst>
+                                            <p:cond delay="0"/>
+                                          </p:stCondLst>
+                                        </p:cTn>
+                                        <p:tgtEl>
+                                          <p:spTgt spid="33"/>
+                                        </p:tgtEl>
+                                        <p:attrNameLst>
+                                          <p:attrName>style.visibility</p:attrName>
+                                        </p:attrNameLst>
+                                      </p:cBhvr>
+                                      <p:to>
+                                        <p:strVal val="visible"/>
+                                      </p:to>
+                                    </p:set>
+                                  </p:childTnLst>
+                                </p:cTn>
+                              </p:par>
+                            </p:childTnLst>
+                          </p:cTn>
+                        </p:par>
+                      </p:childTnLst>
+                    </p:cTn>
+                  </p:par>
+                  <p:par>
+                    <p:cTn id="51" fill="hold">
+                      <p:stCondLst>
+                        <p:cond delay="indefinite"/>
+                      </p:stCondLst>
+                      <p:childTnLst>
+                        <p:par>
+                          <p:cTn id="52" fill="hold">
+                            <p:stCondLst>
+                              <p:cond delay="0"/>
+                            </p:stCondLst>
+                            <p:childTnLst>
+                              <p:par>
+                                <p:cTn id="53" presetID="1" presetClass="entr" presetSubtype="0" fill="hold" grpId="0" nodeType="clickEffect">
+                                  <p:stCondLst>
+                                    <p:cond delay="0"/>
+                                  </p:stCondLst>
+                                  <p:childTnLst>
+                                    <p:set>
+                                      <p:cBhvr>
+                                        <p:cTn id="54" dur="1" fill="hold">
+                                          <p:stCondLst>
+                                            <p:cond delay="0"/>
+                                          </p:stCondLst>
+                                        </p:cTn>
+                                        <p:tgtEl>
+                                          <p:spTgt spid="34"/>
+                                        </p:tgtEl>
+                                        <p:attrNameLst>
+                                          <p:attrName>style.visibility</p:attrName>
+                                        </p:attrNameLst>
+                                      </p:cBhvr>
+                                      <p:to>
+                                        <p:strVal val="visible"/>
+                                      </p:to>
+                                    </p:set>
+                                  </p:childTnLst>
+                                </p:cTn>
+                              </p:par>
+                              <p:par>
+                                <p:cTn id="55" presetID="1" presetClass="entr" presetSubtype="0" fill="hold" grpId="0" nodeType="withEffect">
+                                  <p:stCondLst>
+                                    <p:cond delay="0"/>
+                                  </p:stCondLst>
+                                  <p:childTnLst>
+                                    <p:set>
+                                      <p:cBhvr>
+                                        <p:cTn id="56" dur="1" fill="hold">
+                                          <p:stCondLst>
+                                            <p:cond delay="0"/>
+                                          </p:stCondLst>
+                                        </p:cTn>
+                                        <p:tgtEl>
+                                          <p:spTgt spid="36"/>
+                                        </p:tgtEl>
+                                        <p:attrNameLst>
+                                          <p:attrName>style.visibility</p:attrName>
+                                        </p:attrNameLst>
+                                      </p:cBhvr>
+                                      <p:to>
+                                        <p:strVal val="visible"/>
+                                      </p:to>
+                                    </p:set>
+                                  </p:childTnLst>
+                                </p:cTn>
+                              </p:par>
+                              <p:par>
+                                <p:cTn id="57" presetID="1" presetClass="entr" presetSubtype="0" fill="hold" grpId="0" nodeType="withEffect">
+                                  <p:stCondLst>
+                                    <p:cond delay="0"/>
+                                  </p:stCondLst>
+                                  <p:childTnLst>
+                                    <p:set>
+                                      <p:cBhvr>
+                                        <p:cTn id="58" dur="1" fill="hold">
+                                          <p:stCondLst>
+                                            <p:cond delay="0"/>
+                                          </p:stCondLst>
+                                        </p:cTn>
+                                        <p:tgtEl>
+                                          <p:spTgt spid="37"/>
+                                        </p:tgtEl>
+                                        <p:attrNameLst>
+                                          <p:attrName>style.visibility</p:attrName>
+                                        </p:attrNameLst>
+                                      </p:cBhvr>
+                                      <p:to>
+                                        <p:strVal val="visible"/>
+                                      </p:to>
+                                    </p:set>
+                                  </p:childTnLst>
+                                </p:cTn>
+                              </p:par>
+                            </p:childTnLst>
+                          </p:cTn>
+                        </p:par>
+                      </p:childTnLst>
+                    </p:cTn>
+                  </p:par>
+                  <p:par>
+                    <p:cTn id="59" fill="hold">
+                      <p:stCondLst>
+                        <p:cond delay="indefinite"/>
+                      </p:stCondLst>
+                      <p:childTnLst>
+                        <p:par>
+                          <p:cTn id="60" fill="hold">
+                            <p:stCondLst>
+                              <p:cond delay="0"/>
+                            </p:stCondLst>
+                            <p:childTnLst>
+                              <p:par>
+                                <p:cTn id="61" presetID="1" presetClass="entr" presetSubtype="0" fill="hold" grpId="0" nodeType="clickEffect">
+                                  <p:stCondLst>
+                                    <p:cond delay="0"/>
+                                  </p:stCondLst>
+                                  <p:childTnLst>
+                                    <p:set>
+                                      <p:cBhvr>
+                                        <p:cTn id="62" dur="1" fill="hold">
+                                          <p:stCondLst>
+                                            <p:cond delay="0"/>
+                                          </p:stCondLst>
+                                        </p:cTn>
+                                        <p:tgtEl>
+                                          <p:spTgt spid="3"/>
+                                        </p:tgtEl>
+                                        <p:attrNameLst>
+                                          <p:attrName>style.visibility</p:attrName>
+                                        </p:attrNameLst>
+                                      </p:cBhvr>
+                                      <p:to>
+                                        <p:strVal val="visible"/>
+                                      </p:to>
+                                    </p:set>
+                                  </p:childTnLst>
+                                </p:cTn>
+                              </p:par>
+                              <p:par>
+                                <p:cTn id="63" presetID="1" presetClass="entr" presetSubtype="0" fill="hold" grpId="0" nodeType="withEffect">
+                                  <p:stCondLst>
+                                    <p:cond delay="0"/>
+                                  </p:stCondLst>
+                                  <p:childTnLst>
+                                    <p:set>
+                                      <p:cBhvr>
+                                        <p:cTn id="64" dur="1" fill="hold">
+                                          <p:stCondLst>
+                                            <p:cond delay="0"/>
+                                          </p:stCondLst>
+                                        </p:cTn>
+                                        <p:tgtEl>
+                                          <p:spTgt spid="10"/>
+                                        </p:tgtEl>
+                                        <p:attrNameLst>
+                                          <p:attrName>style.visibility</p:attrName>
+                                        </p:attrNameLst>
+                                      </p:cBhvr>
+                                      <p:to>
+                                        <p:strVal val="visible"/>
+                                      </p:to>
+                                    </p:set>
+                                  </p:childTnLst>
+                                </p:cTn>
+                              </p:par>
+                              <p:par>
+                                <p:cTn id="65" presetID="1" presetClass="entr" presetSubtype="0" fill="hold" grpId="0" nodeType="withEffect">
+                                  <p:stCondLst>
+                                    <p:cond delay="0"/>
+                                  </p:stCondLst>
+                                  <p:childTnLst>
+                                    <p:set>
+                                      <p:cBhvr>
+                                        <p:cTn id="66" dur="1" fill="hold">
+                                          <p:stCondLst>
+                                            <p:cond delay="0"/>
+                                          </p:stCondLst>
+                                        </p:cTn>
+                                        <p:tgtEl>
+                                          <p:spTgt spid="11"/>
+                                        </p:tgtEl>
+                                        <p:attrNameLst>
+                                          <p:attrName>style.visibility</p:attrName>
+                                        </p:attrNameLst>
+                                      </p:cBhvr>
+                                      <p:to>
+                                        <p:strVal val="visible"/>
+                                      </p:to>
+                                    </p:set>
+                                  </p:childTnLst>
+                                </p:cTn>
+                              </p:par>
+                            </p:childTnLst>
+                          </p:cTn>
+                        </p:par>
+                      </p:childTnLst>
+                    </p:cTn>
+                  </p:par>
+                </p:childTnLst>
+              </p:cTn>
+              <p:prevCondLst>
+                <p:cond evt="onPrev" delay="0">
+                  <p:tgtEl>
+                    <p:sldTgt/>
+                  </p:tgtEl>
+                </p:cond>
+              </p:prevCondLst>
+              <p:nextCondLst>
+                <p:cond evt="onNext" delay="0">
+                  <p:tgtEl>
+                    <p:sldTgt/>
+                  </p:tgtEl>
+                </p:cond>
+              </p:nextCondLst>
+            </p:seq>
+          </p:childTnLst>
+        </p:cTn>
+      </p:par>
+    </p:tnLst>
+    <p:bldLst>
+      <p:bldP spid="4" grpId="0" animBg="1"/>
+      <p:bldP spid="5" grpId="0" animBg="1"/>
+      <p:bldP spid="6" grpId="0" animBg="1"/>
+      <p:bldP spid="7" grpId="0" animBg="1"/>
+      <p:bldP spid="8" grpId="0" animBg="1"/>
+      <p:bldP spid="9" grpId="0" animBg="1"/>
+      <p:bldP spid="31" grpId="0"/>
+      <p:bldP spid="32" grpId="0"/>
+      <p:bldP spid="33" grpId="0"/>
+      <p:bldP spid="34" grpId="0"/>
+      <p:bldP spid="36" grpId="0"/>
+      <p:bldP spid="37" grpId="0"/>
+      <p:bldP spid="3" grpId="0"/>
+      <p:bldP spid="10" grpId="0"/>
+      <p:bldP spid="11" grpId="0"/>
+      <p:bldP spid="13" grpId="0"/>
+    </p:bldLst>
+  </p:timing>
 </p:sld>
 </file>
 
@@ -9177,7 +13318,7 @@
           <p:cNvPr id="19" name="Oval 18">
             <a:extLst>
               <a:ext uri="{FF2B5EF4-FFF2-40B4-BE49-F238E27FC236}">
-                <a16:creationId xmlns:a16="http://schemas.microsoft.com/office/drawing/2014/main" id="{8627C0DE-696F-B04C-854D-D65B6D888F18}"/>
+                <a16:creationId xmlns:a16="http://schemas.microsoft.com/office/drawing/2014/main" id="{701566FE-F886-BE4E-BA87-8396D2ADA543}"/>
               </a:ext>
             </a:extLst>
           </p:cNvPr>
@@ -9186,8 +13327,8 @@
         </p:nvSpPr>
         <p:spPr>
           <a:xfrm>
-            <a:off x="5242769" y="5308484"/>
-            <a:ext cx="395314" cy="360081"/>
+            <a:off x="5408489" y="5764057"/>
+            <a:ext cx="400897" cy="299267"/>
           </a:xfrm>
           <a:prstGeom prst="ellipse">
             <a:avLst/>
@@ -9221,7 +13362,7 @@
           <p:cNvPr id="17" name="Oval 16">
             <a:extLst>
               <a:ext uri="{FF2B5EF4-FFF2-40B4-BE49-F238E27FC236}">
-                <a16:creationId xmlns:a16="http://schemas.microsoft.com/office/drawing/2014/main" id="{6E7A4B4B-A020-224A-82C7-8E400626D6F1}"/>
+                <a16:creationId xmlns:a16="http://schemas.microsoft.com/office/drawing/2014/main" id="{C43F5154-E1D2-0B4F-9158-021541E441A2}"/>
               </a:ext>
             </a:extLst>
           </p:cNvPr>
@@ -9229,9 +13370,9 @@
           <p:nvPr/>
         </p:nvSpPr>
         <p:spPr>
-          <a:xfrm rot="19297576">
-            <a:off x="5519106" y="3301878"/>
-            <a:ext cx="407704" cy="315426"/>
+          <a:xfrm rot="19653674">
+            <a:off x="5829919" y="3688644"/>
+            <a:ext cx="420448" cy="310426"/>
           </a:xfrm>
           <a:prstGeom prst="ellipse">
             <a:avLst/>
@@ -9265,7 +13406,7 @@
           <p:cNvPr id="15" name="Oval 14">
             <a:extLst>
               <a:ext uri="{FF2B5EF4-FFF2-40B4-BE49-F238E27FC236}">
-                <a16:creationId xmlns:a16="http://schemas.microsoft.com/office/drawing/2014/main" id="{1E05DAF0-5E6B-9E42-B0E4-6ECA8F6E35F9}"/>
+                <a16:creationId xmlns:a16="http://schemas.microsoft.com/office/drawing/2014/main" id="{EDE95B8A-FA63-CC49-B217-292CA8911584}"/>
               </a:ext>
             </a:extLst>
           </p:cNvPr>
@@ -9273,9 +13414,9 @@
           <p:nvPr/>
         </p:nvSpPr>
         <p:spPr>
-          <a:xfrm rot="7667919">
-            <a:off x="5100752" y="2987555"/>
-            <a:ext cx="326571" cy="415681"/>
+          <a:xfrm rot="18211041">
+            <a:off x="5417763" y="3402838"/>
+            <a:ext cx="331712" cy="415681"/>
           </a:xfrm>
           <a:prstGeom prst="ellipse">
             <a:avLst/>
@@ -9320,7 +13461,12 @@
             <p:ph type="title"/>
           </p:nvPr>
         </p:nvSpPr>
-        <p:spPr/>
+        <p:spPr>
+          <a:xfrm>
+            <a:off x="2231136" y="964692"/>
+            <a:ext cx="7729728" cy="1188720"/>
+          </a:xfrm>
+        </p:spPr>
         <p:txBody>
           <a:bodyPr/>
           <a:lstStyle/>
@@ -9346,7 +13492,7 @@
         </p:nvSpPr>
         <p:spPr>
           <a:xfrm>
-            <a:off x="3891061" y="2516221"/>
+            <a:off x="4203950" y="2922111"/>
             <a:ext cx="904675" cy="904675"/>
           </a:xfrm>
           <a:prstGeom prst="ellipse">
@@ -9396,7 +13542,7 @@
         </p:nvSpPr>
         <p:spPr>
           <a:xfrm>
-            <a:off x="3891061" y="3790545"/>
+            <a:off x="4203950" y="4196435"/>
             <a:ext cx="904675" cy="904675"/>
           </a:xfrm>
           <a:prstGeom prst="ellipse">
@@ -9446,7 +13592,7 @@
         </p:nvSpPr>
         <p:spPr>
           <a:xfrm>
-            <a:off x="3891060" y="5129719"/>
+            <a:off x="4203949" y="5535609"/>
             <a:ext cx="904676" cy="904676"/>
           </a:xfrm>
           <a:prstGeom prst="ellipse">
@@ -9495,7 +13641,7 @@
         </p:nvSpPr>
         <p:spPr>
           <a:xfrm>
-            <a:off x="6543469" y="2516221"/>
+            <a:off x="6856358" y="2922111"/>
             <a:ext cx="904675" cy="904675"/>
           </a:xfrm>
           <a:prstGeom prst="ellipse">
@@ -9544,7 +13690,7 @@
         </p:nvSpPr>
         <p:spPr>
           <a:xfrm>
-            <a:off x="6543469" y="3790545"/>
+            <a:off x="6856358" y="4196435"/>
             <a:ext cx="904675" cy="904675"/>
           </a:xfrm>
           <a:prstGeom prst="ellipse">
@@ -9593,7 +13739,7 @@
         </p:nvSpPr>
         <p:spPr>
           <a:xfrm>
-            <a:off x="6543469" y="5129719"/>
+            <a:off x="6856358" y="5535609"/>
             <a:ext cx="904677" cy="904677"/>
           </a:xfrm>
           <a:prstGeom prst="ellipse">
@@ -9645,7 +13791,7 @@
         </p:nvCxnSpPr>
         <p:spPr>
           <a:xfrm>
-            <a:off x="4795736" y="2968559"/>
+            <a:off x="5108625" y="3374449"/>
             <a:ext cx="1747733" cy="0"/>
           </a:xfrm>
           <a:prstGeom prst="line">
@@ -9683,7 +13829,7 @@
         </p:nvCxnSpPr>
         <p:spPr>
           <a:xfrm>
-            <a:off x="4795736" y="2968558"/>
+            <a:off x="5108625" y="3374448"/>
             <a:ext cx="1747733" cy="1274324"/>
           </a:xfrm>
           <a:prstGeom prst="line">
@@ -9722,7 +13868,7 @@
         </p:nvCxnSpPr>
         <p:spPr>
           <a:xfrm>
-            <a:off x="4795736" y="2968559"/>
+            <a:off x="5108625" y="3374449"/>
             <a:ext cx="1747733" cy="2613499"/>
           </a:xfrm>
           <a:prstGeom prst="line">
@@ -9760,7 +13906,7 @@
         </p:nvCxnSpPr>
         <p:spPr>
           <a:xfrm flipV="1">
-            <a:off x="4795736" y="2968558"/>
+            <a:off x="5108625" y="3374448"/>
             <a:ext cx="1747733" cy="1274325"/>
           </a:xfrm>
           <a:prstGeom prst="line">
@@ -9799,7 +13945,7 @@
         </p:nvCxnSpPr>
         <p:spPr>
           <a:xfrm>
-            <a:off x="4795736" y="4242883"/>
+            <a:off x="5108625" y="4648773"/>
             <a:ext cx="1747733" cy="0"/>
           </a:xfrm>
           <a:prstGeom prst="line">
@@ -9838,7 +13984,7 @@
         </p:nvCxnSpPr>
         <p:spPr>
           <a:xfrm>
-            <a:off x="4795736" y="4242883"/>
+            <a:off x="5108625" y="4648773"/>
             <a:ext cx="1747733" cy="1339175"/>
           </a:xfrm>
           <a:prstGeom prst="line">
@@ -9877,7 +14023,7 @@
         </p:nvCxnSpPr>
         <p:spPr>
           <a:xfrm flipV="1">
-            <a:off x="4795736" y="2968559"/>
+            <a:off x="5108625" y="3374449"/>
             <a:ext cx="1747733" cy="2613498"/>
           </a:xfrm>
           <a:prstGeom prst="line">
@@ -9915,7 +14061,7 @@
         </p:nvCxnSpPr>
         <p:spPr>
           <a:xfrm flipV="1">
-            <a:off x="4795736" y="4242882"/>
+            <a:off x="5108625" y="4648772"/>
             <a:ext cx="1747733" cy="1339175"/>
           </a:xfrm>
           <a:prstGeom prst="line">
@@ -9954,7 +14100,7 @@
         </p:nvCxnSpPr>
         <p:spPr>
           <a:xfrm>
-            <a:off x="4795736" y="5582057"/>
+            <a:off x="5108625" y="5987947"/>
             <a:ext cx="1747733" cy="1"/>
           </a:xfrm>
           <a:prstGeom prst="line">
@@ -9990,7 +14136,7 @@
         </p:nvSpPr>
         <p:spPr>
           <a:xfrm>
-            <a:off x="5059560" y="2736533"/>
+            <a:off x="5372449" y="3142423"/>
             <a:ext cx="377026" cy="246221"/>
           </a:xfrm>
           <a:prstGeom prst="rect">
@@ -10025,7 +14171,7 @@
         </p:nvSpPr>
         <p:spPr>
           <a:xfrm rot="1904826">
-            <a:off x="5078251" y="3081678"/>
+            <a:off x="5391140" y="3487568"/>
             <a:ext cx="392076" cy="246221"/>
           </a:xfrm>
           <a:prstGeom prst="rect">
@@ -10060,7 +14206,7 @@
         </p:nvSpPr>
         <p:spPr>
           <a:xfrm rot="3257111">
-            <a:off x="5034279" y="3400516"/>
+            <a:off x="5347168" y="3806406"/>
             <a:ext cx="480019" cy="246221"/>
           </a:xfrm>
           <a:prstGeom prst="rect">
@@ -10095,7 +14241,7 @@
         </p:nvSpPr>
         <p:spPr>
           <a:xfrm rot="19569268">
-            <a:off x="5542394" y="3337780"/>
+            <a:off x="5855283" y="3743670"/>
             <a:ext cx="377026" cy="246221"/>
           </a:xfrm>
           <a:prstGeom prst="rect">
@@ -10130,7 +14276,7 @@
         </p:nvSpPr>
         <p:spPr>
           <a:xfrm>
-            <a:off x="5824853" y="4029087"/>
+            <a:off x="6137742" y="4434977"/>
             <a:ext cx="377026" cy="246221"/>
           </a:xfrm>
           <a:prstGeom prst="rect">
@@ -10165,7 +14311,7 @@
         </p:nvSpPr>
         <p:spPr>
           <a:xfrm rot="2543047">
-            <a:off x="5705206" y="4864738"/>
+            <a:off x="6018095" y="5270628"/>
             <a:ext cx="377026" cy="246221"/>
           </a:xfrm>
           <a:prstGeom prst="rect">
@@ -10200,7 +14346,7 @@
         </p:nvSpPr>
         <p:spPr>
           <a:xfrm rot="18148588">
-            <a:off x="4871047" y="4864737"/>
+            <a:off x="5183936" y="5270627"/>
             <a:ext cx="377026" cy="246221"/>
           </a:xfrm>
           <a:prstGeom prst="rect">
@@ -10235,7 +14381,7 @@
         </p:nvSpPr>
         <p:spPr>
           <a:xfrm rot="19622608">
-            <a:off x="5224419" y="4893013"/>
+            <a:off x="5362206" y="5435094"/>
             <a:ext cx="377026" cy="246221"/>
           </a:xfrm>
           <a:prstGeom prst="rect">
@@ -10270,7 +14416,7 @@
         </p:nvSpPr>
         <p:spPr>
           <a:xfrm>
-            <a:off x="5270244" y="5383396"/>
+            <a:off x="5417763" y="5789286"/>
             <a:ext cx="377026" cy="246221"/>
           </a:xfrm>
           <a:prstGeom prst="rect">
@@ -10291,16 +14437,920 @@
           </a:p>
         </p:txBody>
       </p:sp>
+      <p:sp>
+        <p:nvSpPr>
+          <p:cNvPr id="13" name="TextBox 12">
+            <a:extLst>
+              <a:ext uri="{FF2B5EF4-FFF2-40B4-BE49-F238E27FC236}">
+                <a16:creationId xmlns:a16="http://schemas.microsoft.com/office/drawing/2014/main" id="{65300928-B1B4-8748-9730-9C8253CD1083}"/>
+              </a:ext>
+            </a:extLst>
+          </p:cNvPr>
+          <p:cNvSpPr txBox="1"/>
+          <p:nvPr/>
+        </p:nvSpPr>
+        <p:spPr>
+          <a:xfrm>
+            <a:off x="1473676" y="2252913"/>
+            <a:ext cx="9318134" cy="646331"/>
+          </a:xfrm>
+          <a:prstGeom prst="rect">
+            <a:avLst/>
+          </a:prstGeom>
+          <a:noFill/>
+        </p:spPr>
+        <p:txBody>
+          <a:bodyPr wrap="square" rtlCol="0">
+            <a:spAutoFit/>
+          </a:bodyPr>
+          <a:lstStyle/>
+          <a:p>
+            <a:pPr algn="ctr"/>
+            <a:r>
+              <a:rPr lang="en-US" dirty="0"/>
+              <a:t>The graph is solved using a maximum weighted bipartite matching (MWBM) algorithm</a:t>
+            </a:r>
+          </a:p>
+          <a:p>
+            <a:pPr algn="ctr"/>
+            <a:r>
+              <a:rPr lang="en-US" dirty="0"/>
+              <a:t>(Hungarian algorithm).</a:t>
+            </a:r>
+          </a:p>
+        </p:txBody>
+      </p:sp>
     </p:spTree>
     <p:extLst>
       <p:ext uri="{BB962C8B-B14F-4D97-AF65-F5344CB8AC3E}">
-        <p14:creationId xmlns:p14="http://schemas.microsoft.com/office/powerpoint/2010/main" val="2954721878"/>
+        <p14:creationId xmlns:p14="http://schemas.microsoft.com/office/powerpoint/2010/main" val="830324718"/>
       </p:ext>
     </p:extLst>
   </p:cSld>
   <p:clrMapOvr>
     <a:masterClrMapping/>
   </p:clrMapOvr>
+  <p:timing>
+    <p:tnLst>
+      <p:par>
+        <p:cTn id="1" dur="indefinite" restart="never" nodeType="tmRoot">
+          <p:childTnLst>
+            <p:seq concurrent="1" nextAc="seek">
+              <p:cTn id="2" dur="indefinite" nodeType="mainSeq">
+                <p:childTnLst>
+                  <p:par>
+                    <p:cTn id="3" fill="hold">
+                      <p:stCondLst>
+                        <p:cond delay="indefinite"/>
+                      </p:stCondLst>
+                      <p:childTnLst>
+                        <p:par>
+                          <p:cTn id="4" fill="hold">
+                            <p:stCondLst>
+                              <p:cond delay="0"/>
+                            </p:stCondLst>
+                            <p:childTnLst>
+                              <p:par>
+                                <p:cTn id="5" presetID="1" presetClass="entr" presetSubtype="0" fill="hold" grpId="0" nodeType="clickEffect">
+                                  <p:stCondLst>
+                                    <p:cond delay="0"/>
+                                  </p:stCondLst>
+                                  <p:childTnLst>
+                                    <p:set>
+                                      <p:cBhvr>
+                                        <p:cTn id="6" dur="1" fill="hold">
+                                          <p:stCondLst>
+                                            <p:cond delay="0"/>
+                                          </p:stCondLst>
+                                        </p:cTn>
+                                        <p:tgtEl>
+                                          <p:spTgt spid="13"/>
+                                        </p:tgtEl>
+                                        <p:attrNameLst>
+                                          <p:attrName>style.visibility</p:attrName>
+                                        </p:attrNameLst>
+                                      </p:cBhvr>
+                                      <p:to>
+                                        <p:strVal val="visible"/>
+                                      </p:to>
+                                    </p:set>
+                                  </p:childTnLst>
+                                </p:cTn>
+                              </p:par>
+                            </p:childTnLst>
+                          </p:cTn>
+                        </p:par>
+                      </p:childTnLst>
+                    </p:cTn>
+                  </p:par>
+                  <p:par>
+                    <p:cTn id="7" fill="hold">
+                      <p:stCondLst>
+                        <p:cond delay="indefinite"/>
+                      </p:stCondLst>
+                      <p:childTnLst>
+                        <p:par>
+                          <p:cTn id="8" fill="hold">
+                            <p:stCondLst>
+                              <p:cond delay="0"/>
+                            </p:stCondLst>
+                            <p:childTnLst>
+                              <p:par>
+                                <p:cTn id="9" presetID="1" presetClass="entr" presetSubtype="0" fill="hold" grpId="0" nodeType="clickEffect">
+                                  <p:stCondLst>
+                                    <p:cond delay="0"/>
+                                  </p:stCondLst>
+                                  <p:childTnLst>
+                                    <p:set>
+                                      <p:cBhvr>
+                                        <p:cTn id="10" dur="1" fill="hold">
+                                          <p:stCondLst>
+                                            <p:cond delay="0"/>
+                                          </p:stCondLst>
+                                        </p:cTn>
+                                        <p:tgtEl>
+                                          <p:spTgt spid="4"/>
+                                        </p:tgtEl>
+                                        <p:attrNameLst>
+                                          <p:attrName>style.visibility</p:attrName>
+                                        </p:attrNameLst>
+                                      </p:cBhvr>
+                                      <p:to>
+                                        <p:strVal val="visible"/>
+                                      </p:to>
+                                    </p:set>
+                                  </p:childTnLst>
+                                </p:cTn>
+                              </p:par>
+                              <p:par>
+                                <p:cTn id="11" presetID="1" presetClass="entr" presetSubtype="0" fill="hold" grpId="0" nodeType="withEffect">
+                                  <p:stCondLst>
+                                    <p:cond delay="0"/>
+                                  </p:stCondLst>
+                                  <p:childTnLst>
+                                    <p:set>
+                                      <p:cBhvr>
+                                        <p:cTn id="12" dur="1" fill="hold">
+                                          <p:stCondLst>
+                                            <p:cond delay="0"/>
+                                          </p:stCondLst>
+                                        </p:cTn>
+                                        <p:tgtEl>
+                                          <p:spTgt spid="5"/>
+                                        </p:tgtEl>
+                                        <p:attrNameLst>
+                                          <p:attrName>style.visibility</p:attrName>
+                                        </p:attrNameLst>
+                                      </p:cBhvr>
+                                      <p:to>
+                                        <p:strVal val="visible"/>
+                                      </p:to>
+                                    </p:set>
+                                  </p:childTnLst>
+                                </p:cTn>
+                              </p:par>
+                              <p:par>
+                                <p:cTn id="13" presetID="1" presetClass="entr" presetSubtype="0" fill="hold" grpId="0" nodeType="withEffect">
+                                  <p:stCondLst>
+                                    <p:cond delay="0"/>
+                                  </p:stCondLst>
+                                  <p:childTnLst>
+                                    <p:set>
+                                      <p:cBhvr>
+                                        <p:cTn id="14" dur="1" fill="hold">
+                                          <p:stCondLst>
+                                            <p:cond delay="0"/>
+                                          </p:stCondLst>
+                                        </p:cTn>
+                                        <p:tgtEl>
+                                          <p:spTgt spid="6"/>
+                                        </p:tgtEl>
+                                        <p:attrNameLst>
+                                          <p:attrName>style.visibility</p:attrName>
+                                        </p:attrNameLst>
+                                      </p:cBhvr>
+                                      <p:to>
+                                        <p:strVal val="visible"/>
+                                      </p:to>
+                                    </p:set>
+                                  </p:childTnLst>
+                                </p:cTn>
+                              </p:par>
+                              <p:par>
+                                <p:cTn id="15" presetID="1" presetClass="entr" presetSubtype="0" fill="hold" grpId="0" nodeType="withEffect">
+                                  <p:stCondLst>
+                                    <p:cond delay="0"/>
+                                  </p:stCondLst>
+                                  <p:childTnLst>
+                                    <p:set>
+                                      <p:cBhvr>
+                                        <p:cTn id="16" dur="1" fill="hold">
+                                          <p:stCondLst>
+                                            <p:cond delay="0"/>
+                                          </p:stCondLst>
+                                        </p:cTn>
+                                        <p:tgtEl>
+                                          <p:spTgt spid="7"/>
+                                        </p:tgtEl>
+                                        <p:attrNameLst>
+                                          <p:attrName>style.visibility</p:attrName>
+                                        </p:attrNameLst>
+                                      </p:cBhvr>
+                                      <p:to>
+                                        <p:strVal val="visible"/>
+                                      </p:to>
+                                    </p:set>
+                                  </p:childTnLst>
+                                </p:cTn>
+                              </p:par>
+                              <p:par>
+                                <p:cTn id="17" presetID="1" presetClass="entr" presetSubtype="0" fill="hold" grpId="0" nodeType="withEffect">
+                                  <p:stCondLst>
+                                    <p:cond delay="0"/>
+                                  </p:stCondLst>
+                                  <p:childTnLst>
+                                    <p:set>
+                                      <p:cBhvr>
+                                        <p:cTn id="18" dur="1" fill="hold">
+                                          <p:stCondLst>
+                                            <p:cond delay="0"/>
+                                          </p:stCondLst>
+                                        </p:cTn>
+                                        <p:tgtEl>
+                                          <p:spTgt spid="8"/>
+                                        </p:tgtEl>
+                                        <p:attrNameLst>
+                                          <p:attrName>style.visibility</p:attrName>
+                                        </p:attrNameLst>
+                                      </p:cBhvr>
+                                      <p:to>
+                                        <p:strVal val="visible"/>
+                                      </p:to>
+                                    </p:set>
+                                  </p:childTnLst>
+                                </p:cTn>
+                              </p:par>
+                              <p:par>
+                                <p:cTn id="19" presetID="1" presetClass="entr" presetSubtype="0" fill="hold" grpId="0" nodeType="withEffect">
+                                  <p:stCondLst>
+                                    <p:cond delay="0"/>
+                                  </p:stCondLst>
+                                  <p:childTnLst>
+                                    <p:set>
+                                      <p:cBhvr>
+                                        <p:cTn id="20" dur="1" fill="hold">
+                                          <p:stCondLst>
+                                            <p:cond delay="0"/>
+                                          </p:stCondLst>
+                                        </p:cTn>
+                                        <p:tgtEl>
+                                          <p:spTgt spid="9"/>
+                                        </p:tgtEl>
+                                        <p:attrNameLst>
+                                          <p:attrName>style.visibility</p:attrName>
+                                        </p:attrNameLst>
+                                      </p:cBhvr>
+                                      <p:to>
+                                        <p:strVal val="visible"/>
+                                      </p:to>
+                                    </p:set>
+                                  </p:childTnLst>
+                                </p:cTn>
+                              </p:par>
+                              <p:par>
+                                <p:cTn id="21" presetID="1" presetClass="entr" presetSubtype="0" fill="hold" nodeType="withEffect">
+                                  <p:stCondLst>
+                                    <p:cond delay="0"/>
+                                  </p:stCondLst>
+                                  <p:childTnLst>
+                                    <p:set>
+                                      <p:cBhvr>
+                                        <p:cTn id="22" dur="1" fill="hold">
+                                          <p:stCondLst>
+                                            <p:cond delay="0"/>
+                                          </p:stCondLst>
+                                        </p:cTn>
+                                        <p:tgtEl>
+                                          <p:spTgt spid="12"/>
+                                        </p:tgtEl>
+                                        <p:attrNameLst>
+                                          <p:attrName>style.visibility</p:attrName>
+                                        </p:attrNameLst>
+                                      </p:cBhvr>
+                                      <p:to>
+                                        <p:strVal val="visible"/>
+                                      </p:to>
+                                    </p:set>
+                                  </p:childTnLst>
+                                </p:cTn>
+                              </p:par>
+                              <p:par>
+                                <p:cTn id="23" presetID="1" presetClass="entr" presetSubtype="0" fill="hold" nodeType="withEffect">
+                                  <p:stCondLst>
+                                    <p:cond delay="0"/>
+                                  </p:stCondLst>
+                                  <p:childTnLst>
+                                    <p:set>
+                                      <p:cBhvr>
+                                        <p:cTn id="24" dur="1" fill="hold">
+                                          <p:stCondLst>
+                                            <p:cond delay="0"/>
+                                          </p:stCondLst>
+                                        </p:cTn>
+                                        <p:tgtEl>
+                                          <p:spTgt spid="14"/>
+                                        </p:tgtEl>
+                                        <p:attrNameLst>
+                                          <p:attrName>style.visibility</p:attrName>
+                                        </p:attrNameLst>
+                                      </p:cBhvr>
+                                      <p:to>
+                                        <p:strVal val="visible"/>
+                                      </p:to>
+                                    </p:set>
+                                  </p:childTnLst>
+                                </p:cTn>
+                              </p:par>
+                              <p:par>
+                                <p:cTn id="25" presetID="1" presetClass="entr" presetSubtype="0" fill="hold" nodeType="withEffect">
+                                  <p:stCondLst>
+                                    <p:cond delay="0"/>
+                                  </p:stCondLst>
+                                  <p:childTnLst>
+                                    <p:set>
+                                      <p:cBhvr>
+                                        <p:cTn id="26" dur="1" fill="hold">
+                                          <p:stCondLst>
+                                            <p:cond delay="0"/>
+                                          </p:stCondLst>
+                                        </p:cTn>
+                                        <p:tgtEl>
+                                          <p:spTgt spid="16"/>
+                                        </p:tgtEl>
+                                        <p:attrNameLst>
+                                          <p:attrName>style.visibility</p:attrName>
+                                        </p:attrNameLst>
+                                      </p:cBhvr>
+                                      <p:to>
+                                        <p:strVal val="visible"/>
+                                      </p:to>
+                                    </p:set>
+                                  </p:childTnLst>
+                                </p:cTn>
+                              </p:par>
+                              <p:par>
+                                <p:cTn id="27" presetID="1" presetClass="entr" presetSubtype="0" fill="hold" nodeType="withEffect">
+                                  <p:stCondLst>
+                                    <p:cond delay="0"/>
+                                  </p:stCondLst>
+                                  <p:childTnLst>
+                                    <p:set>
+                                      <p:cBhvr>
+                                        <p:cTn id="28" dur="1" fill="hold">
+                                          <p:stCondLst>
+                                            <p:cond delay="0"/>
+                                          </p:stCondLst>
+                                        </p:cTn>
+                                        <p:tgtEl>
+                                          <p:spTgt spid="18"/>
+                                        </p:tgtEl>
+                                        <p:attrNameLst>
+                                          <p:attrName>style.visibility</p:attrName>
+                                        </p:attrNameLst>
+                                      </p:cBhvr>
+                                      <p:to>
+                                        <p:strVal val="visible"/>
+                                      </p:to>
+                                    </p:set>
+                                  </p:childTnLst>
+                                </p:cTn>
+                              </p:par>
+                              <p:par>
+                                <p:cTn id="29" presetID="1" presetClass="entr" presetSubtype="0" fill="hold" nodeType="withEffect">
+                                  <p:stCondLst>
+                                    <p:cond delay="0"/>
+                                  </p:stCondLst>
+                                  <p:childTnLst>
+                                    <p:set>
+                                      <p:cBhvr>
+                                        <p:cTn id="30" dur="1" fill="hold">
+                                          <p:stCondLst>
+                                            <p:cond delay="0"/>
+                                          </p:stCondLst>
+                                        </p:cTn>
+                                        <p:tgtEl>
+                                          <p:spTgt spid="20"/>
+                                        </p:tgtEl>
+                                        <p:attrNameLst>
+                                          <p:attrName>style.visibility</p:attrName>
+                                        </p:attrNameLst>
+                                      </p:cBhvr>
+                                      <p:to>
+                                        <p:strVal val="visible"/>
+                                      </p:to>
+                                    </p:set>
+                                  </p:childTnLst>
+                                </p:cTn>
+                              </p:par>
+                              <p:par>
+                                <p:cTn id="31" presetID="1" presetClass="entr" presetSubtype="0" fill="hold" nodeType="withEffect">
+                                  <p:stCondLst>
+                                    <p:cond delay="0"/>
+                                  </p:stCondLst>
+                                  <p:childTnLst>
+                                    <p:set>
+                                      <p:cBhvr>
+                                        <p:cTn id="32" dur="1" fill="hold">
+                                          <p:stCondLst>
+                                            <p:cond delay="0"/>
+                                          </p:stCondLst>
+                                        </p:cTn>
+                                        <p:tgtEl>
+                                          <p:spTgt spid="22"/>
+                                        </p:tgtEl>
+                                        <p:attrNameLst>
+                                          <p:attrName>style.visibility</p:attrName>
+                                        </p:attrNameLst>
+                                      </p:cBhvr>
+                                      <p:to>
+                                        <p:strVal val="visible"/>
+                                      </p:to>
+                                    </p:set>
+                                  </p:childTnLst>
+                                </p:cTn>
+                              </p:par>
+                              <p:par>
+                                <p:cTn id="33" presetID="1" presetClass="entr" presetSubtype="0" fill="hold" nodeType="withEffect">
+                                  <p:stCondLst>
+                                    <p:cond delay="0"/>
+                                  </p:stCondLst>
+                                  <p:childTnLst>
+                                    <p:set>
+                                      <p:cBhvr>
+                                        <p:cTn id="34" dur="1" fill="hold">
+                                          <p:stCondLst>
+                                            <p:cond delay="0"/>
+                                          </p:stCondLst>
+                                        </p:cTn>
+                                        <p:tgtEl>
+                                          <p:spTgt spid="24"/>
+                                        </p:tgtEl>
+                                        <p:attrNameLst>
+                                          <p:attrName>style.visibility</p:attrName>
+                                        </p:attrNameLst>
+                                      </p:cBhvr>
+                                      <p:to>
+                                        <p:strVal val="visible"/>
+                                      </p:to>
+                                    </p:set>
+                                  </p:childTnLst>
+                                </p:cTn>
+                              </p:par>
+                              <p:par>
+                                <p:cTn id="35" presetID="1" presetClass="entr" presetSubtype="0" fill="hold" nodeType="withEffect">
+                                  <p:stCondLst>
+                                    <p:cond delay="0"/>
+                                  </p:stCondLst>
+                                  <p:childTnLst>
+                                    <p:set>
+                                      <p:cBhvr>
+                                        <p:cTn id="36" dur="1" fill="hold">
+                                          <p:stCondLst>
+                                            <p:cond delay="0"/>
+                                          </p:stCondLst>
+                                        </p:cTn>
+                                        <p:tgtEl>
+                                          <p:spTgt spid="26"/>
+                                        </p:tgtEl>
+                                        <p:attrNameLst>
+                                          <p:attrName>style.visibility</p:attrName>
+                                        </p:attrNameLst>
+                                      </p:cBhvr>
+                                      <p:to>
+                                        <p:strVal val="visible"/>
+                                      </p:to>
+                                    </p:set>
+                                  </p:childTnLst>
+                                </p:cTn>
+                              </p:par>
+                              <p:par>
+                                <p:cTn id="37" presetID="1" presetClass="entr" presetSubtype="0" fill="hold" nodeType="withEffect">
+                                  <p:stCondLst>
+                                    <p:cond delay="0"/>
+                                  </p:stCondLst>
+                                  <p:childTnLst>
+                                    <p:set>
+                                      <p:cBhvr>
+                                        <p:cTn id="38" dur="1" fill="hold">
+                                          <p:stCondLst>
+                                            <p:cond delay="0"/>
+                                          </p:stCondLst>
+                                        </p:cTn>
+                                        <p:tgtEl>
+                                          <p:spTgt spid="28"/>
+                                        </p:tgtEl>
+                                        <p:attrNameLst>
+                                          <p:attrName>style.visibility</p:attrName>
+                                        </p:attrNameLst>
+                                      </p:cBhvr>
+                                      <p:to>
+                                        <p:strVal val="visible"/>
+                                      </p:to>
+                                    </p:set>
+                                  </p:childTnLst>
+                                </p:cTn>
+                              </p:par>
+                              <p:par>
+                                <p:cTn id="39" presetID="1" presetClass="entr" presetSubtype="0" fill="hold" grpId="0" nodeType="withEffect">
+                                  <p:stCondLst>
+                                    <p:cond delay="0"/>
+                                  </p:stCondLst>
+                                  <p:childTnLst>
+                                    <p:set>
+                                      <p:cBhvr>
+                                        <p:cTn id="40" dur="1" fill="hold">
+                                          <p:stCondLst>
+                                            <p:cond delay="0"/>
+                                          </p:stCondLst>
+                                        </p:cTn>
+                                        <p:tgtEl>
+                                          <p:spTgt spid="31"/>
+                                        </p:tgtEl>
+                                        <p:attrNameLst>
+                                          <p:attrName>style.visibility</p:attrName>
+                                        </p:attrNameLst>
+                                      </p:cBhvr>
+                                      <p:to>
+                                        <p:strVal val="visible"/>
+                                      </p:to>
+                                    </p:set>
+                                  </p:childTnLst>
+                                </p:cTn>
+                              </p:par>
+                              <p:par>
+                                <p:cTn id="41" presetID="1" presetClass="entr" presetSubtype="0" fill="hold" grpId="0" nodeType="withEffect">
+                                  <p:stCondLst>
+                                    <p:cond delay="0"/>
+                                  </p:stCondLst>
+                                  <p:childTnLst>
+                                    <p:set>
+                                      <p:cBhvr>
+                                        <p:cTn id="42" dur="1" fill="hold">
+                                          <p:stCondLst>
+                                            <p:cond delay="0"/>
+                                          </p:stCondLst>
+                                        </p:cTn>
+                                        <p:tgtEl>
+                                          <p:spTgt spid="32"/>
+                                        </p:tgtEl>
+                                        <p:attrNameLst>
+                                          <p:attrName>style.visibility</p:attrName>
+                                        </p:attrNameLst>
+                                      </p:cBhvr>
+                                      <p:to>
+                                        <p:strVal val="visible"/>
+                                      </p:to>
+                                    </p:set>
+                                  </p:childTnLst>
+                                </p:cTn>
+                              </p:par>
+                              <p:par>
+                                <p:cTn id="43" presetID="1" presetClass="entr" presetSubtype="0" fill="hold" grpId="0" nodeType="withEffect">
+                                  <p:stCondLst>
+                                    <p:cond delay="0"/>
+                                  </p:stCondLst>
+                                  <p:childTnLst>
+                                    <p:set>
+                                      <p:cBhvr>
+                                        <p:cTn id="44" dur="1" fill="hold">
+                                          <p:stCondLst>
+                                            <p:cond delay="0"/>
+                                          </p:stCondLst>
+                                        </p:cTn>
+                                        <p:tgtEl>
+                                          <p:spTgt spid="33"/>
+                                        </p:tgtEl>
+                                        <p:attrNameLst>
+                                          <p:attrName>style.visibility</p:attrName>
+                                        </p:attrNameLst>
+                                      </p:cBhvr>
+                                      <p:to>
+                                        <p:strVal val="visible"/>
+                                      </p:to>
+                                    </p:set>
+                                  </p:childTnLst>
+                                </p:cTn>
+                              </p:par>
+                              <p:par>
+                                <p:cTn id="45" presetID="1" presetClass="entr" presetSubtype="0" fill="hold" grpId="0" nodeType="withEffect">
+                                  <p:stCondLst>
+                                    <p:cond delay="0"/>
+                                  </p:stCondLst>
+                                  <p:childTnLst>
+                                    <p:set>
+                                      <p:cBhvr>
+                                        <p:cTn id="46" dur="1" fill="hold">
+                                          <p:stCondLst>
+                                            <p:cond delay="0"/>
+                                          </p:stCondLst>
+                                        </p:cTn>
+                                        <p:tgtEl>
+                                          <p:spTgt spid="34"/>
+                                        </p:tgtEl>
+                                        <p:attrNameLst>
+                                          <p:attrName>style.visibility</p:attrName>
+                                        </p:attrNameLst>
+                                      </p:cBhvr>
+                                      <p:to>
+                                        <p:strVal val="visible"/>
+                                      </p:to>
+                                    </p:set>
+                                  </p:childTnLst>
+                                </p:cTn>
+                              </p:par>
+                              <p:par>
+                                <p:cTn id="47" presetID="1" presetClass="entr" presetSubtype="0" fill="hold" grpId="0" nodeType="withEffect">
+                                  <p:stCondLst>
+                                    <p:cond delay="0"/>
+                                  </p:stCondLst>
+                                  <p:childTnLst>
+                                    <p:set>
+                                      <p:cBhvr>
+                                        <p:cTn id="48" dur="1" fill="hold">
+                                          <p:stCondLst>
+                                            <p:cond delay="0"/>
+                                          </p:stCondLst>
+                                        </p:cTn>
+                                        <p:tgtEl>
+                                          <p:spTgt spid="36"/>
+                                        </p:tgtEl>
+                                        <p:attrNameLst>
+                                          <p:attrName>style.visibility</p:attrName>
+                                        </p:attrNameLst>
+                                      </p:cBhvr>
+                                      <p:to>
+                                        <p:strVal val="visible"/>
+                                      </p:to>
+                                    </p:set>
+                                  </p:childTnLst>
+                                </p:cTn>
+                              </p:par>
+                              <p:par>
+                                <p:cTn id="49" presetID="1" presetClass="entr" presetSubtype="0" fill="hold" grpId="0" nodeType="withEffect">
+                                  <p:stCondLst>
+                                    <p:cond delay="0"/>
+                                  </p:stCondLst>
+                                  <p:childTnLst>
+                                    <p:set>
+                                      <p:cBhvr>
+                                        <p:cTn id="50" dur="1" fill="hold">
+                                          <p:stCondLst>
+                                            <p:cond delay="0"/>
+                                          </p:stCondLst>
+                                        </p:cTn>
+                                        <p:tgtEl>
+                                          <p:spTgt spid="37"/>
+                                        </p:tgtEl>
+                                        <p:attrNameLst>
+                                          <p:attrName>style.visibility</p:attrName>
+                                        </p:attrNameLst>
+                                      </p:cBhvr>
+                                      <p:to>
+                                        <p:strVal val="visible"/>
+                                      </p:to>
+                                    </p:set>
+                                  </p:childTnLst>
+                                </p:cTn>
+                              </p:par>
+                              <p:par>
+                                <p:cTn id="51" presetID="1" presetClass="entr" presetSubtype="0" fill="hold" grpId="0" nodeType="withEffect">
+                                  <p:stCondLst>
+                                    <p:cond delay="0"/>
+                                  </p:stCondLst>
+                                  <p:childTnLst>
+                                    <p:set>
+                                      <p:cBhvr>
+                                        <p:cTn id="52" dur="1" fill="hold">
+                                          <p:stCondLst>
+                                            <p:cond delay="0"/>
+                                          </p:stCondLst>
+                                        </p:cTn>
+                                        <p:tgtEl>
+                                          <p:spTgt spid="3"/>
+                                        </p:tgtEl>
+                                        <p:attrNameLst>
+                                          <p:attrName>style.visibility</p:attrName>
+                                        </p:attrNameLst>
+                                      </p:cBhvr>
+                                      <p:to>
+                                        <p:strVal val="visible"/>
+                                      </p:to>
+                                    </p:set>
+                                  </p:childTnLst>
+                                </p:cTn>
+                              </p:par>
+                              <p:par>
+                                <p:cTn id="53" presetID="1" presetClass="entr" presetSubtype="0" fill="hold" grpId="0" nodeType="withEffect">
+                                  <p:stCondLst>
+                                    <p:cond delay="0"/>
+                                  </p:stCondLst>
+                                  <p:childTnLst>
+                                    <p:set>
+                                      <p:cBhvr>
+                                        <p:cTn id="54" dur="1" fill="hold">
+                                          <p:stCondLst>
+                                            <p:cond delay="0"/>
+                                          </p:stCondLst>
+                                        </p:cTn>
+                                        <p:tgtEl>
+                                          <p:spTgt spid="10"/>
+                                        </p:tgtEl>
+                                        <p:attrNameLst>
+                                          <p:attrName>style.visibility</p:attrName>
+                                        </p:attrNameLst>
+                                      </p:cBhvr>
+                                      <p:to>
+                                        <p:strVal val="visible"/>
+                                      </p:to>
+                                    </p:set>
+                                  </p:childTnLst>
+                                </p:cTn>
+                              </p:par>
+                              <p:par>
+                                <p:cTn id="55" presetID="1" presetClass="entr" presetSubtype="0" fill="hold" grpId="0" nodeType="withEffect">
+                                  <p:stCondLst>
+                                    <p:cond delay="0"/>
+                                  </p:stCondLst>
+                                  <p:childTnLst>
+                                    <p:set>
+                                      <p:cBhvr>
+                                        <p:cTn id="56" dur="1" fill="hold">
+                                          <p:stCondLst>
+                                            <p:cond delay="0"/>
+                                          </p:stCondLst>
+                                        </p:cTn>
+                                        <p:tgtEl>
+                                          <p:spTgt spid="11"/>
+                                        </p:tgtEl>
+                                        <p:attrNameLst>
+                                          <p:attrName>style.visibility</p:attrName>
+                                        </p:attrNameLst>
+                                      </p:cBhvr>
+                                      <p:to>
+                                        <p:strVal val="visible"/>
+                                      </p:to>
+                                    </p:set>
+                                  </p:childTnLst>
+                                </p:cTn>
+                              </p:par>
+                            </p:childTnLst>
+                          </p:cTn>
+                        </p:par>
+                      </p:childTnLst>
+                    </p:cTn>
+                  </p:par>
+                  <p:par>
+                    <p:cTn id="57" fill="hold">
+                      <p:stCondLst>
+                        <p:cond delay="indefinite"/>
+                      </p:stCondLst>
+                      <p:childTnLst>
+                        <p:par>
+                          <p:cTn id="58" fill="hold">
+                            <p:stCondLst>
+                              <p:cond delay="0"/>
+                            </p:stCondLst>
+                            <p:childTnLst>
+                              <p:par>
+                                <p:cTn id="59" presetID="1" presetClass="entr" presetSubtype="0" fill="hold" grpId="0" nodeType="clickEffect">
+                                  <p:stCondLst>
+                                    <p:cond delay="0"/>
+                                  </p:stCondLst>
+                                  <p:childTnLst>
+                                    <p:set>
+                                      <p:cBhvr>
+                                        <p:cTn id="60" dur="1" fill="hold">
+                                          <p:stCondLst>
+                                            <p:cond delay="0"/>
+                                          </p:stCondLst>
+                                        </p:cTn>
+                                        <p:tgtEl>
+                                          <p:spTgt spid="15"/>
+                                        </p:tgtEl>
+                                        <p:attrNameLst>
+                                          <p:attrName>style.visibility</p:attrName>
+                                        </p:attrNameLst>
+                                      </p:cBhvr>
+                                      <p:to>
+                                        <p:strVal val="visible"/>
+                                      </p:to>
+                                    </p:set>
+                                  </p:childTnLst>
+                                </p:cTn>
+                              </p:par>
+                              <p:par>
+                                <p:cTn id="61" presetID="1" presetClass="entr" presetSubtype="0" fill="hold" grpId="0" nodeType="withEffect">
+                                  <p:stCondLst>
+                                    <p:cond delay="0"/>
+                                  </p:stCondLst>
+                                  <p:childTnLst>
+                                    <p:set>
+                                      <p:cBhvr>
+                                        <p:cTn id="62" dur="1" fill="hold">
+                                          <p:stCondLst>
+                                            <p:cond delay="0"/>
+                                          </p:stCondLst>
+                                        </p:cTn>
+                                        <p:tgtEl>
+                                          <p:spTgt spid="17"/>
+                                        </p:tgtEl>
+                                        <p:attrNameLst>
+                                          <p:attrName>style.visibility</p:attrName>
+                                        </p:attrNameLst>
+                                      </p:cBhvr>
+                                      <p:to>
+                                        <p:strVal val="visible"/>
+                                      </p:to>
+                                    </p:set>
+                                  </p:childTnLst>
+                                </p:cTn>
+                              </p:par>
+                              <p:par>
+                                <p:cTn id="63" presetID="1" presetClass="entr" presetSubtype="0" fill="hold" grpId="0" nodeType="withEffect">
+                                  <p:stCondLst>
+                                    <p:cond delay="0"/>
+                                  </p:stCondLst>
+                                  <p:childTnLst>
+                                    <p:set>
+                                      <p:cBhvr>
+                                        <p:cTn id="64" dur="1" fill="hold">
+                                          <p:stCondLst>
+                                            <p:cond delay="0"/>
+                                          </p:stCondLst>
+                                        </p:cTn>
+                                        <p:tgtEl>
+                                          <p:spTgt spid="19"/>
+                                        </p:tgtEl>
+                                        <p:attrNameLst>
+                                          <p:attrName>style.visibility</p:attrName>
+                                        </p:attrNameLst>
+                                      </p:cBhvr>
+                                      <p:to>
+                                        <p:strVal val="visible"/>
+                                      </p:to>
+                                    </p:set>
+                                  </p:childTnLst>
+                                </p:cTn>
+                              </p:par>
+                            </p:childTnLst>
+                          </p:cTn>
+                        </p:par>
+                      </p:childTnLst>
+                    </p:cTn>
+                  </p:par>
+                </p:childTnLst>
+              </p:cTn>
+              <p:prevCondLst>
+                <p:cond evt="onPrev" delay="0">
+                  <p:tgtEl>
+                    <p:sldTgt/>
+                  </p:tgtEl>
+                </p:cond>
+              </p:prevCondLst>
+              <p:nextCondLst>
+                <p:cond evt="onNext" delay="0">
+                  <p:tgtEl>
+                    <p:sldTgt/>
+                  </p:tgtEl>
+                </p:cond>
+              </p:nextCondLst>
+            </p:seq>
+          </p:childTnLst>
+        </p:cTn>
+      </p:par>
+    </p:tnLst>
+    <p:bldLst>
+      <p:bldP spid="19" grpId="0" animBg="1"/>
+      <p:bldP spid="17" grpId="0" animBg="1"/>
+      <p:bldP spid="15" grpId="0" animBg="1"/>
+      <p:bldP spid="4" grpId="0" animBg="1"/>
+      <p:bldP spid="5" grpId="0" animBg="1"/>
+      <p:bldP spid="6" grpId="0" animBg="1"/>
+      <p:bldP spid="7" grpId="0" animBg="1"/>
+      <p:bldP spid="8" grpId="0" animBg="1"/>
+      <p:bldP spid="9" grpId="0" animBg="1"/>
+      <p:bldP spid="31" grpId="0"/>
+      <p:bldP spid="32" grpId="0"/>
+      <p:bldP spid="33" grpId="0"/>
+      <p:bldP spid="34" grpId="0"/>
+      <p:bldP spid="36" grpId="0"/>
+      <p:bldP spid="37" grpId="0"/>
+      <p:bldP spid="3" grpId="0"/>
+      <p:bldP spid="10" grpId="0"/>
+      <p:bldP spid="11" grpId="0"/>
+      <p:bldP spid="13" grpId="0"/>
+    </p:bldLst>
+  </p:timing>
 </p:sld>
 </file>
 
@@ -10326,7 +15376,7 @@
           <p:cNvPr id="2" name="Title 1">
             <a:extLst>
               <a:ext uri="{FF2B5EF4-FFF2-40B4-BE49-F238E27FC236}">
-                <a16:creationId xmlns:a16="http://schemas.microsoft.com/office/drawing/2014/main" id="{D752456A-CA8B-7A49-AD60-D333B7F0FE85}"/>
+                <a16:creationId xmlns:a16="http://schemas.microsoft.com/office/drawing/2014/main" id="{C9A75F1D-FE16-4543-955B-3891D3B744CF}"/>
               </a:ext>
             </a:extLst>
           </p:cNvPr>
@@ -10344,7 +15394,75 @@
           <a:p>
             <a:r>
               <a:rPr lang="en-US" dirty="0"/>
-              <a:t>final allocation</a:t>
+              <a:t>Results of </a:t>
+            </a:r>
+            <a:r>
+              <a:rPr lang="en-US" dirty="0" err="1"/>
+              <a:t>mwbm</a:t>
+            </a:r>
+            <a:endParaRPr lang="en-US" dirty="0"/>
+          </a:p>
+        </p:txBody>
+      </p:sp>
+      <p:sp>
+        <p:nvSpPr>
+          <p:cNvPr id="3" name="Content Placeholder 2">
+            <a:extLst>
+              <a:ext uri="{FF2B5EF4-FFF2-40B4-BE49-F238E27FC236}">
+                <a16:creationId xmlns:a16="http://schemas.microsoft.com/office/drawing/2014/main" id="{9703E16B-914F-9343-A646-9A067232CFFA}"/>
+              </a:ext>
+            </a:extLst>
+          </p:cNvPr>
+          <p:cNvSpPr>
+            <a:spLocks noGrp="1"/>
+          </p:cNvSpPr>
+          <p:nvPr>
+            <p:ph idx="1"/>
+          </p:nvPr>
+        </p:nvSpPr>
+        <p:spPr>
+          <a:xfrm>
+            <a:off x="2229738" y="4820479"/>
+            <a:ext cx="7731126" cy="1128270"/>
+          </a:xfrm>
+        </p:spPr>
+        <p:txBody>
+          <a:bodyPr>
+            <a:normAutofit fontScale="92500"/>
+          </a:bodyPr>
+          <a:lstStyle/>
+          <a:p>
+            <a:r>
+              <a:rPr lang="en-US" dirty="0"/>
+              <a:t>The maximum weighted bipartite matching ensures </a:t>
+            </a:r>
+            <a:r>
+              <a:rPr lang="en-US" b="1" i="1" dirty="0"/>
+              <a:t>fairness</a:t>
+            </a:r>
+            <a:r>
+              <a:rPr lang="en-US" dirty="0"/>
+              <a:t> of room allocation.</a:t>
+            </a:r>
+          </a:p>
+          <a:p>
+            <a:r>
+              <a:rPr lang="en-US" dirty="0"/>
+              <a:t>The sum of allotted prices exceeds the total rent.</a:t>
+            </a:r>
+          </a:p>
+          <a:p>
+            <a:r>
+              <a:rPr lang="en-US" dirty="0"/>
+              <a:t>A linear optimization is done using </a:t>
+            </a:r>
+            <a:r>
+              <a:rPr lang="en-US" dirty="0" err="1"/>
+              <a:t>scipy.optimize</a:t>
+            </a:r>
+            <a:r>
+              <a:rPr lang="en-US" dirty="0"/>
+              <a:t>() which uses the simplex method.</a:t>
             </a:r>
           </a:p>
         </p:txBody>
@@ -10354,25 +15472,24 @@
           <p:cNvPr id="4" name="Content Placeholder 3">
             <a:extLst>
               <a:ext uri="{FF2B5EF4-FFF2-40B4-BE49-F238E27FC236}">
-                <a16:creationId xmlns:a16="http://schemas.microsoft.com/office/drawing/2014/main" id="{9062F77D-3103-E240-82E5-A70597554051}"/>
+                <a16:creationId xmlns:a16="http://schemas.microsoft.com/office/drawing/2014/main" id="{CD43084F-D993-B342-96B6-DF19B14ED7FF}"/>
               </a:ext>
             </a:extLst>
           </p:cNvPr>
           <p:cNvGraphicFramePr>
-            <a:graphicFrameLocks noGrp="1"/>
+            <a:graphicFrameLocks/>
           </p:cNvGraphicFramePr>
           <p:nvPr>
-            <p:ph idx="1"/>
             <p:extLst>
               <p:ext uri="{D42A27DB-BD31-4B8C-83A1-F6EECF244321}">
-                <p14:modId xmlns:p14="http://schemas.microsoft.com/office/powerpoint/2010/main" val="1362486496"/>
+                <p14:modId xmlns:p14="http://schemas.microsoft.com/office/powerpoint/2010/main" val="2674455610"/>
               </p:ext>
             </p:extLst>
           </p:nvPr>
         </p:nvGraphicFramePr>
         <p:xfrm>
-          <a:off x="2230437" y="2920527"/>
-          <a:ext cx="7731126" cy="1483360"/>
+          <a:off x="2229738" y="2638044"/>
+          <a:ext cx="7731126" cy="1854200"/>
         </p:xfrm>
         <a:graphic>
           <a:graphicData uri="http://schemas.openxmlformats.org/drawingml/2006/table">
@@ -10489,7 +15606,7 @@
                       <a:pPr algn="ctr"/>
                       <a:r>
                         <a:rPr lang="en-US" dirty="0"/>
-                        <a:t>396.67</a:t>
+                        <a:t>470.0</a:t>
                       </a:r>
                     </a:p>
                   </a:txBody>
@@ -10538,7 +15655,7 @@
                       <a:pPr algn="ctr"/>
                       <a:r>
                         <a:rPr lang="en-US" dirty="0"/>
-                        <a:t>276.67</a:t>
+                        <a:t>350.0</a:t>
                       </a:r>
                     </a:p>
                   </a:txBody>
@@ -10587,7 +15704,7 @@
                       <a:pPr algn="ctr"/>
                       <a:r>
                         <a:rPr lang="en-US" dirty="0"/>
-                        <a:t>326.67</a:t>
+                        <a:t>400.0</a:t>
                       </a:r>
                     </a:p>
                   </a:txBody>
@@ -10599,52 +15716,291 @@
                   </a:ext>
                 </a:extLst>
               </a:tr>
+              <a:tr h="370840">
+                <a:tc>
+                  <a:txBody>
+                    <a:bodyPr/>
+                    <a:lstStyle/>
+                    <a:p>
+                      <a:pPr algn="ctr"/>
+                      <a:endParaRPr lang="en-US" dirty="0"/>
+                    </a:p>
+                  </a:txBody>
+                  <a:tcPr/>
+                </a:tc>
+                <a:tc>
+                  <a:txBody>
+                    <a:bodyPr/>
+                    <a:lstStyle/>
+                    <a:p>
+                      <a:pPr algn="ctr"/>
+                      <a:r>
+                        <a:rPr lang="en-US" dirty="0"/>
+                        <a:t>Total Rent</a:t>
+                      </a:r>
+                    </a:p>
+                  </a:txBody>
+                  <a:tcPr/>
+                </a:tc>
+                <a:tc>
+                  <a:txBody>
+                    <a:bodyPr/>
+                    <a:lstStyle/>
+                    <a:p>
+                      <a:pPr algn="ctr"/>
+                      <a:r>
+                        <a:rPr lang="en-US" dirty="0"/>
+                        <a:t>1220.0</a:t>
+                      </a:r>
+                    </a:p>
+                  </a:txBody>
+                  <a:tcPr/>
+                </a:tc>
+                <a:extLst>
+                  <a:ext uri="{0D108BD9-81ED-4DB2-BD59-A6C34878D82A}">
+                    <a16:rowId xmlns:a16="http://schemas.microsoft.com/office/drawing/2014/main" val="3830047239"/>
+                  </a:ext>
+                </a:extLst>
+              </a:tr>
             </a:tbl>
           </a:graphicData>
         </a:graphic>
       </p:graphicFrame>
-      <p:sp>
-        <p:nvSpPr>
-          <p:cNvPr id="5" name="TextBox 4">
-            <a:extLst>
-              <a:ext uri="{FF2B5EF4-FFF2-40B4-BE49-F238E27FC236}">
-                <a16:creationId xmlns:a16="http://schemas.microsoft.com/office/drawing/2014/main" id="{8FDD2D2D-BED5-BD48-AA61-073FCB21DC81}"/>
-              </a:ext>
-            </a:extLst>
-          </p:cNvPr>
-          <p:cNvSpPr txBox="1"/>
-          <p:nvPr/>
-        </p:nvSpPr>
-        <p:spPr>
-          <a:xfrm>
-            <a:off x="1099226" y="1692613"/>
-            <a:ext cx="184731" cy="369332"/>
-          </a:xfrm>
-          <a:prstGeom prst="rect">
-            <a:avLst/>
-          </a:prstGeom>
-          <a:noFill/>
-        </p:spPr>
-        <p:txBody>
-          <a:bodyPr wrap="none" rtlCol="0">
-            <a:spAutoFit/>
-          </a:bodyPr>
-          <a:lstStyle/>
-          <a:p>
-            <a:endParaRPr lang="en-US"/>
-          </a:p>
-        </p:txBody>
-      </p:sp>
     </p:spTree>
     <p:extLst>
       <p:ext uri="{BB962C8B-B14F-4D97-AF65-F5344CB8AC3E}">
-        <p14:creationId xmlns:p14="http://schemas.microsoft.com/office/powerpoint/2010/main" val="3334310483"/>
+        <p14:creationId xmlns:p14="http://schemas.microsoft.com/office/powerpoint/2010/main" val="3541993404"/>
       </p:ext>
     </p:extLst>
   </p:cSld>
   <p:clrMapOvr>
     <a:masterClrMapping/>
   </p:clrMapOvr>
+  <p:timing>
+    <p:tnLst>
+      <p:par>
+        <p:cTn id="1" dur="indefinite" restart="never" nodeType="tmRoot">
+          <p:childTnLst>
+            <p:seq concurrent="1" nextAc="seek">
+              <p:cTn id="2" dur="indefinite" nodeType="mainSeq">
+                <p:childTnLst>
+                  <p:par>
+                    <p:cTn id="3" fill="hold">
+                      <p:stCondLst>
+                        <p:cond delay="indefinite"/>
+                      </p:stCondLst>
+                      <p:childTnLst>
+                        <p:par>
+                          <p:cTn id="4" fill="hold">
+                            <p:stCondLst>
+                              <p:cond delay="0"/>
+                            </p:stCondLst>
+                            <p:childTnLst>
+                              <p:par>
+                                <p:cTn id="5" presetID="1" presetClass="entr" presetSubtype="0" fill="hold" nodeType="clickEffect">
+                                  <p:stCondLst>
+                                    <p:cond delay="0"/>
+                                  </p:stCondLst>
+                                  <p:childTnLst>
+                                    <p:set>
+                                      <p:cBhvr>
+                                        <p:cTn id="6" dur="1" fill="hold">
+                                          <p:stCondLst>
+                                            <p:cond delay="0"/>
+                                          </p:stCondLst>
+                                        </p:cTn>
+                                        <p:tgtEl>
+                                          <p:spTgt spid="4"/>
+                                        </p:tgtEl>
+                                        <p:attrNameLst>
+                                          <p:attrName>style.visibility</p:attrName>
+                                        </p:attrNameLst>
+                                      </p:cBhvr>
+                                      <p:to>
+                                        <p:strVal val="visible"/>
+                                      </p:to>
+                                    </p:set>
+                                  </p:childTnLst>
+                                </p:cTn>
+                              </p:par>
+                            </p:childTnLst>
+                          </p:cTn>
+                        </p:par>
+                      </p:childTnLst>
+                    </p:cTn>
+                  </p:par>
+                  <p:par>
+                    <p:cTn id="7" fill="hold">
+                      <p:stCondLst>
+                        <p:cond delay="indefinite"/>
+                      </p:stCondLst>
+                      <p:childTnLst>
+                        <p:par>
+                          <p:cTn id="8" fill="hold">
+                            <p:stCondLst>
+                              <p:cond delay="0"/>
+                            </p:stCondLst>
+                            <p:childTnLst>
+                              <p:par>
+                                <p:cTn id="9" presetID="1" presetClass="entr" presetSubtype="0" fill="hold" grpId="0" nodeType="clickEffect">
+                                  <p:stCondLst>
+                                    <p:cond delay="0"/>
+                                  </p:stCondLst>
+                                  <p:childTnLst>
+                                    <p:set>
+                                      <p:cBhvr>
+                                        <p:cTn id="10" dur="1" fill="hold">
+                                          <p:stCondLst>
+                                            <p:cond delay="0"/>
+                                          </p:stCondLst>
+                                        </p:cTn>
+                                        <p:tgtEl>
+                                          <p:spTgt spid="3">
+                                            <p:txEl>
+                                              <p:pRg st="0" end="0"/>
+                                            </p:txEl>
+                                          </p:spTgt>
+                                        </p:tgtEl>
+                                        <p:attrNameLst>
+                                          <p:attrName>style.visibility</p:attrName>
+                                        </p:attrNameLst>
+                                      </p:cBhvr>
+                                      <p:to>
+                                        <p:strVal val="visible"/>
+                                      </p:to>
+                                    </p:set>
+                                  </p:childTnLst>
+                                </p:cTn>
+                              </p:par>
+                            </p:childTnLst>
+                          </p:cTn>
+                        </p:par>
+                      </p:childTnLst>
+                    </p:cTn>
+                  </p:par>
+                  <p:par>
+                    <p:cTn id="11" fill="hold">
+                      <p:stCondLst>
+                        <p:cond delay="indefinite"/>
+                      </p:stCondLst>
+                      <p:childTnLst>
+                        <p:par>
+                          <p:cTn id="12" fill="hold">
+                            <p:stCondLst>
+                              <p:cond delay="0"/>
+                            </p:stCondLst>
+                            <p:childTnLst>
+                              <p:par>
+                                <p:cTn id="13" presetID="1" presetClass="entr" presetSubtype="0" fill="hold" grpId="0" nodeType="clickEffect">
+                                  <p:stCondLst>
+                                    <p:cond delay="0"/>
+                                  </p:stCondLst>
+                                  <p:childTnLst>
+                                    <p:set>
+                                      <p:cBhvr>
+                                        <p:cTn id="14" dur="1" fill="hold">
+                                          <p:stCondLst>
+                                            <p:cond delay="0"/>
+                                          </p:stCondLst>
+                                        </p:cTn>
+                                        <p:tgtEl>
+                                          <p:spTgt spid="3">
+                                            <p:txEl>
+                                              <p:pRg st="1" end="1"/>
+                                            </p:txEl>
+                                          </p:spTgt>
+                                        </p:tgtEl>
+                                        <p:attrNameLst>
+                                          <p:attrName>style.visibility</p:attrName>
+                                        </p:attrNameLst>
+                                      </p:cBhvr>
+                                      <p:to>
+                                        <p:strVal val="visible"/>
+                                      </p:to>
+                                    </p:set>
+                                  </p:childTnLst>
+                                </p:cTn>
+                              </p:par>
+                            </p:childTnLst>
+                          </p:cTn>
+                        </p:par>
+                      </p:childTnLst>
+                    </p:cTn>
+                  </p:par>
+                  <p:par>
+                    <p:cTn id="15" fill="hold">
+                      <p:stCondLst>
+                        <p:cond delay="indefinite"/>
+                      </p:stCondLst>
+                      <p:childTnLst>
+                        <p:par>
+                          <p:cTn id="16" fill="hold">
+                            <p:stCondLst>
+                              <p:cond delay="0"/>
+                            </p:stCondLst>
+                            <p:childTnLst>
+                              <p:par>
+                                <p:cTn id="17" presetID="1" presetClass="entr" presetSubtype="0" fill="hold" grpId="0" nodeType="clickEffect">
+                                  <p:stCondLst>
+                                    <p:cond delay="0"/>
+                                  </p:stCondLst>
+                                  <p:childTnLst>
+                                    <p:set>
+                                      <p:cBhvr>
+                                        <p:cTn id="18" dur="1" fill="hold">
+                                          <p:stCondLst>
+                                            <p:cond delay="0"/>
+                                          </p:stCondLst>
+                                        </p:cTn>
+                                        <p:tgtEl>
+                                          <p:spTgt spid="3">
+                                            <p:txEl>
+                                              <p:pRg st="2" end="2"/>
+                                            </p:txEl>
+                                          </p:spTgt>
+                                        </p:tgtEl>
+                                        <p:attrNameLst>
+                                          <p:attrName>style.visibility</p:attrName>
+                                        </p:attrNameLst>
+                                      </p:cBhvr>
+                                      <p:to>
+                                        <p:strVal val="visible"/>
+                                      </p:to>
+                                    </p:set>
+                                  </p:childTnLst>
+                                </p:cTn>
+                              </p:par>
+                            </p:childTnLst>
+                          </p:cTn>
+                        </p:par>
+                      </p:childTnLst>
+                    </p:cTn>
+                  </p:par>
+                </p:childTnLst>
+              </p:cTn>
+              <p:prevCondLst>
+                <p:cond evt="onPrev" delay="0">
+                  <p:tgtEl>
+                    <p:sldTgt/>
+                  </p:tgtEl>
+                </p:cond>
+              </p:prevCondLst>
+              <p:nextCondLst>
+                <p:cond evt="onNext" delay="0">
+                  <p:tgtEl>
+                    <p:sldTgt/>
+                  </p:tgtEl>
+                </p:cond>
+              </p:nextCondLst>
+            </p:seq>
+          </p:childTnLst>
+        </p:cTn>
+      </p:par>
+    </p:tnLst>
+    <p:bldLst>
+      <p:bldP spid="3" grpId="0" build="p"/>
+    </p:bldLst>
+  </p:timing>
 </p:sld>
 </file>
 
@@ -10670,7 +16026,7 @@
           <p:cNvPr id="2" name="Title 1">
             <a:extLst>
               <a:ext uri="{FF2B5EF4-FFF2-40B4-BE49-F238E27FC236}">
-                <a16:creationId xmlns:a16="http://schemas.microsoft.com/office/drawing/2014/main" id="{DD9E1A25-0A69-D846-8BFE-0A3201ECBAEC}"/>
+                <a16:creationId xmlns:a16="http://schemas.microsoft.com/office/drawing/2014/main" id="{C9A75F1D-FE16-4543-955B-3891D3B744CF}"/>
               </a:ext>
             </a:extLst>
           </p:cNvPr>
@@ -10686,7 +16042,10 @@
           <a:bodyPr/>
           <a:lstStyle/>
           <a:p>
-            <a:endParaRPr lang="en-US"/>
+            <a:r>
+              <a:rPr lang="en-US" dirty="0"/>
+              <a:t>Results of linear optimization</a:t>
+            </a:r>
           </a:p>
         </p:txBody>
       </p:sp>
@@ -10695,7 +16054,7 @@
           <p:cNvPr id="3" name="Content Placeholder 2">
             <a:extLst>
               <a:ext uri="{FF2B5EF4-FFF2-40B4-BE49-F238E27FC236}">
-                <a16:creationId xmlns:a16="http://schemas.microsoft.com/office/drawing/2014/main" id="{12C897BF-5B62-B147-B635-504C20DE1A14}"/>
+                <a16:creationId xmlns:a16="http://schemas.microsoft.com/office/drawing/2014/main" id="{9703E16B-914F-9343-A646-9A067232CFFA}"/>
               </a:ext>
             </a:extLst>
           </p:cNvPr>
@@ -10706,25 +16065,665 @@
             <p:ph idx="1"/>
           </p:nvPr>
         </p:nvSpPr>
-        <p:spPr/>
+        <p:spPr>
+          <a:xfrm>
+            <a:off x="2229738" y="4820479"/>
+            <a:ext cx="7731126" cy="1128270"/>
+          </a:xfrm>
+        </p:spPr>
         <p:txBody>
           <a:bodyPr/>
           <a:lstStyle/>
           <a:p>
-            <a:endParaRPr lang="en-US"/>
+            <a:r>
+              <a:rPr lang="en-US" dirty="0"/>
+              <a:t>The result of linear optimization is not envy-free, evidently.</a:t>
+            </a:r>
+          </a:p>
+          <a:p>
+            <a:r>
+              <a:rPr lang="en-US" dirty="0"/>
+              <a:t>The envy-freeness algorithm is used to find the final price.</a:t>
+            </a:r>
           </a:p>
         </p:txBody>
       </p:sp>
+      <p:graphicFrame>
+        <p:nvGraphicFramePr>
+          <p:cNvPr id="4" name="Content Placeholder 3">
+            <a:extLst>
+              <a:ext uri="{FF2B5EF4-FFF2-40B4-BE49-F238E27FC236}">
+                <a16:creationId xmlns:a16="http://schemas.microsoft.com/office/drawing/2014/main" id="{CD43084F-D993-B342-96B6-DF19B14ED7FF}"/>
+              </a:ext>
+            </a:extLst>
+          </p:cNvPr>
+          <p:cNvGraphicFramePr>
+            <a:graphicFrameLocks/>
+          </p:cNvGraphicFramePr>
+          <p:nvPr>
+            <p:extLst>
+              <p:ext uri="{D42A27DB-BD31-4B8C-83A1-F6EECF244321}">
+                <p14:modId xmlns:p14="http://schemas.microsoft.com/office/powerpoint/2010/main" val="1768397804"/>
+              </p:ext>
+            </p:extLst>
+          </p:nvPr>
+        </p:nvGraphicFramePr>
+        <p:xfrm>
+          <a:off x="2229738" y="2638044"/>
+          <a:ext cx="7731130" cy="1854200"/>
+        </p:xfrm>
+        <a:graphic>
+          <a:graphicData uri="http://schemas.openxmlformats.org/drawingml/2006/table">
+            <a:tbl>
+              <a:tblPr firstRow="1" bandRow="1">
+                <a:tableStyleId>{21E4AEA4-8DFA-4A89-87EB-49C32662AFE0}</a:tableStyleId>
+              </a:tblPr>
+              <a:tblGrid>
+                <a:gridCol w="1277391">
+                  <a:extLst>
+                    <a:ext uri="{9D8B030D-6E8A-4147-A177-3AD203B41FA5}">
+                      <a16:colId xmlns:a16="http://schemas.microsoft.com/office/drawing/2014/main" val="4124667606"/>
+                    </a:ext>
+                  </a:extLst>
+                </a:gridCol>
+                <a:gridCol w="1412112">
+                  <a:extLst>
+                    <a:ext uri="{9D8B030D-6E8A-4147-A177-3AD203B41FA5}">
+                      <a16:colId xmlns:a16="http://schemas.microsoft.com/office/drawing/2014/main" val="3870526257"/>
+                    </a:ext>
+                  </a:extLst>
+                </a:gridCol>
+                <a:gridCol w="2176040">
+                  <a:extLst>
+                    <a:ext uri="{9D8B030D-6E8A-4147-A177-3AD203B41FA5}">
+                      <a16:colId xmlns:a16="http://schemas.microsoft.com/office/drawing/2014/main" val="3014332179"/>
+                    </a:ext>
+                  </a:extLst>
+                </a:gridCol>
+                <a:gridCol w="1319361">
+                  <a:extLst>
+                    <a:ext uri="{9D8B030D-6E8A-4147-A177-3AD203B41FA5}">
+                      <a16:colId xmlns:a16="http://schemas.microsoft.com/office/drawing/2014/main" val="673473217"/>
+                    </a:ext>
+                  </a:extLst>
+                </a:gridCol>
+                <a:gridCol w="1546226">
+                  <a:extLst>
+                    <a:ext uri="{9D8B030D-6E8A-4147-A177-3AD203B41FA5}">
+                      <a16:colId xmlns:a16="http://schemas.microsoft.com/office/drawing/2014/main" val="4116250911"/>
+                    </a:ext>
+                  </a:extLst>
+                </a:gridCol>
+              </a:tblGrid>
+              <a:tr h="370840">
+                <a:tc>
+                  <a:txBody>
+                    <a:bodyPr/>
+                    <a:lstStyle/>
+                    <a:p>
+                      <a:pPr algn="ctr"/>
+                      <a:r>
+                        <a:rPr lang="en-US" dirty="0"/>
+                        <a:t>Person</a:t>
+                      </a:r>
+                    </a:p>
+                  </a:txBody>
+                  <a:tcPr/>
+                </a:tc>
+                <a:tc>
+                  <a:txBody>
+                    <a:bodyPr/>
+                    <a:lstStyle/>
+                    <a:p>
+                      <a:pPr algn="ctr"/>
+                      <a:r>
+                        <a:rPr lang="en-US" dirty="0"/>
+                        <a:t>Room</a:t>
+                      </a:r>
+                    </a:p>
+                  </a:txBody>
+                  <a:tcPr/>
+                </a:tc>
+                <a:tc>
+                  <a:txBody>
+                    <a:bodyPr/>
+                    <a:lstStyle/>
+                    <a:p>
+                      <a:pPr algn="ctr"/>
+                      <a:r>
+                        <a:rPr lang="en-US" dirty="0"/>
+                        <a:t>Price of  Valuation</a:t>
+                      </a:r>
+                    </a:p>
+                  </a:txBody>
+                  <a:tcPr/>
+                </a:tc>
+                <a:tc>
+                  <a:txBody>
+                    <a:bodyPr/>
+                    <a:lstStyle/>
+                    <a:p>
+                      <a:pPr algn="ctr"/>
+                      <a:r>
+                        <a:rPr lang="en-US" dirty="0"/>
+                        <a:t>Final Rent</a:t>
+                      </a:r>
+                    </a:p>
+                  </a:txBody>
+                  <a:tcPr/>
+                </a:tc>
+                <a:tc>
+                  <a:txBody>
+                    <a:bodyPr/>
+                    <a:lstStyle/>
+                    <a:p>
+                      <a:pPr algn="ctr"/>
+                      <a:r>
+                        <a:rPr lang="en-US" dirty="0"/>
+                        <a:t>Utility</a:t>
+                      </a:r>
+                    </a:p>
+                  </a:txBody>
+                  <a:tcPr/>
+                </a:tc>
+                <a:extLst>
+                  <a:ext uri="{0D108BD9-81ED-4DB2-BD59-A6C34878D82A}">
+                    <a16:rowId xmlns:a16="http://schemas.microsoft.com/office/drawing/2014/main" val="103007724"/>
+                  </a:ext>
+                </a:extLst>
+              </a:tr>
+              <a:tr h="370840">
+                <a:tc>
+                  <a:txBody>
+                    <a:bodyPr/>
+                    <a:lstStyle/>
+                    <a:p>
+                      <a:pPr algn="ctr"/>
+                      <a:r>
+                        <a:rPr lang="en-US" dirty="0"/>
+                        <a:t>Alice</a:t>
+                      </a:r>
+                    </a:p>
+                  </a:txBody>
+                  <a:tcPr/>
+                </a:tc>
+                <a:tc>
+                  <a:txBody>
+                    <a:bodyPr/>
+                    <a:lstStyle/>
+                    <a:p>
+                      <a:pPr algn="ctr"/>
+                      <a:r>
+                        <a:rPr lang="en-US" dirty="0"/>
+                        <a:t>2</a:t>
+                      </a:r>
+                    </a:p>
+                  </a:txBody>
+                  <a:tcPr/>
+                </a:tc>
+                <a:tc>
+                  <a:txBody>
+                    <a:bodyPr/>
+                    <a:lstStyle/>
+                    <a:p>
+                      <a:pPr algn="ctr"/>
+                      <a:r>
+                        <a:rPr lang="en-US" dirty="0"/>
+                        <a:t>470</a:t>
+                      </a:r>
+                    </a:p>
+                  </a:txBody>
+                  <a:tcPr/>
+                </a:tc>
+                <a:tc>
+                  <a:txBody>
+                    <a:bodyPr/>
+                    <a:lstStyle/>
+                    <a:p>
+                      <a:pPr algn="ctr"/>
+                      <a:r>
+                        <a:rPr lang="en-US" dirty="0"/>
+                        <a:t>450</a:t>
+                      </a:r>
+                    </a:p>
+                  </a:txBody>
+                  <a:tcPr/>
+                </a:tc>
+                <a:tc>
+                  <a:txBody>
+                    <a:bodyPr/>
+                    <a:lstStyle/>
+                    <a:p>
+                      <a:pPr algn="ctr"/>
+                      <a:r>
+                        <a:rPr lang="en-US" dirty="0"/>
+                        <a:t>20</a:t>
+                      </a:r>
+                    </a:p>
+                  </a:txBody>
+                  <a:tcPr/>
+                </a:tc>
+                <a:extLst>
+                  <a:ext uri="{0D108BD9-81ED-4DB2-BD59-A6C34878D82A}">
+                    <a16:rowId xmlns:a16="http://schemas.microsoft.com/office/drawing/2014/main" val="1792344990"/>
+                  </a:ext>
+                </a:extLst>
+              </a:tr>
+              <a:tr h="370840">
+                <a:tc>
+                  <a:txBody>
+                    <a:bodyPr/>
+                    <a:lstStyle/>
+                    <a:p>
+                      <a:pPr algn="ctr"/>
+                      <a:r>
+                        <a:rPr lang="en-US" dirty="0"/>
+                        <a:t>Bob</a:t>
+                      </a:r>
+                    </a:p>
+                  </a:txBody>
+                  <a:tcPr/>
+                </a:tc>
+                <a:tc>
+                  <a:txBody>
+                    <a:bodyPr/>
+                    <a:lstStyle/>
+                    <a:p>
+                      <a:pPr algn="ctr"/>
+                      <a:r>
+                        <a:rPr lang="en-US" dirty="0"/>
+                        <a:t>1</a:t>
+                      </a:r>
+                    </a:p>
+                  </a:txBody>
+                  <a:tcPr/>
+                </a:tc>
+                <a:tc>
+                  <a:txBody>
+                    <a:bodyPr/>
+                    <a:lstStyle/>
+                    <a:p>
+                      <a:pPr algn="ctr"/>
+                      <a:r>
+                        <a:rPr lang="en-US" dirty="0"/>
+                        <a:t>350</a:t>
+                      </a:r>
+                    </a:p>
+                  </a:txBody>
+                  <a:tcPr/>
+                </a:tc>
+                <a:tc>
+                  <a:txBody>
+                    <a:bodyPr/>
+                    <a:lstStyle/>
+                    <a:p>
+                      <a:pPr algn="ctr"/>
+                      <a:r>
+                        <a:rPr lang="en-US" dirty="0"/>
+                        <a:t>350</a:t>
+                      </a:r>
+                    </a:p>
+                  </a:txBody>
+                  <a:tcPr/>
+                </a:tc>
+                <a:tc>
+                  <a:txBody>
+                    <a:bodyPr/>
+                    <a:lstStyle/>
+                    <a:p>
+                      <a:pPr algn="ctr"/>
+                      <a:r>
+                        <a:rPr lang="en-US" dirty="0"/>
+                        <a:t>0</a:t>
+                      </a:r>
+                    </a:p>
+                  </a:txBody>
+                  <a:tcPr/>
+                </a:tc>
+                <a:extLst>
+                  <a:ext uri="{0D108BD9-81ED-4DB2-BD59-A6C34878D82A}">
+                    <a16:rowId xmlns:a16="http://schemas.microsoft.com/office/drawing/2014/main" val="3283769993"/>
+                  </a:ext>
+                </a:extLst>
+              </a:tr>
+              <a:tr h="370840">
+                <a:tc>
+                  <a:txBody>
+                    <a:bodyPr/>
+                    <a:lstStyle/>
+                    <a:p>
+                      <a:pPr algn="ctr"/>
+                      <a:r>
+                        <a:rPr lang="en-US" dirty="0"/>
+                        <a:t> Claire</a:t>
+                      </a:r>
+                    </a:p>
+                  </a:txBody>
+                  <a:tcPr/>
+                </a:tc>
+                <a:tc>
+                  <a:txBody>
+                    <a:bodyPr/>
+                    <a:lstStyle/>
+                    <a:p>
+                      <a:pPr algn="ctr"/>
+                      <a:r>
+                        <a:rPr lang="en-US" dirty="0"/>
+                        <a:t>3</a:t>
+                      </a:r>
+                    </a:p>
+                  </a:txBody>
+                  <a:tcPr/>
+                </a:tc>
+                <a:tc>
+                  <a:txBody>
+                    <a:bodyPr/>
+                    <a:lstStyle/>
+                    <a:p>
+                      <a:pPr algn="ctr"/>
+                      <a:r>
+                        <a:rPr lang="en-US" dirty="0"/>
+                        <a:t>400</a:t>
+                      </a:r>
+                    </a:p>
+                  </a:txBody>
+                  <a:tcPr/>
+                </a:tc>
+                <a:tc>
+                  <a:txBody>
+                    <a:bodyPr/>
+                    <a:lstStyle/>
+                    <a:p>
+                      <a:pPr algn="ctr"/>
+                      <a:r>
+                        <a:rPr lang="en-US" dirty="0"/>
+                        <a:t>200</a:t>
+                      </a:r>
+                    </a:p>
+                  </a:txBody>
+                  <a:tcPr/>
+                </a:tc>
+                <a:tc>
+                  <a:txBody>
+                    <a:bodyPr/>
+                    <a:lstStyle/>
+                    <a:p>
+                      <a:pPr algn="ctr"/>
+                      <a:r>
+                        <a:rPr lang="en-US" dirty="0"/>
+                        <a:t>200</a:t>
+                      </a:r>
+                    </a:p>
+                  </a:txBody>
+                  <a:tcPr/>
+                </a:tc>
+                <a:extLst>
+                  <a:ext uri="{0D108BD9-81ED-4DB2-BD59-A6C34878D82A}">
+                    <a16:rowId xmlns:a16="http://schemas.microsoft.com/office/drawing/2014/main" val="509887948"/>
+                  </a:ext>
+                </a:extLst>
+              </a:tr>
+              <a:tr h="370840">
+                <a:tc>
+                  <a:txBody>
+                    <a:bodyPr/>
+                    <a:lstStyle/>
+                    <a:p>
+                      <a:pPr algn="ctr"/>
+                      <a:endParaRPr lang="en-US" dirty="0"/>
+                    </a:p>
+                  </a:txBody>
+                  <a:tcPr/>
+                </a:tc>
+                <a:tc>
+                  <a:txBody>
+                    <a:bodyPr/>
+                    <a:lstStyle/>
+                    <a:p>
+                      <a:pPr algn="ctr"/>
+                      <a:r>
+                        <a:rPr lang="en-US" dirty="0"/>
+                        <a:t>Total Rent</a:t>
+                      </a:r>
+                    </a:p>
+                  </a:txBody>
+                  <a:tcPr/>
+                </a:tc>
+                <a:tc>
+                  <a:txBody>
+                    <a:bodyPr/>
+                    <a:lstStyle/>
+                    <a:p>
+                      <a:pPr algn="ctr"/>
+                      <a:r>
+                        <a:rPr lang="en-US" dirty="0"/>
+                        <a:t>1220</a:t>
+                      </a:r>
+                    </a:p>
+                  </a:txBody>
+                  <a:tcPr/>
+                </a:tc>
+                <a:tc>
+                  <a:txBody>
+                    <a:bodyPr/>
+                    <a:lstStyle/>
+                    <a:p>
+                      <a:pPr algn="ctr"/>
+                      <a:r>
+                        <a:rPr lang="en-US" dirty="0"/>
+                        <a:t>1000</a:t>
+                      </a:r>
+                    </a:p>
+                  </a:txBody>
+                  <a:tcPr/>
+                </a:tc>
+                <a:tc>
+                  <a:txBody>
+                    <a:bodyPr/>
+                    <a:lstStyle/>
+                    <a:p>
+                      <a:pPr algn="ctr"/>
+                      <a:endParaRPr lang="en-US" dirty="0"/>
+                    </a:p>
+                  </a:txBody>
+                  <a:tcPr/>
+                </a:tc>
+                <a:extLst>
+                  <a:ext uri="{0D108BD9-81ED-4DB2-BD59-A6C34878D82A}">
+                    <a16:rowId xmlns:a16="http://schemas.microsoft.com/office/drawing/2014/main" val="3830047239"/>
+                  </a:ext>
+                </a:extLst>
+              </a:tr>
+            </a:tbl>
+          </a:graphicData>
+        </a:graphic>
+      </p:graphicFrame>
     </p:spTree>
     <p:extLst>
       <p:ext uri="{BB962C8B-B14F-4D97-AF65-F5344CB8AC3E}">
-        <p14:creationId xmlns:p14="http://schemas.microsoft.com/office/powerpoint/2010/main" val="1453867749"/>
+        <p14:creationId xmlns:p14="http://schemas.microsoft.com/office/powerpoint/2010/main" val="1464897690"/>
       </p:ext>
     </p:extLst>
   </p:cSld>
   <p:clrMapOvr>
     <a:masterClrMapping/>
   </p:clrMapOvr>
+  <p:timing>
+    <p:tnLst>
+      <p:par>
+        <p:cTn id="1" dur="indefinite" restart="never" nodeType="tmRoot">
+          <p:childTnLst>
+            <p:seq concurrent="1" nextAc="seek">
+              <p:cTn id="2" dur="indefinite" nodeType="mainSeq">
+                <p:childTnLst>
+                  <p:par>
+                    <p:cTn id="3" fill="hold">
+                      <p:stCondLst>
+                        <p:cond delay="indefinite"/>
+                      </p:stCondLst>
+                      <p:childTnLst>
+                        <p:par>
+                          <p:cTn id="4" fill="hold">
+                            <p:stCondLst>
+                              <p:cond delay="0"/>
+                            </p:stCondLst>
+                            <p:childTnLst>
+                              <p:par>
+                                <p:cTn id="5" presetID="1" presetClass="entr" presetSubtype="0" fill="hold" nodeType="clickEffect">
+                                  <p:stCondLst>
+                                    <p:cond delay="0"/>
+                                  </p:stCondLst>
+                                  <p:childTnLst>
+                                    <p:set>
+                                      <p:cBhvr>
+                                        <p:cTn id="6" dur="1" fill="hold">
+                                          <p:stCondLst>
+                                            <p:cond delay="0"/>
+                                          </p:stCondLst>
+                                        </p:cTn>
+                                        <p:tgtEl>
+                                          <p:spTgt spid="4"/>
+                                        </p:tgtEl>
+                                        <p:attrNameLst>
+                                          <p:attrName>style.visibility</p:attrName>
+                                        </p:attrNameLst>
+                                      </p:cBhvr>
+                                      <p:to>
+                                        <p:strVal val="visible"/>
+                                      </p:to>
+                                    </p:set>
+                                  </p:childTnLst>
+                                </p:cTn>
+                              </p:par>
+                            </p:childTnLst>
+                          </p:cTn>
+                        </p:par>
+                      </p:childTnLst>
+                    </p:cTn>
+                  </p:par>
+                  <p:par>
+                    <p:cTn id="7" fill="hold">
+                      <p:stCondLst>
+                        <p:cond delay="indefinite"/>
+                      </p:stCondLst>
+                      <p:childTnLst>
+                        <p:par>
+                          <p:cTn id="8" fill="hold">
+                            <p:stCondLst>
+                              <p:cond delay="0"/>
+                            </p:stCondLst>
+                            <p:childTnLst>
+                              <p:par>
+                                <p:cTn id="9" presetID="1" presetClass="entr" presetSubtype="0" fill="hold" grpId="0" nodeType="clickEffect">
+                                  <p:stCondLst>
+                                    <p:cond delay="0"/>
+                                  </p:stCondLst>
+                                  <p:childTnLst>
+                                    <p:set>
+                                      <p:cBhvr>
+                                        <p:cTn id="10" dur="1" fill="hold">
+                                          <p:stCondLst>
+                                            <p:cond delay="0"/>
+                                          </p:stCondLst>
+                                        </p:cTn>
+                                        <p:tgtEl>
+                                          <p:spTgt spid="3">
+                                            <p:txEl>
+                                              <p:pRg st="0" end="0"/>
+                                            </p:txEl>
+                                          </p:spTgt>
+                                        </p:tgtEl>
+                                        <p:attrNameLst>
+                                          <p:attrName>style.visibility</p:attrName>
+                                        </p:attrNameLst>
+                                      </p:cBhvr>
+                                      <p:to>
+                                        <p:strVal val="visible"/>
+                                      </p:to>
+                                    </p:set>
+                                  </p:childTnLst>
+                                </p:cTn>
+                              </p:par>
+                            </p:childTnLst>
+                          </p:cTn>
+                        </p:par>
+                      </p:childTnLst>
+                    </p:cTn>
+                  </p:par>
+                  <p:par>
+                    <p:cTn id="11" fill="hold">
+                      <p:stCondLst>
+                        <p:cond delay="indefinite"/>
+                      </p:stCondLst>
+                      <p:childTnLst>
+                        <p:par>
+                          <p:cTn id="12" fill="hold">
+                            <p:stCondLst>
+                              <p:cond delay="0"/>
+                            </p:stCondLst>
+                            <p:childTnLst>
+                              <p:par>
+                                <p:cTn id="13" presetID="1" presetClass="entr" presetSubtype="0" fill="hold" grpId="0" nodeType="clickEffect">
+                                  <p:stCondLst>
+                                    <p:cond delay="0"/>
+                                  </p:stCondLst>
+                                  <p:childTnLst>
+                                    <p:set>
+                                      <p:cBhvr>
+                                        <p:cTn id="14" dur="1" fill="hold">
+                                          <p:stCondLst>
+                                            <p:cond delay="0"/>
+                                          </p:stCondLst>
+                                        </p:cTn>
+                                        <p:tgtEl>
+                                          <p:spTgt spid="3">
+                                            <p:txEl>
+                                              <p:pRg st="1" end="1"/>
+                                            </p:txEl>
+                                          </p:spTgt>
+                                        </p:tgtEl>
+                                        <p:attrNameLst>
+                                          <p:attrName>style.visibility</p:attrName>
+                                        </p:attrNameLst>
+                                      </p:cBhvr>
+                                      <p:to>
+                                        <p:strVal val="visible"/>
+                                      </p:to>
+                                    </p:set>
+                                  </p:childTnLst>
+                                </p:cTn>
+                              </p:par>
+                            </p:childTnLst>
+                          </p:cTn>
+                        </p:par>
+                      </p:childTnLst>
+                    </p:cTn>
+                  </p:par>
+                </p:childTnLst>
+              </p:cTn>
+              <p:prevCondLst>
+                <p:cond evt="onPrev" delay="0">
+                  <p:tgtEl>
+                    <p:sldTgt/>
+                  </p:tgtEl>
+                </p:cond>
+              </p:prevCondLst>
+              <p:nextCondLst>
+                <p:cond evt="onNext" delay="0">
+                  <p:tgtEl>
+                    <p:sldTgt/>
+                  </p:tgtEl>
+                </p:cond>
+              </p:nextCondLst>
+            </p:seq>
+          </p:childTnLst>
+        </p:cTn>
+      </p:par>
+    </p:tnLst>
+    <p:bldLst>
+      <p:bldP spid="3" grpId="0" build="p"/>
+    </p:bldLst>
+  </p:timing>
 </p:sld>
 </file>
 

--- a/final-ppt.pptx
+++ b/final-ppt.pptx
@@ -11,15 +11,19 @@
     <p:sldId id="259" r:id="rId5"/>
     <p:sldId id="260" r:id="rId6"/>
     <p:sldId id="261" r:id="rId7"/>
-    <p:sldId id="265" r:id="rId8"/>
-    <p:sldId id="266" r:id="rId9"/>
-    <p:sldId id="267" r:id="rId10"/>
-    <p:sldId id="268" r:id="rId11"/>
-    <p:sldId id="263" r:id="rId12"/>
-    <p:sldId id="270" r:id="rId13"/>
-    <p:sldId id="271" r:id="rId14"/>
-    <p:sldId id="274" r:id="rId15"/>
-    <p:sldId id="275" r:id="rId16"/>
+    <p:sldId id="276" r:id="rId8"/>
+    <p:sldId id="278" r:id="rId9"/>
+    <p:sldId id="265" r:id="rId10"/>
+    <p:sldId id="279" r:id="rId11"/>
+    <p:sldId id="266" r:id="rId12"/>
+    <p:sldId id="267" r:id="rId13"/>
+    <p:sldId id="268" r:id="rId14"/>
+    <p:sldId id="263" r:id="rId15"/>
+    <p:sldId id="270" r:id="rId16"/>
+    <p:sldId id="271" r:id="rId17"/>
+    <p:sldId id="274" r:id="rId18"/>
+    <p:sldId id="280" r:id="rId19"/>
+    <p:sldId id="275" r:id="rId20"/>
   </p:sldIdLst>
   <p:sldSz cx="12192000" cy="6858000"/>
   <p:notesSz cx="6858000" cy="9144000"/>
@@ -4052,7 +4056,7 @@
           <a:p>
             <a:fld id="{1160EA64-D806-43AC-9DF2-F8C432F32B4C}" type="datetimeFigureOut">
               <a:rPr lang="en-US" dirty="0"/>
-              <a:t>4/11/19</a:t>
+              <a:t>4/12/19</a:t>
             </a:fld>
             <a:endParaRPr lang="en-US" dirty="0"/>
           </a:p>
@@ -4218,7 +4222,7 @@
           <a:p>
             <a:fld id="{E9F9C37B-1D36-470B-8223-D6C91242EC14}" type="datetimeFigureOut">
               <a:rPr lang="en-US" dirty="0"/>
-              <a:t>4/11/19</a:t>
+              <a:t>4/12/19</a:t>
             </a:fld>
             <a:endParaRPr lang="en-US" dirty="0"/>
           </a:p>
@@ -4393,7 +4397,7 @@
           <a:p>
             <a:fld id="{67C6F52A-A82B-47A2-A83A-8C4C91F2D59F}" type="datetimeFigureOut">
               <a:rPr lang="en-US" dirty="0"/>
-              <a:t>4/11/19</a:t>
+              <a:t>4/12/19</a:t>
             </a:fld>
             <a:endParaRPr lang="en-US" dirty="0"/>
           </a:p>
@@ -4558,7 +4562,7 @@
           <a:p>
             <a:fld id="{F070A7B3-6521-4DCA-87E5-044747A908C1}" type="datetimeFigureOut">
               <a:rPr lang="en-US" dirty="0"/>
-              <a:t>4/11/19</a:t>
+              <a:t>4/12/19</a:t>
             </a:fld>
             <a:endParaRPr lang="en-US" dirty="0"/>
           </a:p>
@@ -4822,7 +4826,7 @@
           <a:p>
             <a:fld id="{1160EA64-D806-43AC-9DF2-F8C432F32B4C}" type="datetimeFigureOut">
               <a:rPr lang="en-US" dirty="0"/>
-              <a:t>4/11/19</a:t>
+              <a:t>4/12/19</a:t>
             </a:fld>
             <a:endParaRPr lang="en-US" dirty="0"/>
           </a:p>
@@ -5050,7 +5054,7 @@
           <a:p>
             <a:fld id="{AB134690-1557-4C89-A502-4959FE7FAD70}" type="datetimeFigureOut">
               <a:rPr lang="en-US" dirty="0"/>
-              <a:t>4/11/19</a:t>
+              <a:t>4/12/19</a:t>
             </a:fld>
             <a:endParaRPr lang="en-US" dirty="0"/>
           </a:p>
@@ -5404,7 +5408,7 @@
           <a:p>
             <a:fld id="{4F7D4976-E339-4826-83B7-FBD03F55ECF8}" type="datetimeFigureOut">
               <a:rPr lang="en-US" dirty="0"/>
-              <a:t>4/11/19</a:t>
+              <a:t>4/12/19</a:t>
             </a:fld>
             <a:endParaRPr lang="en-US" dirty="0"/>
           </a:p>
@@ -5540,7 +5544,7 @@
           <a:p>
             <a:fld id="{E1037C31-9E7A-4F99-8774-A0E530DE1A42}" type="datetimeFigureOut">
               <a:rPr lang="en-US" dirty="0"/>
-              <a:t>4/11/19</a:t>
+              <a:t>4/12/19</a:t>
             </a:fld>
             <a:endParaRPr lang="en-US" dirty="0"/>
           </a:p>
@@ -5630,7 +5634,7 @@
           <a:p>
             <a:fld id="{C278504F-A551-4DE0-9316-4DCD1D8CC752}" type="datetimeFigureOut">
               <a:rPr lang="en-US" dirty="0"/>
-              <a:t>4/11/19</a:t>
+              <a:t>4/12/19</a:t>
             </a:fld>
             <a:endParaRPr lang="en-US" dirty="0"/>
           </a:p>
@@ -5982,7 +5986,7 @@
           <a:p>
             <a:fld id="{D1BE4249-C0D0-4B06-8692-E8BB871AF643}" type="datetimeFigureOut">
               <a:rPr lang="en-US" dirty="0"/>
-              <a:t>4/11/19</a:t>
+              <a:t>4/12/19</a:t>
             </a:fld>
             <a:endParaRPr lang="en-US" dirty="0"/>
           </a:p>
@@ -6334,7 +6338,7 @@
           <a:p>
             <a:fld id="{042B0DB6-F5C7-45FB-8CF3-31B45F9C2DAC}" type="datetimeFigureOut">
               <a:rPr lang="en-US" dirty="0"/>
-              <a:t>4/11/19</a:t>
+              <a:t>4/12/19</a:t>
             </a:fld>
             <a:endParaRPr lang="en-US" dirty="0"/>
           </a:p>
@@ -6570,7 +6574,7 @@
           <a:p>
             <a:fld id="{1160EA64-D806-43AC-9DF2-F8C432F32B4C}" type="datetimeFigureOut">
               <a:rPr lang="en-US" dirty="0"/>
-              <a:t>4/11/19</a:t>
+              <a:t>4/12/19</a:t>
             </a:fld>
             <a:endParaRPr lang="en-US" dirty="0"/>
           </a:p>
@@ -7062,6 +7066,3542 @@
 </file>
 
 <file path=ppt/slides/slide10.xml><?xml version="1.0" encoding="utf-8"?>
+<p:sld xmlns:a="http://schemas.openxmlformats.org/drawingml/2006/main" xmlns:r="http://schemas.openxmlformats.org/officeDocument/2006/relationships" xmlns:p="http://schemas.openxmlformats.org/presentationml/2006/main">
+  <p:cSld>
+    <p:spTree>
+      <p:nvGrpSpPr>
+        <p:cNvPr id="1" name=""/>
+        <p:cNvGrpSpPr/>
+        <p:nvPr/>
+      </p:nvGrpSpPr>
+      <p:grpSpPr>
+        <a:xfrm>
+          <a:off x="0" y="0"/>
+          <a:ext cx="0" cy="0"/>
+          <a:chOff x="0" y="0"/>
+          <a:chExt cx="0" cy="0"/>
+        </a:xfrm>
+      </p:grpSpPr>
+      <p:sp>
+        <p:nvSpPr>
+          <p:cNvPr id="2" name="Title 1">
+            <a:extLst>
+              <a:ext uri="{FF2B5EF4-FFF2-40B4-BE49-F238E27FC236}">
+                <a16:creationId xmlns:a16="http://schemas.microsoft.com/office/drawing/2014/main" id="{A3467887-231A-3447-A7E5-EFBF59B1E2A3}"/>
+              </a:ext>
+            </a:extLst>
+          </p:cNvPr>
+          <p:cNvSpPr>
+            <a:spLocks noGrp="1"/>
+          </p:cNvSpPr>
+          <p:nvPr>
+            <p:ph type="title"/>
+          </p:nvPr>
+        </p:nvSpPr>
+        <p:spPr/>
+        <p:txBody>
+          <a:bodyPr/>
+          <a:lstStyle/>
+          <a:p>
+            <a:r>
+              <a:rPr lang="en-US" dirty="0"/>
+              <a:t>RESULT OF the maximum weighted bipartite matching</a:t>
+            </a:r>
+          </a:p>
+        </p:txBody>
+      </p:sp>
+      <p:sp>
+        <p:nvSpPr>
+          <p:cNvPr id="3" name="Content Placeholder 2">
+            <a:extLst>
+              <a:ext uri="{FF2B5EF4-FFF2-40B4-BE49-F238E27FC236}">
+                <a16:creationId xmlns:a16="http://schemas.microsoft.com/office/drawing/2014/main" id="{916F11C1-D15A-0345-B89F-A5A394B8EB05}"/>
+              </a:ext>
+            </a:extLst>
+          </p:cNvPr>
+          <p:cNvSpPr>
+            <a:spLocks noGrp="1"/>
+          </p:cNvSpPr>
+          <p:nvPr>
+            <p:ph idx="1"/>
+          </p:nvPr>
+        </p:nvSpPr>
+        <p:spPr>
+          <a:xfrm>
+            <a:off x="6343756" y="2638044"/>
+            <a:ext cx="3617107" cy="3101983"/>
+          </a:xfrm>
+        </p:spPr>
+        <p:txBody>
+          <a:bodyPr/>
+          <a:lstStyle/>
+          <a:p>
+            <a:r>
+              <a:rPr lang="en-US" dirty="0"/>
+              <a:t>Here, Bob has placed highest rent on Room 2 but gets Room 1.</a:t>
+            </a:r>
+          </a:p>
+          <a:p>
+            <a:r>
+              <a:rPr lang="en-US" dirty="0"/>
+              <a:t>That is because Alice has bid higher for the same room.</a:t>
+            </a:r>
+          </a:p>
+          <a:p>
+            <a:r>
+              <a:rPr lang="en-US" dirty="0"/>
+              <a:t>As the sum of the weights of the branches chosen has to be highest, this is the best way to get the result of the MWBM.</a:t>
+            </a:r>
+          </a:p>
+          <a:p>
+            <a:pPr marL="0" indent="0">
+              <a:buNone/>
+            </a:pPr>
+            <a:endParaRPr lang="en-US" dirty="0"/>
+          </a:p>
+        </p:txBody>
+      </p:sp>
+      <p:sp>
+        <p:nvSpPr>
+          <p:cNvPr id="28" name="Oval 27">
+            <a:extLst>
+              <a:ext uri="{FF2B5EF4-FFF2-40B4-BE49-F238E27FC236}">
+                <a16:creationId xmlns:a16="http://schemas.microsoft.com/office/drawing/2014/main" id="{65E2BE3A-3385-9E4E-BCFC-1A8FDF507658}"/>
+              </a:ext>
+            </a:extLst>
+          </p:cNvPr>
+          <p:cNvSpPr/>
+          <p:nvPr/>
+        </p:nvSpPr>
+        <p:spPr>
+          <a:xfrm>
+            <a:off x="3435676" y="5479990"/>
+            <a:ext cx="400897" cy="299267"/>
+          </a:xfrm>
+          <a:prstGeom prst="ellipse">
+            <a:avLst/>
+          </a:prstGeom>
+        </p:spPr>
+        <p:style>
+          <a:lnRef idx="1">
+            <a:schemeClr val="accent3"/>
+          </a:lnRef>
+          <a:fillRef idx="2">
+            <a:schemeClr val="accent3"/>
+          </a:fillRef>
+          <a:effectRef idx="1">
+            <a:schemeClr val="accent3"/>
+          </a:effectRef>
+          <a:fontRef idx="minor">
+            <a:schemeClr val="dk1"/>
+          </a:fontRef>
+        </p:style>
+        <p:txBody>
+          <a:bodyPr rtlCol="0" anchor="ctr"/>
+          <a:lstStyle/>
+          <a:p>
+            <a:pPr algn="ctr"/>
+            <a:endParaRPr lang="en-US"/>
+          </a:p>
+        </p:txBody>
+      </p:sp>
+      <p:sp>
+        <p:nvSpPr>
+          <p:cNvPr id="29" name="Oval 28">
+            <a:extLst>
+              <a:ext uri="{FF2B5EF4-FFF2-40B4-BE49-F238E27FC236}">
+                <a16:creationId xmlns:a16="http://schemas.microsoft.com/office/drawing/2014/main" id="{5B5A3E73-2629-734D-9B54-FFDF5D1A57B7}"/>
+              </a:ext>
+            </a:extLst>
+          </p:cNvPr>
+          <p:cNvSpPr/>
+          <p:nvPr/>
+        </p:nvSpPr>
+        <p:spPr>
+          <a:xfrm rot="19653674">
+            <a:off x="3857106" y="3404577"/>
+            <a:ext cx="420448" cy="310426"/>
+          </a:xfrm>
+          <a:prstGeom prst="ellipse">
+            <a:avLst/>
+          </a:prstGeom>
+        </p:spPr>
+        <p:style>
+          <a:lnRef idx="1">
+            <a:schemeClr val="accent3"/>
+          </a:lnRef>
+          <a:fillRef idx="2">
+            <a:schemeClr val="accent3"/>
+          </a:fillRef>
+          <a:effectRef idx="1">
+            <a:schemeClr val="accent3"/>
+          </a:effectRef>
+          <a:fontRef idx="minor">
+            <a:schemeClr val="dk1"/>
+          </a:fontRef>
+        </p:style>
+        <p:txBody>
+          <a:bodyPr rtlCol="0" anchor="ctr"/>
+          <a:lstStyle/>
+          <a:p>
+            <a:pPr algn="ctr"/>
+            <a:endParaRPr lang="en-US"/>
+          </a:p>
+        </p:txBody>
+      </p:sp>
+      <p:sp>
+        <p:nvSpPr>
+          <p:cNvPr id="30" name="Oval 29">
+            <a:extLst>
+              <a:ext uri="{FF2B5EF4-FFF2-40B4-BE49-F238E27FC236}">
+                <a16:creationId xmlns:a16="http://schemas.microsoft.com/office/drawing/2014/main" id="{7BF485A8-4F16-9742-9DBC-721285C4A8E2}"/>
+              </a:ext>
+            </a:extLst>
+          </p:cNvPr>
+          <p:cNvSpPr/>
+          <p:nvPr/>
+        </p:nvSpPr>
+        <p:spPr>
+          <a:xfrm rot="18211041">
+            <a:off x="3444950" y="3118771"/>
+            <a:ext cx="331712" cy="415681"/>
+          </a:xfrm>
+          <a:prstGeom prst="ellipse">
+            <a:avLst/>
+          </a:prstGeom>
+        </p:spPr>
+        <p:style>
+          <a:lnRef idx="1">
+            <a:schemeClr val="accent3"/>
+          </a:lnRef>
+          <a:fillRef idx="2">
+            <a:schemeClr val="accent3"/>
+          </a:fillRef>
+          <a:effectRef idx="1">
+            <a:schemeClr val="accent3"/>
+          </a:effectRef>
+          <a:fontRef idx="minor">
+            <a:schemeClr val="dk1"/>
+          </a:fontRef>
+        </p:style>
+        <p:txBody>
+          <a:bodyPr rtlCol="0" anchor="ctr"/>
+          <a:lstStyle/>
+          <a:p>
+            <a:pPr algn="ctr"/>
+            <a:endParaRPr lang="en-US"/>
+          </a:p>
+        </p:txBody>
+      </p:sp>
+      <p:sp>
+        <p:nvSpPr>
+          <p:cNvPr id="31" name="Oval 30">
+            <a:extLst>
+              <a:ext uri="{FF2B5EF4-FFF2-40B4-BE49-F238E27FC236}">
+                <a16:creationId xmlns:a16="http://schemas.microsoft.com/office/drawing/2014/main" id="{7680E0D9-057C-D54C-A532-C3EF23401E79}"/>
+              </a:ext>
+            </a:extLst>
+          </p:cNvPr>
+          <p:cNvSpPr/>
+          <p:nvPr/>
+        </p:nvSpPr>
+        <p:spPr>
+          <a:xfrm>
+            <a:off x="2231137" y="2638044"/>
+            <a:ext cx="904675" cy="904675"/>
+          </a:xfrm>
+          <a:prstGeom prst="ellipse">
+            <a:avLst/>
+          </a:prstGeom>
+        </p:spPr>
+        <p:style>
+          <a:lnRef idx="2">
+            <a:schemeClr val="accent2">
+              <a:shade val="50000"/>
+            </a:schemeClr>
+          </a:lnRef>
+          <a:fillRef idx="1">
+            <a:schemeClr val="accent2"/>
+          </a:fillRef>
+          <a:effectRef idx="0">
+            <a:schemeClr val="accent2"/>
+          </a:effectRef>
+          <a:fontRef idx="minor">
+            <a:schemeClr val="lt1"/>
+          </a:fontRef>
+        </p:style>
+        <p:txBody>
+          <a:bodyPr rtlCol="0" anchor="ctr"/>
+          <a:lstStyle/>
+          <a:p>
+            <a:pPr algn="ctr"/>
+            <a:r>
+              <a:rPr lang="en-US" sz="1400" dirty="0"/>
+              <a:t>Alice</a:t>
+            </a:r>
+            <a:endParaRPr lang="en-US" sz="1300" dirty="0"/>
+          </a:p>
+        </p:txBody>
+      </p:sp>
+      <p:sp>
+        <p:nvSpPr>
+          <p:cNvPr id="32" name="Oval 31">
+            <a:extLst>
+              <a:ext uri="{FF2B5EF4-FFF2-40B4-BE49-F238E27FC236}">
+                <a16:creationId xmlns:a16="http://schemas.microsoft.com/office/drawing/2014/main" id="{5470E5B2-5229-4A4D-BD9F-A37D67622FF7}"/>
+              </a:ext>
+            </a:extLst>
+          </p:cNvPr>
+          <p:cNvSpPr/>
+          <p:nvPr/>
+        </p:nvSpPr>
+        <p:spPr>
+          <a:xfrm>
+            <a:off x="2231137" y="3912368"/>
+            <a:ext cx="904675" cy="904675"/>
+          </a:xfrm>
+          <a:prstGeom prst="ellipse">
+            <a:avLst/>
+          </a:prstGeom>
+        </p:spPr>
+        <p:style>
+          <a:lnRef idx="2">
+            <a:schemeClr val="accent2">
+              <a:shade val="50000"/>
+            </a:schemeClr>
+          </a:lnRef>
+          <a:fillRef idx="1">
+            <a:schemeClr val="accent2"/>
+          </a:fillRef>
+          <a:effectRef idx="0">
+            <a:schemeClr val="accent2"/>
+          </a:effectRef>
+          <a:fontRef idx="minor">
+            <a:schemeClr val="lt1"/>
+          </a:fontRef>
+        </p:style>
+        <p:txBody>
+          <a:bodyPr rtlCol="0" anchor="ctr"/>
+          <a:lstStyle/>
+          <a:p>
+            <a:pPr algn="ctr"/>
+            <a:r>
+              <a:rPr lang="en-US" sz="1400" dirty="0"/>
+              <a:t>Bob</a:t>
+            </a:r>
+            <a:endParaRPr lang="en-US" dirty="0"/>
+          </a:p>
+        </p:txBody>
+      </p:sp>
+      <p:sp>
+        <p:nvSpPr>
+          <p:cNvPr id="33" name="Oval 32">
+            <a:extLst>
+              <a:ext uri="{FF2B5EF4-FFF2-40B4-BE49-F238E27FC236}">
+                <a16:creationId xmlns:a16="http://schemas.microsoft.com/office/drawing/2014/main" id="{E8149A10-3DB1-7A4D-8C33-DD01B4870128}"/>
+              </a:ext>
+            </a:extLst>
+          </p:cNvPr>
+          <p:cNvSpPr/>
+          <p:nvPr/>
+        </p:nvSpPr>
+        <p:spPr>
+          <a:xfrm>
+            <a:off x="2231136" y="5251542"/>
+            <a:ext cx="904676" cy="904676"/>
+          </a:xfrm>
+          <a:prstGeom prst="ellipse">
+            <a:avLst/>
+          </a:prstGeom>
+        </p:spPr>
+        <p:style>
+          <a:lnRef idx="2">
+            <a:schemeClr val="accent2">
+              <a:shade val="50000"/>
+            </a:schemeClr>
+          </a:lnRef>
+          <a:fillRef idx="1">
+            <a:schemeClr val="accent2"/>
+          </a:fillRef>
+          <a:effectRef idx="0">
+            <a:schemeClr val="accent2"/>
+          </a:effectRef>
+          <a:fontRef idx="minor">
+            <a:schemeClr val="lt1"/>
+          </a:fontRef>
+        </p:style>
+        <p:txBody>
+          <a:bodyPr rtlCol="0" anchor="ctr"/>
+          <a:lstStyle/>
+          <a:p>
+            <a:pPr algn="ctr"/>
+            <a:r>
+              <a:rPr lang="en-US" sz="1400" dirty="0"/>
+              <a:t>Claire</a:t>
+            </a:r>
+          </a:p>
+        </p:txBody>
+      </p:sp>
+      <p:sp>
+        <p:nvSpPr>
+          <p:cNvPr id="34" name="Oval 33">
+            <a:extLst>
+              <a:ext uri="{FF2B5EF4-FFF2-40B4-BE49-F238E27FC236}">
+                <a16:creationId xmlns:a16="http://schemas.microsoft.com/office/drawing/2014/main" id="{123F7E69-AD4F-4043-896F-453DE47B9E7B}"/>
+              </a:ext>
+            </a:extLst>
+          </p:cNvPr>
+          <p:cNvSpPr/>
+          <p:nvPr/>
+        </p:nvSpPr>
+        <p:spPr>
+          <a:xfrm>
+            <a:off x="4883545" y="2638044"/>
+            <a:ext cx="904675" cy="904675"/>
+          </a:xfrm>
+          <a:prstGeom prst="ellipse">
+            <a:avLst/>
+          </a:prstGeom>
+        </p:spPr>
+        <p:style>
+          <a:lnRef idx="2">
+            <a:schemeClr val="accent2">
+              <a:shade val="50000"/>
+            </a:schemeClr>
+          </a:lnRef>
+          <a:fillRef idx="1">
+            <a:schemeClr val="accent2"/>
+          </a:fillRef>
+          <a:effectRef idx="0">
+            <a:schemeClr val="accent2"/>
+          </a:effectRef>
+          <a:fontRef idx="minor">
+            <a:schemeClr val="lt1"/>
+          </a:fontRef>
+        </p:style>
+        <p:txBody>
+          <a:bodyPr rtlCol="0" anchor="ctr"/>
+          <a:lstStyle/>
+          <a:p>
+            <a:pPr algn="ctr"/>
+            <a:r>
+              <a:rPr lang="en-US" sz="1400" dirty="0"/>
+              <a:t>Room 1</a:t>
+            </a:r>
+          </a:p>
+        </p:txBody>
+      </p:sp>
+      <p:sp>
+        <p:nvSpPr>
+          <p:cNvPr id="35" name="Oval 34">
+            <a:extLst>
+              <a:ext uri="{FF2B5EF4-FFF2-40B4-BE49-F238E27FC236}">
+                <a16:creationId xmlns:a16="http://schemas.microsoft.com/office/drawing/2014/main" id="{41E57E00-26BD-3A49-9B6E-56A5E555FEB7}"/>
+              </a:ext>
+            </a:extLst>
+          </p:cNvPr>
+          <p:cNvSpPr/>
+          <p:nvPr/>
+        </p:nvSpPr>
+        <p:spPr>
+          <a:xfrm>
+            <a:off x="4883545" y="3912368"/>
+            <a:ext cx="904675" cy="904675"/>
+          </a:xfrm>
+          <a:prstGeom prst="ellipse">
+            <a:avLst/>
+          </a:prstGeom>
+        </p:spPr>
+        <p:style>
+          <a:lnRef idx="2">
+            <a:schemeClr val="accent2">
+              <a:shade val="50000"/>
+            </a:schemeClr>
+          </a:lnRef>
+          <a:fillRef idx="1">
+            <a:schemeClr val="accent2"/>
+          </a:fillRef>
+          <a:effectRef idx="0">
+            <a:schemeClr val="accent2"/>
+          </a:effectRef>
+          <a:fontRef idx="minor">
+            <a:schemeClr val="lt1"/>
+          </a:fontRef>
+        </p:style>
+        <p:txBody>
+          <a:bodyPr rtlCol="0" anchor="ctr"/>
+          <a:lstStyle/>
+          <a:p>
+            <a:pPr algn="ctr"/>
+            <a:r>
+              <a:rPr lang="en-US" sz="1400" dirty="0"/>
+              <a:t>Room 2</a:t>
+            </a:r>
+          </a:p>
+        </p:txBody>
+      </p:sp>
+      <p:sp>
+        <p:nvSpPr>
+          <p:cNvPr id="36" name="Oval 35">
+            <a:extLst>
+              <a:ext uri="{FF2B5EF4-FFF2-40B4-BE49-F238E27FC236}">
+                <a16:creationId xmlns:a16="http://schemas.microsoft.com/office/drawing/2014/main" id="{2694E3B5-6FED-FD4C-8E9A-D2202B0A2C73}"/>
+              </a:ext>
+            </a:extLst>
+          </p:cNvPr>
+          <p:cNvSpPr/>
+          <p:nvPr/>
+        </p:nvSpPr>
+        <p:spPr>
+          <a:xfrm>
+            <a:off x="4883545" y="5251542"/>
+            <a:ext cx="904677" cy="904677"/>
+          </a:xfrm>
+          <a:prstGeom prst="ellipse">
+            <a:avLst/>
+          </a:prstGeom>
+        </p:spPr>
+        <p:style>
+          <a:lnRef idx="2">
+            <a:schemeClr val="accent2">
+              <a:shade val="50000"/>
+            </a:schemeClr>
+          </a:lnRef>
+          <a:fillRef idx="1">
+            <a:schemeClr val="accent2"/>
+          </a:fillRef>
+          <a:effectRef idx="0">
+            <a:schemeClr val="accent2"/>
+          </a:effectRef>
+          <a:fontRef idx="minor">
+            <a:schemeClr val="lt1"/>
+          </a:fontRef>
+        </p:style>
+        <p:txBody>
+          <a:bodyPr rtlCol="0" anchor="ctr"/>
+          <a:lstStyle/>
+          <a:p>
+            <a:pPr algn="ctr"/>
+            <a:r>
+              <a:rPr lang="en-US" sz="1400" dirty="0"/>
+              <a:t>Room 3</a:t>
+            </a:r>
+          </a:p>
+        </p:txBody>
+      </p:sp>
+      <p:cxnSp>
+        <p:nvCxnSpPr>
+          <p:cNvPr id="37" name="Straight Connector 36">
+            <a:extLst>
+              <a:ext uri="{FF2B5EF4-FFF2-40B4-BE49-F238E27FC236}">
+                <a16:creationId xmlns:a16="http://schemas.microsoft.com/office/drawing/2014/main" id="{04044259-6260-884A-9027-138469EBF107}"/>
+              </a:ext>
+            </a:extLst>
+          </p:cNvPr>
+          <p:cNvCxnSpPr>
+            <a:stCxn id="31" idx="6"/>
+            <a:endCxn id="34" idx="2"/>
+          </p:cNvCxnSpPr>
+          <p:nvPr/>
+        </p:nvCxnSpPr>
+        <p:spPr>
+          <a:xfrm>
+            <a:off x="3135812" y="3090382"/>
+            <a:ext cx="1747733" cy="0"/>
+          </a:xfrm>
+          <a:prstGeom prst="line">
+            <a:avLst/>
+          </a:prstGeom>
+        </p:spPr>
+        <p:style>
+          <a:lnRef idx="1">
+            <a:schemeClr val="dk1"/>
+          </a:lnRef>
+          <a:fillRef idx="0">
+            <a:schemeClr val="dk1"/>
+          </a:fillRef>
+          <a:effectRef idx="0">
+            <a:schemeClr val="dk1"/>
+          </a:effectRef>
+          <a:fontRef idx="minor">
+            <a:schemeClr val="tx1"/>
+          </a:fontRef>
+        </p:style>
+      </p:cxnSp>
+      <p:cxnSp>
+        <p:nvCxnSpPr>
+          <p:cNvPr id="38" name="Straight Connector 37">
+            <a:extLst>
+              <a:ext uri="{FF2B5EF4-FFF2-40B4-BE49-F238E27FC236}">
+                <a16:creationId xmlns:a16="http://schemas.microsoft.com/office/drawing/2014/main" id="{86802AA0-BBE7-AD4C-B193-DD542948D2BE}"/>
+              </a:ext>
+            </a:extLst>
+          </p:cNvPr>
+          <p:cNvCxnSpPr>
+            <a:cxnSpLocks/>
+          </p:cNvCxnSpPr>
+          <p:nvPr/>
+        </p:nvCxnSpPr>
+        <p:spPr>
+          <a:xfrm>
+            <a:off x="3135812" y="3090381"/>
+            <a:ext cx="1747733" cy="1274324"/>
+          </a:xfrm>
+          <a:prstGeom prst="line">
+            <a:avLst/>
+          </a:prstGeom>
+        </p:spPr>
+        <p:style>
+          <a:lnRef idx="1">
+            <a:schemeClr val="dk1"/>
+          </a:lnRef>
+          <a:fillRef idx="0">
+            <a:schemeClr val="dk1"/>
+          </a:fillRef>
+          <a:effectRef idx="0">
+            <a:schemeClr val="dk1"/>
+          </a:effectRef>
+          <a:fontRef idx="minor">
+            <a:schemeClr val="tx1"/>
+          </a:fontRef>
+        </p:style>
+      </p:cxnSp>
+      <p:cxnSp>
+        <p:nvCxnSpPr>
+          <p:cNvPr id="39" name="Straight Connector 38">
+            <a:extLst>
+              <a:ext uri="{FF2B5EF4-FFF2-40B4-BE49-F238E27FC236}">
+                <a16:creationId xmlns:a16="http://schemas.microsoft.com/office/drawing/2014/main" id="{1F80FF14-3E55-2F45-924F-C07B47A6BAA7}"/>
+              </a:ext>
+            </a:extLst>
+          </p:cNvPr>
+          <p:cNvCxnSpPr>
+            <a:stCxn id="31" idx="6"/>
+            <a:endCxn id="36" idx="2"/>
+          </p:cNvCxnSpPr>
+          <p:nvPr/>
+        </p:nvCxnSpPr>
+        <p:spPr>
+          <a:xfrm>
+            <a:off x="3135812" y="3090382"/>
+            <a:ext cx="1747733" cy="2613499"/>
+          </a:xfrm>
+          <a:prstGeom prst="line">
+            <a:avLst/>
+          </a:prstGeom>
+        </p:spPr>
+        <p:style>
+          <a:lnRef idx="1">
+            <a:schemeClr val="dk1"/>
+          </a:lnRef>
+          <a:fillRef idx="0">
+            <a:schemeClr val="dk1"/>
+          </a:fillRef>
+          <a:effectRef idx="0">
+            <a:schemeClr val="dk1"/>
+          </a:effectRef>
+          <a:fontRef idx="minor">
+            <a:schemeClr val="tx1"/>
+          </a:fontRef>
+        </p:style>
+      </p:cxnSp>
+      <p:cxnSp>
+        <p:nvCxnSpPr>
+          <p:cNvPr id="40" name="Straight Connector 39">
+            <a:extLst>
+              <a:ext uri="{FF2B5EF4-FFF2-40B4-BE49-F238E27FC236}">
+                <a16:creationId xmlns:a16="http://schemas.microsoft.com/office/drawing/2014/main" id="{D7ED78B0-8A04-0D4C-AA20-7304E3434D6C}"/>
+              </a:ext>
+            </a:extLst>
+          </p:cNvPr>
+          <p:cNvCxnSpPr>
+            <a:stCxn id="32" idx="6"/>
+          </p:cNvCxnSpPr>
+          <p:nvPr/>
+        </p:nvCxnSpPr>
+        <p:spPr>
+          <a:xfrm flipV="1">
+            <a:off x="3135812" y="3090381"/>
+            <a:ext cx="1747733" cy="1274325"/>
+          </a:xfrm>
+          <a:prstGeom prst="line">
+            <a:avLst/>
+          </a:prstGeom>
+        </p:spPr>
+        <p:style>
+          <a:lnRef idx="1">
+            <a:schemeClr val="dk1"/>
+          </a:lnRef>
+          <a:fillRef idx="0">
+            <a:schemeClr val="dk1"/>
+          </a:fillRef>
+          <a:effectRef idx="0">
+            <a:schemeClr val="dk1"/>
+          </a:effectRef>
+          <a:fontRef idx="minor">
+            <a:schemeClr val="tx1"/>
+          </a:fontRef>
+        </p:style>
+      </p:cxnSp>
+      <p:cxnSp>
+        <p:nvCxnSpPr>
+          <p:cNvPr id="41" name="Straight Connector 40">
+            <a:extLst>
+              <a:ext uri="{FF2B5EF4-FFF2-40B4-BE49-F238E27FC236}">
+                <a16:creationId xmlns:a16="http://schemas.microsoft.com/office/drawing/2014/main" id="{0931119A-5EB7-1F43-9437-411D4598EE74}"/>
+              </a:ext>
+            </a:extLst>
+          </p:cNvPr>
+          <p:cNvCxnSpPr>
+            <a:stCxn id="32" idx="6"/>
+            <a:endCxn id="35" idx="2"/>
+          </p:cNvCxnSpPr>
+          <p:nvPr/>
+        </p:nvCxnSpPr>
+        <p:spPr>
+          <a:xfrm>
+            <a:off x="3135812" y="4364706"/>
+            <a:ext cx="1747733" cy="0"/>
+          </a:xfrm>
+          <a:prstGeom prst="line">
+            <a:avLst/>
+          </a:prstGeom>
+        </p:spPr>
+        <p:style>
+          <a:lnRef idx="1">
+            <a:schemeClr val="dk1"/>
+          </a:lnRef>
+          <a:fillRef idx="0">
+            <a:schemeClr val="dk1"/>
+          </a:fillRef>
+          <a:effectRef idx="0">
+            <a:schemeClr val="dk1"/>
+          </a:effectRef>
+          <a:fontRef idx="minor">
+            <a:schemeClr val="tx1"/>
+          </a:fontRef>
+        </p:style>
+      </p:cxnSp>
+      <p:cxnSp>
+        <p:nvCxnSpPr>
+          <p:cNvPr id="42" name="Straight Connector 41">
+            <a:extLst>
+              <a:ext uri="{FF2B5EF4-FFF2-40B4-BE49-F238E27FC236}">
+                <a16:creationId xmlns:a16="http://schemas.microsoft.com/office/drawing/2014/main" id="{8E9D14DA-0B96-B648-B376-805DED31D94F}"/>
+              </a:ext>
+            </a:extLst>
+          </p:cNvPr>
+          <p:cNvCxnSpPr>
+            <a:stCxn id="32" idx="6"/>
+            <a:endCxn id="36" idx="2"/>
+          </p:cNvCxnSpPr>
+          <p:nvPr/>
+        </p:nvCxnSpPr>
+        <p:spPr>
+          <a:xfrm>
+            <a:off x="3135812" y="4364706"/>
+            <a:ext cx="1747733" cy="1339175"/>
+          </a:xfrm>
+          <a:prstGeom prst="line">
+            <a:avLst/>
+          </a:prstGeom>
+        </p:spPr>
+        <p:style>
+          <a:lnRef idx="1">
+            <a:schemeClr val="dk1"/>
+          </a:lnRef>
+          <a:fillRef idx="0">
+            <a:schemeClr val="dk1"/>
+          </a:fillRef>
+          <a:effectRef idx="0">
+            <a:schemeClr val="dk1"/>
+          </a:effectRef>
+          <a:fontRef idx="minor">
+            <a:schemeClr val="tx1"/>
+          </a:fontRef>
+        </p:style>
+      </p:cxnSp>
+      <p:cxnSp>
+        <p:nvCxnSpPr>
+          <p:cNvPr id="43" name="Straight Connector 42">
+            <a:extLst>
+              <a:ext uri="{FF2B5EF4-FFF2-40B4-BE49-F238E27FC236}">
+                <a16:creationId xmlns:a16="http://schemas.microsoft.com/office/drawing/2014/main" id="{6E4C01A9-D24D-AB4D-B37F-5032BB244260}"/>
+              </a:ext>
+            </a:extLst>
+          </p:cNvPr>
+          <p:cNvCxnSpPr>
+            <a:stCxn id="33" idx="6"/>
+            <a:endCxn id="34" idx="2"/>
+          </p:cNvCxnSpPr>
+          <p:nvPr/>
+        </p:nvCxnSpPr>
+        <p:spPr>
+          <a:xfrm flipV="1">
+            <a:off x="3135812" y="3090382"/>
+            <a:ext cx="1747733" cy="2613498"/>
+          </a:xfrm>
+          <a:prstGeom prst="line">
+            <a:avLst/>
+          </a:prstGeom>
+        </p:spPr>
+        <p:style>
+          <a:lnRef idx="1">
+            <a:schemeClr val="dk1"/>
+          </a:lnRef>
+          <a:fillRef idx="0">
+            <a:schemeClr val="dk1"/>
+          </a:fillRef>
+          <a:effectRef idx="0">
+            <a:schemeClr val="dk1"/>
+          </a:effectRef>
+          <a:fontRef idx="minor">
+            <a:schemeClr val="tx1"/>
+          </a:fontRef>
+        </p:style>
+      </p:cxnSp>
+      <p:cxnSp>
+        <p:nvCxnSpPr>
+          <p:cNvPr id="44" name="Straight Connector 43">
+            <a:extLst>
+              <a:ext uri="{FF2B5EF4-FFF2-40B4-BE49-F238E27FC236}">
+                <a16:creationId xmlns:a16="http://schemas.microsoft.com/office/drawing/2014/main" id="{40D583E2-94C3-E441-B799-CA4528A38C30}"/>
+              </a:ext>
+            </a:extLst>
+          </p:cNvPr>
+          <p:cNvCxnSpPr>
+            <a:stCxn id="33" idx="6"/>
+          </p:cNvCxnSpPr>
+          <p:nvPr/>
+        </p:nvCxnSpPr>
+        <p:spPr>
+          <a:xfrm flipV="1">
+            <a:off x="3135812" y="4364705"/>
+            <a:ext cx="1747733" cy="1339175"/>
+          </a:xfrm>
+          <a:prstGeom prst="line">
+            <a:avLst/>
+          </a:prstGeom>
+        </p:spPr>
+        <p:style>
+          <a:lnRef idx="1">
+            <a:schemeClr val="dk1"/>
+          </a:lnRef>
+          <a:fillRef idx="0">
+            <a:schemeClr val="dk1"/>
+          </a:fillRef>
+          <a:effectRef idx="0">
+            <a:schemeClr val="dk1"/>
+          </a:effectRef>
+          <a:fontRef idx="minor">
+            <a:schemeClr val="tx1"/>
+          </a:fontRef>
+        </p:style>
+      </p:cxnSp>
+      <p:cxnSp>
+        <p:nvCxnSpPr>
+          <p:cNvPr id="45" name="Straight Connector 44">
+            <a:extLst>
+              <a:ext uri="{FF2B5EF4-FFF2-40B4-BE49-F238E27FC236}">
+                <a16:creationId xmlns:a16="http://schemas.microsoft.com/office/drawing/2014/main" id="{A2C076B3-E5C4-4448-8F2B-C845AAA6E72F}"/>
+              </a:ext>
+            </a:extLst>
+          </p:cNvPr>
+          <p:cNvCxnSpPr>
+            <a:stCxn id="33" idx="6"/>
+            <a:endCxn id="36" idx="2"/>
+          </p:cNvCxnSpPr>
+          <p:nvPr/>
+        </p:nvCxnSpPr>
+        <p:spPr>
+          <a:xfrm>
+            <a:off x="3135812" y="5703880"/>
+            <a:ext cx="1747733" cy="1"/>
+          </a:xfrm>
+          <a:prstGeom prst="line">
+            <a:avLst/>
+          </a:prstGeom>
+        </p:spPr>
+        <p:style>
+          <a:lnRef idx="1">
+            <a:schemeClr val="dk1"/>
+          </a:lnRef>
+          <a:fillRef idx="0">
+            <a:schemeClr val="dk1"/>
+          </a:fillRef>
+          <a:effectRef idx="0">
+            <a:schemeClr val="dk1"/>
+          </a:effectRef>
+          <a:fontRef idx="minor">
+            <a:schemeClr val="tx1"/>
+          </a:fontRef>
+        </p:style>
+      </p:cxnSp>
+      <p:sp>
+        <p:nvSpPr>
+          <p:cNvPr id="46" name="TextBox 45">
+            <a:extLst>
+              <a:ext uri="{FF2B5EF4-FFF2-40B4-BE49-F238E27FC236}">
+                <a16:creationId xmlns:a16="http://schemas.microsoft.com/office/drawing/2014/main" id="{F67C1C4C-CD91-0143-A1DE-B07F9EA3D0B9}"/>
+              </a:ext>
+            </a:extLst>
+          </p:cNvPr>
+          <p:cNvSpPr txBox="1"/>
+          <p:nvPr/>
+        </p:nvSpPr>
+        <p:spPr>
+          <a:xfrm>
+            <a:off x="3399636" y="2858356"/>
+            <a:ext cx="377026" cy="246221"/>
+          </a:xfrm>
+          <a:prstGeom prst="rect">
+            <a:avLst/>
+          </a:prstGeom>
+          <a:noFill/>
+        </p:spPr>
+        <p:txBody>
+          <a:bodyPr wrap="none" rtlCol="0">
+            <a:spAutoFit/>
+          </a:bodyPr>
+          <a:lstStyle/>
+          <a:p>
+            <a:r>
+              <a:rPr lang="en-US" sz="1000" dirty="0"/>
+              <a:t>330</a:t>
+            </a:r>
+          </a:p>
+        </p:txBody>
+      </p:sp>
+      <p:sp>
+        <p:nvSpPr>
+          <p:cNvPr id="47" name="TextBox 46">
+            <a:extLst>
+              <a:ext uri="{FF2B5EF4-FFF2-40B4-BE49-F238E27FC236}">
+                <a16:creationId xmlns:a16="http://schemas.microsoft.com/office/drawing/2014/main" id="{7A51B578-1014-484C-9E14-BF9AC651F543}"/>
+              </a:ext>
+            </a:extLst>
+          </p:cNvPr>
+          <p:cNvSpPr txBox="1"/>
+          <p:nvPr/>
+        </p:nvSpPr>
+        <p:spPr>
+          <a:xfrm rot="1904826">
+            <a:off x="3418327" y="3203501"/>
+            <a:ext cx="392076" cy="246221"/>
+          </a:xfrm>
+          <a:prstGeom prst="rect">
+            <a:avLst/>
+          </a:prstGeom>
+          <a:noFill/>
+        </p:spPr>
+        <p:txBody>
+          <a:bodyPr wrap="square" rtlCol="0">
+            <a:spAutoFit/>
+          </a:bodyPr>
+          <a:lstStyle/>
+          <a:p>
+            <a:r>
+              <a:rPr lang="en-US" sz="1000" dirty="0"/>
+              <a:t>470</a:t>
+            </a:r>
+          </a:p>
+        </p:txBody>
+      </p:sp>
+      <p:sp>
+        <p:nvSpPr>
+          <p:cNvPr id="48" name="TextBox 47">
+            <a:extLst>
+              <a:ext uri="{FF2B5EF4-FFF2-40B4-BE49-F238E27FC236}">
+                <a16:creationId xmlns:a16="http://schemas.microsoft.com/office/drawing/2014/main" id="{99E1A9B6-2E9E-074F-99E3-5B4E62A9D540}"/>
+              </a:ext>
+            </a:extLst>
+          </p:cNvPr>
+          <p:cNvSpPr txBox="1"/>
+          <p:nvPr/>
+        </p:nvSpPr>
+        <p:spPr>
+          <a:xfrm rot="3257111">
+            <a:off x="3374355" y="3522339"/>
+            <a:ext cx="480019" cy="246221"/>
+          </a:xfrm>
+          <a:prstGeom prst="rect">
+            <a:avLst/>
+          </a:prstGeom>
+          <a:noFill/>
+        </p:spPr>
+        <p:txBody>
+          <a:bodyPr wrap="square" rtlCol="0">
+            <a:spAutoFit/>
+          </a:bodyPr>
+          <a:lstStyle/>
+          <a:p>
+            <a:r>
+              <a:rPr lang="en-US" sz="1000" dirty="0"/>
+              <a:t>200</a:t>
+            </a:r>
+          </a:p>
+        </p:txBody>
+      </p:sp>
+      <p:sp>
+        <p:nvSpPr>
+          <p:cNvPr id="49" name="TextBox 48">
+            <a:extLst>
+              <a:ext uri="{FF2B5EF4-FFF2-40B4-BE49-F238E27FC236}">
+                <a16:creationId xmlns:a16="http://schemas.microsoft.com/office/drawing/2014/main" id="{78D31DB9-4FF5-AD4F-B542-AAF87498C270}"/>
+              </a:ext>
+            </a:extLst>
+          </p:cNvPr>
+          <p:cNvSpPr txBox="1"/>
+          <p:nvPr/>
+        </p:nvSpPr>
+        <p:spPr>
+          <a:xfrm rot="19569268">
+            <a:off x="3882470" y="3459603"/>
+            <a:ext cx="377026" cy="246221"/>
+          </a:xfrm>
+          <a:prstGeom prst="rect">
+            <a:avLst/>
+          </a:prstGeom>
+          <a:noFill/>
+        </p:spPr>
+        <p:txBody>
+          <a:bodyPr wrap="none" rtlCol="0">
+            <a:spAutoFit/>
+          </a:bodyPr>
+          <a:lstStyle/>
+          <a:p>
+            <a:r>
+              <a:rPr lang="en-US" sz="1000" dirty="0"/>
+              <a:t>350</a:t>
+            </a:r>
+          </a:p>
+        </p:txBody>
+      </p:sp>
+      <p:sp>
+        <p:nvSpPr>
+          <p:cNvPr id="50" name="TextBox 49">
+            <a:extLst>
+              <a:ext uri="{FF2B5EF4-FFF2-40B4-BE49-F238E27FC236}">
+                <a16:creationId xmlns:a16="http://schemas.microsoft.com/office/drawing/2014/main" id="{A5802CB8-7C1E-A548-9EC0-E937E4F5B0D4}"/>
+              </a:ext>
+            </a:extLst>
+          </p:cNvPr>
+          <p:cNvSpPr txBox="1"/>
+          <p:nvPr/>
+        </p:nvSpPr>
+        <p:spPr>
+          <a:xfrm>
+            <a:off x="4164929" y="4150910"/>
+            <a:ext cx="377026" cy="246221"/>
+          </a:xfrm>
+          <a:prstGeom prst="rect">
+            <a:avLst/>
+          </a:prstGeom>
+          <a:noFill/>
+        </p:spPr>
+        <p:txBody>
+          <a:bodyPr wrap="none" rtlCol="0">
+            <a:spAutoFit/>
+          </a:bodyPr>
+          <a:lstStyle/>
+          <a:p>
+            <a:r>
+              <a:rPr lang="en-US" sz="1000" dirty="0"/>
+              <a:t>450</a:t>
+            </a:r>
+          </a:p>
+        </p:txBody>
+      </p:sp>
+      <p:sp>
+        <p:nvSpPr>
+          <p:cNvPr id="51" name="TextBox 50">
+            <a:extLst>
+              <a:ext uri="{FF2B5EF4-FFF2-40B4-BE49-F238E27FC236}">
+                <a16:creationId xmlns:a16="http://schemas.microsoft.com/office/drawing/2014/main" id="{445CDB89-03DD-D04E-BCBA-49C9E70028D0}"/>
+              </a:ext>
+            </a:extLst>
+          </p:cNvPr>
+          <p:cNvSpPr txBox="1"/>
+          <p:nvPr/>
+        </p:nvSpPr>
+        <p:spPr>
+          <a:xfrm rot="2543047">
+            <a:off x="4045282" y="4986561"/>
+            <a:ext cx="377026" cy="246221"/>
+          </a:xfrm>
+          <a:prstGeom prst="rect">
+            <a:avLst/>
+          </a:prstGeom>
+          <a:noFill/>
+        </p:spPr>
+        <p:txBody>
+          <a:bodyPr wrap="none" rtlCol="0">
+            <a:spAutoFit/>
+          </a:bodyPr>
+          <a:lstStyle/>
+          <a:p>
+            <a:r>
+              <a:rPr lang="en-US" sz="1000" dirty="0"/>
+              <a:t>200</a:t>
+            </a:r>
+          </a:p>
+        </p:txBody>
+      </p:sp>
+      <p:sp>
+        <p:nvSpPr>
+          <p:cNvPr id="52" name="TextBox 51">
+            <a:extLst>
+              <a:ext uri="{FF2B5EF4-FFF2-40B4-BE49-F238E27FC236}">
+                <a16:creationId xmlns:a16="http://schemas.microsoft.com/office/drawing/2014/main" id="{5C7B999B-2ACC-0F4F-8C13-4263E97BE3D2}"/>
+              </a:ext>
+            </a:extLst>
+          </p:cNvPr>
+          <p:cNvSpPr txBox="1"/>
+          <p:nvPr/>
+        </p:nvSpPr>
+        <p:spPr>
+          <a:xfrm rot="18148588">
+            <a:off x="3211123" y="4986560"/>
+            <a:ext cx="377026" cy="246221"/>
+          </a:xfrm>
+          <a:prstGeom prst="rect">
+            <a:avLst/>
+          </a:prstGeom>
+          <a:noFill/>
+        </p:spPr>
+        <p:txBody>
+          <a:bodyPr wrap="none" rtlCol="0">
+            <a:spAutoFit/>
+          </a:bodyPr>
+          <a:lstStyle/>
+          <a:p>
+            <a:r>
+              <a:rPr lang="en-US" sz="1000" dirty="0"/>
+              <a:t>225</a:t>
+            </a:r>
+          </a:p>
+        </p:txBody>
+      </p:sp>
+      <p:sp>
+        <p:nvSpPr>
+          <p:cNvPr id="53" name="TextBox 52">
+            <a:extLst>
+              <a:ext uri="{FF2B5EF4-FFF2-40B4-BE49-F238E27FC236}">
+                <a16:creationId xmlns:a16="http://schemas.microsoft.com/office/drawing/2014/main" id="{B9D96B3F-3E65-7F4A-8525-25D47673795A}"/>
+              </a:ext>
+            </a:extLst>
+          </p:cNvPr>
+          <p:cNvSpPr txBox="1"/>
+          <p:nvPr/>
+        </p:nvSpPr>
+        <p:spPr>
+          <a:xfrm rot="19622608">
+            <a:off x="3389393" y="5151027"/>
+            <a:ext cx="377026" cy="246221"/>
+          </a:xfrm>
+          <a:prstGeom prst="rect">
+            <a:avLst/>
+          </a:prstGeom>
+          <a:noFill/>
+        </p:spPr>
+        <p:txBody>
+          <a:bodyPr wrap="none" rtlCol="0">
+            <a:spAutoFit/>
+          </a:bodyPr>
+          <a:lstStyle/>
+          <a:p>
+            <a:r>
+              <a:rPr lang="en-US" sz="1000" dirty="0"/>
+              <a:t>375</a:t>
+            </a:r>
+          </a:p>
+        </p:txBody>
+      </p:sp>
+      <p:sp>
+        <p:nvSpPr>
+          <p:cNvPr id="54" name="TextBox 53">
+            <a:extLst>
+              <a:ext uri="{FF2B5EF4-FFF2-40B4-BE49-F238E27FC236}">
+                <a16:creationId xmlns:a16="http://schemas.microsoft.com/office/drawing/2014/main" id="{D3D3EDD3-C435-E54F-AD51-A73A3007E096}"/>
+              </a:ext>
+            </a:extLst>
+          </p:cNvPr>
+          <p:cNvSpPr txBox="1"/>
+          <p:nvPr/>
+        </p:nvSpPr>
+        <p:spPr>
+          <a:xfrm>
+            <a:off x="3444950" y="5505219"/>
+            <a:ext cx="377026" cy="246221"/>
+          </a:xfrm>
+          <a:prstGeom prst="rect">
+            <a:avLst/>
+          </a:prstGeom>
+          <a:noFill/>
+        </p:spPr>
+        <p:txBody>
+          <a:bodyPr wrap="none" rtlCol="0">
+            <a:spAutoFit/>
+          </a:bodyPr>
+          <a:lstStyle/>
+          <a:p>
+            <a:r>
+              <a:rPr lang="en-US" sz="1000" dirty="0"/>
+              <a:t>400</a:t>
+            </a:r>
+          </a:p>
+        </p:txBody>
+      </p:sp>
+    </p:spTree>
+    <p:extLst>
+      <p:ext uri="{BB962C8B-B14F-4D97-AF65-F5344CB8AC3E}">
+        <p14:creationId xmlns:p14="http://schemas.microsoft.com/office/powerpoint/2010/main" val="1604125292"/>
+      </p:ext>
+    </p:extLst>
+  </p:cSld>
+  <p:clrMapOvr>
+    <a:masterClrMapping/>
+  </p:clrMapOvr>
+  <p:timing>
+    <p:tnLst>
+      <p:par>
+        <p:cTn id="1" dur="indefinite" restart="never" nodeType="tmRoot">
+          <p:childTnLst>
+            <p:seq concurrent="1" nextAc="seek">
+              <p:cTn id="2" dur="indefinite" nodeType="mainSeq">
+                <p:childTnLst>
+                  <p:par>
+                    <p:cTn id="3" fill="hold">
+                      <p:stCondLst>
+                        <p:cond delay="indefinite"/>
+                      </p:stCondLst>
+                      <p:childTnLst>
+                        <p:par>
+                          <p:cTn id="4" fill="hold">
+                            <p:stCondLst>
+                              <p:cond delay="0"/>
+                            </p:stCondLst>
+                            <p:childTnLst>
+                              <p:par>
+                                <p:cTn id="5" presetID="1" presetClass="entr" presetSubtype="0" fill="hold" grpId="0" nodeType="clickEffect">
+                                  <p:stCondLst>
+                                    <p:cond delay="0"/>
+                                  </p:stCondLst>
+                                  <p:childTnLst>
+                                    <p:set>
+                                      <p:cBhvr>
+                                        <p:cTn id="6" dur="1" fill="hold">
+                                          <p:stCondLst>
+                                            <p:cond delay="0"/>
+                                          </p:stCondLst>
+                                        </p:cTn>
+                                        <p:tgtEl>
+                                          <p:spTgt spid="31"/>
+                                        </p:tgtEl>
+                                        <p:attrNameLst>
+                                          <p:attrName>style.visibility</p:attrName>
+                                        </p:attrNameLst>
+                                      </p:cBhvr>
+                                      <p:to>
+                                        <p:strVal val="visible"/>
+                                      </p:to>
+                                    </p:set>
+                                  </p:childTnLst>
+                                </p:cTn>
+                              </p:par>
+                              <p:par>
+                                <p:cTn id="7" presetID="1" presetClass="entr" presetSubtype="0" fill="hold" grpId="0" nodeType="withEffect">
+                                  <p:stCondLst>
+                                    <p:cond delay="0"/>
+                                  </p:stCondLst>
+                                  <p:childTnLst>
+                                    <p:set>
+                                      <p:cBhvr>
+                                        <p:cTn id="8" dur="1" fill="hold">
+                                          <p:stCondLst>
+                                            <p:cond delay="0"/>
+                                          </p:stCondLst>
+                                        </p:cTn>
+                                        <p:tgtEl>
+                                          <p:spTgt spid="32"/>
+                                        </p:tgtEl>
+                                        <p:attrNameLst>
+                                          <p:attrName>style.visibility</p:attrName>
+                                        </p:attrNameLst>
+                                      </p:cBhvr>
+                                      <p:to>
+                                        <p:strVal val="visible"/>
+                                      </p:to>
+                                    </p:set>
+                                  </p:childTnLst>
+                                </p:cTn>
+                              </p:par>
+                              <p:par>
+                                <p:cTn id="9" presetID="1" presetClass="entr" presetSubtype="0" fill="hold" grpId="0" nodeType="withEffect">
+                                  <p:stCondLst>
+                                    <p:cond delay="0"/>
+                                  </p:stCondLst>
+                                  <p:childTnLst>
+                                    <p:set>
+                                      <p:cBhvr>
+                                        <p:cTn id="10" dur="1" fill="hold">
+                                          <p:stCondLst>
+                                            <p:cond delay="0"/>
+                                          </p:stCondLst>
+                                        </p:cTn>
+                                        <p:tgtEl>
+                                          <p:spTgt spid="33"/>
+                                        </p:tgtEl>
+                                        <p:attrNameLst>
+                                          <p:attrName>style.visibility</p:attrName>
+                                        </p:attrNameLst>
+                                      </p:cBhvr>
+                                      <p:to>
+                                        <p:strVal val="visible"/>
+                                      </p:to>
+                                    </p:set>
+                                  </p:childTnLst>
+                                </p:cTn>
+                              </p:par>
+                              <p:par>
+                                <p:cTn id="11" presetID="1" presetClass="entr" presetSubtype="0" fill="hold" grpId="0" nodeType="withEffect">
+                                  <p:stCondLst>
+                                    <p:cond delay="0"/>
+                                  </p:stCondLst>
+                                  <p:childTnLst>
+                                    <p:set>
+                                      <p:cBhvr>
+                                        <p:cTn id="12" dur="1" fill="hold">
+                                          <p:stCondLst>
+                                            <p:cond delay="0"/>
+                                          </p:stCondLst>
+                                        </p:cTn>
+                                        <p:tgtEl>
+                                          <p:spTgt spid="34"/>
+                                        </p:tgtEl>
+                                        <p:attrNameLst>
+                                          <p:attrName>style.visibility</p:attrName>
+                                        </p:attrNameLst>
+                                      </p:cBhvr>
+                                      <p:to>
+                                        <p:strVal val="visible"/>
+                                      </p:to>
+                                    </p:set>
+                                  </p:childTnLst>
+                                </p:cTn>
+                              </p:par>
+                              <p:par>
+                                <p:cTn id="13" presetID="1" presetClass="entr" presetSubtype="0" fill="hold" grpId="0" nodeType="withEffect">
+                                  <p:stCondLst>
+                                    <p:cond delay="0"/>
+                                  </p:stCondLst>
+                                  <p:childTnLst>
+                                    <p:set>
+                                      <p:cBhvr>
+                                        <p:cTn id="14" dur="1" fill="hold">
+                                          <p:stCondLst>
+                                            <p:cond delay="0"/>
+                                          </p:stCondLst>
+                                        </p:cTn>
+                                        <p:tgtEl>
+                                          <p:spTgt spid="35"/>
+                                        </p:tgtEl>
+                                        <p:attrNameLst>
+                                          <p:attrName>style.visibility</p:attrName>
+                                        </p:attrNameLst>
+                                      </p:cBhvr>
+                                      <p:to>
+                                        <p:strVal val="visible"/>
+                                      </p:to>
+                                    </p:set>
+                                  </p:childTnLst>
+                                </p:cTn>
+                              </p:par>
+                              <p:par>
+                                <p:cTn id="15" presetID="1" presetClass="entr" presetSubtype="0" fill="hold" grpId="0" nodeType="withEffect">
+                                  <p:stCondLst>
+                                    <p:cond delay="0"/>
+                                  </p:stCondLst>
+                                  <p:childTnLst>
+                                    <p:set>
+                                      <p:cBhvr>
+                                        <p:cTn id="16" dur="1" fill="hold">
+                                          <p:stCondLst>
+                                            <p:cond delay="0"/>
+                                          </p:stCondLst>
+                                        </p:cTn>
+                                        <p:tgtEl>
+                                          <p:spTgt spid="36"/>
+                                        </p:tgtEl>
+                                        <p:attrNameLst>
+                                          <p:attrName>style.visibility</p:attrName>
+                                        </p:attrNameLst>
+                                      </p:cBhvr>
+                                      <p:to>
+                                        <p:strVal val="visible"/>
+                                      </p:to>
+                                    </p:set>
+                                  </p:childTnLst>
+                                </p:cTn>
+                              </p:par>
+                              <p:par>
+                                <p:cTn id="17" presetID="1" presetClass="entr" presetSubtype="0" fill="hold" nodeType="withEffect">
+                                  <p:stCondLst>
+                                    <p:cond delay="0"/>
+                                  </p:stCondLst>
+                                  <p:childTnLst>
+                                    <p:set>
+                                      <p:cBhvr>
+                                        <p:cTn id="18" dur="1" fill="hold">
+                                          <p:stCondLst>
+                                            <p:cond delay="0"/>
+                                          </p:stCondLst>
+                                        </p:cTn>
+                                        <p:tgtEl>
+                                          <p:spTgt spid="37"/>
+                                        </p:tgtEl>
+                                        <p:attrNameLst>
+                                          <p:attrName>style.visibility</p:attrName>
+                                        </p:attrNameLst>
+                                      </p:cBhvr>
+                                      <p:to>
+                                        <p:strVal val="visible"/>
+                                      </p:to>
+                                    </p:set>
+                                  </p:childTnLst>
+                                </p:cTn>
+                              </p:par>
+                              <p:par>
+                                <p:cTn id="19" presetID="1" presetClass="entr" presetSubtype="0" fill="hold" nodeType="withEffect">
+                                  <p:stCondLst>
+                                    <p:cond delay="0"/>
+                                  </p:stCondLst>
+                                  <p:childTnLst>
+                                    <p:set>
+                                      <p:cBhvr>
+                                        <p:cTn id="20" dur="1" fill="hold">
+                                          <p:stCondLst>
+                                            <p:cond delay="0"/>
+                                          </p:stCondLst>
+                                        </p:cTn>
+                                        <p:tgtEl>
+                                          <p:spTgt spid="38"/>
+                                        </p:tgtEl>
+                                        <p:attrNameLst>
+                                          <p:attrName>style.visibility</p:attrName>
+                                        </p:attrNameLst>
+                                      </p:cBhvr>
+                                      <p:to>
+                                        <p:strVal val="visible"/>
+                                      </p:to>
+                                    </p:set>
+                                  </p:childTnLst>
+                                </p:cTn>
+                              </p:par>
+                              <p:par>
+                                <p:cTn id="21" presetID="1" presetClass="entr" presetSubtype="0" fill="hold" nodeType="withEffect">
+                                  <p:stCondLst>
+                                    <p:cond delay="0"/>
+                                  </p:stCondLst>
+                                  <p:childTnLst>
+                                    <p:set>
+                                      <p:cBhvr>
+                                        <p:cTn id="22" dur="1" fill="hold">
+                                          <p:stCondLst>
+                                            <p:cond delay="0"/>
+                                          </p:stCondLst>
+                                        </p:cTn>
+                                        <p:tgtEl>
+                                          <p:spTgt spid="39"/>
+                                        </p:tgtEl>
+                                        <p:attrNameLst>
+                                          <p:attrName>style.visibility</p:attrName>
+                                        </p:attrNameLst>
+                                      </p:cBhvr>
+                                      <p:to>
+                                        <p:strVal val="visible"/>
+                                      </p:to>
+                                    </p:set>
+                                  </p:childTnLst>
+                                </p:cTn>
+                              </p:par>
+                              <p:par>
+                                <p:cTn id="23" presetID="1" presetClass="entr" presetSubtype="0" fill="hold" nodeType="withEffect">
+                                  <p:stCondLst>
+                                    <p:cond delay="0"/>
+                                  </p:stCondLst>
+                                  <p:childTnLst>
+                                    <p:set>
+                                      <p:cBhvr>
+                                        <p:cTn id="24" dur="1" fill="hold">
+                                          <p:stCondLst>
+                                            <p:cond delay="0"/>
+                                          </p:stCondLst>
+                                        </p:cTn>
+                                        <p:tgtEl>
+                                          <p:spTgt spid="40"/>
+                                        </p:tgtEl>
+                                        <p:attrNameLst>
+                                          <p:attrName>style.visibility</p:attrName>
+                                        </p:attrNameLst>
+                                      </p:cBhvr>
+                                      <p:to>
+                                        <p:strVal val="visible"/>
+                                      </p:to>
+                                    </p:set>
+                                  </p:childTnLst>
+                                </p:cTn>
+                              </p:par>
+                              <p:par>
+                                <p:cTn id="25" presetID="1" presetClass="entr" presetSubtype="0" fill="hold" nodeType="withEffect">
+                                  <p:stCondLst>
+                                    <p:cond delay="0"/>
+                                  </p:stCondLst>
+                                  <p:childTnLst>
+                                    <p:set>
+                                      <p:cBhvr>
+                                        <p:cTn id="26" dur="1" fill="hold">
+                                          <p:stCondLst>
+                                            <p:cond delay="0"/>
+                                          </p:stCondLst>
+                                        </p:cTn>
+                                        <p:tgtEl>
+                                          <p:spTgt spid="41"/>
+                                        </p:tgtEl>
+                                        <p:attrNameLst>
+                                          <p:attrName>style.visibility</p:attrName>
+                                        </p:attrNameLst>
+                                      </p:cBhvr>
+                                      <p:to>
+                                        <p:strVal val="visible"/>
+                                      </p:to>
+                                    </p:set>
+                                  </p:childTnLst>
+                                </p:cTn>
+                              </p:par>
+                              <p:par>
+                                <p:cTn id="27" presetID="1" presetClass="entr" presetSubtype="0" fill="hold" nodeType="withEffect">
+                                  <p:stCondLst>
+                                    <p:cond delay="0"/>
+                                  </p:stCondLst>
+                                  <p:childTnLst>
+                                    <p:set>
+                                      <p:cBhvr>
+                                        <p:cTn id="28" dur="1" fill="hold">
+                                          <p:stCondLst>
+                                            <p:cond delay="0"/>
+                                          </p:stCondLst>
+                                        </p:cTn>
+                                        <p:tgtEl>
+                                          <p:spTgt spid="42"/>
+                                        </p:tgtEl>
+                                        <p:attrNameLst>
+                                          <p:attrName>style.visibility</p:attrName>
+                                        </p:attrNameLst>
+                                      </p:cBhvr>
+                                      <p:to>
+                                        <p:strVal val="visible"/>
+                                      </p:to>
+                                    </p:set>
+                                  </p:childTnLst>
+                                </p:cTn>
+                              </p:par>
+                              <p:par>
+                                <p:cTn id="29" presetID="1" presetClass="entr" presetSubtype="0" fill="hold" nodeType="withEffect">
+                                  <p:stCondLst>
+                                    <p:cond delay="0"/>
+                                  </p:stCondLst>
+                                  <p:childTnLst>
+                                    <p:set>
+                                      <p:cBhvr>
+                                        <p:cTn id="30" dur="1" fill="hold">
+                                          <p:stCondLst>
+                                            <p:cond delay="0"/>
+                                          </p:stCondLst>
+                                        </p:cTn>
+                                        <p:tgtEl>
+                                          <p:spTgt spid="43"/>
+                                        </p:tgtEl>
+                                        <p:attrNameLst>
+                                          <p:attrName>style.visibility</p:attrName>
+                                        </p:attrNameLst>
+                                      </p:cBhvr>
+                                      <p:to>
+                                        <p:strVal val="visible"/>
+                                      </p:to>
+                                    </p:set>
+                                  </p:childTnLst>
+                                </p:cTn>
+                              </p:par>
+                              <p:par>
+                                <p:cTn id="31" presetID="1" presetClass="entr" presetSubtype="0" fill="hold" nodeType="withEffect">
+                                  <p:stCondLst>
+                                    <p:cond delay="0"/>
+                                  </p:stCondLst>
+                                  <p:childTnLst>
+                                    <p:set>
+                                      <p:cBhvr>
+                                        <p:cTn id="32" dur="1" fill="hold">
+                                          <p:stCondLst>
+                                            <p:cond delay="0"/>
+                                          </p:stCondLst>
+                                        </p:cTn>
+                                        <p:tgtEl>
+                                          <p:spTgt spid="44"/>
+                                        </p:tgtEl>
+                                        <p:attrNameLst>
+                                          <p:attrName>style.visibility</p:attrName>
+                                        </p:attrNameLst>
+                                      </p:cBhvr>
+                                      <p:to>
+                                        <p:strVal val="visible"/>
+                                      </p:to>
+                                    </p:set>
+                                  </p:childTnLst>
+                                </p:cTn>
+                              </p:par>
+                              <p:par>
+                                <p:cTn id="33" presetID="1" presetClass="entr" presetSubtype="0" fill="hold" nodeType="withEffect">
+                                  <p:stCondLst>
+                                    <p:cond delay="0"/>
+                                  </p:stCondLst>
+                                  <p:childTnLst>
+                                    <p:set>
+                                      <p:cBhvr>
+                                        <p:cTn id="34" dur="1" fill="hold">
+                                          <p:stCondLst>
+                                            <p:cond delay="0"/>
+                                          </p:stCondLst>
+                                        </p:cTn>
+                                        <p:tgtEl>
+                                          <p:spTgt spid="45"/>
+                                        </p:tgtEl>
+                                        <p:attrNameLst>
+                                          <p:attrName>style.visibility</p:attrName>
+                                        </p:attrNameLst>
+                                      </p:cBhvr>
+                                      <p:to>
+                                        <p:strVal val="visible"/>
+                                      </p:to>
+                                    </p:set>
+                                  </p:childTnLst>
+                                </p:cTn>
+                              </p:par>
+                              <p:par>
+                                <p:cTn id="35" presetID="1" presetClass="entr" presetSubtype="0" fill="hold" grpId="0" nodeType="withEffect">
+                                  <p:stCondLst>
+                                    <p:cond delay="0"/>
+                                  </p:stCondLst>
+                                  <p:childTnLst>
+                                    <p:set>
+                                      <p:cBhvr>
+                                        <p:cTn id="36" dur="1" fill="hold">
+                                          <p:stCondLst>
+                                            <p:cond delay="0"/>
+                                          </p:stCondLst>
+                                        </p:cTn>
+                                        <p:tgtEl>
+                                          <p:spTgt spid="46"/>
+                                        </p:tgtEl>
+                                        <p:attrNameLst>
+                                          <p:attrName>style.visibility</p:attrName>
+                                        </p:attrNameLst>
+                                      </p:cBhvr>
+                                      <p:to>
+                                        <p:strVal val="visible"/>
+                                      </p:to>
+                                    </p:set>
+                                  </p:childTnLst>
+                                </p:cTn>
+                              </p:par>
+                              <p:par>
+                                <p:cTn id="37" presetID="1" presetClass="entr" presetSubtype="0" fill="hold" grpId="0" nodeType="withEffect">
+                                  <p:stCondLst>
+                                    <p:cond delay="0"/>
+                                  </p:stCondLst>
+                                  <p:childTnLst>
+                                    <p:set>
+                                      <p:cBhvr>
+                                        <p:cTn id="38" dur="1" fill="hold">
+                                          <p:stCondLst>
+                                            <p:cond delay="0"/>
+                                          </p:stCondLst>
+                                        </p:cTn>
+                                        <p:tgtEl>
+                                          <p:spTgt spid="47"/>
+                                        </p:tgtEl>
+                                        <p:attrNameLst>
+                                          <p:attrName>style.visibility</p:attrName>
+                                        </p:attrNameLst>
+                                      </p:cBhvr>
+                                      <p:to>
+                                        <p:strVal val="visible"/>
+                                      </p:to>
+                                    </p:set>
+                                  </p:childTnLst>
+                                </p:cTn>
+                              </p:par>
+                              <p:par>
+                                <p:cTn id="39" presetID="1" presetClass="entr" presetSubtype="0" fill="hold" grpId="0" nodeType="withEffect">
+                                  <p:stCondLst>
+                                    <p:cond delay="0"/>
+                                  </p:stCondLst>
+                                  <p:childTnLst>
+                                    <p:set>
+                                      <p:cBhvr>
+                                        <p:cTn id="40" dur="1" fill="hold">
+                                          <p:stCondLst>
+                                            <p:cond delay="0"/>
+                                          </p:stCondLst>
+                                        </p:cTn>
+                                        <p:tgtEl>
+                                          <p:spTgt spid="48"/>
+                                        </p:tgtEl>
+                                        <p:attrNameLst>
+                                          <p:attrName>style.visibility</p:attrName>
+                                        </p:attrNameLst>
+                                      </p:cBhvr>
+                                      <p:to>
+                                        <p:strVal val="visible"/>
+                                      </p:to>
+                                    </p:set>
+                                  </p:childTnLst>
+                                </p:cTn>
+                              </p:par>
+                              <p:par>
+                                <p:cTn id="41" presetID="1" presetClass="entr" presetSubtype="0" fill="hold" grpId="0" nodeType="withEffect">
+                                  <p:stCondLst>
+                                    <p:cond delay="0"/>
+                                  </p:stCondLst>
+                                  <p:childTnLst>
+                                    <p:set>
+                                      <p:cBhvr>
+                                        <p:cTn id="42" dur="1" fill="hold">
+                                          <p:stCondLst>
+                                            <p:cond delay="0"/>
+                                          </p:stCondLst>
+                                        </p:cTn>
+                                        <p:tgtEl>
+                                          <p:spTgt spid="49"/>
+                                        </p:tgtEl>
+                                        <p:attrNameLst>
+                                          <p:attrName>style.visibility</p:attrName>
+                                        </p:attrNameLst>
+                                      </p:cBhvr>
+                                      <p:to>
+                                        <p:strVal val="visible"/>
+                                      </p:to>
+                                    </p:set>
+                                  </p:childTnLst>
+                                </p:cTn>
+                              </p:par>
+                              <p:par>
+                                <p:cTn id="43" presetID="1" presetClass="entr" presetSubtype="0" fill="hold" grpId="0" nodeType="withEffect">
+                                  <p:stCondLst>
+                                    <p:cond delay="0"/>
+                                  </p:stCondLst>
+                                  <p:childTnLst>
+                                    <p:set>
+                                      <p:cBhvr>
+                                        <p:cTn id="44" dur="1" fill="hold">
+                                          <p:stCondLst>
+                                            <p:cond delay="0"/>
+                                          </p:stCondLst>
+                                        </p:cTn>
+                                        <p:tgtEl>
+                                          <p:spTgt spid="50"/>
+                                        </p:tgtEl>
+                                        <p:attrNameLst>
+                                          <p:attrName>style.visibility</p:attrName>
+                                        </p:attrNameLst>
+                                      </p:cBhvr>
+                                      <p:to>
+                                        <p:strVal val="visible"/>
+                                      </p:to>
+                                    </p:set>
+                                  </p:childTnLst>
+                                </p:cTn>
+                              </p:par>
+                              <p:par>
+                                <p:cTn id="45" presetID="1" presetClass="entr" presetSubtype="0" fill="hold" grpId="0" nodeType="withEffect">
+                                  <p:stCondLst>
+                                    <p:cond delay="0"/>
+                                  </p:stCondLst>
+                                  <p:childTnLst>
+                                    <p:set>
+                                      <p:cBhvr>
+                                        <p:cTn id="46" dur="1" fill="hold">
+                                          <p:stCondLst>
+                                            <p:cond delay="0"/>
+                                          </p:stCondLst>
+                                        </p:cTn>
+                                        <p:tgtEl>
+                                          <p:spTgt spid="51"/>
+                                        </p:tgtEl>
+                                        <p:attrNameLst>
+                                          <p:attrName>style.visibility</p:attrName>
+                                        </p:attrNameLst>
+                                      </p:cBhvr>
+                                      <p:to>
+                                        <p:strVal val="visible"/>
+                                      </p:to>
+                                    </p:set>
+                                  </p:childTnLst>
+                                </p:cTn>
+                              </p:par>
+                              <p:par>
+                                <p:cTn id="47" presetID="1" presetClass="entr" presetSubtype="0" fill="hold" grpId="0" nodeType="withEffect">
+                                  <p:stCondLst>
+                                    <p:cond delay="0"/>
+                                  </p:stCondLst>
+                                  <p:childTnLst>
+                                    <p:set>
+                                      <p:cBhvr>
+                                        <p:cTn id="48" dur="1" fill="hold">
+                                          <p:stCondLst>
+                                            <p:cond delay="0"/>
+                                          </p:stCondLst>
+                                        </p:cTn>
+                                        <p:tgtEl>
+                                          <p:spTgt spid="52"/>
+                                        </p:tgtEl>
+                                        <p:attrNameLst>
+                                          <p:attrName>style.visibility</p:attrName>
+                                        </p:attrNameLst>
+                                      </p:cBhvr>
+                                      <p:to>
+                                        <p:strVal val="visible"/>
+                                      </p:to>
+                                    </p:set>
+                                  </p:childTnLst>
+                                </p:cTn>
+                              </p:par>
+                              <p:par>
+                                <p:cTn id="49" presetID="1" presetClass="entr" presetSubtype="0" fill="hold" grpId="0" nodeType="withEffect">
+                                  <p:stCondLst>
+                                    <p:cond delay="0"/>
+                                  </p:stCondLst>
+                                  <p:childTnLst>
+                                    <p:set>
+                                      <p:cBhvr>
+                                        <p:cTn id="50" dur="1" fill="hold">
+                                          <p:stCondLst>
+                                            <p:cond delay="0"/>
+                                          </p:stCondLst>
+                                        </p:cTn>
+                                        <p:tgtEl>
+                                          <p:spTgt spid="53"/>
+                                        </p:tgtEl>
+                                        <p:attrNameLst>
+                                          <p:attrName>style.visibility</p:attrName>
+                                        </p:attrNameLst>
+                                      </p:cBhvr>
+                                      <p:to>
+                                        <p:strVal val="visible"/>
+                                      </p:to>
+                                    </p:set>
+                                  </p:childTnLst>
+                                </p:cTn>
+                              </p:par>
+                              <p:par>
+                                <p:cTn id="51" presetID="1" presetClass="entr" presetSubtype="0" fill="hold" grpId="0" nodeType="withEffect">
+                                  <p:stCondLst>
+                                    <p:cond delay="0"/>
+                                  </p:stCondLst>
+                                  <p:childTnLst>
+                                    <p:set>
+                                      <p:cBhvr>
+                                        <p:cTn id="52" dur="1" fill="hold">
+                                          <p:stCondLst>
+                                            <p:cond delay="0"/>
+                                          </p:stCondLst>
+                                        </p:cTn>
+                                        <p:tgtEl>
+                                          <p:spTgt spid="54"/>
+                                        </p:tgtEl>
+                                        <p:attrNameLst>
+                                          <p:attrName>style.visibility</p:attrName>
+                                        </p:attrNameLst>
+                                      </p:cBhvr>
+                                      <p:to>
+                                        <p:strVal val="visible"/>
+                                      </p:to>
+                                    </p:set>
+                                  </p:childTnLst>
+                                </p:cTn>
+                              </p:par>
+                            </p:childTnLst>
+                          </p:cTn>
+                        </p:par>
+                      </p:childTnLst>
+                    </p:cTn>
+                  </p:par>
+                  <p:par>
+                    <p:cTn id="53" fill="hold">
+                      <p:stCondLst>
+                        <p:cond delay="indefinite"/>
+                      </p:stCondLst>
+                      <p:childTnLst>
+                        <p:par>
+                          <p:cTn id="54" fill="hold">
+                            <p:stCondLst>
+                              <p:cond delay="0"/>
+                            </p:stCondLst>
+                            <p:childTnLst>
+                              <p:par>
+                                <p:cTn id="55" presetID="1" presetClass="entr" presetSubtype="0" fill="hold" grpId="0" nodeType="clickEffect">
+                                  <p:stCondLst>
+                                    <p:cond delay="0"/>
+                                  </p:stCondLst>
+                                  <p:childTnLst>
+                                    <p:set>
+                                      <p:cBhvr>
+                                        <p:cTn id="56" dur="1" fill="hold">
+                                          <p:stCondLst>
+                                            <p:cond delay="0"/>
+                                          </p:stCondLst>
+                                        </p:cTn>
+                                        <p:tgtEl>
+                                          <p:spTgt spid="30"/>
+                                        </p:tgtEl>
+                                        <p:attrNameLst>
+                                          <p:attrName>style.visibility</p:attrName>
+                                        </p:attrNameLst>
+                                      </p:cBhvr>
+                                      <p:to>
+                                        <p:strVal val="visible"/>
+                                      </p:to>
+                                    </p:set>
+                                  </p:childTnLst>
+                                </p:cTn>
+                              </p:par>
+                              <p:par>
+                                <p:cTn id="57" presetID="1" presetClass="entr" presetSubtype="0" fill="hold" grpId="0" nodeType="withEffect">
+                                  <p:stCondLst>
+                                    <p:cond delay="0"/>
+                                  </p:stCondLst>
+                                  <p:childTnLst>
+                                    <p:set>
+                                      <p:cBhvr>
+                                        <p:cTn id="58" dur="1" fill="hold">
+                                          <p:stCondLst>
+                                            <p:cond delay="0"/>
+                                          </p:stCondLst>
+                                        </p:cTn>
+                                        <p:tgtEl>
+                                          <p:spTgt spid="29"/>
+                                        </p:tgtEl>
+                                        <p:attrNameLst>
+                                          <p:attrName>style.visibility</p:attrName>
+                                        </p:attrNameLst>
+                                      </p:cBhvr>
+                                      <p:to>
+                                        <p:strVal val="visible"/>
+                                      </p:to>
+                                    </p:set>
+                                  </p:childTnLst>
+                                </p:cTn>
+                              </p:par>
+                              <p:par>
+                                <p:cTn id="59" presetID="1" presetClass="entr" presetSubtype="0" fill="hold" grpId="0" nodeType="withEffect">
+                                  <p:stCondLst>
+                                    <p:cond delay="0"/>
+                                  </p:stCondLst>
+                                  <p:childTnLst>
+                                    <p:set>
+                                      <p:cBhvr>
+                                        <p:cTn id="60" dur="1" fill="hold">
+                                          <p:stCondLst>
+                                            <p:cond delay="0"/>
+                                          </p:stCondLst>
+                                        </p:cTn>
+                                        <p:tgtEl>
+                                          <p:spTgt spid="28"/>
+                                        </p:tgtEl>
+                                        <p:attrNameLst>
+                                          <p:attrName>style.visibility</p:attrName>
+                                        </p:attrNameLst>
+                                      </p:cBhvr>
+                                      <p:to>
+                                        <p:strVal val="visible"/>
+                                      </p:to>
+                                    </p:set>
+                                  </p:childTnLst>
+                                </p:cTn>
+                              </p:par>
+                            </p:childTnLst>
+                          </p:cTn>
+                        </p:par>
+                      </p:childTnLst>
+                    </p:cTn>
+                  </p:par>
+                  <p:par>
+                    <p:cTn id="61" fill="hold">
+                      <p:stCondLst>
+                        <p:cond delay="indefinite"/>
+                      </p:stCondLst>
+                      <p:childTnLst>
+                        <p:par>
+                          <p:cTn id="62" fill="hold">
+                            <p:stCondLst>
+                              <p:cond delay="0"/>
+                            </p:stCondLst>
+                            <p:childTnLst>
+                              <p:par>
+                                <p:cTn id="63" presetID="1" presetClass="entr" presetSubtype="0" fill="hold" grpId="0" nodeType="clickEffect">
+                                  <p:stCondLst>
+                                    <p:cond delay="0"/>
+                                  </p:stCondLst>
+                                  <p:childTnLst>
+                                    <p:set>
+                                      <p:cBhvr>
+                                        <p:cTn id="64" dur="1" fill="hold">
+                                          <p:stCondLst>
+                                            <p:cond delay="0"/>
+                                          </p:stCondLst>
+                                        </p:cTn>
+                                        <p:tgtEl>
+                                          <p:spTgt spid="3">
+                                            <p:txEl>
+                                              <p:pRg st="0" end="0"/>
+                                            </p:txEl>
+                                          </p:spTgt>
+                                        </p:tgtEl>
+                                        <p:attrNameLst>
+                                          <p:attrName>style.visibility</p:attrName>
+                                        </p:attrNameLst>
+                                      </p:cBhvr>
+                                      <p:to>
+                                        <p:strVal val="visible"/>
+                                      </p:to>
+                                    </p:set>
+                                  </p:childTnLst>
+                                </p:cTn>
+                              </p:par>
+                            </p:childTnLst>
+                          </p:cTn>
+                        </p:par>
+                      </p:childTnLst>
+                    </p:cTn>
+                  </p:par>
+                  <p:par>
+                    <p:cTn id="65" fill="hold">
+                      <p:stCondLst>
+                        <p:cond delay="indefinite"/>
+                      </p:stCondLst>
+                      <p:childTnLst>
+                        <p:par>
+                          <p:cTn id="66" fill="hold">
+                            <p:stCondLst>
+                              <p:cond delay="0"/>
+                            </p:stCondLst>
+                            <p:childTnLst>
+                              <p:par>
+                                <p:cTn id="67" presetID="1" presetClass="entr" presetSubtype="0" fill="hold" grpId="0" nodeType="clickEffect">
+                                  <p:stCondLst>
+                                    <p:cond delay="0"/>
+                                  </p:stCondLst>
+                                  <p:childTnLst>
+                                    <p:set>
+                                      <p:cBhvr>
+                                        <p:cTn id="68" dur="1" fill="hold">
+                                          <p:stCondLst>
+                                            <p:cond delay="0"/>
+                                          </p:stCondLst>
+                                        </p:cTn>
+                                        <p:tgtEl>
+                                          <p:spTgt spid="3">
+                                            <p:txEl>
+                                              <p:pRg st="1" end="1"/>
+                                            </p:txEl>
+                                          </p:spTgt>
+                                        </p:tgtEl>
+                                        <p:attrNameLst>
+                                          <p:attrName>style.visibility</p:attrName>
+                                        </p:attrNameLst>
+                                      </p:cBhvr>
+                                      <p:to>
+                                        <p:strVal val="visible"/>
+                                      </p:to>
+                                    </p:set>
+                                  </p:childTnLst>
+                                </p:cTn>
+                              </p:par>
+                            </p:childTnLst>
+                          </p:cTn>
+                        </p:par>
+                      </p:childTnLst>
+                    </p:cTn>
+                  </p:par>
+                  <p:par>
+                    <p:cTn id="69" fill="hold">
+                      <p:stCondLst>
+                        <p:cond delay="indefinite"/>
+                      </p:stCondLst>
+                      <p:childTnLst>
+                        <p:par>
+                          <p:cTn id="70" fill="hold">
+                            <p:stCondLst>
+                              <p:cond delay="0"/>
+                            </p:stCondLst>
+                            <p:childTnLst>
+                              <p:par>
+                                <p:cTn id="71" presetID="1" presetClass="entr" presetSubtype="0" fill="hold" grpId="0" nodeType="clickEffect">
+                                  <p:stCondLst>
+                                    <p:cond delay="0"/>
+                                  </p:stCondLst>
+                                  <p:childTnLst>
+                                    <p:set>
+                                      <p:cBhvr>
+                                        <p:cTn id="72" dur="1" fill="hold">
+                                          <p:stCondLst>
+                                            <p:cond delay="0"/>
+                                          </p:stCondLst>
+                                        </p:cTn>
+                                        <p:tgtEl>
+                                          <p:spTgt spid="3">
+                                            <p:txEl>
+                                              <p:pRg st="2" end="2"/>
+                                            </p:txEl>
+                                          </p:spTgt>
+                                        </p:tgtEl>
+                                        <p:attrNameLst>
+                                          <p:attrName>style.visibility</p:attrName>
+                                        </p:attrNameLst>
+                                      </p:cBhvr>
+                                      <p:to>
+                                        <p:strVal val="visible"/>
+                                      </p:to>
+                                    </p:set>
+                                  </p:childTnLst>
+                                </p:cTn>
+                              </p:par>
+                            </p:childTnLst>
+                          </p:cTn>
+                        </p:par>
+                      </p:childTnLst>
+                    </p:cTn>
+                  </p:par>
+                </p:childTnLst>
+              </p:cTn>
+              <p:prevCondLst>
+                <p:cond evt="onPrev" delay="0">
+                  <p:tgtEl>
+                    <p:sldTgt/>
+                  </p:tgtEl>
+                </p:cond>
+              </p:prevCondLst>
+              <p:nextCondLst>
+                <p:cond evt="onNext" delay="0">
+                  <p:tgtEl>
+                    <p:sldTgt/>
+                  </p:tgtEl>
+                </p:cond>
+              </p:nextCondLst>
+            </p:seq>
+          </p:childTnLst>
+        </p:cTn>
+      </p:par>
+    </p:tnLst>
+    <p:bldLst>
+      <p:bldP spid="3" grpId="0" build="p"/>
+      <p:bldP spid="28" grpId="0" animBg="1"/>
+      <p:bldP spid="29" grpId="0" animBg="1"/>
+      <p:bldP spid="30" grpId="0" animBg="1"/>
+      <p:bldP spid="31" grpId="0" animBg="1"/>
+      <p:bldP spid="32" grpId="0" animBg="1"/>
+      <p:bldP spid="33" grpId="0" animBg="1"/>
+      <p:bldP spid="34" grpId="0" animBg="1"/>
+      <p:bldP spid="35" grpId="0" animBg="1"/>
+      <p:bldP spid="36" grpId="0" animBg="1"/>
+      <p:bldP spid="46" grpId="0"/>
+      <p:bldP spid="47" grpId="0"/>
+      <p:bldP spid="48" grpId="0"/>
+      <p:bldP spid="49" grpId="0"/>
+      <p:bldP spid="50" grpId="0"/>
+      <p:bldP spid="51" grpId="0"/>
+      <p:bldP spid="52" grpId="0"/>
+      <p:bldP spid="53" grpId="0"/>
+      <p:bldP spid="54" grpId="0"/>
+    </p:bldLst>
+  </p:timing>
+</p:sld>
+</file>
+
+<file path=ppt/slides/slide11.xml><?xml version="1.0" encoding="utf-8"?>
+<p:sld xmlns:a="http://schemas.openxmlformats.org/drawingml/2006/main" xmlns:r="http://schemas.openxmlformats.org/officeDocument/2006/relationships" xmlns:p="http://schemas.openxmlformats.org/presentationml/2006/main">
+  <p:cSld>
+    <p:spTree>
+      <p:nvGrpSpPr>
+        <p:cNvPr id="1" name=""/>
+        <p:cNvGrpSpPr/>
+        <p:nvPr/>
+      </p:nvGrpSpPr>
+      <p:grpSpPr>
+        <a:xfrm>
+          <a:off x="0" y="0"/>
+          <a:ext cx="0" cy="0"/>
+          <a:chOff x="0" y="0"/>
+          <a:chExt cx="0" cy="0"/>
+        </a:xfrm>
+      </p:grpSpPr>
+      <p:sp>
+        <p:nvSpPr>
+          <p:cNvPr id="2" name="Title 1">
+            <a:extLst>
+              <a:ext uri="{FF2B5EF4-FFF2-40B4-BE49-F238E27FC236}">
+                <a16:creationId xmlns:a16="http://schemas.microsoft.com/office/drawing/2014/main" id="{C9A75F1D-FE16-4543-955B-3891D3B744CF}"/>
+              </a:ext>
+            </a:extLst>
+          </p:cNvPr>
+          <p:cNvSpPr>
+            <a:spLocks noGrp="1"/>
+          </p:cNvSpPr>
+          <p:nvPr>
+            <p:ph type="title"/>
+          </p:nvPr>
+        </p:nvSpPr>
+        <p:spPr/>
+        <p:txBody>
+          <a:bodyPr/>
+          <a:lstStyle/>
+          <a:p>
+            <a:r>
+              <a:rPr lang="en-US" dirty="0"/>
+              <a:t>Results of </a:t>
+            </a:r>
+            <a:r>
+              <a:rPr lang="en-US" dirty="0" err="1"/>
+              <a:t>mwbm</a:t>
+            </a:r>
+            <a:endParaRPr lang="en-US" dirty="0"/>
+          </a:p>
+        </p:txBody>
+      </p:sp>
+      <p:sp>
+        <p:nvSpPr>
+          <p:cNvPr id="3" name="Content Placeholder 2">
+            <a:extLst>
+              <a:ext uri="{FF2B5EF4-FFF2-40B4-BE49-F238E27FC236}">
+                <a16:creationId xmlns:a16="http://schemas.microsoft.com/office/drawing/2014/main" id="{9703E16B-914F-9343-A646-9A067232CFFA}"/>
+              </a:ext>
+            </a:extLst>
+          </p:cNvPr>
+          <p:cNvSpPr>
+            <a:spLocks noGrp="1"/>
+          </p:cNvSpPr>
+          <p:nvPr>
+            <p:ph idx="1"/>
+          </p:nvPr>
+        </p:nvSpPr>
+        <p:spPr>
+          <a:xfrm>
+            <a:off x="2229738" y="4820479"/>
+            <a:ext cx="7731126" cy="1128270"/>
+          </a:xfrm>
+        </p:spPr>
+        <p:txBody>
+          <a:bodyPr>
+            <a:normAutofit fontScale="92500"/>
+          </a:bodyPr>
+          <a:lstStyle/>
+          <a:p>
+            <a:r>
+              <a:rPr lang="en-US" dirty="0"/>
+              <a:t>The maximum weighted bipartite matching ensures </a:t>
+            </a:r>
+            <a:r>
+              <a:rPr lang="en-US" b="1" i="1" dirty="0"/>
+              <a:t>fairness</a:t>
+            </a:r>
+            <a:r>
+              <a:rPr lang="en-US" dirty="0"/>
+              <a:t> of room allocation.</a:t>
+            </a:r>
+          </a:p>
+          <a:p>
+            <a:r>
+              <a:rPr lang="en-US" dirty="0"/>
+              <a:t>The sum of allotted prices exceeds the total rent.</a:t>
+            </a:r>
+          </a:p>
+          <a:p>
+            <a:r>
+              <a:rPr lang="en-US" dirty="0"/>
+              <a:t>A linear optimization is done using </a:t>
+            </a:r>
+            <a:r>
+              <a:rPr lang="en-US" dirty="0" err="1"/>
+              <a:t>scipy.optimize</a:t>
+            </a:r>
+            <a:r>
+              <a:rPr lang="en-US" dirty="0"/>
+              <a:t>() which uses the simplex method.</a:t>
+            </a:r>
+          </a:p>
+        </p:txBody>
+      </p:sp>
+      <p:graphicFrame>
+        <p:nvGraphicFramePr>
+          <p:cNvPr id="4" name="Content Placeholder 3">
+            <a:extLst>
+              <a:ext uri="{FF2B5EF4-FFF2-40B4-BE49-F238E27FC236}">
+                <a16:creationId xmlns:a16="http://schemas.microsoft.com/office/drawing/2014/main" id="{CD43084F-D993-B342-96B6-DF19B14ED7FF}"/>
+              </a:ext>
+            </a:extLst>
+          </p:cNvPr>
+          <p:cNvGraphicFramePr>
+            <a:graphicFrameLocks/>
+          </p:cNvGraphicFramePr>
+          <p:nvPr>
+            <p:extLst>
+              <p:ext uri="{D42A27DB-BD31-4B8C-83A1-F6EECF244321}">
+                <p14:modId xmlns:p14="http://schemas.microsoft.com/office/powerpoint/2010/main" val="2674455610"/>
+              </p:ext>
+            </p:extLst>
+          </p:nvPr>
+        </p:nvGraphicFramePr>
+        <p:xfrm>
+          <a:off x="2229738" y="2638044"/>
+          <a:ext cx="7731126" cy="1854200"/>
+        </p:xfrm>
+        <a:graphic>
+          <a:graphicData uri="http://schemas.openxmlformats.org/drawingml/2006/table">
+            <a:tbl>
+              <a:tblPr firstRow="1" bandRow="1">
+                <a:tableStyleId>{21E4AEA4-8DFA-4A89-87EB-49C32662AFE0}</a:tableStyleId>
+              </a:tblPr>
+              <a:tblGrid>
+                <a:gridCol w="2577042">
+                  <a:extLst>
+                    <a:ext uri="{9D8B030D-6E8A-4147-A177-3AD203B41FA5}">
+                      <a16:colId xmlns:a16="http://schemas.microsoft.com/office/drawing/2014/main" val="4124667606"/>
+                    </a:ext>
+                  </a:extLst>
+                </a:gridCol>
+                <a:gridCol w="2577042">
+                  <a:extLst>
+                    <a:ext uri="{9D8B030D-6E8A-4147-A177-3AD203B41FA5}">
+                      <a16:colId xmlns:a16="http://schemas.microsoft.com/office/drawing/2014/main" val="3870526257"/>
+                    </a:ext>
+                  </a:extLst>
+                </a:gridCol>
+                <a:gridCol w="2577042">
+                  <a:extLst>
+                    <a:ext uri="{9D8B030D-6E8A-4147-A177-3AD203B41FA5}">
+                      <a16:colId xmlns:a16="http://schemas.microsoft.com/office/drawing/2014/main" val="673473217"/>
+                    </a:ext>
+                  </a:extLst>
+                </a:gridCol>
+              </a:tblGrid>
+              <a:tr h="370840">
+                <a:tc>
+                  <a:txBody>
+                    <a:bodyPr/>
+                    <a:lstStyle/>
+                    <a:p>
+                      <a:pPr algn="ctr"/>
+                      <a:r>
+                        <a:rPr lang="en-US" dirty="0"/>
+                        <a:t>Person</a:t>
+                      </a:r>
+                    </a:p>
+                  </a:txBody>
+                  <a:tcPr/>
+                </a:tc>
+                <a:tc>
+                  <a:txBody>
+                    <a:bodyPr/>
+                    <a:lstStyle/>
+                    <a:p>
+                      <a:pPr algn="ctr"/>
+                      <a:r>
+                        <a:rPr lang="en-US" dirty="0"/>
+                        <a:t>Room</a:t>
+                      </a:r>
+                    </a:p>
+                  </a:txBody>
+                  <a:tcPr/>
+                </a:tc>
+                <a:tc>
+                  <a:txBody>
+                    <a:bodyPr/>
+                    <a:lstStyle/>
+                    <a:p>
+                      <a:pPr algn="ctr"/>
+                      <a:r>
+                        <a:rPr lang="en-US" dirty="0"/>
+                        <a:t>Price</a:t>
+                      </a:r>
+                    </a:p>
+                  </a:txBody>
+                  <a:tcPr/>
+                </a:tc>
+                <a:extLst>
+                  <a:ext uri="{0D108BD9-81ED-4DB2-BD59-A6C34878D82A}">
+                    <a16:rowId xmlns:a16="http://schemas.microsoft.com/office/drawing/2014/main" val="103007724"/>
+                  </a:ext>
+                </a:extLst>
+              </a:tr>
+              <a:tr h="370840">
+                <a:tc>
+                  <a:txBody>
+                    <a:bodyPr/>
+                    <a:lstStyle/>
+                    <a:p>
+                      <a:pPr algn="ctr"/>
+                      <a:r>
+                        <a:rPr lang="en-US" dirty="0"/>
+                        <a:t>Alice</a:t>
+                      </a:r>
+                    </a:p>
+                  </a:txBody>
+                  <a:tcPr/>
+                </a:tc>
+                <a:tc>
+                  <a:txBody>
+                    <a:bodyPr/>
+                    <a:lstStyle/>
+                    <a:p>
+                      <a:pPr algn="ctr"/>
+                      <a:r>
+                        <a:rPr lang="en-US" dirty="0"/>
+                        <a:t>2</a:t>
+                      </a:r>
+                    </a:p>
+                  </a:txBody>
+                  <a:tcPr/>
+                </a:tc>
+                <a:tc>
+                  <a:txBody>
+                    <a:bodyPr/>
+                    <a:lstStyle/>
+                    <a:p>
+                      <a:pPr algn="ctr"/>
+                      <a:r>
+                        <a:rPr lang="en-US" dirty="0"/>
+                        <a:t>470.0</a:t>
+                      </a:r>
+                    </a:p>
+                  </a:txBody>
+                  <a:tcPr/>
+                </a:tc>
+                <a:extLst>
+                  <a:ext uri="{0D108BD9-81ED-4DB2-BD59-A6C34878D82A}">
+                    <a16:rowId xmlns:a16="http://schemas.microsoft.com/office/drawing/2014/main" val="1792344990"/>
+                  </a:ext>
+                </a:extLst>
+              </a:tr>
+              <a:tr h="370840">
+                <a:tc>
+                  <a:txBody>
+                    <a:bodyPr/>
+                    <a:lstStyle/>
+                    <a:p>
+                      <a:pPr algn="ctr"/>
+                      <a:r>
+                        <a:rPr lang="en-US" dirty="0"/>
+                        <a:t>Bob</a:t>
+                      </a:r>
+                    </a:p>
+                  </a:txBody>
+                  <a:tcPr/>
+                </a:tc>
+                <a:tc>
+                  <a:txBody>
+                    <a:bodyPr/>
+                    <a:lstStyle/>
+                    <a:p>
+                      <a:pPr algn="ctr"/>
+                      <a:r>
+                        <a:rPr lang="en-US" dirty="0"/>
+                        <a:t>1</a:t>
+                      </a:r>
+                    </a:p>
+                  </a:txBody>
+                  <a:tcPr/>
+                </a:tc>
+                <a:tc>
+                  <a:txBody>
+                    <a:bodyPr/>
+                    <a:lstStyle/>
+                    <a:p>
+                      <a:pPr algn="ctr"/>
+                      <a:r>
+                        <a:rPr lang="en-US" dirty="0"/>
+                        <a:t>350.0</a:t>
+                      </a:r>
+                    </a:p>
+                  </a:txBody>
+                  <a:tcPr/>
+                </a:tc>
+                <a:extLst>
+                  <a:ext uri="{0D108BD9-81ED-4DB2-BD59-A6C34878D82A}">
+                    <a16:rowId xmlns:a16="http://schemas.microsoft.com/office/drawing/2014/main" val="3283769993"/>
+                  </a:ext>
+                </a:extLst>
+              </a:tr>
+              <a:tr h="370840">
+                <a:tc>
+                  <a:txBody>
+                    <a:bodyPr/>
+                    <a:lstStyle/>
+                    <a:p>
+                      <a:pPr algn="ctr"/>
+                      <a:r>
+                        <a:rPr lang="en-US" dirty="0"/>
+                        <a:t> Claire</a:t>
+                      </a:r>
+                    </a:p>
+                  </a:txBody>
+                  <a:tcPr/>
+                </a:tc>
+                <a:tc>
+                  <a:txBody>
+                    <a:bodyPr/>
+                    <a:lstStyle/>
+                    <a:p>
+                      <a:pPr algn="ctr"/>
+                      <a:r>
+                        <a:rPr lang="en-US" dirty="0"/>
+                        <a:t>3</a:t>
+                      </a:r>
+                    </a:p>
+                  </a:txBody>
+                  <a:tcPr/>
+                </a:tc>
+                <a:tc>
+                  <a:txBody>
+                    <a:bodyPr/>
+                    <a:lstStyle/>
+                    <a:p>
+                      <a:pPr algn="ctr"/>
+                      <a:r>
+                        <a:rPr lang="en-US" dirty="0"/>
+                        <a:t>400.0</a:t>
+                      </a:r>
+                    </a:p>
+                  </a:txBody>
+                  <a:tcPr/>
+                </a:tc>
+                <a:extLst>
+                  <a:ext uri="{0D108BD9-81ED-4DB2-BD59-A6C34878D82A}">
+                    <a16:rowId xmlns:a16="http://schemas.microsoft.com/office/drawing/2014/main" val="509887948"/>
+                  </a:ext>
+                </a:extLst>
+              </a:tr>
+              <a:tr h="370840">
+                <a:tc>
+                  <a:txBody>
+                    <a:bodyPr/>
+                    <a:lstStyle/>
+                    <a:p>
+                      <a:pPr algn="ctr"/>
+                      <a:endParaRPr lang="en-US" dirty="0"/>
+                    </a:p>
+                  </a:txBody>
+                  <a:tcPr/>
+                </a:tc>
+                <a:tc>
+                  <a:txBody>
+                    <a:bodyPr/>
+                    <a:lstStyle/>
+                    <a:p>
+                      <a:pPr algn="ctr"/>
+                      <a:r>
+                        <a:rPr lang="en-US" dirty="0"/>
+                        <a:t>Total Rent</a:t>
+                      </a:r>
+                    </a:p>
+                  </a:txBody>
+                  <a:tcPr/>
+                </a:tc>
+                <a:tc>
+                  <a:txBody>
+                    <a:bodyPr/>
+                    <a:lstStyle/>
+                    <a:p>
+                      <a:pPr algn="ctr"/>
+                      <a:r>
+                        <a:rPr lang="en-US" dirty="0"/>
+                        <a:t>1220.0</a:t>
+                      </a:r>
+                    </a:p>
+                  </a:txBody>
+                  <a:tcPr/>
+                </a:tc>
+                <a:extLst>
+                  <a:ext uri="{0D108BD9-81ED-4DB2-BD59-A6C34878D82A}">
+                    <a16:rowId xmlns:a16="http://schemas.microsoft.com/office/drawing/2014/main" val="3830047239"/>
+                  </a:ext>
+                </a:extLst>
+              </a:tr>
+            </a:tbl>
+          </a:graphicData>
+        </a:graphic>
+      </p:graphicFrame>
+    </p:spTree>
+    <p:extLst>
+      <p:ext uri="{BB962C8B-B14F-4D97-AF65-F5344CB8AC3E}">
+        <p14:creationId xmlns:p14="http://schemas.microsoft.com/office/powerpoint/2010/main" val="3541993404"/>
+      </p:ext>
+    </p:extLst>
+  </p:cSld>
+  <p:clrMapOvr>
+    <a:masterClrMapping/>
+  </p:clrMapOvr>
+  <p:timing>
+    <p:tnLst>
+      <p:par>
+        <p:cTn id="1" dur="indefinite" restart="never" nodeType="tmRoot">
+          <p:childTnLst>
+            <p:seq concurrent="1" nextAc="seek">
+              <p:cTn id="2" dur="indefinite" nodeType="mainSeq">
+                <p:childTnLst>
+                  <p:par>
+                    <p:cTn id="3" fill="hold">
+                      <p:stCondLst>
+                        <p:cond delay="indefinite"/>
+                      </p:stCondLst>
+                      <p:childTnLst>
+                        <p:par>
+                          <p:cTn id="4" fill="hold">
+                            <p:stCondLst>
+                              <p:cond delay="0"/>
+                            </p:stCondLst>
+                            <p:childTnLst>
+                              <p:par>
+                                <p:cTn id="5" presetID="1" presetClass="entr" presetSubtype="0" fill="hold" nodeType="clickEffect">
+                                  <p:stCondLst>
+                                    <p:cond delay="0"/>
+                                  </p:stCondLst>
+                                  <p:childTnLst>
+                                    <p:set>
+                                      <p:cBhvr>
+                                        <p:cTn id="6" dur="1" fill="hold">
+                                          <p:stCondLst>
+                                            <p:cond delay="0"/>
+                                          </p:stCondLst>
+                                        </p:cTn>
+                                        <p:tgtEl>
+                                          <p:spTgt spid="4"/>
+                                        </p:tgtEl>
+                                        <p:attrNameLst>
+                                          <p:attrName>style.visibility</p:attrName>
+                                        </p:attrNameLst>
+                                      </p:cBhvr>
+                                      <p:to>
+                                        <p:strVal val="visible"/>
+                                      </p:to>
+                                    </p:set>
+                                  </p:childTnLst>
+                                </p:cTn>
+                              </p:par>
+                            </p:childTnLst>
+                          </p:cTn>
+                        </p:par>
+                      </p:childTnLst>
+                    </p:cTn>
+                  </p:par>
+                  <p:par>
+                    <p:cTn id="7" fill="hold">
+                      <p:stCondLst>
+                        <p:cond delay="indefinite"/>
+                      </p:stCondLst>
+                      <p:childTnLst>
+                        <p:par>
+                          <p:cTn id="8" fill="hold">
+                            <p:stCondLst>
+                              <p:cond delay="0"/>
+                            </p:stCondLst>
+                            <p:childTnLst>
+                              <p:par>
+                                <p:cTn id="9" presetID="1" presetClass="entr" presetSubtype="0" fill="hold" grpId="0" nodeType="clickEffect">
+                                  <p:stCondLst>
+                                    <p:cond delay="0"/>
+                                  </p:stCondLst>
+                                  <p:childTnLst>
+                                    <p:set>
+                                      <p:cBhvr>
+                                        <p:cTn id="10" dur="1" fill="hold">
+                                          <p:stCondLst>
+                                            <p:cond delay="0"/>
+                                          </p:stCondLst>
+                                        </p:cTn>
+                                        <p:tgtEl>
+                                          <p:spTgt spid="3">
+                                            <p:txEl>
+                                              <p:pRg st="0" end="0"/>
+                                            </p:txEl>
+                                          </p:spTgt>
+                                        </p:tgtEl>
+                                        <p:attrNameLst>
+                                          <p:attrName>style.visibility</p:attrName>
+                                        </p:attrNameLst>
+                                      </p:cBhvr>
+                                      <p:to>
+                                        <p:strVal val="visible"/>
+                                      </p:to>
+                                    </p:set>
+                                  </p:childTnLst>
+                                </p:cTn>
+                              </p:par>
+                            </p:childTnLst>
+                          </p:cTn>
+                        </p:par>
+                      </p:childTnLst>
+                    </p:cTn>
+                  </p:par>
+                  <p:par>
+                    <p:cTn id="11" fill="hold">
+                      <p:stCondLst>
+                        <p:cond delay="indefinite"/>
+                      </p:stCondLst>
+                      <p:childTnLst>
+                        <p:par>
+                          <p:cTn id="12" fill="hold">
+                            <p:stCondLst>
+                              <p:cond delay="0"/>
+                            </p:stCondLst>
+                            <p:childTnLst>
+                              <p:par>
+                                <p:cTn id="13" presetID="1" presetClass="entr" presetSubtype="0" fill="hold" grpId="0" nodeType="clickEffect">
+                                  <p:stCondLst>
+                                    <p:cond delay="0"/>
+                                  </p:stCondLst>
+                                  <p:childTnLst>
+                                    <p:set>
+                                      <p:cBhvr>
+                                        <p:cTn id="14" dur="1" fill="hold">
+                                          <p:stCondLst>
+                                            <p:cond delay="0"/>
+                                          </p:stCondLst>
+                                        </p:cTn>
+                                        <p:tgtEl>
+                                          <p:spTgt spid="3">
+                                            <p:txEl>
+                                              <p:pRg st="1" end="1"/>
+                                            </p:txEl>
+                                          </p:spTgt>
+                                        </p:tgtEl>
+                                        <p:attrNameLst>
+                                          <p:attrName>style.visibility</p:attrName>
+                                        </p:attrNameLst>
+                                      </p:cBhvr>
+                                      <p:to>
+                                        <p:strVal val="visible"/>
+                                      </p:to>
+                                    </p:set>
+                                  </p:childTnLst>
+                                </p:cTn>
+                              </p:par>
+                            </p:childTnLst>
+                          </p:cTn>
+                        </p:par>
+                      </p:childTnLst>
+                    </p:cTn>
+                  </p:par>
+                  <p:par>
+                    <p:cTn id="15" fill="hold">
+                      <p:stCondLst>
+                        <p:cond delay="indefinite"/>
+                      </p:stCondLst>
+                      <p:childTnLst>
+                        <p:par>
+                          <p:cTn id="16" fill="hold">
+                            <p:stCondLst>
+                              <p:cond delay="0"/>
+                            </p:stCondLst>
+                            <p:childTnLst>
+                              <p:par>
+                                <p:cTn id="17" presetID="1" presetClass="entr" presetSubtype="0" fill="hold" grpId="0" nodeType="clickEffect">
+                                  <p:stCondLst>
+                                    <p:cond delay="0"/>
+                                  </p:stCondLst>
+                                  <p:childTnLst>
+                                    <p:set>
+                                      <p:cBhvr>
+                                        <p:cTn id="18" dur="1" fill="hold">
+                                          <p:stCondLst>
+                                            <p:cond delay="0"/>
+                                          </p:stCondLst>
+                                        </p:cTn>
+                                        <p:tgtEl>
+                                          <p:spTgt spid="3">
+                                            <p:txEl>
+                                              <p:pRg st="2" end="2"/>
+                                            </p:txEl>
+                                          </p:spTgt>
+                                        </p:tgtEl>
+                                        <p:attrNameLst>
+                                          <p:attrName>style.visibility</p:attrName>
+                                        </p:attrNameLst>
+                                      </p:cBhvr>
+                                      <p:to>
+                                        <p:strVal val="visible"/>
+                                      </p:to>
+                                    </p:set>
+                                  </p:childTnLst>
+                                </p:cTn>
+                              </p:par>
+                            </p:childTnLst>
+                          </p:cTn>
+                        </p:par>
+                      </p:childTnLst>
+                    </p:cTn>
+                  </p:par>
+                </p:childTnLst>
+              </p:cTn>
+              <p:prevCondLst>
+                <p:cond evt="onPrev" delay="0">
+                  <p:tgtEl>
+                    <p:sldTgt/>
+                  </p:tgtEl>
+                </p:cond>
+              </p:prevCondLst>
+              <p:nextCondLst>
+                <p:cond evt="onNext" delay="0">
+                  <p:tgtEl>
+                    <p:sldTgt/>
+                  </p:tgtEl>
+                </p:cond>
+              </p:nextCondLst>
+            </p:seq>
+          </p:childTnLst>
+        </p:cTn>
+      </p:par>
+    </p:tnLst>
+    <p:bldLst>
+      <p:bldP spid="3" grpId="0" build="p"/>
+    </p:bldLst>
+  </p:timing>
+</p:sld>
+</file>
+
+<file path=ppt/slides/slide12.xml><?xml version="1.0" encoding="utf-8"?>
+<p:sld xmlns:a="http://schemas.openxmlformats.org/drawingml/2006/main" xmlns:r="http://schemas.openxmlformats.org/officeDocument/2006/relationships" xmlns:p="http://schemas.openxmlformats.org/presentationml/2006/main">
+  <p:cSld>
+    <p:spTree>
+      <p:nvGrpSpPr>
+        <p:cNvPr id="1" name=""/>
+        <p:cNvGrpSpPr/>
+        <p:nvPr/>
+      </p:nvGrpSpPr>
+      <p:grpSpPr>
+        <a:xfrm>
+          <a:off x="0" y="0"/>
+          <a:ext cx="0" cy="0"/>
+          <a:chOff x="0" y="0"/>
+          <a:chExt cx="0" cy="0"/>
+        </a:xfrm>
+      </p:grpSpPr>
+      <p:sp>
+        <p:nvSpPr>
+          <p:cNvPr id="2" name="Title 1">
+            <a:extLst>
+              <a:ext uri="{FF2B5EF4-FFF2-40B4-BE49-F238E27FC236}">
+                <a16:creationId xmlns:a16="http://schemas.microsoft.com/office/drawing/2014/main" id="{C9A75F1D-FE16-4543-955B-3891D3B744CF}"/>
+              </a:ext>
+            </a:extLst>
+          </p:cNvPr>
+          <p:cNvSpPr>
+            <a:spLocks noGrp="1"/>
+          </p:cNvSpPr>
+          <p:nvPr>
+            <p:ph type="title"/>
+          </p:nvPr>
+        </p:nvSpPr>
+        <p:spPr/>
+        <p:txBody>
+          <a:bodyPr/>
+          <a:lstStyle/>
+          <a:p>
+            <a:r>
+              <a:rPr lang="en-US" dirty="0"/>
+              <a:t>Results of linear optimization</a:t>
+            </a:r>
+          </a:p>
+        </p:txBody>
+      </p:sp>
+      <p:sp>
+        <p:nvSpPr>
+          <p:cNvPr id="3" name="Content Placeholder 2">
+            <a:extLst>
+              <a:ext uri="{FF2B5EF4-FFF2-40B4-BE49-F238E27FC236}">
+                <a16:creationId xmlns:a16="http://schemas.microsoft.com/office/drawing/2014/main" id="{9703E16B-914F-9343-A646-9A067232CFFA}"/>
+              </a:ext>
+            </a:extLst>
+          </p:cNvPr>
+          <p:cNvSpPr>
+            <a:spLocks noGrp="1"/>
+          </p:cNvSpPr>
+          <p:nvPr>
+            <p:ph idx="1"/>
+          </p:nvPr>
+        </p:nvSpPr>
+        <p:spPr>
+          <a:xfrm>
+            <a:off x="2229738" y="4820479"/>
+            <a:ext cx="7731126" cy="1128270"/>
+          </a:xfrm>
+        </p:spPr>
+        <p:txBody>
+          <a:bodyPr/>
+          <a:lstStyle/>
+          <a:p>
+            <a:r>
+              <a:rPr lang="en-US" dirty="0"/>
+              <a:t>The result of linear optimization is not envy-free, evidently.</a:t>
+            </a:r>
+          </a:p>
+          <a:p>
+            <a:r>
+              <a:rPr lang="en-US" dirty="0"/>
+              <a:t>The envy-freeness algorithm is used to find the final price.</a:t>
+            </a:r>
+          </a:p>
+        </p:txBody>
+      </p:sp>
+      <p:graphicFrame>
+        <p:nvGraphicFramePr>
+          <p:cNvPr id="4" name="Content Placeholder 3">
+            <a:extLst>
+              <a:ext uri="{FF2B5EF4-FFF2-40B4-BE49-F238E27FC236}">
+                <a16:creationId xmlns:a16="http://schemas.microsoft.com/office/drawing/2014/main" id="{CD43084F-D993-B342-96B6-DF19B14ED7FF}"/>
+              </a:ext>
+            </a:extLst>
+          </p:cNvPr>
+          <p:cNvGraphicFramePr>
+            <a:graphicFrameLocks/>
+          </p:cNvGraphicFramePr>
+          <p:nvPr>
+            <p:extLst>
+              <p:ext uri="{D42A27DB-BD31-4B8C-83A1-F6EECF244321}">
+                <p14:modId xmlns:p14="http://schemas.microsoft.com/office/powerpoint/2010/main" val="1768397804"/>
+              </p:ext>
+            </p:extLst>
+          </p:nvPr>
+        </p:nvGraphicFramePr>
+        <p:xfrm>
+          <a:off x="2229738" y="2638044"/>
+          <a:ext cx="7731130" cy="1854200"/>
+        </p:xfrm>
+        <a:graphic>
+          <a:graphicData uri="http://schemas.openxmlformats.org/drawingml/2006/table">
+            <a:tbl>
+              <a:tblPr firstRow="1" bandRow="1">
+                <a:tableStyleId>{21E4AEA4-8DFA-4A89-87EB-49C32662AFE0}</a:tableStyleId>
+              </a:tblPr>
+              <a:tblGrid>
+                <a:gridCol w="1277391">
+                  <a:extLst>
+                    <a:ext uri="{9D8B030D-6E8A-4147-A177-3AD203B41FA5}">
+                      <a16:colId xmlns:a16="http://schemas.microsoft.com/office/drawing/2014/main" val="4124667606"/>
+                    </a:ext>
+                  </a:extLst>
+                </a:gridCol>
+                <a:gridCol w="1412112">
+                  <a:extLst>
+                    <a:ext uri="{9D8B030D-6E8A-4147-A177-3AD203B41FA5}">
+                      <a16:colId xmlns:a16="http://schemas.microsoft.com/office/drawing/2014/main" val="3870526257"/>
+                    </a:ext>
+                  </a:extLst>
+                </a:gridCol>
+                <a:gridCol w="2176040">
+                  <a:extLst>
+                    <a:ext uri="{9D8B030D-6E8A-4147-A177-3AD203B41FA5}">
+                      <a16:colId xmlns:a16="http://schemas.microsoft.com/office/drawing/2014/main" val="3014332179"/>
+                    </a:ext>
+                  </a:extLst>
+                </a:gridCol>
+                <a:gridCol w="1319361">
+                  <a:extLst>
+                    <a:ext uri="{9D8B030D-6E8A-4147-A177-3AD203B41FA5}">
+                      <a16:colId xmlns:a16="http://schemas.microsoft.com/office/drawing/2014/main" val="673473217"/>
+                    </a:ext>
+                  </a:extLst>
+                </a:gridCol>
+                <a:gridCol w="1546226">
+                  <a:extLst>
+                    <a:ext uri="{9D8B030D-6E8A-4147-A177-3AD203B41FA5}">
+                      <a16:colId xmlns:a16="http://schemas.microsoft.com/office/drawing/2014/main" val="4116250911"/>
+                    </a:ext>
+                  </a:extLst>
+                </a:gridCol>
+              </a:tblGrid>
+              <a:tr h="370840">
+                <a:tc>
+                  <a:txBody>
+                    <a:bodyPr/>
+                    <a:lstStyle/>
+                    <a:p>
+                      <a:pPr algn="ctr"/>
+                      <a:r>
+                        <a:rPr lang="en-US" dirty="0"/>
+                        <a:t>Person</a:t>
+                      </a:r>
+                    </a:p>
+                  </a:txBody>
+                  <a:tcPr/>
+                </a:tc>
+                <a:tc>
+                  <a:txBody>
+                    <a:bodyPr/>
+                    <a:lstStyle/>
+                    <a:p>
+                      <a:pPr algn="ctr"/>
+                      <a:r>
+                        <a:rPr lang="en-US" dirty="0"/>
+                        <a:t>Room</a:t>
+                      </a:r>
+                    </a:p>
+                  </a:txBody>
+                  <a:tcPr/>
+                </a:tc>
+                <a:tc>
+                  <a:txBody>
+                    <a:bodyPr/>
+                    <a:lstStyle/>
+                    <a:p>
+                      <a:pPr algn="ctr"/>
+                      <a:r>
+                        <a:rPr lang="en-US" dirty="0"/>
+                        <a:t>Price of  Valuation</a:t>
+                      </a:r>
+                    </a:p>
+                  </a:txBody>
+                  <a:tcPr/>
+                </a:tc>
+                <a:tc>
+                  <a:txBody>
+                    <a:bodyPr/>
+                    <a:lstStyle/>
+                    <a:p>
+                      <a:pPr algn="ctr"/>
+                      <a:r>
+                        <a:rPr lang="en-US" dirty="0"/>
+                        <a:t>Final Rent</a:t>
+                      </a:r>
+                    </a:p>
+                  </a:txBody>
+                  <a:tcPr/>
+                </a:tc>
+                <a:tc>
+                  <a:txBody>
+                    <a:bodyPr/>
+                    <a:lstStyle/>
+                    <a:p>
+                      <a:pPr algn="ctr"/>
+                      <a:r>
+                        <a:rPr lang="en-US" dirty="0"/>
+                        <a:t>Utility</a:t>
+                      </a:r>
+                    </a:p>
+                  </a:txBody>
+                  <a:tcPr/>
+                </a:tc>
+                <a:extLst>
+                  <a:ext uri="{0D108BD9-81ED-4DB2-BD59-A6C34878D82A}">
+                    <a16:rowId xmlns:a16="http://schemas.microsoft.com/office/drawing/2014/main" val="103007724"/>
+                  </a:ext>
+                </a:extLst>
+              </a:tr>
+              <a:tr h="370840">
+                <a:tc>
+                  <a:txBody>
+                    <a:bodyPr/>
+                    <a:lstStyle/>
+                    <a:p>
+                      <a:pPr algn="ctr"/>
+                      <a:r>
+                        <a:rPr lang="en-US" dirty="0"/>
+                        <a:t>Alice</a:t>
+                      </a:r>
+                    </a:p>
+                  </a:txBody>
+                  <a:tcPr/>
+                </a:tc>
+                <a:tc>
+                  <a:txBody>
+                    <a:bodyPr/>
+                    <a:lstStyle/>
+                    <a:p>
+                      <a:pPr algn="ctr"/>
+                      <a:r>
+                        <a:rPr lang="en-US" dirty="0"/>
+                        <a:t>2</a:t>
+                      </a:r>
+                    </a:p>
+                  </a:txBody>
+                  <a:tcPr/>
+                </a:tc>
+                <a:tc>
+                  <a:txBody>
+                    <a:bodyPr/>
+                    <a:lstStyle/>
+                    <a:p>
+                      <a:pPr algn="ctr"/>
+                      <a:r>
+                        <a:rPr lang="en-US" dirty="0"/>
+                        <a:t>470</a:t>
+                      </a:r>
+                    </a:p>
+                  </a:txBody>
+                  <a:tcPr/>
+                </a:tc>
+                <a:tc>
+                  <a:txBody>
+                    <a:bodyPr/>
+                    <a:lstStyle/>
+                    <a:p>
+                      <a:pPr algn="ctr"/>
+                      <a:r>
+                        <a:rPr lang="en-US" dirty="0"/>
+                        <a:t>450</a:t>
+                      </a:r>
+                    </a:p>
+                  </a:txBody>
+                  <a:tcPr/>
+                </a:tc>
+                <a:tc>
+                  <a:txBody>
+                    <a:bodyPr/>
+                    <a:lstStyle/>
+                    <a:p>
+                      <a:pPr algn="ctr"/>
+                      <a:r>
+                        <a:rPr lang="en-US" dirty="0"/>
+                        <a:t>20</a:t>
+                      </a:r>
+                    </a:p>
+                  </a:txBody>
+                  <a:tcPr/>
+                </a:tc>
+                <a:extLst>
+                  <a:ext uri="{0D108BD9-81ED-4DB2-BD59-A6C34878D82A}">
+                    <a16:rowId xmlns:a16="http://schemas.microsoft.com/office/drawing/2014/main" val="1792344990"/>
+                  </a:ext>
+                </a:extLst>
+              </a:tr>
+              <a:tr h="370840">
+                <a:tc>
+                  <a:txBody>
+                    <a:bodyPr/>
+                    <a:lstStyle/>
+                    <a:p>
+                      <a:pPr algn="ctr"/>
+                      <a:r>
+                        <a:rPr lang="en-US" dirty="0"/>
+                        <a:t>Bob</a:t>
+                      </a:r>
+                    </a:p>
+                  </a:txBody>
+                  <a:tcPr/>
+                </a:tc>
+                <a:tc>
+                  <a:txBody>
+                    <a:bodyPr/>
+                    <a:lstStyle/>
+                    <a:p>
+                      <a:pPr algn="ctr"/>
+                      <a:r>
+                        <a:rPr lang="en-US" dirty="0"/>
+                        <a:t>1</a:t>
+                      </a:r>
+                    </a:p>
+                  </a:txBody>
+                  <a:tcPr/>
+                </a:tc>
+                <a:tc>
+                  <a:txBody>
+                    <a:bodyPr/>
+                    <a:lstStyle/>
+                    <a:p>
+                      <a:pPr algn="ctr"/>
+                      <a:r>
+                        <a:rPr lang="en-US" dirty="0"/>
+                        <a:t>350</a:t>
+                      </a:r>
+                    </a:p>
+                  </a:txBody>
+                  <a:tcPr/>
+                </a:tc>
+                <a:tc>
+                  <a:txBody>
+                    <a:bodyPr/>
+                    <a:lstStyle/>
+                    <a:p>
+                      <a:pPr algn="ctr"/>
+                      <a:r>
+                        <a:rPr lang="en-US" dirty="0"/>
+                        <a:t>350</a:t>
+                      </a:r>
+                    </a:p>
+                  </a:txBody>
+                  <a:tcPr/>
+                </a:tc>
+                <a:tc>
+                  <a:txBody>
+                    <a:bodyPr/>
+                    <a:lstStyle/>
+                    <a:p>
+                      <a:pPr algn="ctr"/>
+                      <a:r>
+                        <a:rPr lang="en-US" dirty="0"/>
+                        <a:t>0</a:t>
+                      </a:r>
+                    </a:p>
+                  </a:txBody>
+                  <a:tcPr/>
+                </a:tc>
+                <a:extLst>
+                  <a:ext uri="{0D108BD9-81ED-4DB2-BD59-A6C34878D82A}">
+                    <a16:rowId xmlns:a16="http://schemas.microsoft.com/office/drawing/2014/main" val="3283769993"/>
+                  </a:ext>
+                </a:extLst>
+              </a:tr>
+              <a:tr h="370840">
+                <a:tc>
+                  <a:txBody>
+                    <a:bodyPr/>
+                    <a:lstStyle/>
+                    <a:p>
+                      <a:pPr algn="ctr"/>
+                      <a:r>
+                        <a:rPr lang="en-US" dirty="0"/>
+                        <a:t> Claire</a:t>
+                      </a:r>
+                    </a:p>
+                  </a:txBody>
+                  <a:tcPr/>
+                </a:tc>
+                <a:tc>
+                  <a:txBody>
+                    <a:bodyPr/>
+                    <a:lstStyle/>
+                    <a:p>
+                      <a:pPr algn="ctr"/>
+                      <a:r>
+                        <a:rPr lang="en-US" dirty="0"/>
+                        <a:t>3</a:t>
+                      </a:r>
+                    </a:p>
+                  </a:txBody>
+                  <a:tcPr/>
+                </a:tc>
+                <a:tc>
+                  <a:txBody>
+                    <a:bodyPr/>
+                    <a:lstStyle/>
+                    <a:p>
+                      <a:pPr algn="ctr"/>
+                      <a:r>
+                        <a:rPr lang="en-US" dirty="0"/>
+                        <a:t>400</a:t>
+                      </a:r>
+                    </a:p>
+                  </a:txBody>
+                  <a:tcPr/>
+                </a:tc>
+                <a:tc>
+                  <a:txBody>
+                    <a:bodyPr/>
+                    <a:lstStyle/>
+                    <a:p>
+                      <a:pPr algn="ctr"/>
+                      <a:r>
+                        <a:rPr lang="en-US" dirty="0"/>
+                        <a:t>200</a:t>
+                      </a:r>
+                    </a:p>
+                  </a:txBody>
+                  <a:tcPr/>
+                </a:tc>
+                <a:tc>
+                  <a:txBody>
+                    <a:bodyPr/>
+                    <a:lstStyle/>
+                    <a:p>
+                      <a:pPr algn="ctr"/>
+                      <a:r>
+                        <a:rPr lang="en-US" dirty="0"/>
+                        <a:t>200</a:t>
+                      </a:r>
+                    </a:p>
+                  </a:txBody>
+                  <a:tcPr/>
+                </a:tc>
+                <a:extLst>
+                  <a:ext uri="{0D108BD9-81ED-4DB2-BD59-A6C34878D82A}">
+                    <a16:rowId xmlns:a16="http://schemas.microsoft.com/office/drawing/2014/main" val="509887948"/>
+                  </a:ext>
+                </a:extLst>
+              </a:tr>
+              <a:tr h="370840">
+                <a:tc>
+                  <a:txBody>
+                    <a:bodyPr/>
+                    <a:lstStyle/>
+                    <a:p>
+                      <a:pPr algn="ctr"/>
+                      <a:endParaRPr lang="en-US" dirty="0"/>
+                    </a:p>
+                  </a:txBody>
+                  <a:tcPr/>
+                </a:tc>
+                <a:tc>
+                  <a:txBody>
+                    <a:bodyPr/>
+                    <a:lstStyle/>
+                    <a:p>
+                      <a:pPr algn="ctr"/>
+                      <a:r>
+                        <a:rPr lang="en-US" dirty="0"/>
+                        <a:t>Total Rent</a:t>
+                      </a:r>
+                    </a:p>
+                  </a:txBody>
+                  <a:tcPr/>
+                </a:tc>
+                <a:tc>
+                  <a:txBody>
+                    <a:bodyPr/>
+                    <a:lstStyle/>
+                    <a:p>
+                      <a:pPr algn="ctr"/>
+                      <a:r>
+                        <a:rPr lang="en-US" dirty="0"/>
+                        <a:t>1220</a:t>
+                      </a:r>
+                    </a:p>
+                  </a:txBody>
+                  <a:tcPr/>
+                </a:tc>
+                <a:tc>
+                  <a:txBody>
+                    <a:bodyPr/>
+                    <a:lstStyle/>
+                    <a:p>
+                      <a:pPr algn="ctr"/>
+                      <a:r>
+                        <a:rPr lang="en-US" dirty="0"/>
+                        <a:t>1000</a:t>
+                      </a:r>
+                    </a:p>
+                  </a:txBody>
+                  <a:tcPr/>
+                </a:tc>
+                <a:tc>
+                  <a:txBody>
+                    <a:bodyPr/>
+                    <a:lstStyle/>
+                    <a:p>
+                      <a:pPr algn="ctr"/>
+                      <a:endParaRPr lang="en-US" dirty="0"/>
+                    </a:p>
+                  </a:txBody>
+                  <a:tcPr/>
+                </a:tc>
+                <a:extLst>
+                  <a:ext uri="{0D108BD9-81ED-4DB2-BD59-A6C34878D82A}">
+                    <a16:rowId xmlns:a16="http://schemas.microsoft.com/office/drawing/2014/main" val="3830047239"/>
+                  </a:ext>
+                </a:extLst>
+              </a:tr>
+            </a:tbl>
+          </a:graphicData>
+        </a:graphic>
+      </p:graphicFrame>
+    </p:spTree>
+    <p:extLst>
+      <p:ext uri="{BB962C8B-B14F-4D97-AF65-F5344CB8AC3E}">
+        <p14:creationId xmlns:p14="http://schemas.microsoft.com/office/powerpoint/2010/main" val="1464897690"/>
+      </p:ext>
+    </p:extLst>
+  </p:cSld>
+  <p:clrMapOvr>
+    <a:masterClrMapping/>
+  </p:clrMapOvr>
+  <p:timing>
+    <p:tnLst>
+      <p:par>
+        <p:cTn id="1" dur="indefinite" restart="never" nodeType="tmRoot">
+          <p:childTnLst>
+            <p:seq concurrent="1" nextAc="seek">
+              <p:cTn id="2" dur="indefinite" nodeType="mainSeq">
+                <p:childTnLst>
+                  <p:par>
+                    <p:cTn id="3" fill="hold">
+                      <p:stCondLst>
+                        <p:cond delay="indefinite"/>
+                      </p:stCondLst>
+                      <p:childTnLst>
+                        <p:par>
+                          <p:cTn id="4" fill="hold">
+                            <p:stCondLst>
+                              <p:cond delay="0"/>
+                            </p:stCondLst>
+                            <p:childTnLst>
+                              <p:par>
+                                <p:cTn id="5" presetID="1" presetClass="entr" presetSubtype="0" fill="hold" nodeType="clickEffect">
+                                  <p:stCondLst>
+                                    <p:cond delay="0"/>
+                                  </p:stCondLst>
+                                  <p:childTnLst>
+                                    <p:set>
+                                      <p:cBhvr>
+                                        <p:cTn id="6" dur="1" fill="hold">
+                                          <p:stCondLst>
+                                            <p:cond delay="0"/>
+                                          </p:stCondLst>
+                                        </p:cTn>
+                                        <p:tgtEl>
+                                          <p:spTgt spid="4"/>
+                                        </p:tgtEl>
+                                        <p:attrNameLst>
+                                          <p:attrName>style.visibility</p:attrName>
+                                        </p:attrNameLst>
+                                      </p:cBhvr>
+                                      <p:to>
+                                        <p:strVal val="visible"/>
+                                      </p:to>
+                                    </p:set>
+                                  </p:childTnLst>
+                                </p:cTn>
+                              </p:par>
+                            </p:childTnLst>
+                          </p:cTn>
+                        </p:par>
+                      </p:childTnLst>
+                    </p:cTn>
+                  </p:par>
+                  <p:par>
+                    <p:cTn id="7" fill="hold">
+                      <p:stCondLst>
+                        <p:cond delay="indefinite"/>
+                      </p:stCondLst>
+                      <p:childTnLst>
+                        <p:par>
+                          <p:cTn id="8" fill="hold">
+                            <p:stCondLst>
+                              <p:cond delay="0"/>
+                            </p:stCondLst>
+                            <p:childTnLst>
+                              <p:par>
+                                <p:cTn id="9" presetID="1" presetClass="entr" presetSubtype="0" fill="hold" grpId="0" nodeType="clickEffect">
+                                  <p:stCondLst>
+                                    <p:cond delay="0"/>
+                                  </p:stCondLst>
+                                  <p:childTnLst>
+                                    <p:set>
+                                      <p:cBhvr>
+                                        <p:cTn id="10" dur="1" fill="hold">
+                                          <p:stCondLst>
+                                            <p:cond delay="0"/>
+                                          </p:stCondLst>
+                                        </p:cTn>
+                                        <p:tgtEl>
+                                          <p:spTgt spid="3">
+                                            <p:txEl>
+                                              <p:pRg st="0" end="0"/>
+                                            </p:txEl>
+                                          </p:spTgt>
+                                        </p:tgtEl>
+                                        <p:attrNameLst>
+                                          <p:attrName>style.visibility</p:attrName>
+                                        </p:attrNameLst>
+                                      </p:cBhvr>
+                                      <p:to>
+                                        <p:strVal val="visible"/>
+                                      </p:to>
+                                    </p:set>
+                                  </p:childTnLst>
+                                </p:cTn>
+                              </p:par>
+                            </p:childTnLst>
+                          </p:cTn>
+                        </p:par>
+                      </p:childTnLst>
+                    </p:cTn>
+                  </p:par>
+                  <p:par>
+                    <p:cTn id="11" fill="hold">
+                      <p:stCondLst>
+                        <p:cond delay="indefinite"/>
+                      </p:stCondLst>
+                      <p:childTnLst>
+                        <p:par>
+                          <p:cTn id="12" fill="hold">
+                            <p:stCondLst>
+                              <p:cond delay="0"/>
+                            </p:stCondLst>
+                            <p:childTnLst>
+                              <p:par>
+                                <p:cTn id="13" presetID="1" presetClass="entr" presetSubtype="0" fill="hold" grpId="0" nodeType="clickEffect">
+                                  <p:stCondLst>
+                                    <p:cond delay="0"/>
+                                  </p:stCondLst>
+                                  <p:childTnLst>
+                                    <p:set>
+                                      <p:cBhvr>
+                                        <p:cTn id="14" dur="1" fill="hold">
+                                          <p:stCondLst>
+                                            <p:cond delay="0"/>
+                                          </p:stCondLst>
+                                        </p:cTn>
+                                        <p:tgtEl>
+                                          <p:spTgt spid="3">
+                                            <p:txEl>
+                                              <p:pRg st="1" end="1"/>
+                                            </p:txEl>
+                                          </p:spTgt>
+                                        </p:tgtEl>
+                                        <p:attrNameLst>
+                                          <p:attrName>style.visibility</p:attrName>
+                                        </p:attrNameLst>
+                                      </p:cBhvr>
+                                      <p:to>
+                                        <p:strVal val="visible"/>
+                                      </p:to>
+                                    </p:set>
+                                  </p:childTnLst>
+                                </p:cTn>
+                              </p:par>
+                            </p:childTnLst>
+                          </p:cTn>
+                        </p:par>
+                      </p:childTnLst>
+                    </p:cTn>
+                  </p:par>
+                </p:childTnLst>
+              </p:cTn>
+              <p:prevCondLst>
+                <p:cond evt="onPrev" delay="0">
+                  <p:tgtEl>
+                    <p:sldTgt/>
+                  </p:tgtEl>
+                </p:cond>
+              </p:prevCondLst>
+              <p:nextCondLst>
+                <p:cond evt="onNext" delay="0">
+                  <p:tgtEl>
+                    <p:sldTgt/>
+                  </p:tgtEl>
+                </p:cond>
+              </p:nextCondLst>
+            </p:seq>
+          </p:childTnLst>
+        </p:cTn>
+      </p:par>
+    </p:tnLst>
+    <p:bldLst>
+      <p:bldP spid="3" grpId="0" build="p"/>
+    </p:bldLst>
+  </p:timing>
+</p:sld>
+</file>
+
+<file path=ppt/slides/slide13.xml><?xml version="1.0" encoding="utf-8"?>
 <p:sld xmlns:a="http://schemas.openxmlformats.org/drawingml/2006/main" xmlns:r="http://schemas.openxmlformats.org/officeDocument/2006/relationships" xmlns:p="http://schemas.openxmlformats.org/presentationml/2006/main">
   <p:cSld>
     <p:spTree>
@@ -7778,7 +11318,7 @@
 </p:sld>
 </file>
 
-<file path=ppt/slides/slide11.xml><?xml version="1.0" encoding="utf-8"?>
+<file path=ppt/slides/slide14.xml><?xml version="1.0" encoding="utf-8"?>
 <p:sld xmlns:a="http://schemas.openxmlformats.org/drawingml/2006/main" xmlns:r="http://schemas.openxmlformats.org/officeDocument/2006/relationships" xmlns:p="http://schemas.openxmlformats.org/presentationml/2006/main">
   <p:cSld>
     <p:spTree>
@@ -8260,7 +11800,7 @@
 </p:sld>
 </file>
 
-<file path=ppt/slides/slide12.xml><?xml version="1.0" encoding="utf-8"?>
+<file path=ppt/slides/slide15.xml><?xml version="1.0" encoding="utf-8"?>
 <p:sld xmlns:a="http://schemas.openxmlformats.org/drawingml/2006/main" xmlns:r="http://schemas.openxmlformats.org/officeDocument/2006/relationships" xmlns:p="http://schemas.openxmlformats.org/presentationml/2006/main">
   <p:cSld>
     <p:spTree>
@@ -8577,7 +12117,7 @@
                     <a:p>
                       <a:pPr algn="ctr" fontAlgn="ctr"/>
                       <a:r>
-                        <a:rPr lang="en-IN" sz="1800" b="0" i="0" u="none" strike="noStrike">
+                        <a:rPr lang="en-IN" sz="1800" b="0" i="0" u="none" strike="noStrike" dirty="0">
                           <a:solidFill>
                             <a:srgbClr val="000000"/>
                           </a:solidFill>
@@ -8856,7 +12396,7 @@
 </p:sld>
 </file>
 
-<file path=ppt/slides/slide13.xml><?xml version="1.0" encoding="utf-8"?>
+<file path=ppt/slides/slide16.xml><?xml version="1.0" encoding="utf-8"?>
 <p:sld xmlns:a="http://schemas.openxmlformats.org/drawingml/2006/main" xmlns:r="http://schemas.openxmlformats.org/officeDocument/2006/relationships" xmlns:p="http://schemas.openxmlformats.org/presentationml/2006/main">
   <p:cSld>
     <p:spTree>
@@ -9314,7 +12854,7 @@
 </p:sld>
 </file>
 
-<file path=ppt/slides/slide14.xml><?xml version="1.0" encoding="utf-8"?>
+<file path=ppt/slides/slide17.xml><?xml version="1.0" encoding="utf-8"?>
 <p:sld xmlns:a="http://schemas.openxmlformats.org/drawingml/2006/main" xmlns:r="http://schemas.openxmlformats.org/officeDocument/2006/relationships" xmlns:p="http://schemas.openxmlformats.org/presentationml/2006/main">
   <p:cSld>
     <p:spTree>
@@ -9377,7 +12917,504 @@
 </p:sld>
 </file>
 
-<file path=ppt/slides/slide15.xml><?xml version="1.0" encoding="utf-8"?>
+<file path=ppt/slides/slide18.xml><?xml version="1.0" encoding="utf-8"?>
+<p:sld xmlns:a="http://schemas.openxmlformats.org/drawingml/2006/main" xmlns:r="http://schemas.openxmlformats.org/officeDocument/2006/relationships" xmlns:p="http://schemas.openxmlformats.org/presentationml/2006/main">
+  <p:cSld>
+    <p:spTree>
+      <p:nvGrpSpPr>
+        <p:cNvPr id="1" name=""/>
+        <p:cNvGrpSpPr/>
+        <p:nvPr/>
+      </p:nvGrpSpPr>
+      <p:grpSpPr>
+        <a:xfrm>
+          <a:off x="0" y="0"/>
+          <a:ext cx="0" cy="0"/>
+          <a:chOff x="0" y="0"/>
+          <a:chExt cx="0" cy="0"/>
+        </a:xfrm>
+      </p:grpSpPr>
+      <p:sp>
+        <p:nvSpPr>
+          <p:cNvPr id="2" name="Title 1">
+            <a:extLst>
+              <a:ext uri="{FF2B5EF4-FFF2-40B4-BE49-F238E27FC236}">
+                <a16:creationId xmlns:a16="http://schemas.microsoft.com/office/drawing/2014/main" id="{CD52BBF6-40C3-D948-9106-80D7EE7EA3C4}"/>
+              </a:ext>
+            </a:extLst>
+          </p:cNvPr>
+          <p:cNvSpPr>
+            <a:spLocks noGrp="1"/>
+          </p:cNvSpPr>
+          <p:nvPr>
+            <p:ph type="title"/>
+          </p:nvPr>
+        </p:nvSpPr>
+        <p:spPr/>
+        <p:txBody>
+          <a:bodyPr/>
+          <a:lstStyle/>
+          <a:p>
+            <a:r>
+              <a:rPr lang="en-US" dirty="0"/>
+              <a:t>example</a:t>
+            </a:r>
+          </a:p>
+        </p:txBody>
+      </p:sp>
+      <p:graphicFrame>
+        <p:nvGraphicFramePr>
+          <p:cNvPr id="4" name="Content Placeholder 3">
+            <a:extLst>
+              <a:ext uri="{FF2B5EF4-FFF2-40B4-BE49-F238E27FC236}">
+                <a16:creationId xmlns:a16="http://schemas.microsoft.com/office/drawing/2014/main" id="{6AFAC9A6-53EC-EB49-8E2E-0F699AAD33E5}"/>
+              </a:ext>
+            </a:extLst>
+          </p:cNvPr>
+          <p:cNvGraphicFramePr>
+            <a:graphicFrameLocks noGrp="1"/>
+          </p:cNvGraphicFramePr>
+          <p:nvPr>
+            <p:ph idx="1"/>
+            <p:extLst/>
+          </p:nvPr>
+        </p:nvGraphicFramePr>
+        <p:xfrm>
+          <a:off x="2230438" y="2638425"/>
+          <a:ext cx="7731124" cy="1483360"/>
+        </p:xfrm>
+        <a:graphic>
+          <a:graphicData uri="http://schemas.openxmlformats.org/drawingml/2006/table">
+            <a:tbl>
+              <a:tblPr firstRow="1" bandRow="1">
+                <a:tableStyleId>{21E4AEA4-8DFA-4A89-87EB-49C32662AFE0}</a:tableStyleId>
+              </a:tblPr>
+              <a:tblGrid>
+                <a:gridCol w="1932781">
+                  <a:extLst>
+                    <a:ext uri="{9D8B030D-6E8A-4147-A177-3AD203B41FA5}">
+                      <a16:colId xmlns:a16="http://schemas.microsoft.com/office/drawing/2014/main" val="3726560"/>
+                    </a:ext>
+                  </a:extLst>
+                </a:gridCol>
+                <a:gridCol w="1932781">
+                  <a:extLst>
+                    <a:ext uri="{9D8B030D-6E8A-4147-A177-3AD203B41FA5}">
+                      <a16:colId xmlns:a16="http://schemas.microsoft.com/office/drawing/2014/main" val="3168687314"/>
+                    </a:ext>
+                  </a:extLst>
+                </a:gridCol>
+                <a:gridCol w="1932781">
+                  <a:extLst>
+                    <a:ext uri="{9D8B030D-6E8A-4147-A177-3AD203B41FA5}">
+                      <a16:colId xmlns:a16="http://schemas.microsoft.com/office/drawing/2014/main" val="2678281939"/>
+                    </a:ext>
+                  </a:extLst>
+                </a:gridCol>
+                <a:gridCol w="1932781">
+                  <a:extLst>
+                    <a:ext uri="{9D8B030D-6E8A-4147-A177-3AD203B41FA5}">
+                      <a16:colId xmlns:a16="http://schemas.microsoft.com/office/drawing/2014/main" val="3151972442"/>
+                    </a:ext>
+                  </a:extLst>
+                </a:gridCol>
+              </a:tblGrid>
+              <a:tr h="370840">
+                <a:tc>
+                  <a:txBody>
+                    <a:bodyPr/>
+                    <a:lstStyle/>
+                    <a:p>
+                      <a:pPr algn="ctr"/>
+                      <a:endParaRPr lang="en-US" dirty="0"/>
+                    </a:p>
+                  </a:txBody>
+                  <a:tcPr/>
+                </a:tc>
+                <a:tc>
+                  <a:txBody>
+                    <a:bodyPr/>
+                    <a:lstStyle/>
+                    <a:p>
+                      <a:pPr algn="ctr"/>
+                      <a:r>
+                        <a:rPr lang="en-US" dirty="0"/>
+                        <a:t>Room 1</a:t>
+                      </a:r>
+                    </a:p>
+                  </a:txBody>
+                  <a:tcPr/>
+                </a:tc>
+                <a:tc>
+                  <a:txBody>
+                    <a:bodyPr/>
+                    <a:lstStyle/>
+                    <a:p>
+                      <a:pPr algn="ctr"/>
+                      <a:r>
+                        <a:rPr lang="en-US" dirty="0"/>
+                        <a:t>Room 2</a:t>
+                      </a:r>
+                    </a:p>
+                  </a:txBody>
+                  <a:tcPr/>
+                </a:tc>
+                <a:tc>
+                  <a:txBody>
+                    <a:bodyPr/>
+                    <a:lstStyle/>
+                    <a:p>
+                      <a:pPr algn="ctr"/>
+                      <a:r>
+                        <a:rPr lang="en-US" dirty="0"/>
+                        <a:t>Room 3</a:t>
+                      </a:r>
+                    </a:p>
+                  </a:txBody>
+                  <a:tcPr/>
+                </a:tc>
+                <a:extLst>
+                  <a:ext uri="{0D108BD9-81ED-4DB2-BD59-A6C34878D82A}">
+                    <a16:rowId xmlns:a16="http://schemas.microsoft.com/office/drawing/2014/main" val="1714920863"/>
+                  </a:ext>
+                </a:extLst>
+              </a:tr>
+              <a:tr h="370840">
+                <a:tc>
+                  <a:txBody>
+                    <a:bodyPr/>
+                    <a:lstStyle/>
+                    <a:p>
+                      <a:pPr algn="ctr"/>
+                      <a:r>
+                        <a:rPr lang="en-US" dirty="0"/>
+                        <a:t>Alice</a:t>
+                      </a:r>
+                    </a:p>
+                  </a:txBody>
+                  <a:tcPr/>
+                </a:tc>
+                <a:tc>
+                  <a:txBody>
+                    <a:bodyPr/>
+                    <a:lstStyle/>
+                    <a:p>
+                      <a:pPr algn="ctr" rtl="0" fontAlgn="ctr"/>
+                      <a:r>
+                        <a:rPr lang="en-IN" sz="1800" b="0" i="0" u="none" strike="noStrike">
+                          <a:solidFill>
+                            <a:srgbClr val="000000"/>
+                          </a:solidFill>
+                          <a:effectLst/>
+                          <a:latin typeface="Gill Sans MT" panose="020B0502020104020203" pitchFamily="34" charset="77"/>
+                        </a:rPr>
+                        <a:t>330</a:t>
+                      </a:r>
+                    </a:p>
+                  </a:txBody>
+                  <a:tcPr marL="9525" marR="9525" marT="9525" marB="0" anchor="ctr"/>
+                </a:tc>
+                <a:tc>
+                  <a:txBody>
+                    <a:bodyPr/>
+                    <a:lstStyle/>
+                    <a:p>
+                      <a:pPr algn="ctr" rtl="0" fontAlgn="ctr"/>
+                      <a:r>
+                        <a:rPr lang="en-IN" sz="1800" b="0" i="0" u="none" strike="noStrike">
+                          <a:solidFill>
+                            <a:srgbClr val="000000"/>
+                          </a:solidFill>
+                          <a:effectLst/>
+                          <a:latin typeface="Gill Sans MT" panose="020B0502020104020203" pitchFamily="34" charset="77"/>
+                        </a:rPr>
+                        <a:t>470</a:t>
+                      </a:r>
+                    </a:p>
+                  </a:txBody>
+                  <a:tcPr marL="9525" marR="9525" marT="9525" marB="0" anchor="ctr"/>
+                </a:tc>
+                <a:tc>
+                  <a:txBody>
+                    <a:bodyPr/>
+                    <a:lstStyle/>
+                    <a:p>
+                      <a:pPr algn="ctr" rtl="0" fontAlgn="ctr"/>
+                      <a:r>
+                        <a:rPr lang="en-IN" sz="1800" b="0" i="0" u="none" strike="noStrike">
+                          <a:solidFill>
+                            <a:srgbClr val="000000"/>
+                          </a:solidFill>
+                          <a:effectLst/>
+                          <a:latin typeface="Gill Sans MT" panose="020B0502020104020203" pitchFamily="34" charset="77"/>
+                        </a:rPr>
+                        <a:t>200</a:t>
+                      </a:r>
+                    </a:p>
+                  </a:txBody>
+                  <a:tcPr marL="9525" marR="9525" marT="9525" marB="0" anchor="ctr"/>
+                </a:tc>
+                <a:extLst>
+                  <a:ext uri="{0D108BD9-81ED-4DB2-BD59-A6C34878D82A}">
+                    <a16:rowId xmlns:a16="http://schemas.microsoft.com/office/drawing/2014/main" val="3383498833"/>
+                  </a:ext>
+                </a:extLst>
+              </a:tr>
+              <a:tr h="370840">
+                <a:tc>
+                  <a:txBody>
+                    <a:bodyPr/>
+                    <a:lstStyle/>
+                    <a:p>
+                      <a:pPr algn="ctr"/>
+                      <a:r>
+                        <a:rPr lang="en-US" dirty="0"/>
+                        <a:t>Bob</a:t>
+                      </a:r>
+                    </a:p>
+                  </a:txBody>
+                  <a:tcPr/>
+                </a:tc>
+                <a:tc>
+                  <a:txBody>
+                    <a:bodyPr/>
+                    <a:lstStyle/>
+                    <a:p>
+                      <a:pPr algn="ctr" rtl="0" fontAlgn="ctr"/>
+                      <a:r>
+                        <a:rPr lang="en-IN" sz="1800" b="0" i="0" u="none" strike="noStrike">
+                          <a:solidFill>
+                            <a:srgbClr val="000000"/>
+                          </a:solidFill>
+                          <a:effectLst/>
+                          <a:latin typeface="Gill Sans MT" panose="020B0502020104020203" pitchFamily="34" charset="77"/>
+                        </a:rPr>
+                        <a:t>350</a:t>
+                      </a:r>
+                    </a:p>
+                  </a:txBody>
+                  <a:tcPr marL="9525" marR="9525" marT="9525" marB="0" anchor="ctr"/>
+                </a:tc>
+                <a:tc>
+                  <a:txBody>
+                    <a:bodyPr/>
+                    <a:lstStyle/>
+                    <a:p>
+                      <a:pPr algn="ctr" rtl="0" fontAlgn="ctr"/>
+                      <a:r>
+                        <a:rPr lang="en-IN" sz="1800" b="0" i="0" u="none" strike="noStrike">
+                          <a:solidFill>
+                            <a:srgbClr val="000000"/>
+                          </a:solidFill>
+                          <a:effectLst/>
+                          <a:latin typeface="Gill Sans MT" panose="020B0502020104020203" pitchFamily="34" charset="77"/>
+                        </a:rPr>
+                        <a:t>450</a:t>
+                      </a:r>
+                    </a:p>
+                  </a:txBody>
+                  <a:tcPr marL="9525" marR="9525" marT="9525" marB="0" anchor="ctr"/>
+                </a:tc>
+                <a:tc>
+                  <a:txBody>
+                    <a:bodyPr/>
+                    <a:lstStyle/>
+                    <a:p>
+                      <a:pPr algn="ctr" rtl="0" fontAlgn="ctr"/>
+                      <a:r>
+                        <a:rPr lang="en-IN" sz="1800" b="0" i="0" u="none" strike="noStrike">
+                          <a:solidFill>
+                            <a:srgbClr val="000000"/>
+                          </a:solidFill>
+                          <a:effectLst/>
+                          <a:latin typeface="Gill Sans MT" panose="020B0502020104020203" pitchFamily="34" charset="77"/>
+                        </a:rPr>
+                        <a:t>200</a:t>
+                      </a:r>
+                    </a:p>
+                  </a:txBody>
+                  <a:tcPr marL="9525" marR="9525" marT="9525" marB="0" anchor="ctr"/>
+                </a:tc>
+                <a:extLst>
+                  <a:ext uri="{0D108BD9-81ED-4DB2-BD59-A6C34878D82A}">
+                    <a16:rowId xmlns:a16="http://schemas.microsoft.com/office/drawing/2014/main" val="1761978725"/>
+                  </a:ext>
+                </a:extLst>
+              </a:tr>
+              <a:tr h="370840">
+                <a:tc>
+                  <a:txBody>
+                    <a:bodyPr/>
+                    <a:lstStyle/>
+                    <a:p>
+                      <a:pPr algn="ctr"/>
+                      <a:r>
+                        <a:rPr lang="en-US" dirty="0"/>
+                        <a:t>Claire</a:t>
+                      </a:r>
+                    </a:p>
+                  </a:txBody>
+                  <a:tcPr/>
+                </a:tc>
+                <a:tc>
+                  <a:txBody>
+                    <a:bodyPr/>
+                    <a:lstStyle/>
+                    <a:p>
+                      <a:pPr algn="ctr" rtl="0" fontAlgn="ctr"/>
+                      <a:r>
+                        <a:rPr lang="en-IN" sz="1800" b="0" i="0" u="none" strike="noStrike">
+                          <a:solidFill>
+                            <a:srgbClr val="000000"/>
+                          </a:solidFill>
+                          <a:effectLst/>
+                          <a:latin typeface="Gill Sans MT" panose="020B0502020104020203" pitchFamily="34" charset="77"/>
+                        </a:rPr>
+                        <a:t>225</a:t>
+                      </a:r>
+                    </a:p>
+                  </a:txBody>
+                  <a:tcPr marL="9525" marR="9525" marT="9525" marB="0" anchor="ctr"/>
+                </a:tc>
+                <a:tc>
+                  <a:txBody>
+                    <a:bodyPr/>
+                    <a:lstStyle/>
+                    <a:p>
+                      <a:pPr algn="ctr" rtl="0" fontAlgn="ctr"/>
+                      <a:r>
+                        <a:rPr lang="en-IN" sz="1800" b="0" i="0" u="none" strike="noStrike">
+                          <a:solidFill>
+                            <a:srgbClr val="000000"/>
+                          </a:solidFill>
+                          <a:effectLst/>
+                          <a:latin typeface="Gill Sans MT" panose="020B0502020104020203" pitchFamily="34" charset="77"/>
+                        </a:rPr>
+                        <a:t>375</a:t>
+                      </a:r>
+                    </a:p>
+                  </a:txBody>
+                  <a:tcPr marL="9525" marR="9525" marT="9525" marB="0" anchor="ctr"/>
+                </a:tc>
+                <a:tc>
+                  <a:txBody>
+                    <a:bodyPr/>
+                    <a:lstStyle/>
+                    <a:p>
+                      <a:pPr algn="ctr" rtl="0" fontAlgn="ctr"/>
+                      <a:r>
+                        <a:rPr lang="en-IN" sz="1800" b="0" i="0" u="none" strike="noStrike" dirty="0">
+                          <a:solidFill>
+                            <a:srgbClr val="000000"/>
+                          </a:solidFill>
+                          <a:effectLst/>
+                          <a:latin typeface="Gill Sans MT" panose="020B0502020104020203" pitchFamily="34" charset="77"/>
+                        </a:rPr>
+                        <a:t>400</a:t>
+                      </a:r>
+                    </a:p>
+                  </a:txBody>
+                  <a:tcPr marL="9525" marR="9525" marT="9525" marB="0" anchor="ctr"/>
+                </a:tc>
+                <a:extLst>
+                  <a:ext uri="{0D108BD9-81ED-4DB2-BD59-A6C34878D82A}">
+                    <a16:rowId xmlns:a16="http://schemas.microsoft.com/office/drawing/2014/main" val="4234361589"/>
+                  </a:ext>
+                </a:extLst>
+              </a:tr>
+            </a:tbl>
+          </a:graphicData>
+        </a:graphic>
+      </p:graphicFrame>
+    </p:spTree>
+    <p:extLst>
+      <p:ext uri="{BB962C8B-B14F-4D97-AF65-F5344CB8AC3E}">
+        <p14:creationId xmlns:p14="http://schemas.microsoft.com/office/powerpoint/2010/main" val="225798272"/>
+      </p:ext>
+    </p:extLst>
+  </p:cSld>
+  <p:clrMapOvr>
+    <a:masterClrMapping/>
+  </p:clrMapOvr>
+  <p:timing>
+    <p:tnLst>
+      <p:par>
+        <p:cTn id="1" dur="indefinite" restart="never" nodeType="tmRoot">
+          <p:childTnLst>
+            <p:seq concurrent="1" nextAc="seek">
+              <p:cTn id="2" dur="indefinite" nodeType="mainSeq">
+                <p:childTnLst>
+                  <p:par>
+                    <p:cTn id="3" fill="hold">
+                      <p:stCondLst>
+                        <p:cond delay="indefinite"/>
+                      </p:stCondLst>
+                      <p:childTnLst>
+                        <p:par>
+                          <p:cTn id="4" fill="hold">
+                            <p:stCondLst>
+                              <p:cond delay="0"/>
+                            </p:stCondLst>
+                            <p:childTnLst>
+                              <p:par>
+                                <p:cTn id="5" presetID="1" presetClass="entr" presetSubtype="0" fill="hold" nodeType="clickEffect">
+                                  <p:stCondLst>
+                                    <p:cond delay="0"/>
+                                  </p:stCondLst>
+                                  <p:childTnLst>
+                                    <p:set>
+                                      <p:cBhvr>
+                                        <p:cTn id="6" dur="1" fill="hold">
+                                          <p:stCondLst>
+                                            <p:cond delay="0"/>
+                                          </p:stCondLst>
+                                        </p:cTn>
+                                        <p:tgtEl>
+                                          <p:spTgt spid="4"/>
+                                        </p:tgtEl>
+                                        <p:attrNameLst>
+                                          <p:attrName>style.visibility</p:attrName>
+                                        </p:attrNameLst>
+                                      </p:cBhvr>
+                                      <p:to>
+                                        <p:strVal val="visible"/>
+                                      </p:to>
+                                    </p:set>
+                                  </p:childTnLst>
+                                </p:cTn>
+                              </p:par>
+                            </p:childTnLst>
+                          </p:cTn>
+                        </p:par>
+                      </p:childTnLst>
+                    </p:cTn>
+                  </p:par>
+                </p:childTnLst>
+              </p:cTn>
+              <p:prevCondLst>
+                <p:cond evt="onPrev" delay="0">
+                  <p:tgtEl>
+                    <p:sldTgt/>
+                  </p:tgtEl>
+                </p:cond>
+              </p:prevCondLst>
+              <p:nextCondLst>
+                <p:cond evt="onNext" delay="0">
+                  <p:tgtEl>
+                    <p:sldTgt/>
+                  </p:tgtEl>
+                </p:cond>
+              </p:nextCondLst>
+            </p:seq>
+          </p:childTnLst>
+        </p:cTn>
+      </p:par>
+    </p:tnLst>
+  </p:timing>
+</p:sld>
+</file>
+
+<file path=ppt/slides/slide19.xml><?xml version="1.0" encoding="utf-8"?>
 <p:sld xmlns:a="http://schemas.openxmlformats.org/drawingml/2006/main" xmlns:r="http://schemas.openxmlformats.org/officeDocument/2006/relationships" xmlns:p="http://schemas.openxmlformats.org/presentationml/2006/main">
   <p:cSld>
     <p:spTree>
@@ -9931,7 +13968,9 @@
         </p:nvSpPr>
         <p:spPr/>
         <p:txBody>
-          <a:bodyPr/>
+          <a:bodyPr>
+            <a:normAutofit lnSpcReduction="10000"/>
+          </a:bodyPr>
           <a:lstStyle/>
           <a:p>
             <a:r>
@@ -9965,6 +14004,16 @@
             <a:r>
               <a:rPr lang="en-IN" dirty="0"/>
               <a:t>)—their valuation of the room minus the rent they pay for it—is maximized.</a:t>
+            </a:r>
+          </a:p>
+          <a:p>
+            <a:r>
+              <a:rPr lang="en-IN" dirty="0" err="1"/>
+              <a:t>Eg.</a:t>
+            </a:r>
+            <a:r>
+              <a:rPr lang="en-IN" dirty="0"/>
+              <a:t> Consider a situation where player x is assigned a room y. Suppose s/he had agreed to pay ₹150 for it initially, but is assigned it for ₹120, then the utility here is ₹30. For all other rooms, his/her utility will be ≤ ₹30.</a:t>
             </a:r>
           </a:p>
         </p:txBody>
@@ -10114,6 +14163,55 @@
                                           <p:spTgt spid="3">
                                             <p:txEl>
                                               <p:pRg st="2" end="2"/>
+                                            </p:txEl>
+                                          </p:spTgt>
+                                        </p:tgtEl>
+                                        <p:attrNameLst>
+                                          <p:attrName>style.visibility</p:attrName>
+                                        </p:attrNameLst>
+                                      </p:cBhvr>
+                                      <p:to>
+                                        <p:strVal val="visible"/>
+                                      </p:to>
+                                    </p:set>
+                                  </p:childTnLst>
+                                </p:cTn>
+                              </p:par>
+                            </p:childTnLst>
+                          </p:cTn>
+                        </p:par>
+                      </p:childTnLst>
+                    </p:cTn>
+                  </p:par>
+                  <p:par>
+                    <p:cTn id="15" fill="hold">
+                      <p:stCondLst>
+                        <p:cond delay="indefinite"/>
+                      </p:stCondLst>
+                      <p:childTnLst>
+                        <p:par>
+                          <p:cTn id="16" fill="hold">
+                            <p:stCondLst>
+                              <p:cond delay="0"/>
+                            </p:stCondLst>
+                            <p:childTnLst>
+                              <p:par>
+                                <p:cTn id="17" presetID="1" presetClass="entr" presetSubtype="0" fill="hold" grpId="0" nodeType="clickEffect">
+                                  <p:stCondLst>
+                                    <p:cond delay="0"/>
+                                  </p:stCondLst>
+                                  <p:childTnLst>
+                                    <p:set>
+                                      <p:cBhvr>
+                                        <p:cTn id="18" dur="1" fill="hold">
+                                          <p:stCondLst>
+                                            <p:cond delay="0"/>
+                                          </p:stCondLst>
+                                        </p:cTn>
+                                        <p:tgtEl>
+                                          <p:spTgt spid="3">
+                                            <p:txEl>
+                                              <p:pRg st="3" end="3"/>
                                             </p:txEl>
                                           </p:spTgt>
                                         </p:tgtEl>
@@ -13315,6 +17413,683 @@
       </p:grpSpPr>
       <p:sp>
         <p:nvSpPr>
+          <p:cNvPr id="2" name="Title 1">
+            <a:extLst>
+              <a:ext uri="{FF2B5EF4-FFF2-40B4-BE49-F238E27FC236}">
+                <a16:creationId xmlns:a16="http://schemas.microsoft.com/office/drawing/2014/main" id="{07001F94-A3AE-8145-9F12-CF775934B9F7}"/>
+              </a:ext>
+            </a:extLst>
+          </p:cNvPr>
+          <p:cNvSpPr>
+            <a:spLocks noGrp="1"/>
+          </p:cNvSpPr>
+          <p:nvPr>
+            <p:ph type="title"/>
+          </p:nvPr>
+        </p:nvSpPr>
+        <p:spPr/>
+        <p:txBody>
+          <a:bodyPr/>
+          <a:lstStyle/>
+          <a:p>
+            <a:r>
+              <a:rPr lang="en-US" dirty="0"/>
+              <a:t>Maximum weighted bipartite matching</a:t>
+            </a:r>
+          </a:p>
+        </p:txBody>
+      </p:sp>
+      <p:sp>
+        <p:nvSpPr>
+          <p:cNvPr id="3" name="Content Placeholder 2">
+            <a:extLst>
+              <a:ext uri="{FF2B5EF4-FFF2-40B4-BE49-F238E27FC236}">
+                <a16:creationId xmlns:a16="http://schemas.microsoft.com/office/drawing/2014/main" id="{7B1451E8-BC43-054A-8B17-CD4A2FB8A37C}"/>
+              </a:ext>
+            </a:extLst>
+          </p:cNvPr>
+          <p:cNvSpPr>
+            <a:spLocks noGrp="1"/>
+          </p:cNvSpPr>
+          <p:nvPr>
+            <p:ph idx="1"/>
+          </p:nvPr>
+        </p:nvSpPr>
+        <p:spPr/>
+        <p:txBody>
+          <a:bodyPr/>
+          <a:lstStyle/>
+          <a:p>
+            <a:r>
+              <a:rPr lang="en-US" dirty="0"/>
+              <a:t>Each player will suggest rents for rooms according to their room preference.</a:t>
+            </a:r>
+          </a:p>
+          <a:p>
+            <a:r>
+              <a:rPr lang="en-US" dirty="0"/>
+              <a:t>That is, the room they like the most will be valued highest and their least preferred room will be given the lowest rent.</a:t>
+            </a:r>
+          </a:p>
+          <a:p>
+            <a:r>
+              <a:rPr lang="en-US" dirty="0"/>
+              <a:t>A way has to be found such that each player gets the room they want the most.</a:t>
+            </a:r>
+          </a:p>
+        </p:txBody>
+      </p:sp>
+    </p:spTree>
+    <p:extLst>
+      <p:ext uri="{BB962C8B-B14F-4D97-AF65-F5344CB8AC3E}">
+        <p14:creationId xmlns:p14="http://schemas.microsoft.com/office/powerpoint/2010/main" val="388170572"/>
+      </p:ext>
+    </p:extLst>
+  </p:cSld>
+  <p:clrMapOvr>
+    <a:masterClrMapping/>
+  </p:clrMapOvr>
+  <p:timing>
+    <p:tnLst>
+      <p:par>
+        <p:cTn id="1" dur="indefinite" restart="never" nodeType="tmRoot">
+          <p:childTnLst>
+            <p:seq concurrent="1" nextAc="seek">
+              <p:cTn id="2" dur="indefinite" nodeType="mainSeq">
+                <p:childTnLst>
+                  <p:par>
+                    <p:cTn id="3" fill="hold">
+                      <p:stCondLst>
+                        <p:cond delay="indefinite"/>
+                      </p:stCondLst>
+                      <p:childTnLst>
+                        <p:par>
+                          <p:cTn id="4" fill="hold">
+                            <p:stCondLst>
+                              <p:cond delay="0"/>
+                            </p:stCondLst>
+                            <p:childTnLst>
+                              <p:par>
+                                <p:cTn id="5" presetID="1" presetClass="entr" presetSubtype="0" fill="hold" grpId="0" nodeType="clickEffect">
+                                  <p:stCondLst>
+                                    <p:cond delay="0"/>
+                                  </p:stCondLst>
+                                  <p:childTnLst>
+                                    <p:set>
+                                      <p:cBhvr>
+                                        <p:cTn id="6" dur="1" fill="hold">
+                                          <p:stCondLst>
+                                            <p:cond delay="0"/>
+                                          </p:stCondLst>
+                                        </p:cTn>
+                                        <p:tgtEl>
+                                          <p:spTgt spid="3">
+                                            <p:txEl>
+                                              <p:pRg st="0" end="0"/>
+                                            </p:txEl>
+                                          </p:spTgt>
+                                        </p:tgtEl>
+                                        <p:attrNameLst>
+                                          <p:attrName>style.visibility</p:attrName>
+                                        </p:attrNameLst>
+                                      </p:cBhvr>
+                                      <p:to>
+                                        <p:strVal val="visible"/>
+                                      </p:to>
+                                    </p:set>
+                                  </p:childTnLst>
+                                </p:cTn>
+                              </p:par>
+                            </p:childTnLst>
+                          </p:cTn>
+                        </p:par>
+                      </p:childTnLst>
+                    </p:cTn>
+                  </p:par>
+                  <p:par>
+                    <p:cTn id="7" fill="hold">
+                      <p:stCondLst>
+                        <p:cond delay="indefinite"/>
+                      </p:stCondLst>
+                      <p:childTnLst>
+                        <p:par>
+                          <p:cTn id="8" fill="hold">
+                            <p:stCondLst>
+                              <p:cond delay="0"/>
+                            </p:stCondLst>
+                            <p:childTnLst>
+                              <p:par>
+                                <p:cTn id="9" presetID="1" presetClass="entr" presetSubtype="0" fill="hold" grpId="0" nodeType="clickEffect">
+                                  <p:stCondLst>
+                                    <p:cond delay="0"/>
+                                  </p:stCondLst>
+                                  <p:childTnLst>
+                                    <p:set>
+                                      <p:cBhvr>
+                                        <p:cTn id="10" dur="1" fill="hold">
+                                          <p:stCondLst>
+                                            <p:cond delay="0"/>
+                                          </p:stCondLst>
+                                        </p:cTn>
+                                        <p:tgtEl>
+                                          <p:spTgt spid="3">
+                                            <p:txEl>
+                                              <p:pRg st="1" end="1"/>
+                                            </p:txEl>
+                                          </p:spTgt>
+                                        </p:tgtEl>
+                                        <p:attrNameLst>
+                                          <p:attrName>style.visibility</p:attrName>
+                                        </p:attrNameLst>
+                                      </p:cBhvr>
+                                      <p:to>
+                                        <p:strVal val="visible"/>
+                                      </p:to>
+                                    </p:set>
+                                  </p:childTnLst>
+                                </p:cTn>
+                              </p:par>
+                            </p:childTnLst>
+                          </p:cTn>
+                        </p:par>
+                      </p:childTnLst>
+                    </p:cTn>
+                  </p:par>
+                  <p:par>
+                    <p:cTn id="11" fill="hold">
+                      <p:stCondLst>
+                        <p:cond delay="indefinite"/>
+                      </p:stCondLst>
+                      <p:childTnLst>
+                        <p:par>
+                          <p:cTn id="12" fill="hold">
+                            <p:stCondLst>
+                              <p:cond delay="0"/>
+                            </p:stCondLst>
+                            <p:childTnLst>
+                              <p:par>
+                                <p:cTn id="13" presetID="1" presetClass="entr" presetSubtype="0" fill="hold" grpId="0" nodeType="clickEffect">
+                                  <p:stCondLst>
+                                    <p:cond delay="0"/>
+                                  </p:stCondLst>
+                                  <p:childTnLst>
+                                    <p:set>
+                                      <p:cBhvr>
+                                        <p:cTn id="14" dur="1" fill="hold">
+                                          <p:stCondLst>
+                                            <p:cond delay="0"/>
+                                          </p:stCondLst>
+                                        </p:cTn>
+                                        <p:tgtEl>
+                                          <p:spTgt spid="3">
+                                            <p:txEl>
+                                              <p:pRg st="2" end="2"/>
+                                            </p:txEl>
+                                          </p:spTgt>
+                                        </p:tgtEl>
+                                        <p:attrNameLst>
+                                          <p:attrName>style.visibility</p:attrName>
+                                        </p:attrNameLst>
+                                      </p:cBhvr>
+                                      <p:to>
+                                        <p:strVal val="visible"/>
+                                      </p:to>
+                                    </p:set>
+                                  </p:childTnLst>
+                                </p:cTn>
+                              </p:par>
+                            </p:childTnLst>
+                          </p:cTn>
+                        </p:par>
+                      </p:childTnLst>
+                    </p:cTn>
+                  </p:par>
+                </p:childTnLst>
+              </p:cTn>
+              <p:prevCondLst>
+                <p:cond evt="onPrev" delay="0">
+                  <p:tgtEl>
+                    <p:sldTgt/>
+                  </p:tgtEl>
+                </p:cond>
+              </p:prevCondLst>
+              <p:nextCondLst>
+                <p:cond evt="onNext" delay="0">
+                  <p:tgtEl>
+                    <p:sldTgt/>
+                  </p:tgtEl>
+                </p:cond>
+              </p:nextCondLst>
+            </p:seq>
+          </p:childTnLst>
+        </p:cTn>
+      </p:par>
+    </p:tnLst>
+    <p:bldLst>
+      <p:bldP spid="3" grpId="0" build="p"/>
+    </p:bldLst>
+  </p:timing>
+</p:sld>
+</file>
+
+<file path=ppt/slides/slide8.xml><?xml version="1.0" encoding="utf-8"?>
+<p:sld xmlns:a="http://schemas.openxmlformats.org/drawingml/2006/main" xmlns:r="http://schemas.openxmlformats.org/officeDocument/2006/relationships" xmlns:p="http://schemas.openxmlformats.org/presentationml/2006/main">
+  <p:cSld>
+    <p:spTree>
+      <p:nvGrpSpPr>
+        <p:cNvPr id="1" name=""/>
+        <p:cNvGrpSpPr/>
+        <p:nvPr/>
+      </p:nvGrpSpPr>
+      <p:grpSpPr>
+        <a:xfrm>
+          <a:off x="0" y="0"/>
+          <a:ext cx="0" cy="0"/>
+          <a:chOff x="0" y="0"/>
+          <a:chExt cx="0" cy="0"/>
+        </a:xfrm>
+      </p:grpSpPr>
+      <p:sp>
+        <p:nvSpPr>
+          <p:cNvPr id="2" name="Title 1">
+            <a:extLst>
+              <a:ext uri="{FF2B5EF4-FFF2-40B4-BE49-F238E27FC236}">
+                <a16:creationId xmlns:a16="http://schemas.microsoft.com/office/drawing/2014/main" id="{07001F94-A3AE-8145-9F12-CF775934B9F7}"/>
+              </a:ext>
+            </a:extLst>
+          </p:cNvPr>
+          <p:cNvSpPr>
+            <a:spLocks noGrp="1"/>
+          </p:cNvSpPr>
+          <p:nvPr>
+            <p:ph type="title"/>
+          </p:nvPr>
+        </p:nvSpPr>
+        <p:spPr/>
+        <p:txBody>
+          <a:bodyPr/>
+          <a:lstStyle/>
+          <a:p>
+            <a:r>
+              <a:rPr lang="en-US" dirty="0"/>
+              <a:t>Maximum weighted bipartite matching</a:t>
+            </a:r>
+          </a:p>
+        </p:txBody>
+      </p:sp>
+      <p:sp>
+        <p:nvSpPr>
+          <p:cNvPr id="3" name="Content Placeholder 2">
+            <a:extLst>
+              <a:ext uri="{FF2B5EF4-FFF2-40B4-BE49-F238E27FC236}">
+                <a16:creationId xmlns:a16="http://schemas.microsoft.com/office/drawing/2014/main" id="{7B1451E8-BC43-054A-8B17-CD4A2FB8A37C}"/>
+              </a:ext>
+            </a:extLst>
+          </p:cNvPr>
+          <p:cNvSpPr>
+            <a:spLocks noGrp="1"/>
+          </p:cNvSpPr>
+          <p:nvPr>
+            <p:ph idx="1"/>
+          </p:nvPr>
+        </p:nvSpPr>
+        <p:spPr/>
+        <p:txBody>
+          <a:bodyPr/>
+          <a:lstStyle/>
+          <a:p>
+            <a:r>
+              <a:rPr lang="en-US" dirty="0"/>
+              <a:t>A matching is done in such a way that the sum of all branches that are chosen is maximum.</a:t>
+            </a:r>
+          </a:p>
+          <a:p>
+            <a:r>
+              <a:rPr lang="en-US" dirty="0"/>
+              <a:t>By doing so, we automatically ensure each player is assigned a room that is higher up on their preference list.</a:t>
+            </a:r>
+          </a:p>
+          <a:p>
+            <a:r>
+              <a:rPr lang="en-US" dirty="0"/>
+              <a:t>The graph initially has n</a:t>
+            </a:r>
+            <a:r>
+              <a:rPr lang="en-US" baseline="30000" dirty="0"/>
+              <a:t>2 </a:t>
+            </a:r>
+            <a:r>
+              <a:rPr lang="en-US" dirty="0"/>
+              <a:t>branches. We have to match just n branches from these.</a:t>
+            </a:r>
+          </a:p>
+          <a:p>
+            <a:r>
+              <a:rPr lang="en-US" dirty="0"/>
+              <a:t>The problem is solved using the Hungarian algorithm. </a:t>
+            </a:r>
+          </a:p>
+          <a:p>
+            <a:r>
+              <a:rPr lang="en-US" dirty="0"/>
+              <a:t>This is implemented using the pulp library in Python.</a:t>
+            </a:r>
+          </a:p>
+          <a:p>
+            <a:endParaRPr lang="en-US" dirty="0"/>
+          </a:p>
+        </p:txBody>
+      </p:sp>
+    </p:spTree>
+    <p:extLst>
+      <p:ext uri="{BB962C8B-B14F-4D97-AF65-F5344CB8AC3E}">
+        <p14:creationId xmlns:p14="http://schemas.microsoft.com/office/powerpoint/2010/main" val="3451451577"/>
+      </p:ext>
+    </p:extLst>
+  </p:cSld>
+  <p:clrMapOvr>
+    <a:masterClrMapping/>
+  </p:clrMapOvr>
+  <p:timing>
+    <p:tnLst>
+      <p:par>
+        <p:cTn id="1" dur="indefinite" restart="never" nodeType="tmRoot">
+          <p:childTnLst>
+            <p:seq concurrent="1" nextAc="seek">
+              <p:cTn id="2" dur="indefinite" nodeType="mainSeq">
+                <p:childTnLst>
+                  <p:par>
+                    <p:cTn id="3" fill="hold">
+                      <p:stCondLst>
+                        <p:cond delay="indefinite"/>
+                      </p:stCondLst>
+                      <p:childTnLst>
+                        <p:par>
+                          <p:cTn id="4" fill="hold">
+                            <p:stCondLst>
+                              <p:cond delay="0"/>
+                            </p:stCondLst>
+                            <p:childTnLst>
+                              <p:par>
+                                <p:cTn id="5" presetID="1" presetClass="entr" presetSubtype="0" fill="hold" grpId="0" nodeType="clickEffect">
+                                  <p:stCondLst>
+                                    <p:cond delay="0"/>
+                                  </p:stCondLst>
+                                  <p:childTnLst>
+                                    <p:set>
+                                      <p:cBhvr>
+                                        <p:cTn id="6" dur="1" fill="hold">
+                                          <p:stCondLst>
+                                            <p:cond delay="0"/>
+                                          </p:stCondLst>
+                                        </p:cTn>
+                                        <p:tgtEl>
+                                          <p:spTgt spid="3">
+                                            <p:txEl>
+                                              <p:pRg st="0" end="0"/>
+                                            </p:txEl>
+                                          </p:spTgt>
+                                        </p:tgtEl>
+                                        <p:attrNameLst>
+                                          <p:attrName>style.visibility</p:attrName>
+                                        </p:attrNameLst>
+                                      </p:cBhvr>
+                                      <p:to>
+                                        <p:strVal val="visible"/>
+                                      </p:to>
+                                    </p:set>
+                                  </p:childTnLst>
+                                </p:cTn>
+                              </p:par>
+                            </p:childTnLst>
+                          </p:cTn>
+                        </p:par>
+                      </p:childTnLst>
+                    </p:cTn>
+                  </p:par>
+                  <p:par>
+                    <p:cTn id="7" fill="hold">
+                      <p:stCondLst>
+                        <p:cond delay="indefinite"/>
+                      </p:stCondLst>
+                      <p:childTnLst>
+                        <p:par>
+                          <p:cTn id="8" fill="hold">
+                            <p:stCondLst>
+                              <p:cond delay="0"/>
+                            </p:stCondLst>
+                            <p:childTnLst>
+                              <p:par>
+                                <p:cTn id="9" presetID="1" presetClass="entr" presetSubtype="0" fill="hold" grpId="0" nodeType="clickEffect">
+                                  <p:stCondLst>
+                                    <p:cond delay="0"/>
+                                  </p:stCondLst>
+                                  <p:childTnLst>
+                                    <p:set>
+                                      <p:cBhvr>
+                                        <p:cTn id="10" dur="1" fill="hold">
+                                          <p:stCondLst>
+                                            <p:cond delay="0"/>
+                                          </p:stCondLst>
+                                        </p:cTn>
+                                        <p:tgtEl>
+                                          <p:spTgt spid="3">
+                                            <p:txEl>
+                                              <p:pRg st="1" end="1"/>
+                                            </p:txEl>
+                                          </p:spTgt>
+                                        </p:tgtEl>
+                                        <p:attrNameLst>
+                                          <p:attrName>style.visibility</p:attrName>
+                                        </p:attrNameLst>
+                                      </p:cBhvr>
+                                      <p:to>
+                                        <p:strVal val="visible"/>
+                                      </p:to>
+                                    </p:set>
+                                  </p:childTnLst>
+                                </p:cTn>
+                              </p:par>
+                            </p:childTnLst>
+                          </p:cTn>
+                        </p:par>
+                      </p:childTnLst>
+                    </p:cTn>
+                  </p:par>
+                  <p:par>
+                    <p:cTn id="11" fill="hold">
+                      <p:stCondLst>
+                        <p:cond delay="indefinite"/>
+                      </p:stCondLst>
+                      <p:childTnLst>
+                        <p:par>
+                          <p:cTn id="12" fill="hold">
+                            <p:stCondLst>
+                              <p:cond delay="0"/>
+                            </p:stCondLst>
+                            <p:childTnLst>
+                              <p:par>
+                                <p:cTn id="13" presetID="1" presetClass="entr" presetSubtype="0" fill="hold" grpId="0" nodeType="clickEffect">
+                                  <p:stCondLst>
+                                    <p:cond delay="0"/>
+                                  </p:stCondLst>
+                                  <p:childTnLst>
+                                    <p:set>
+                                      <p:cBhvr>
+                                        <p:cTn id="14" dur="1" fill="hold">
+                                          <p:stCondLst>
+                                            <p:cond delay="0"/>
+                                          </p:stCondLst>
+                                        </p:cTn>
+                                        <p:tgtEl>
+                                          <p:spTgt spid="3">
+                                            <p:txEl>
+                                              <p:pRg st="2" end="2"/>
+                                            </p:txEl>
+                                          </p:spTgt>
+                                        </p:tgtEl>
+                                        <p:attrNameLst>
+                                          <p:attrName>style.visibility</p:attrName>
+                                        </p:attrNameLst>
+                                      </p:cBhvr>
+                                      <p:to>
+                                        <p:strVal val="visible"/>
+                                      </p:to>
+                                    </p:set>
+                                  </p:childTnLst>
+                                </p:cTn>
+                              </p:par>
+                            </p:childTnLst>
+                          </p:cTn>
+                        </p:par>
+                      </p:childTnLst>
+                    </p:cTn>
+                  </p:par>
+                  <p:par>
+                    <p:cTn id="15" fill="hold">
+                      <p:stCondLst>
+                        <p:cond delay="indefinite"/>
+                      </p:stCondLst>
+                      <p:childTnLst>
+                        <p:par>
+                          <p:cTn id="16" fill="hold">
+                            <p:stCondLst>
+                              <p:cond delay="0"/>
+                            </p:stCondLst>
+                            <p:childTnLst>
+                              <p:par>
+                                <p:cTn id="17" presetID="1" presetClass="entr" presetSubtype="0" fill="hold" grpId="0" nodeType="clickEffect">
+                                  <p:stCondLst>
+                                    <p:cond delay="0"/>
+                                  </p:stCondLst>
+                                  <p:childTnLst>
+                                    <p:set>
+                                      <p:cBhvr>
+                                        <p:cTn id="18" dur="1" fill="hold">
+                                          <p:stCondLst>
+                                            <p:cond delay="0"/>
+                                          </p:stCondLst>
+                                        </p:cTn>
+                                        <p:tgtEl>
+                                          <p:spTgt spid="3">
+                                            <p:txEl>
+                                              <p:pRg st="3" end="3"/>
+                                            </p:txEl>
+                                          </p:spTgt>
+                                        </p:tgtEl>
+                                        <p:attrNameLst>
+                                          <p:attrName>style.visibility</p:attrName>
+                                        </p:attrNameLst>
+                                      </p:cBhvr>
+                                      <p:to>
+                                        <p:strVal val="visible"/>
+                                      </p:to>
+                                    </p:set>
+                                  </p:childTnLst>
+                                </p:cTn>
+                              </p:par>
+                            </p:childTnLst>
+                          </p:cTn>
+                        </p:par>
+                      </p:childTnLst>
+                    </p:cTn>
+                  </p:par>
+                  <p:par>
+                    <p:cTn id="19" fill="hold">
+                      <p:stCondLst>
+                        <p:cond delay="indefinite"/>
+                      </p:stCondLst>
+                      <p:childTnLst>
+                        <p:par>
+                          <p:cTn id="20" fill="hold">
+                            <p:stCondLst>
+                              <p:cond delay="0"/>
+                            </p:stCondLst>
+                            <p:childTnLst>
+                              <p:par>
+                                <p:cTn id="21" presetID="1" presetClass="entr" presetSubtype="0" fill="hold" grpId="0" nodeType="clickEffect">
+                                  <p:stCondLst>
+                                    <p:cond delay="0"/>
+                                  </p:stCondLst>
+                                  <p:childTnLst>
+                                    <p:set>
+                                      <p:cBhvr>
+                                        <p:cTn id="22" dur="1" fill="hold">
+                                          <p:stCondLst>
+                                            <p:cond delay="0"/>
+                                          </p:stCondLst>
+                                        </p:cTn>
+                                        <p:tgtEl>
+                                          <p:spTgt spid="3">
+                                            <p:txEl>
+                                              <p:pRg st="4" end="4"/>
+                                            </p:txEl>
+                                          </p:spTgt>
+                                        </p:tgtEl>
+                                        <p:attrNameLst>
+                                          <p:attrName>style.visibility</p:attrName>
+                                        </p:attrNameLst>
+                                      </p:cBhvr>
+                                      <p:to>
+                                        <p:strVal val="visible"/>
+                                      </p:to>
+                                    </p:set>
+                                  </p:childTnLst>
+                                </p:cTn>
+                              </p:par>
+                            </p:childTnLst>
+                          </p:cTn>
+                        </p:par>
+                      </p:childTnLst>
+                    </p:cTn>
+                  </p:par>
+                </p:childTnLst>
+              </p:cTn>
+              <p:prevCondLst>
+                <p:cond evt="onPrev" delay="0">
+                  <p:tgtEl>
+                    <p:sldTgt/>
+                  </p:tgtEl>
+                </p:cond>
+              </p:prevCondLst>
+              <p:nextCondLst>
+                <p:cond evt="onNext" delay="0">
+                  <p:tgtEl>
+                    <p:sldTgt/>
+                  </p:tgtEl>
+                </p:cond>
+              </p:nextCondLst>
+            </p:seq>
+          </p:childTnLst>
+        </p:cTn>
+      </p:par>
+    </p:tnLst>
+    <p:bldLst>
+      <p:bldP spid="3" grpId="0" build="p"/>
+    </p:bldLst>
+  </p:timing>
+</p:sld>
+</file>
+
+<file path=ppt/slides/slide9.xml><?xml version="1.0" encoding="utf-8"?>
+<p:sld xmlns:a="http://schemas.openxmlformats.org/drawingml/2006/main" xmlns:r="http://schemas.openxmlformats.org/officeDocument/2006/relationships" xmlns:p="http://schemas.openxmlformats.org/presentationml/2006/main">
+  <p:cSld>
+    <p:spTree>
+      <p:nvGrpSpPr>
+        <p:cNvPr id="1" name=""/>
+        <p:cNvGrpSpPr/>
+        <p:nvPr/>
+      </p:nvGrpSpPr>
+      <p:grpSpPr>
+        <a:xfrm>
+          <a:off x="0" y="0"/>
+          <a:ext cx="0" cy="0"/>
+          <a:chOff x="0" y="0"/>
+          <a:chExt cx="0" cy="0"/>
+        </a:xfrm>
+      </p:grpSpPr>
+      <p:sp>
+        <p:nvSpPr>
           <p:cNvPr id="19" name="Oval 18">
             <a:extLst>
               <a:ext uri="{FF2B5EF4-FFF2-40B4-BE49-F238E27FC236}">
@@ -15354,1379 +20129,6 @@
 </p:sld>
 </file>
 
-<file path=ppt/slides/slide8.xml><?xml version="1.0" encoding="utf-8"?>
-<p:sld xmlns:a="http://schemas.openxmlformats.org/drawingml/2006/main" xmlns:r="http://schemas.openxmlformats.org/officeDocument/2006/relationships" xmlns:p="http://schemas.openxmlformats.org/presentationml/2006/main">
-  <p:cSld>
-    <p:spTree>
-      <p:nvGrpSpPr>
-        <p:cNvPr id="1" name=""/>
-        <p:cNvGrpSpPr/>
-        <p:nvPr/>
-      </p:nvGrpSpPr>
-      <p:grpSpPr>
-        <a:xfrm>
-          <a:off x="0" y="0"/>
-          <a:ext cx="0" cy="0"/>
-          <a:chOff x="0" y="0"/>
-          <a:chExt cx="0" cy="0"/>
-        </a:xfrm>
-      </p:grpSpPr>
-      <p:sp>
-        <p:nvSpPr>
-          <p:cNvPr id="2" name="Title 1">
-            <a:extLst>
-              <a:ext uri="{FF2B5EF4-FFF2-40B4-BE49-F238E27FC236}">
-                <a16:creationId xmlns:a16="http://schemas.microsoft.com/office/drawing/2014/main" id="{C9A75F1D-FE16-4543-955B-3891D3B744CF}"/>
-              </a:ext>
-            </a:extLst>
-          </p:cNvPr>
-          <p:cNvSpPr>
-            <a:spLocks noGrp="1"/>
-          </p:cNvSpPr>
-          <p:nvPr>
-            <p:ph type="title"/>
-          </p:nvPr>
-        </p:nvSpPr>
-        <p:spPr/>
-        <p:txBody>
-          <a:bodyPr/>
-          <a:lstStyle/>
-          <a:p>
-            <a:r>
-              <a:rPr lang="en-US" dirty="0"/>
-              <a:t>Results of </a:t>
-            </a:r>
-            <a:r>
-              <a:rPr lang="en-US" dirty="0" err="1"/>
-              <a:t>mwbm</a:t>
-            </a:r>
-            <a:endParaRPr lang="en-US" dirty="0"/>
-          </a:p>
-        </p:txBody>
-      </p:sp>
-      <p:sp>
-        <p:nvSpPr>
-          <p:cNvPr id="3" name="Content Placeholder 2">
-            <a:extLst>
-              <a:ext uri="{FF2B5EF4-FFF2-40B4-BE49-F238E27FC236}">
-                <a16:creationId xmlns:a16="http://schemas.microsoft.com/office/drawing/2014/main" id="{9703E16B-914F-9343-A646-9A067232CFFA}"/>
-              </a:ext>
-            </a:extLst>
-          </p:cNvPr>
-          <p:cNvSpPr>
-            <a:spLocks noGrp="1"/>
-          </p:cNvSpPr>
-          <p:nvPr>
-            <p:ph idx="1"/>
-          </p:nvPr>
-        </p:nvSpPr>
-        <p:spPr>
-          <a:xfrm>
-            <a:off x="2229738" y="4820479"/>
-            <a:ext cx="7731126" cy="1128270"/>
-          </a:xfrm>
-        </p:spPr>
-        <p:txBody>
-          <a:bodyPr>
-            <a:normAutofit fontScale="92500"/>
-          </a:bodyPr>
-          <a:lstStyle/>
-          <a:p>
-            <a:r>
-              <a:rPr lang="en-US" dirty="0"/>
-              <a:t>The maximum weighted bipartite matching ensures </a:t>
-            </a:r>
-            <a:r>
-              <a:rPr lang="en-US" b="1" i="1" dirty="0"/>
-              <a:t>fairness</a:t>
-            </a:r>
-            <a:r>
-              <a:rPr lang="en-US" dirty="0"/>
-              <a:t> of room allocation.</a:t>
-            </a:r>
-          </a:p>
-          <a:p>
-            <a:r>
-              <a:rPr lang="en-US" dirty="0"/>
-              <a:t>The sum of allotted prices exceeds the total rent.</a:t>
-            </a:r>
-          </a:p>
-          <a:p>
-            <a:r>
-              <a:rPr lang="en-US" dirty="0"/>
-              <a:t>A linear optimization is done using </a:t>
-            </a:r>
-            <a:r>
-              <a:rPr lang="en-US" dirty="0" err="1"/>
-              <a:t>scipy.optimize</a:t>
-            </a:r>
-            <a:r>
-              <a:rPr lang="en-US" dirty="0"/>
-              <a:t>() which uses the simplex method.</a:t>
-            </a:r>
-          </a:p>
-        </p:txBody>
-      </p:sp>
-      <p:graphicFrame>
-        <p:nvGraphicFramePr>
-          <p:cNvPr id="4" name="Content Placeholder 3">
-            <a:extLst>
-              <a:ext uri="{FF2B5EF4-FFF2-40B4-BE49-F238E27FC236}">
-                <a16:creationId xmlns:a16="http://schemas.microsoft.com/office/drawing/2014/main" id="{CD43084F-D993-B342-96B6-DF19B14ED7FF}"/>
-              </a:ext>
-            </a:extLst>
-          </p:cNvPr>
-          <p:cNvGraphicFramePr>
-            <a:graphicFrameLocks/>
-          </p:cNvGraphicFramePr>
-          <p:nvPr>
-            <p:extLst>
-              <p:ext uri="{D42A27DB-BD31-4B8C-83A1-F6EECF244321}">
-                <p14:modId xmlns:p14="http://schemas.microsoft.com/office/powerpoint/2010/main" val="2674455610"/>
-              </p:ext>
-            </p:extLst>
-          </p:nvPr>
-        </p:nvGraphicFramePr>
-        <p:xfrm>
-          <a:off x="2229738" y="2638044"/>
-          <a:ext cx="7731126" cy="1854200"/>
-        </p:xfrm>
-        <a:graphic>
-          <a:graphicData uri="http://schemas.openxmlformats.org/drawingml/2006/table">
-            <a:tbl>
-              <a:tblPr firstRow="1" bandRow="1">
-                <a:tableStyleId>{21E4AEA4-8DFA-4A89-87EB-49C32662AFE0}</a:tableStyleId>
-              </a:tblPr>
-              <a:tblGrid>
-                <a:gridCol w="2577042">
-                  <a:extLst>
-                    <a:ext uri="{9D8B030D-6E8A-4147-A177-3AD203B41FA5}">
-                      <a16:colId xmlns:a16="http://schemas.microsoft.com/office/drawing/2014/main" val="4124667606"/>
-                    </a:ext>
-                  </a:extLst>
-                </a:gridCol>
-                <a:gridCol w="2577042">
-                  <a:extLst>
-                    <a:ext uri="{9D8B030D-6E8A-4147-A177-3AD203B41FA5}">
-                      <a16:colId xmlns:a16="http://schemas.microsoft.com/office/drawing/2014/main" val="3870526257"/>
-                    </a:ext>
-                  </a:extLst>
-                </a:gridCol>
-                <a:gridCol w="2577042">
-                  <a:extLst>
-                    <a:ext uri="{9D8B030D-6E8A-4147-A177-3AD203B41FA5}">
-                      <a16:colId xmlns:a16="http://schemas.microsoft.com/office/drawing/2014/main" val="673473217"/>
-                    </a:ext>
-                  </a:extLst>
-                </a:gridCol>
-              </a:tblGrid>
-              <a:tr h="370840">
-                <a:tc>
-                  <a:txBody>
-                    <a:bodyPr/>
-                    <a:lstStyle/>
-                    <a:p>
-                      <a:pPr algn="ctr"/>
-                      <a:r>
-                        <a:rPr lang="en-US" dirty="0"/>
-                        <a:t>Person</a:t>
-                      </a:r>
-                    </a:p>
-                  </a:txBody>
-                  <a:tcPr/>
-                </a:tc>
-                <a:tc>
-                  <a:txBody>
-                    <a:bodyPr/>
-                    <a:lstStyle/>
-                    <a:p>
-                      <a:pPr algn="ctr"/>
-                      <a:r>
-                        <a:rPr lang="en-US" dirty="0"/>
-                        <a:t>Room</a:t>
-                      </a:r>
-                    </a:p>
-                  </a:txBody>
-                  <a:tcPr/>
-                </a:tc>
-                <a:tc>
-                  <a:txBody>
-                    <a:bodyPr/>
-                    <a:lstStyle/>
-                    <a:p>
-                      <a:pPr algn="ctr"/>
-                      <a:r>
-                        <a:rPr lang="en-US" dirty="0"/>
-                        <a:t>Price</a:t>
-                      </a:r>
-                    </a:p>
-                  </a:txBody>
-                  <a:tcPr/>
-                </a:tc>
-                <a:extLst>
-                  <a:ext uri="{0D108BD9-81ED-4DB2-BD59-A6C34878D82A}">
-                    <a16:rowId xmlns:a16="http://schemas.microsoft.com/office/drawing/2014/main" val="103007724"/>
-                  </a:ext>
-                </a:extLst>
-              </a:tr>
-              <a:tr h="370840">
-                <a:tc>
-                  <a:txBody>
-                    <a:bodyPr/>
-                    <a:lstStyle/>
-                    <a:p>
-                      <a:pPr algn="ctr"/>
-                      <a:r>
-                        <a:rPr lang="en-US" dirty="0"/>
-                        <a:t>Alice</a:t>
-                      </a:r>
-                    </a:p>
-                  </a:txBody>
-                  <a:tcPr/>
-                </a:tc>
-                <a:tc>
-                  <a:txBody>
-                    <a:bodyPr/>
-                    <a:lstStyle/>
-                    <a:p>
-                      <a:pPr algn="ctr"/>
-                      <a:r>
-                        <a:rPr lang="en-US" dirty="0"/>
-                        <a:t>2</a:t>
-                      </a:r>
-                    </a:p>
-                  </a:txBody>
-                  <a:tcPr/>
-                </a:tc>
-                <a:tc>
-                  <a:txBody>
-                    <a:bodyPr/>
-                    <a:lstStyle/>
-                    <a:p>
-                      <a:pPr algn="ctr"/>
-                      <a:r>
-                        <a:rPr lang="en-US" dirty="0"/>
-                        <a:t>470.0</a:t>
-                      </a:r>
-                    </a:p>
-                  </a:txBody>
-                  <a:tcPr/>
-                </a:tc>
-                <a:extLst>
-                  <a:ext uri="{0D108BD9-81ED-4DB2-BD59-A6C34878D82A}">
-                    <a16:rowId xmlns:a16="http://schemas.microsoft.com/office/drawing/2014/main" val="1792344990"/>
-                  </a:ext>
-                </a:extLst>
-              </a:tr>
-              <a:tr h="370840">
-                <a:tc>
-                  <a:txBody>
-                    <a:bodyPr/>
-                    <a:lstStyle/>
-                    <a:p>
-                      <a:pPr algn="ctr"/>
-                      <a:r>
-                        <a:rPr lang="en-US" dirty="0"/>
-                        <a:t>Bob</a:t>
-                      </a:r>
-                    </a:p>
-                  </a:txBody>
-                  <a:tcPr/>
-                </a:tc>
-                <a:tc>
-                  <a:txBody>
-                    <a:bodyPr/>
-                    <a:lstStyle/>
-                    <a:p>
-                      <a:pPr algn="ctr"/>
-                      <a:r>
-                        <a:rPr lang="en-US" dirty="0"/>
-                        <a:t>1</a:t>
-                      </a:r>
-                    </a:p>
-                  </a:txBody>
-                  <a:tcPr/>
-                </a:tc>
-                <a:tc>
-                  <a:txBody>
-                    <a:bodyPr/>
-                    <a:lstStyle/>
-                    <a:p>
-                      <a:pPr algn="ctr"/>
-                      <a:r>
-                        <a:rPr lang="en-US" dirty="0"/>
-                        <a:t>350.0</a:t>
-                      </a:r>
-                    </a:p>
-                  </a:txBody>
-                  <a:tcPr/>
-                </a:tc>
-                <a:extLst>
-                  <a:ext uri="{0D108BD9-81ED-4DB2-BD59-A6C34878D82A}">
-                    <a16:rowId xmlns:a16="http://schemas.microsoft.com/office/drawing/2014/main" val="3283769993"/>
-                  </a:ext>
-                </a:extLst>
-              </a:tr>
-              <a:tr h="370840">
-                <a:tc>
-                  <a:txBody>
-                    <a:bodyPr/>
-                    <a:lstStyle/>
-                    <a:p>
-                      <a:pPr algn="ctr"/>
-                      <a:r>
-                        <a:rPr lang="en-US" dirty="0"/>
-                        <a:t> Claire</a:t>
-                      </a:r>
-                    </a:p>
-                  </a:txBody>
-                  <a:tcPr/>
-                </a:tc>
-                <a:tc>
-                  <a:txBody>
-                    <a:bodyPr/>
-                    <a:lstStyle/>
-                    <a:p>
-                      <a:pPr algn="ctr"/>
-                      <a:r>
-                        <a:rPr lang="en-US" dirty="0"/>
-                        <a:t>3</a:t>
-                      </a:r>
-                    </a:p>
-                  </a:txBody>
-                  <a:tcPr/>
-                </a:tc>
-                <a:tc>
-                  <a:txBody>
-                    <a:bodyPr/>
-                    <a:lstStyle/>
-                    <a:p>
-                      <a:pPr algn="ctr"/>
-                      <a:r>
-                        <a:rPr lang="en-US" dirty="0"/>
-                        <a:t>400.0</a:t>
-                      </a:r>
-                    </a:p>
-                  </a:txBody>
-                  <a:tcPr/>
-                </a:tc>
-                <a:extLst>
-                  <a:ext uri="{0D108BD9-81ED-4DB2-BD59-A6C34878D82A}">
-                    <a16:rowId xmlns:a16="http://schemas.microsoft.com/office/drawing/2014/main" val="509887948"/>
-                  </a:ext>
-                </a:extLst>
-              </a:tr>
-              <a:tr h="370840">
-                <a:tc>
-                  <a:txBody>
-                    <a:bodyPr/>
-                    <a:lstStyle/>
-                    <a:p>
-                      <a:pPr algn="ctr"/>
-                      <a:endParaRPr lang="en-US" dirty="0"/>
-                    </a:p>
-                  </a:txBody>
-                  <a:tcPr/>
-                </a:tc>
-                <a:tc>
-                  <a:txBody>
-                    <a:bodyPr/>
-                    <a:lstStyle/>
-                    <a:p>
-                      <a:pPr algn="ctr"/>
-                      <a:r>
-                        <a:rPr lang="en-US" dirty="0"/>
-                        <a:t>Total Rent</a:t>
-                      </a:r>
-                    </a:p>
-                  </a:txBody>
-                  <a:tcPr/>
-                </a:tc>
-                <a:tc>
-                  <a:txBody>
-                    <a:bodyPr/>
-                    <a:lstStyle/>
-                    <a:p>
-                      <a:pPr algn="ctr"/>
-                      <a:r>
-                        <a:rPr lang="en-US" dirty="0"/>
-                        <a:t>1220.0</a:t>
-                      </a:r>
-                    </a:p>
-                  </a:txBody>
-                  <a:tcPr/>
-                </a:tc>
-                <a:extLst>
-                  <a:ext uri="{0D108BD9-81ED-4DB2-BD59-A6C34878D82A}">
-                    <a16:rowId xmlns:a16="http://schemas.microsoft.com/office/drawing/2014/main" val="3830047239"/>
-                  </a:ext>
-                </a:extLst>
-              </a:tr>
-            </a:tbl>
-          </a:graphicData>
-        </a:graphic>
-      </p:graphicFrame>
-    </p:spTree>
-    <p:extLst>
-      <p:ext uri="{BB962C8B-B14F-4D97-AF65-F5344CB8AC3E}">
-        <p14:creationId xmlns:p14="http://schemas.microsoft.com/office/powerpoint/2010/main" val="3541993404"/>
-      </p:ext>
-    </p:extLst>
-  </p:cSld>
-  <p:clrMapOvr>
-    <a:masterClrMapping/>
-  </p:clrMapOvr>
-  <p:timing>
-    <p:tnLst>
-      <p:par>
-        <p:cTn id="1" dur="indefinite" restart="never" nodeType="tmRoot">
-          <p:childTnLst>
-            <p:seq concurrent="1" nextAc="seek">
-              <p:cTn id="2" dur="indefinite" nodeType="mainSeq">
-                <p:childTnLst>
-                  <p:par>
-                    <p:cTn id="3" fill="hold">
-                      <p:stCondLst>
-                        <p:cond delay="indefinite"/>
-                      </p:stCondLst>
-                      <p:childTnLst>
-                        <p:par>
-                          <p:cTn id="4" fill="hold">
-                            <p:stCondLst>
-                              <p:cond delay="0"/>
-                            </p:stCondLst>
-                            <p:childTnLst>
-                              <p:par>
-                                <p:cTn id="5" presetID="1" presetClass="entr" presetSubtype="0" fill="hold" nodeType="clickEffect">
-                                  <p:stCondLst>
-                                    <p:cond delay="0"/>
-                                  </p:stCondLst>
-                                  <p:childTnLst>
-                                    <p:set>
-                                      <p:cBhvr>
-                                        <p:cTn id="6" dur="1" fill="hold">
-                                          <p:stCondLst>
-                                            <p:cond delay="0"/>
-                                          </p:stCondLst>
-                                        </p:cTn>
-                                        <p:tgtEl>
-                                          <p:spTgt spid="4"/>
-                                        </p:tgtEl>
-                                        <p:attrNameLst>
-                                          <p:attrName>style.visibility</p:attrName>
-                                        </p:attrNameLst>
-                                      </p:cBhvr>
-                                      <p:to>
-                                        <p:strVal val="visible"/>
-                                      </p:to>
-                                    </p:set>
-                                  </p:childTnLst>
-                                </p:cTn>
-                              </p:par>
-                            </p:childTnLst>
-                          </p:cTn>
-                        </p:par>
-                      </p:childTnLst>
-                    </p:cTn>
-                  </p:par>
-                  <p:par>
-                    <p:cTn id="7" fill="hold">
-                      <p:stCondLst>
-                        <p:cond delay="indefinite"/>
-                      </p:stCondLst>
-                      <p:childTnLst>
-                        <p:par>
-                          <p:cTn id="8" fill="hold">
-                            <p:stCondLst>
-                              <p:cond delay="0"/>
-                            </p:stCondLst>
-                            <p:childTnLst>
-                              <p:par>
-                                <p:cTn id="9" presetID="1" presetClass="entr" presetSubtype="0" fill="hold" grpId="0" nodeType="clickEffect">
-                                  <p:stCondLst>
-                                    <p:cond delay="0"/>
-                                  </p:stCondLst>
-                                  <p:childTnLst>
-                                    <p:set>
-                                      <p:cBhvr>
-                                        <p:cTn id="10" dur="1" fill="hold">
-                                          <p:stCondLst>
-                                            <p:cond delay="0"/>
-                                          </p:stCondLst>
-                                        </p:cTn>
-                                        <p:tgtEl>
-                                          <p:spTgt spid="3">
-                                            <p:txEl>
-                                              <p:pRg st="0" end="0"/>
-                                            </p:txEl>
-                                          </p:spTgt>
-                                        </p:tgtEl>
-                                        <p:attrNameLst>
-                                          <p:attrName>style.visibility</p:attrName>
-                                        </p:attrNameLst>
-                                      </p:cBhvr>
-                                      <p:to>
-                                        <p:strVal val="visible"/>
-                                      </p:to>
-                                    </p:set>
-                                  </p:childTnLst>
-                                </p:cTn>
-                              </p:par>
-                            </p:childTnLst>
-                          </p:cTn>
-                        </p:par>
-                      </p:childTnLst>
-                    </p:cTn>
-                  </p:par>
-                  <p:par>
-                    <p:cTn id="11" fill="hold">
-                      <p:stCondLst>
-                        <p:cond delay="indefinite"/>
-                      </p:stCondLst>
-                      <p:childTnLst>
-                        <p:par>
-                          <p:cTn id="12" fill="hold">
-                            <p:stCondLst>
-                              <p:cond delay="0"/>
-                            </p:stCondLst>
-                            <p:childTnLst>
-                              <p:par>
-                                <p:cTn id="13" presetID="1" presetClass="entr" presetSubtype="0" fill="hold" grpId="0" nodeType="clickEffect">
-                                  <p:stCondLst>
-                                    <p:cond delay="0"/>
-                                  </p:stCondLst>
-                                  <p:childTnLst>
-                                    <p:set>
-                                      <p:cBhvr>
-                                        <p:cTn id="14" dur="1" fill="hold">
-                                          <p:stCondLst>
-                                            <p:cond delay="0"/>
-                                          </p:stCondLst>
-                                        </p:cTn>
-                                        <p:tgtEl>
-                                          <p:spTgt spid="3">
-                                            <p:txEl>
-                                              <p:pRg st="1" end="1"/>
-                                            </p:txEl>
-                                          </p:spTgt>
-                                        </p:tgtEl>
-                                        <p:attrNameLst>
-                                          <p:attrName>style.visibility</p:attrName>
-                                        </p:attrNameLst>
-                                      </p:cBhvr>
-                                      <p:to>
-                                        <p:strVal val="visible"/>
-                                      </p:to>
-                                    </p:set>
-                                  </p:childTnLst>
-                                </p:cTn>
-                              </p:par>
-                            </p:childTnLst>
-                          </p:cTn>
-                        </p:par>
-                      </p:childTnLst>
-                    </p:cTn>
-                  </p:par>
-                  <p:par>
-                    <p:cTn id="15" fill="hold">
-                      <p:stCondLst>
-                        <p:cond delay="indefinite"/>
-                      </p:stCondLst>
-                      <p:childTnLst>
-                        <p:par>
-                          <p:cTn id="16" fill="hold">
-                            <p:stCondLst>
-                              <p:cond delay="0"/>
-                            </p:stCondLst>
-                            <p:childTnLst>
-                              <p:par>
-                                <p:cTn id="17" presetID="1" presetClass="entr" presetSubtype="0" fill="hold" grpId="0" nodeType="clickEffect">
-                                  <p:stCondLst>
-                                    <p:cond delay="0"/>
-                                  </p:stCondLst>
-                                  <p:childTnLst>
-                                    <p:set>
-                                      <p:cBhvr>
-                                        <p:cTn id="18" dur="1" fill="hold">
-                                          <p:stCondLst>
-                                            <p:cond delay="0"/>
-                                          </p:stCondLst>
-                                        </p:cTn>
-                                        <p:tgtEl>
-                                          <p:spTgt spid="3">
-                                            <p:txEl>
-                                              <p:pRg st="2" end="2"/>
-                                            </p:txEl>
-                                          </p:spTgt>
-                                        </p:tgtEl>
-                                        <p:attrNameLst>
-                                          <p:attrName>style.visibility</p:attrName>
-                                        </p:attrNameLst>
-                                      </p:cBhvr>
-                                      <p:to>
-                                        <p:strVal val="visible"/>
-                                      </p:to>
-                                    </p:set>
-                                  </p:childTnLst>
-                                </p:cTn>
-                              </p:par>
-                            </p:childTnLst>
-                          </p:cTn>
-                        </p:par>
-                      </p:childTnLst>
-                    </p:cTn>
-                  </p:par>
-                </p:childTnLst>
-              </p:cTn>
-              <p:prevCondLst>
-                <p:cond evt="onPrev" delay="0">
-                  <p:tgtEl>
-                    <p:sldTgt/>
-                  </p:tgtEl>
-                </p:cond>
-              </p:prevCondLst>
-              <p:nextCondLst>
-                <p:cond evt="onNext" delay="0">
-                  <p:tgtEl>
-                    <p:sldTgt/>
-                  </p:tgtEl>
-                </p:cond>
-              </p:nextCondLst>
-            </p:seq>
-          </p:childTnLst>
-        </p:cTn>
-      </p:par>
-    </p:tnLst>
-    <p:bldLst>
-      <p:bldP spid="3" grpId="0" build="p"/>
-    </p:bldLst>
-  </p:timing>
-</p:sld>
-</file>
-
-<file path=ppt/slides/slide9.xml><?xml version="1.0" encoding="utf-8"?>
-<p:sld xmlns:a="http://schemas.openxmlformats.org/drawingml/2006/main" xmlns:r="http://schemas.openxmlformats.org/officeDocument/2006/relationships" xmlns:p="http://schemas.openxmlformats.org/presentationml/2006/main">
-  <p:cSld>
-    <p:spTree>
-      <p:nvGrpSpPr>
-        <p:cNvPr id="1" name=""/>
-        <p:cNvGrpSpPr/>
-        <p:nvPr/>
-      </p:nvGrpSpPr>
-      <p:grpSpPr>
-        <a:xfrm>
-          <a:off x="0" y="0"/>
-          <a:ext cx="0" cy="0"/>
-          <a:chOff x="0" y="0"/>
-          <a:chExt cx="0" cy="0"/>
-        </a:xfrm>
-      </p:grpSpPr>
-      <p:sp>
-        <p:nvSpPr>
-          <p:cNvPr id="2" name="Title 1">
-            <a:extLst>
-              <a:ext uri="{FF2B5EF4-FFF2-40B4-BE49-F238E27FC236}">
-                <a16:creationId xmlns:a16="http://schemas.microsoft.com/office/drawing/2014/main" id="{C9A75F1D-FE16-4543-955B-3891D3B744CF}"/>
-              </a:ext>
-            </a:extLst>
-          </p:cNvPr>
-          <p:cNvSpPr>
-            <a:spLocks noGrp="1"/>
-          </p:cNvSpPr>
-          <p:nvPr>
-            <p:ph type="title"/>
-          </p:nvPr>
-        </p:nvSpPr>
-        <p:spPr/>
-        <p:txBody>
-          <a:bodyPr/>
-          <a:lstStyle/>
-          <a:p>
-            <a:r>
-              <a:rPr lang="en-US" dirty="0"/>
-              <a:t>Results of linear optimization</a:t>
-            </a:r>
-          </a:p>
-        </p:txBody>
-      </p:sp>
-      <p:sp>
-        <p:nvSpPr>
-          <p:cNvPr id="3" name="Content Placeholder 2">
-            <a:extLst>
-              <a:ext uri="{FF2B5EF4-FFF2-40B4-BE49-F238E27FC236}">
-                <a16:creationId xmlns:a16="http://schemas.microsoft.com/office/drawing/2014/main" id="{9703E16B-914F-9343-A646-9A067232CFFA}"/>
-              </a:ext>
-            </a:extLst>
-          </p:cNvPr>
-          <p:cNvSpPr>
-            <a:spLocks noGrp="1"/>
-          </p:cNvSpPr>
-          <p:nvPr>
-            <p:ph idx="1"/>
-          </p:nvPr>
-        </p:nvSpPr>
-        <p:spPr>
-          <a:xfrm>
-            <a:off x="2229738" y="4820479"/>
-            <a:ext cx="7731126" cy="1128270"/>
-          </a:xfrm>
-        </p:spPr>
-        <p:txBody>
-          <a:bodyPr/>
-          <a:lstStyle/>
-          <a:p>
-            <a:r>
-              <a:rPr lang="en-US" dirty="0"/>
-              <a:t>The result of linear optimization is not envy-free, evidently.</a:t>
-            </a:r>
-          </a:p>
-          <a:p>
-            <a:r>
-              <a:rPr lang="en-US" dirty="0"/>
-              <a:t>The envy-freeness algorithm is used to find the final price.</a:t>
-            </a:r>
-          </a:p>
-        </p:txBody>
-      </p:sp>
-      <p:graphicFrame>
-        <p:nvGraphicFramePr>
-          <p:cNvPr id="4" name="Content Placeholder 3">
-            <a:extLst>
-              <a:ext uri="{FF2B5EF4-FFF2-40B4-BE49-F238E27FC236}">
-                <a16:creationId xmlns:a16="http://schemas.microsoft.com/office/drawing/2014/main" id="{CD43084F-D993-B342-96B6-DF19B14ED7FF}"/>
-              </a:ext>
-            </a:extLst>
-          </p:cNvPr>
-          <p:cNvGraphicFramePr>
-            <a:graphicFrameLocks/>
-          </p:cNvGraphicFramePr>
-          <p:nvPr>
-            <p:extLst>
-              <p:ext uri="{D42A27DB-BD31-4B8C-83A1-F6EECF244321}">
-                <p14:modId xmlns:p14="http://schemas.microsoft.com/office/powerpoint/2010/main" val="1768397804"/>
-              </p:ext>
-            </p:extLst>
-          </p:nvPr>
-        </p:nvGraphicFramePr>
-        <p:xfrm>
-          <a:off x="2229738" y="2638044"/>
-          <a:ext cx="7731130" cy="1854200"/>
-        </p:xfrm>
-        <a:graphic>
-          <a:graphicData uri="http://schemas.openxmlformats.org/drawingml/2006/table">
-            <a:tbl>
-              <a:tblPr firstRow="1" bandRow="1">
-                <a:tableStyleId>{21E4AEA4-8DFA-4A89-87EB-49C32662AFE0}</a:tableStyleId>
-              </a:tblPr>
-              <a:tblGrid>
-                <a:gridCol w="1277391">
-                  <a:extLst>
-                    <a:ext uri="{9D8B030D-6E8A-4147-A177-3AD203B41FA5}">
-                      <a16:colId xmlns:a16="http://schemas.microsoft.com/office/drawing/2014/main" val="4124667606"/>
-                    </a:ext>
-                  </a:extLst>
-                </a:gridCol>
-                <a:gridCol w="1412112">
-                  <a:extLst>
-                    <a:ext uri="{9D8B030D-6E8A-4147-A177-3AD203B41FA5}">
-                      <a16:colId xmlns:a16="http://schemas.microsoft.com/office/drawing/2014/main" val="3870526257"/>
-                    </a:ext>
-                  </a:extLst>
-                </a:gridCol>
-                <a:gridCol w="2176040">
-                  <a:extLst>
-                    <a:ext uri="{9D8B030D-6E8A-4147-A177-3AD203B41FA5}">
-                      <a16:colId xmlns:a16="http://schemas.microsoft.com/office/drawing/2014/main" val="3014332179"/>
-                    </a:ext>
-                  </a:extLst>
-                </a:gridCol>
-                <a:gridCol w="1319361">
-                  <a:extLst>
-                    <a:ext uri="{9D8B030D-6E8A-4147-A177-3AD203B41FA5}">
-                      <a16:colId xmlns:a16="http://schemas.microsoft.com/office/drawing/2014/main" val="673473217"/>
-                    </a:ext>
-                  </a:extLst>
-                </a:gridCol>
-                <a:gridCol w="1546226">
-                  <a:extLst>
-                    <a:ext uri="{9D8B030D-6E8A-4147-A177-3AD203B41FA5}">
-                      <a16:colId xmlns:a16="http://schemas.microsoft.com/office/drawing/2014/main" val="4116250911"/>
-                    </a:ext>
-                  </a:extLst>
-                </a:gridCol>
-              </a:tblGrid>
-              <a:tr h="370840">
-                <a:tc>
-                  <a:txBody>
-                    <a:bodyPr/>
-                    <a:lstStyle/>
-                    <a:p>
-                      <a:pPr algn="ctr"/>
-                      <a:r>
-                        <a:rPr lang="en-US" dirty="0"/>
-                        <a:t>Person</a:t>
-                      </a:r>
-                    </a:p>
-                  </a:txBody>
-                  <a:tcPr/>
-                </a:tc>
-                <a:tc>
-                  <a:txBody>
-                    <a:bodyPr/>
-                    <a:lstStyle/>
-                    <a:p>
-                      <a:pPr algn="ctr"/>
-                      <a:r>
-                        <a:rPr lang="en-US" dirty="0"/>
-                        <a:t>Room</a:t>
-                      </a:r>
-                    </a:p>
-                  </a:txBody>
-                  <a:tcPr/>
-                </a:tc>
-                <a:tc>
-                  <a:txBody>
-                    <a:bodyPr/>
-                    <a:lstStyle/>
-                    <a:p>
-                      <a:pPr algn="ctr"/>
-                      <a:r>
-                        <a:rPr lang="en-US" dirty="0"/>
-                        <a:t>Price of  Valuation</a:t>
-                      </a:r>
-                    </a:p>
-                  </a:txBody>
-                  <a:tcPr/>
-                </a:tc>
-                <a:tc>
-                  <a:txBody>
-                    <a:bodyPr/>
-                    <a:lstStyle/>
-                    <a:p>
-                      <a:pPr algn="ctr"/>
-                      <a:r>
-                        <a:rPr lang="en-US" dirty="0"/>
-                        <a:t>Final Rent</a:t>
-                      </a:r>
-                    </a:p>
-                  </a:txBody>
-                  <a:tcPr/>
-                </a:tc>
-                <a:tc>
-                  <a:txBody>
-                    <a:bodyPr/>
-                    <a:lstStyle/>
-                    <a:p>
-                      <a:pPr algn="ctr"/>
-                      <a:r>
-                        <a:rPr lang="en-US" dirty="0"/>
-                        <a:t>Utility</a:t>
-                      </a:r>
-                    </a:p>
-                  </a:txBody>
-                  <a:tcPr/>
-                </a:tc>
-                <a:extLst>
-                  <a:ext uri="{0D108BD9-81ED-4DB2-BD59-A6C34878D82A}">
-                    <a16:rowId xmlns:a16="http://schemas.microsoft.com/office/drawing/2014/main" val="103007724"/>
-                  </a:ext>
-                </a:extLst>
-              </a:tr>
-              <a:tr h="370840">
-                <a:tc>
-                  <a:txBody>
-                    <a:bodyPr/>
-                    <a:lstStyle/>
-                    <a:p>
-                      <a:pPr algn="ctr"/>
-                      <a:r>
-                        <a:rPr lang="en-US" dirty="0"/>
-                        <a:t>Alice</a:t>
-                      </a:r>
-                    </a:p>
-                  </a:txBody>
-                  <a:tcPr/>
-                </a:tc>
-                <a:tc>
-                  <a:txBody>
-                    <a:bodyPr/>
-                    <a:lstStyle/>
-                    <a:p>
-                      <a:pPr algn="ctr"/>
-                      <a:r>
-                        <a:rPr lang="en-US" dirty="0"/>
-                        <a:t>2</a:t>
-                      </a:r>
-                    </a:p>
-                  </a:txBody>
-                  <a:tcPr/>
-                </a:tc>
-                <a:tc>
-                  <a:txBody>
-                    <a:bodyPr/>
-                    <a:lstStyle/>
-                    <a:p>
-                      <a:pPr algn="ctr"/>
-                      <a:r>
-                        <a:rPr lang="en-US" dirty="0"/>
-                        <a:t>470</a:t>
-                      </a:r>
-                    </a:p>
-                  </a:txBody>
-                  <a:tcPr/>
-                </a:tc>
-                <a:tc>
-                  <a:txBody>
-                    <a:bodyPr/>
-                    <a:lstStyle/>
-                    <a:p>
-                      <a:pPr algn="ctr"/>
-                      <a:r>
-                        <a:rPr lang="en-US" dirty="0"/>
-                        <a:t>450</a:t>
-                      </a:r>
-                    </a:p>
-                  </a:txBody>
-                  <a:tcPr/>
-                </a:tc>
-                <a:tc>
-                  <a:txBody>
-                    <a:bodyPr/>
-                    <a:lstStyle/>
-                    <a:p>
-                      <a:pPr algn="ctr"/>
-                      <a:r>
-                        <a:rPr lang="en-US" dirty="0"/>
-                        <a:t>20</a:t>
-                      </a:r>
-                    </a:p>
-                  </a:txBody>
-                  <a:tcPr/>
-                </a:tc>
-                <a:extLst>
-                  <a:ext uri="{0D108BD9-81ED-4DB2-BD59-A6C34878D82A}">
-                    <a16:rowId xmlns:a16="http://schemas.microsoft.com/office/drawing/2014/main" val="1792344990"/>
-                  </a:ext>
-                </a:extLst>
-              </a:tr>
-              <a:tr h="370840">
-                <a:tc>
-                  <a:txBody>
-                    <a:bodyPr/>
-                    <a:lstStyle/>
-                    <a:p>
-                      <a:pPr algn="ctr"/>
-                      <a:r>
-                        <a:rPr lang="en-US" dirty="0"/>
-                        <a:t>Bob</a:t>
-                      </a:r>
-                    </a:p>
-                  </a:txBody>
-                  <a:tcPr/>
-                </a:tc>
-                <a:tc>
-                  <a:txBody>
-                    <a:bodyPr/>
-                    <a:lstStyle/>
-                    <a:p>
-                      <a:pPr algn="ctr"/>
-                      <a:r>
-                        <a:rPr lang="en-US" dirty="0"/>
-                        <a:t>1</a:t>
-                      </a:r>
-                    </a:p>
-                  </a:txBody>
-                  <a:tcPr/>
-                </a:tc>
-                <a:tc>
-                  <a:txBody>
-                    <a:bodyPr/>
-                    <a:lstStyle/>
-                    <a:p>
-                      <a:pPr algn="ctr"/>
-                      <a:r>
-                        <a:rPr lang="en-US" dirty="0"/>
-                        <a:t>350</a:t>
-                      </a:r>
-                    </a:p>
-                  </a:txBody>
-                  <a:tcPr/>
-                </a:tc>
-                <a:tc>
-                  <a:txBody>
-                    <a:bodyPr/>
-                    <a:lstStyle/>
-                    <a:p>
-                      <a:pPr algn="ctr"/>
-                      <a:r>
-                        <a:rPr lang="en-US" dirty="0"/>
-                        <a:t>350</a:t>
-                      </a:r>
-                    </a:p>
-                  </a:txBody>
-                  <a:tcPr/>
-                </a:tc>
-                <a:tc>
-                  <a:txBody>
-                    <a:bodyPr/>
-                    <a:lstStyle/>
-                    <a:p>
-                      <a:pPr algn="ctr"/>
-                      <a:r>
-                        <a:rPr lang="en-US" dirty="0"/>
-                        <a:t>0</a:t>
-                      </a:r>
-                    </a:p>
-                  </a:txBody>
-                  <a:tcPr/>
-                </a:tc>
-                <a:extLst>
-                  <a:ext uri="{0D108BD9-81ED-4DB2-BD59-A6C34878D82A}">
-                    <a16:rowId xmlns:a16="http://schemas.microsoft.com/office/drawing/2014/main" val="3283769993"/>
-                  </a:ext>
-                </a:extLst>
-              </a:tr>
-              <a:tr h="370840">
-                <a:tc>
-                  <a:txBody>
-                    <a:bodyPr/>
-                    <a:lstStyle/>
-                    <a:p>
-                      <a:pPr algn="ctr"/>
-                      <a:r>
-                        <a:rPr lang="en-US" dirty="0"/>
-                        <a:t> Claire</a:t>
-                      </a:r>
-                    </a:p>
-                  </a:txBody>
-                  <a:tcPr/>
-                </a:tc>
-                <a:tc>
-                  <a:txBody>
-                    <a:bodyPr/>
-                    <a:lstStyle/>
-                    <a:p>
-                      <a:pPr algn="ctr"/>
-                      <a:r>
-                        <a:rPr lang="en-US" dirty="0"/>
-                        <a:t>3</a:t>
-                      </a:r>
-                    </a:p>
-                  </a:txBody>
-                  <a:tcPr/>
-                </a:tc>
-                <a:tc>
-                  <a:txBody>
-                    <a:bodyPr/>
-                    <a:lstStyle/>
-                    <a:p>
-                      <a:pPr algn="ctr"/>
-                      <a:r>
-                        <a:rPr lang="en-US" dirty="0"/>
-                        <a:t>400</a:t>
-                      </a:r>
-                    </a:p>
-                  </a:txBody>
-                  <a:tcPr/>
-                </a:tc>
-                <a:tc>
-                  <a:txBody>
-                    <a:bodyPr/>
-                    <a:lstStyle/>
-                    <a:p>
-                      <a:pPr algn="ctr"/>
-                      <a:r>
-                        <a:rPr lang="en-US" dirty="0"/>
-                        <a:t>200</a:t>
-                      </a:r>
-                    </a:p>
-                  </a:txBody>
-                  <a:tcPr/>
-                </a:tc>
-                <a:tc>
-                  <a:txBody>
-                    <a:bodyPr/>
-                    <a:lstStyle/>
-                    <a:p>
-                      <a:pPr algn="ctr"/>
-                      <a:r>
-                        <a:rPr lang="en-US" dirty="0"/>
-                        <a:t>200</a:t>
-                      </a:r>
-                    </a:p>
-                  </a:txBody>
-                  <a:tcPr/>
-                </a:tc>
-                <a:extLst>
-                  <a:ext uri="{0D108BD9-81ED-4DB2-BD59-A6C34878D82A}">
-                    <a16:rowId xmlns:a16="http://schemas.microsoft.com/office/drawing/2014/main" val="509887948"/>
-                  </a:ext>
-                </a:extLst>
-              </a:tr>
-              <a:tr h="370840">
-                <a:tc>
-                  <a:txBody>
-                    <a:bodyPr/>
-                    <a:lstStyle/>
-                    <a:p>
-                      <a:pPr algn="ctr"/>
-                      <a:endParaRPr lang="en-US" dirty="0"/>
-                    </a:p>
-                  </a:txBody>
-                  <a:tcPr/>
-                </a:tc>
-                <a:tc>
-                  <a:txBody>
-                    <a:bodyPr/>
-                    <a:lstStyle/>
-                    <a:p>
-                      <a:pPr algn="ctr"/>
-                      <a:r>
-                        <a:rPr lang="en-US" dirty="0"/>
-                        <a:t>Total Rent</a:t>
-                      </a:r>
-                    </a:p>
-                  </a:txBody>
-                  <a:tcPr/>
-                </a:tc>
-                <a:tc>
-                  <a:txBody>
-                    <a:bodyPr/>
-                    <a:lstStyle/>
-                    <a:p>
-                      <a:pPr algn="ctr"/>
-                      <a:r>
-                        <a:rPr lang="en-US" dirty="0"/>
-                        <a:t>1220</a:t>
-                      </a:r>
-                    </a:p>
-                  </a:txBody>
-                  <a:tcPr/>
-                </a:tc>
-                <a:tc>
-                  <a:txBody>
-                    <a:bodyPr/>
-                    <a:lstStyle/>
-                    <a:p>
-                      <a:pPr algn="ctr"/>
-                      <a:r>
-                        <a:rPr lang="en-US" dirty="0"/>
-                        <a:t>1000</a:t>
-                      </a:r>
-                    </a:p>
-                  </a:txBody>
-                  <a:tcPr/>
-                </a:tc>
-                <a:tc>
-                  <a:txBody>
-                    <a:bodyPr/>
-                    <a:lstStyle/>
-                    <a:p>
-                      <a:pPr algn="ctr"/>
-                      <a:endParaRPr lang="en-US" dirty="0"/>
-                    </a:p>
-                  </a:txBody>
-                  <a:tcPr/>
-                </a:tc>
-                <a:extLst>
-                  <a:ext uri="{0D108BD9-81ED-4DB2-BD59-A6C34878D82A}">
-                    <a16:rowId xmlns:a16="http://schemas.microsoft.com/office/drawing/2014/main" val="3830047239"/>
-                  </a:ext>
-                </a:extLst>
-              </a:tr>
-            </a:tbl>
-          </a:graphicData>
-        </a:graphic>
-      </p:graphicFrame>
-    </p:spTree>
-    <p:extLst>
-      <p:ext uri="{BB962C8B-B14F-4D97-AF65-F5344CB8AC3E}">
-        <p14:creationId xmlns:p14="http://schemas.microsoft.com/office/powerpoint/2010/main" val="1464897690"/>
-      </p:ext>
-    </p:extLst>
-  </p:cSld>
-  <p:clrMapOvr>
-    <a:masterClrMapping/>
-  </p:clrMapOvr>
-  <p:timing>
-    <p:tnLst>
-      <p:par>
-        <p:cTn id="1" dur="indefinite" restart="never" nodeType="tmRoot">
-          <p:childTnLst>
-            <p:seq concurrent="1" nextAc="seek">
-              <p:cTn id="2" dur="indefinite" nodeType="mainSeq">
-                <p:childTnLst>
-                  <p:par>
-                    <p:cTn id="3" fill="hold">
-                      <p:stCondLst>
-                        <p:cond delay="indefinite"/>
-                      </p:stCondLst>
-                      <p:childTnLst>
-                        <p:par>
-                          <p:cTn id="4" fill="hold">
-                            <p:stCondLst>
-                              <p:cond delay="0"/>
-                            </p:stCondLst>
-                            <p:childTnLst>
-                              <p:par>
-                                <p:cTn id="5" presetID="1" presetClass="entr" presetSubtype="0" fill="hold" nodeType="clickEffect">
-                                  <p:stCondLst>
-                                    <p:cond delay="0"/>
-                                  </p:stCondLst>
-                                  <p:childTnLst>
-                                    <p:set>
-                                      <p:cBhvr>
-                                        <p:cTn id="6" dur="1" fill="hold">
-                                          <p:stCondLst>
-                                            <p:cond delay="0"/>
-                                          </p:stCondLst>
-                                        </p:cTn>
-                                        <p:tgtEl>
-                                          <p:spTgt spid="4"/>
-                                        </p:tgtEl>
-                                        <p:attrNameLst>
-                                          <p:attrName>style.visibility</p:attrName>
-                                        </p:attrNameLst>
-                                      </p:cBhvr>
-                                      <p:to>
-                                        <p:strVal val="visible"/>
-                                      </p:to>
-                                    </p:set>
-                                  </p:childTnLst>
-                                </p:cTn>
-                              </p:par>
-                            </p:childTnLst>
-                          </p:cTn>
-                        </p:par>
-                      </p:childTnLst>
-                    </p:cTn>
-                  </p:par>
-                  <p:par>
-                    <p:cTn id="7" fill="hold">
-                      <p:stCondLst>
-                        <p:cond delay="indefinite"/>
-                      </p:stCondLst>
-                      <p:childTnLst>
-                        <p:par>
-                          <p:cTn id="8" fill="hold">
-                            <p:stCondLst>
-                              <p:cond delay="0"/>
-                            </p:stCondLst>
-                            <p:childTnLst>
-                              <p:par>
-                                <p:cTn id="9" presetID="1" presetClass="entr" presetSubtype="0" fill="hold" grpId="0" nodeType="clickEffect">
-                                  <p:stCondLst>
-                                    <p:cond delay="0"/>
-                                  </p:stCondLst>
-                                  <p:childTnLst>
-                                    <p:set>
-                                      <p:cBhvr>
-                                        <p:cTn id="10" dur="1" fill="hold">
-                                          <p:stCondLst>
-                                            <p:cond delay="0"/>
-                                          </p:stCondLst>
-                                        </p:cTn>
-                                        <p:tgtEl>
-                                          <p:spTgt spid="3">
-                                            <p:txEl>
-                                              <p:pRg st="0" end="0"/>
-                                            </p:txEl>
-                                          </p:spTgt>
-                                        </p:tgtEl>
-                                        <p:attrNameLst>
-                                          <p:attrName>style.visibility</p:attrName>
-                                        </p:attrNameLst>
-                                      </p:cBhvr>
-                                      <p:to>
-                                        <p:strVal val="visible"/>
-                                      </p:to>
-                                    </p:set>
-                                  </p:childTnLst>
-                                </p:cTn>
-                              </p:par>
-                            </p:childTnLst>
-                          </p:cTn>
-                        </p:par>
-                      </p:childTnLst>
-                    </p:cTn>
-                  </p:par>
-                  <p:par>
-                    <p:cTn id="11" fill="hold">
-                      <p:stCondLst>
-                        <p:cond delay="indefinite"/>
-                      </p:stCondLst>
-                      <p:childTnLst>
-                        <p:par>
-                          <p:cTn id="12" fill="hold">
-                            <p:stCondLst>
-                              <p:cond delay="0"/>
-                            </p:stCondLst>
-                            <p:childTnLst>
-                              <p:par>
-                                <p:cTn id="13" presetID="1" presetClass="entr" presetSubtype="0" fill="hold" grpId="0" nodeType="clickEffect">
-                                  <p:stCondLst>
-                                    <p:cond delay="0"/>
-                                  </p:stCondLst>
-                                  <p:childTnLst>
-                                    <p:set>
-                                      <p:cBhvr>
-                                        <p:cTn id="14" dur="1" fill="hold">
-                                          <p:stCondLst>
-                                            <p:cond delay="0"/>
-                                          </p:stCondLst>
-                                        </p:cTn>
-                                        <p:tgtEl>
-                                          <p:spTgt spid="3">
-                                            <p:txEl>
-                                              <p:pRg st="1" end="1"/>
-                                            </p:txEl>
-                                          </p:spTgt>
-                                        </p:tgtEl>
-                                        <p:attrNameLst>
-                                          <p:attrName>style.visibility</p:attrName>
-                                        </p:attrNameLst>
-                                      </p:cBhvr>
-                                      <p:to>
-                                        <p:strVal val="visible"/>
-                                      </p:to>
-                                    </p:set>
-                                  </p:childTnLst>
-                                </p:cTn>
-                              </p:par>
-                            </p:childTnLst>
-                          </p:cTn>
-                        </p:par>
-                      </p:childTnLst>
-                    </p:cTn>
-                  </p:par>
-                </p:childTnLst>
-              </p:cTn>
-              <p:prevCondLst>
-                <p:cond evt="onPrev" delay="0">
-                  <p:tgtEl>
-                    <p:sldTgt/>
-                  </p:tgtEl>
-                </p:cond>
-              </p:prevCondLst>
-              <p:nextCondLst>
-                <p:cond evt="onNext" delay="0">
-                  <p:tgtEl>
-                    <p:sldTgt/>
-                  </p:tgtEl>
-                </p:cond>
-              </p:nextCondLst>
-            </p:seq>
-          </p:childTnLst>
-        </p:cTn>
-      </p:par>
-    </p:tnLst>
-    <p:bldLst>
-      <p:bldP spid="3" grpId="0" build="p"/>
-    </p:bldLst>
-  </p:timing>
-</p:sld>
-</file>
-
 <file path=ppt/theme/theme1.xml><?xml version="1.0" encoding="utf-8"?>
 <a:theme xmlns:a="http://schemas.openxmlformats.org/drawingml/2006/main" name="Parcel">
   <a:themeElements>

--- a/final-ppt.pptx
+++ b/final-ppt.pptx
@@ -23,7 +23,9 @@
     <p:sldId id="271" r:id="rId17"/>
     <p:sldId id="274" r:id="rId18"/>
     <p:sldId id="280" r:id="rId19"/>
-    <p:sldId id="275" r:id="rId20"/>
+    <p:sldId id="281" r:id="rId20"/>
+    <p:sldId id="282" r:id="rId21"/>
+    <p:sldId id="275" r:id="rId22"/>
   </p:sldIdLst>
   <p:sldSz cx="12192000" cy="6858000"/>
   <p:notesSz cx="6858000" cy="9144000"/>
@@ -4056,7 +4058,7 @@
           <a:p>
             <a:fld id="{1160EA64-D806-43AC-9DF2-F8C432F32B4C}" type="datetimeFigureOut">
               <a:rPr lang="en-US" dirty="0"/>
-              <a:t>4/12/19</a:t>
+              <a:t>4/13/19</a:t>
             </a:fld>
             <a:endParaRPr lang="en-US" dirty="0"/>
           </a:p>
@@ -4222,7 +4224,7 @@
           <a:p>
             <a:fld id="{E9F9C37B-1D36-470B-8223-D6C91242EC14}" type="datetimeFigureOut">
               <a:rPr lang="en-US" dirty="0"/>
-              <a:t>4/12/19</a:t>
+              <a:t>4/13/19</a:t>
             </a:fld>
             <a:endParaRPr lang="en-US" dirty="0"/>
           </a:p>
@@ -4397,7 +4399,7 @@
           <a:p>
             <a:fld id="{67C6F52A-A82B-47A2-A83A-8C4C91F2D59F}" type="datetimeFigureOut">
               <a:rPr lang="en-US" dirty="0"/>
-              <a:t>4/12/19</a:t>
+              <a:t>4/13/19</a:t>
             </a:fld>
             <a:endParaRPr lang="en-US" dirty="0"/>
           </a:p>
@@ -4562,7 +4564,7 @@
           <a:p>
             <a:fld id="{F070A7B3-6521-4DCA-87E5-044747A908C1}" type="datetimeFigureOut">
               <a:rPr lang="en-US" dirty="0"/>
-              <a:t>4/12/19</a:t>
+              <a:t>4/13/19</a:t>
             </a:fld>
             <a:endParaRPr lang="en-US" dirty="0"/>
           </a:p>
@@ -4826,7 +4828,7 @@
           <a:p>
             <a:fld id="{1160EA64-D806-43AC-9DF2-F8C432F32B4C}" type="datetimeFigureOut">
               <a:rPr lang="en-US" dirty="0"/>
-              <a:t>4/12/19</a:t>
+              <a:t>4/13/19</a:t>
             </a:fld>
             <a:endParaRPr lang="en-US" dirty="0"/>
           </a:p>
@@ -5054,7 +5056,7 @@
           <a:p>
             <a:fld id="{AB134690-1557-4C89-A502-4959FE7FAD70}" type="datetimeFigureOut">
               <a:rPr lang="en-US" dirty="0"/>
-              <a:t>4/12/19</a:t>
+              <a:t>4/13/19</a:t>
             </a:fld>
             <a:endParaRPr lang="en-US" dirty="0"/>
           </a:p>
@@ -5408,7 +5410,7 @@
           <a:p>
             <a:fld id="{4F7D4976-E339-4826-83B7-FBD03F55ECF8}" type="datetimeFigureOut">
               <a:rPr lang="en-US" dirty="0"/>
-              <a:t>4/12/19</a:t>
+              <a:t>4/13/19</a:t>
             </a:fld>
             <a:endParaRPr lang="en-US" dirty="0"/>
           </a:p>
@@ -5544,7 +5546,7 @@
           <a:p>
             <a:fld id="{E1037C31-9E7A-4F99-8774-A0E530DE1A42}" type="datetimeFigureOut">
               <a:rPr lang="en-US" dirty="0"/>
-              <a:t>4/12/19</a:t>
+              <a:t>4/13/19</a:t>
             </a:fld>
             <a:endParaRPr lang="en-US" dirty="0"/>
           </a:p>
@@ -5634,7 +5636,7 @@
           <a:p>
             <a:fld id="{C278504F-A551-4DE0-9316-4DCD1D8CC752}" type="datetimeFigureOut">
               <a:rPr lang="en-US" dirty="0"/>
-              <a:t>4/12/19</a:t>
+              <a:t>4/13/19</a:t>
             </a:fld>
             <a:endParaRPr lang="en-US" dirty="0"/>
           </a:p>
@@ -5986,7 +5988,7 @@
           <a:p>
             <a:fld id="{D1BE4249-C0D0-4B06-8692-E8BB871AF643}" type="datetimeFigureOut">
               <a:rPr lang="en-US" dirty="0"/>
-              <a:t>4/12/19</a:t>
+              <a:t>4/13/19</a:t>
             </a:fld>
             <a:endParaRPr lang="en-US" dirty="0"/>
           </a:p>
@@ -6338,7 +6340,7 @@
           <a:p>
             <a:fld id="{042B0DB6-F5C7-45FB-8CF3-31B45F9C2DAC}" type="datetimeFigureOut">
               <a:rPr lang="en-US" dirty="0"/>
-              <a:t>4/12/19</a:t>
+              <a:t>4/13/19</a:t>
             </a:fld>
             <a:endParaRPr lang="en-US" dirty="0"/>
           </a:p>
@@ -6574,7 +6576,7 @@
           <a:p>
             <a:fld id="{1160EA64-D806-43AC-9DF2-F8C432F32B4C}" type="datetimeFigureOut">
               <a:rPr lang="en-US" dirty="0"/>
-              <a:t>4/12/19</a:t>
+              <a:t>4/13/19</a:t>
             </a:fld>
             <a:endParaRPr lang="en-US" dirty="0"/>
           </a:p>
@@ -12957,7 +12959,7 @@
           <a:p>
             <a:r>
               <a:rPr lang="en-US" dirty="0"/>
-              <a:t>example</a:t>
+              <a:t>Example 1</a:t>
             </a:r>
           </a:p>
         </p:txBody>
@@ -13436,7 +13438,7 @@
           <p:cNvPr id="2" name="Title 1">
             <a:extLst>
               <a:ext uri="{FF2B5EF4-FFF2-40B4-BE49-F238E27FC236}">
-                <a16:creationId xmlns:a16="http://schemas.microsoft.com/office/drawing/2014/main" id="{4B8A27B1-8D9C-BD4C-A66D-8517F282E409}"/>
+                <a16:creationId xmlns:a16="http://schemas.microsoft.com/office/drawing/2014/main" id="{CD52BBF6-40C3-D948-9106-80D7EE7EA3C4}"/>
               </a:ext>
             </a:extLst>
           </p:cNvPr>
@@ -13447,34 +13449,471 @@
             <p:ph type="title"/>
           </p:nvPr>
         </p:nvSpPr>
-        <p:spPr>
-          <a:xfrm>
-            <a:off x="2231136" y="2534003"/>
-            <a:ext cx="7729728" cy="1188720"/>
-          </a:xfrm>
-        </p:spPr>
+        <p:spPr/>
         <p:txBody>
           <a:bodyPr/>
           <a:lstStyle/>
           <a:p>
             <a:r>
-              <a:rPr lang="en-US"/>
-              <a:t>QUESTIONs?</a:t>
+              <a:rPr lang="en-US" dirty="0"/>
+              <a:t>Example 2</a:t>
             </a:r>
-            <a:endParaRPr lang="en-US" dirty="0"/>
           </a:p>
         </p:txBody>
       </p:sp>
+      <p:graphicFrame>
+        <p:nvGraphicFramePr>
+          <p:cNvPr id="4" name="Content Placeholder 3">
+            <a:extLst>
+              <a:ext uri="{FF2B5EF4-FFF2-40B4-BE49-F238E27FC236}">
+                <a16:creationId xmlns:a16="http://schemas.microsoft.com/office/drawing/2014/main" id="{6AFAC9A6-53EC-EB49-8E2E-0F699AAD33E5}"/>
+              </a:ext>
+            </a:extLst>
+          </p:cNvPr>
+          <p:cNvGraphicFramePr>
+            <a:graphicFrameLocks noGrp="1"/>
+          </p:cNvGraphicFramePr>
+          <p:nvPr>
+            <p:ph idx="1"/>
+            <p:extLst>
+              <p:ext uri="{D42A27DB-BD31-4B8C-83A1-F6EECF244321}">
+                <p14:modId xmlns:p14="http://schemas.microsoft.com/office/powerpoint/2010/main" val="1698784154"/>
+              </p:ext>
+            </p:extLst>
+          </p:nvPr>
+        </p:nvGraphicFramePr>
+        <p:xfrm>
+          <a:off x="2230438" y="2638425"/>
+          <a:ext cx="7731124" cy="1483360"/>
+        </p:xfrm>
+        <a:graphic>
+          <a:graphicData uri="http://schemas.openxmlformats.org/drawingml/2006/table">
+            <a:tbl>
+              <a:tblPr firstRow="1" bandRow="1">
+                <a:tableStyleId>{21E4AEA4-8DFA-4A89-87EB-49C32662AFE0}</a:tableStyleId>
+              </a:tblPr>
+              <a:tblGrid>
+                <a:gridCol w="1932781">
+                  <a:extLst>
+                    <a:ext uri="{9D8B030D-6E8A-4147-A177-3AD203B41FA5}">
+                      <a16:colId xmlns:a16="http://schemas.microsoft.com/office/drawing/2014/main" val="3726560"/>
+                    </a:ext>
+                  </a:extLst>
+                </a:gridCol>
+                <a:gridCol w="1932781">
+                  <a:extLst>
+                    <a:ext uri="{9D8B030D-6E8A-4147-A177-3AD203B41FA5}">
+                      <a16:colId xmlns:a16="http://schemas.microsoft.com/office/drawing/2014/main" val="3168687314"/>
+                    </a:ext>
+                  </a:extLst>
+                </a:gridCol>
+                <a:gridCol w="1932781">
+                  <a:extLst>
+                    <a:ext uri="{9D8B030D-6E8A-4147-A177-3AD203B41FA5}">
+                      <a16:colId xmlns:a16="http://schemas.microsoft.com/office/drawing/2014/main" val="2678281939"/>
+                    </a:ext>
+                  </a:extLst>
+                </a:gridCol>
+                <a:gridCol w="1932781">
+                  <a:extLst>
+                    <a:ext uri="{9D8B030D-6E8A-4147-A177-3AD203B41FA5}">
+                      <a16:colId xmlns:a16="http://schemas.microsoft.com/office/drawing/2014/main" val="3151972442"/>
+                    </a:ext>
+                  </a:extLst>
+                </a:gridCol>
+              </a:tblGrid>
+              <a:tr h="370840">
+                <a:tc>
+                  <a:txBody>
+                    <a:bodyPr/>
+                    <a:lstStyle/>
+                    <a:p>
+                      <a:pPr algn="ctr"/>
+                      <a:endParaRPr lang="en-US" dirty="0"/>
+                    </a:p>
+                  </a:txBody>
+                  <a:tcPr/>
+                </a:tc>
+                <a:tc>
+                  <a:txBody>
+                    <a:bodyPr/>
+                    <a:lstStyle/>
+                    <a:p>
+                      <a:pPr algn="ctr"/>
+                      <a:r>
+                        <a:rPr lang="en-US" dirty="0"/>
+                        <a:t>Room 1</a:t>
+                      </a:r>
+                    </a:p>
+                  </a:txBody>
+                  <a:tcPr/>
+                </a:tc>
+                <a:tc>
+                  <a:txBody>
+                    <a:bodyPr/>
+                    <a:lstStyle/>
+                    <a:p>
+                      <a:pPr algn="ctr"/>
+                      <a:r>
+                        <a:rPr lang="en-US" dirty="0"/>
+                        <a:t>Room 2</a:t>
+                      </a:r>
+                    </a:p>
+                  </a:txBody>
+                  <a:tcPr/>
+                </a:tc>
+                <a:tc>
+                  <a:txBody>
+                    <a:bodyPr/>
+                    <a:lstStyle/>
+                    <a:p>
+                      <a:pPr algn="ctr"/>
+                      <a:r>
+                        <a:rPr lang="en-US" dirty="0"/>
+                        <a:t>Room 3</a:t>
+                      </a:r>
+                    </a:p>
+                  </a:txBody>
+                  <a:tcPr/>
+                </a:tc>
+                <a:extLst>
+                  <a:ext uri="{0D108BD9-81ED-4DB2-BD59-A6C34878D82A}">
+                    <a16:rowId xmlns:a16="http://schemas.microsoft.com/office/drawing/2014/main" val="1714920863"/>
+                  </a:ext>
+                </a:extLst>
+              </a:tr>
+              <a:tr h="370840">
+                <a:tc>
+                  <a:txBody>
+                    <a:bodyPr/>
+                    <a:lstStyle/>
+                    <a:p>
+                      <a:pPr algn="ctr"/>
+                      <a:r>
+                        <a:rPr lang="en-US" dirty="0"/>
+                        <a:t>Alice</a:t>
+                      </a:r>
+                    </a:p>
+                  </a:txBody>
+                  <a:tcPr/>
+                </a:tc>
+                <a:tc>
+                  <a:txBody>
+                    <a:bodyPr/>
+                    <a:lstStyle/>
+                    <a:p>
+                      <a:pPr algn="ctr" rtl="0" fontAlgn="ctr"/>
+                      <a:r>
+                        <a:rPr lang="en-IN" sz="1800" b="0" i="0" u="none" strike="noStrike" dirty="0">
+                          <a:solidFill>
+                            <a:srgbClr val="000000"/>
+                          </a:solidFill>
+                          <a:effectLst/>
+                          <a:latin typeface="Gill Sans MT" panose="020B0502020104020203" pitchFamily="34" charset="77"/>
+                        </a:rPr>
+                        <a:t>322</a:t>
+                      </a:r>
+                    </a:p>
+                  </a:txBody>
+                  <a:tcPr marL="9525" marR="9525" marT="9525" marB="0" anchor="ctr"/>
+                </a:tc>
+                <a:tc>
+                  <a:txBody>
+                    <a:bodyPr/>
+                    <a:lstStyle/>
+                    <a:p>
+                      <a:pPr algn="ctr" rtl="0" fontAlgn="ctr"/>
+                      <a:r>
+                        <a:rPr lang="en-IN" sz="1800" b="0" i="0" u="none" strike="noStrike" dirty="0">
+                          <a:solidFill>
+                            <a:srgbClr val="000000"/>
+                          </a:solidFill>
+                          <a:effectLst/>
+                          <a:latin typeface="Gill Sans MT" panose="020B0502020104020203" pitchFamily="34" charset="77"/>
+                        </a:rPr>
+                        <a:t>274</a:t>
+                      </a:r>
+                    </a:p>
+                  </a:txBody>
+                  <a:tcPr marL="9525" marR="9525" marT="9525" marB="0" anchor="ctr"/>
+                </a:tc>
+                <a:tc>
+                  <a:txBody>
+                    <a:bodyPr/>
+                    <a:lstStyle/>
+                    <a:p>
+                      <a:pPr algn="ctr" rtl="0" fontAlgn="ctr"/>
+                      <a:r>
+                        <a:rPr lang="en-IN" sz="1800" b="0" i="0" u="none" strike="noStrike" dirty="0">
+                          <a:solidFill>
+                            <a:srgbClr val="000000"/>
+                          </a:solidFill>
+                          <a:effectLst/>
+                          <a:latin typeface="Gill Sans MT" panose="020B0502020104020203" pitchFamily="34" charset="77"/>
+                        </a:rPr>
+                        <a:t>404</a:t>
+                      </a:r>
+                    </a:p>
+                  </a:txBody>
+                  <a:tcPr marL="9525" marR="9525" marT="9525" marB="0" anchor="ctr"/>
+                </a:tc>
+                <a:extLst>
+                  <a:ext uri="{0D108BD9-81ED-4DB2-BD59-A6C34878D82A}">
+                    <a16:rowId xmlns:a16="http://schemas.microsoft.com/office/drawing/2014/main" val="3383498833"/>
+                  </a:ext>
+                </a:extLst>
+              </a:tr>
+              <a:tr h="370840">
+                <a:tc>
+                  <a:txBody>
+                    <a:bodyPr/>
+                    <a:lstStyle/>
+                    <a:p>
+                      <a:pPr algn="ctr"/>
+                      <a:r>
+                        <a:rPr lang="en-US" dirty="0"/>
+                        <a:t>Bob</a:t>
+                      </a:r>
+                    </a:p>
+                  </a:txBody>
+                  <a:tcPr/>
+                </a:tc>
+                <a:tc>
+                  <a:txBody>
+                    <a:bodyPr/>
+                    <a:lstStyle/>
+                    <a:p>
+                      <a:pPr algn="ctr" rtl="0" fontAlgn="ctr"/>
+                      <a:r>
+                        <a:rPr lang="en-IN" sz="1800" b="0" i="0" u="none" strike="noStrike" dirty="0">
+                          <a:solidFill>
+                            <a:srgbClr val="000000"/>
+                          </a:solidFill>
+                          <a:effectLst/>
+                          <a:latin typeface="Gill Sans MT" panose="020B0502020104020203" pitchFamily="34" charset="77"/>
+                        </a:rPr>
+                        <a:t>322</a:t>
+                      </a:r>
+                    </a:p>
+                  </a:txBody>
+                  <a:tcPr marL="9525" marR="9525" marT="9525" marB="0" anchor="ctr"/>
+                </a:tc>
+                <a:tc>
+                  <a:txBody>
+                    <a:bodyPr/>
+                    <a:lstStyle/>
+                    <a:p>
+                      <a:pPr algn="ctr" rtl="0" fontAlgn="ctr"/>
+                      <a:r>
+                        <a:rPr lang="en-IN" sz="1800" b="0" i="0" u="none" strike="noStrike" dirty="0">
+                          <a:solidFill>
+                            <a:srgbClr val="000000"/>
+                          </a:solidFill>
+                          <a:effectLst/>
+                          <a:latin typeface="Gill Sans MT" panose="020B0502020104020203" pitchFamily="34" charset="77"/>
+                        </a:rPr>
+                        <a:t>296</a:t>
+                      </a:r>
+                    </a:p>
+                  </a:txBody>
+                  <a:tcPr marL="9525" marR="9525" marT="9525" marB="0" anchor="ctr"/>
+                </a:tc>
+                <a:tc>
+                  <a:txBody>
+                    <a:bodyPr/>
+                    <a:lstStyle/>
+                    <a:p>
+                      <a:pPr algn="ctr" rtl="0" fontAlgn="ctr"/>
+                      <a:r>
+                        <a:rPr lang="en-IN" sz="1800" b="0" i="0" u="none" strike="noStrike" dirty="0">
+                          <a:solidFill>
+                            <a:srgbClr val="000000"/>
+                          </a:solidFill>
+                          <a:effectLst/>
+                          <a:latin typeface="Gill Sans MT" panose="020B0502020104020203" pitchFamily="34" charset="77"/>
+                        </a:rPr>
+                        <a:t>382</a:t>
+                      </a:r>
+                    </a:p>
+                  </a:txBody>
+                  <a:tcPr marL="9525" marR="9525" marT="9525" marB="0" anchor="ctr"/>
+                </a:tc>
+                <a:extLst>
+                  <a:ext uri="{0D108BD9-81ED-4DB2-BD59-A6C34878D82A}">
+                    <a16:rowId xmlns:a16="http://schemas.microsoft.com/office/drawing/2014/main" val="1761978725"/>
+                  </a:ext>
+                </a:extLst>
+              </a:tr>
+              <a:tr h="370840">
+                <a:tc>
+                  <a:txBody>
+                    <a:bodyPr/>
+                    <a:lstStyle/>
+                    <a:p>
+                      <a:pPr algn="ctr"/>
+                      <a:r>
+                        <a:rPr lang="en-US" dirty="0"/>
+                        <a:t>Claire</a:t>
+                      </a:r>
+                    </a:p>
+                  </a:txBody>
+                  <a:tcPr/>
+                </a:tc>
+                <a:tc>
+                  <a:txBody>
+                    <a:bodyPr/>
+                    <a:lstStyle/>
+                    <a:p>
+                      <a:pPr algn="ctr" rtl="0" fontAlgn="ctr"/>
+                      <a:r>
+                        <a:rPr lang="en-IN" sz="1800" b="0" i="0" u="none" strike="noStrike" dirty="0">
+                          <a:solidFill>
+                            <a:srgbClr val="000000"/>
+                          </a:solidFill>
+                          <a:effectLst/>
+                          <a:latin typeface="Gill Sans MT" panose="020B0502020104020203" pitchFamily="34" charset="77"/>
+                        </a:rPr>
+                        <a:t>325</a:t>
+                      </a:r>
+                    </a:p>
+                  </a:txBody>
+                  <a:tcPr marL="9525" marR="9525" marT="9525" marB="0" anchor="ctr"/>
+                </a:tc>
+                <a:tc>
+                  <a:txBody>
+                    <a:bodyPr/>
+                    <a:lstStyle/>
+                    <a:p>
+                      <a:pPr algn="ctr" rtl="0" fontAlgn="ctr"/>
+                      <a:r>
+                        <a:rPr lang="en-IN" sz="1800" b="0" i="0" u="none" strike="noStrike" dirty="0">
+                          <a:solidFill>
+                            <a:srgbClr val="000000"/>
+                          </a:solidFill>
+                          <a:effectLst/>
+                          <a:latin typeface="Gill Sans MT" panose="020B0502020104020203" pitchFamily="34" charset="77"/>
+                        </a:rPr>
+                        <a:t>284</a:t>
+                      </a:r>
+                    </a:p>
+                  </a:txBody>
+                  <a:tcPr marL="9525" marR="9525" marT="9525" marB="0" anchor="ctr"/>
+                </a:tc>
+                <a:tc>
+                  <a:txBody>
+                    <a:bodyPr/>
+                    <a:lstStyle/>
+                    <a:p>
+                      <a:pPr algn="ctr" rtl="0" fontAlgn="ctr"/>
+                      <a:r>
+                        <a:rPr lang="en-IN" sz="1800" b="0" i="0" u="none" strike="noStrike" dirty="0">
+                          <a:solidFill>
+                            <a:srgbClr val="000000"/>
+                          </a:solidFill>
+                          <a:effectLst/>
+                          <a:latin typeface="Gill Sans MT" panose="020B0502020104020203" pitchFamily="34" charset="77"/>
+                        </a:rPr>
+                        <a:t>3913</a:t>
+                      </a:r>
+                    </a:p>
+                  </a:txBody>
+                  <a:tcPr marL="9525" marR="9525" marT="9525" marB="0" anchor="ctr"/>
+                </a:tc>
+                <a:extLst>
+                  <a:ext uri="{0D108BD9-81ED-4DB2-BD59-A6C34878D82A}">
+                    <a16:rowId xmlns:a16="http://schemas.microsoft.com/office/drawing/2014/main" val="4234361589"/>
+                  </a:ext>
+                </a:extLst>
+              </a:tr>
+            </a:tbl>
+          </a:graphicData>
+        </a:graphic>
+      </p:graphicFrame>
     </p:spTree>
     <p:extLst>
       <p:ext uri="{BB962C8B-B14F-4D97-AF65-F5344CB8AC3E}">
-        <p14:creationId xmlns:p14="http://schemas.microsoft.com/office/powerpoint/2010/main" val="3846673919"/>
+        <p14:creationId xmlns:p14="http://schemas.microsoft.com/office/powerpoint/2010/main" val="1669739506"/>
       </p:ext>
     </p:extLst>
   </p:cSld>
   <p:clrMapOvr>
     <a:masterClrMapping/>
   </p:clrMapOvr>
+  <p:timing>
+    <p:tnLst>
+      <p:par>
+        <p:cTn id="1" dur="indefinite" restart="never" nodeType="tmRoot">
+          <p:childTnLst>
+            <p:seq concurrent="1" nextAc="seek">
+              <p:cTn id="2" dur="indefinite" nodeType="mainSeq">
+                <p:childTnLst>
+                  <p:par>
+                    <p:cTn id="3" fill="hold">
+                      <p:stCondLst>
+                        <p:cond delay="indefinite"/>
+                      </p:stCondLst>
+                      <p:childTnLst>
+                        <p:par>
+                          <p:cTn id="4" fill="hold">
+                            <p:stCondLst>
+                              <p:cond delay="0"/>
+                            </p:stCondLst>
+                            <p:childTnLst>
+                              <p:par>
+                                <p:cTn id="5" presetID="1" presetClass="entr" presetSubtype="0" fill="hold" nodeType="clickEffect">
+                                  <p:stCondLst>
+                                    <p:cond delay="0"/>
+                                  </p:stCondLst>
+                                  <p:childTnLst>
+                                    <p:set>
+                                      <p:cBhvr>
+                                        <p:cTn id="6" dur="1" fill="hold">
+                                          <p:stCondLst>
+                                            <p:cond delay="0"/>
+                                          </p:stCondLst>
+                                        </p:cTn>
+                                        <p:tgtEl>
+                                          <p:spTgt spid="4"/>
+                                        </p:tgtEl>
+                                        <p:attrNameLst>
+                                          <p:attrName>style.visibility</p:attrName>
+                                        </p:attrNameLst>
+                                      </p:cBhvr>
+                                      <p:to>
+                                        <p:strVal val="visible"/>
+                                      </p:to>
+                                    </p:set>
+                                  </p:childTnLst>
+                                </p:cTn>
+                              </p:par>
+                            </p:childTnLst>
+                          </p:cTn>
+                        </p:par>
+                      </p:childTnLst>
+                    </p:cTn>
+                  </p:par>
+                </p:childTnLst>
+              </p:cTn>
+              <p:prevCondLst>
+                <p:cond evt="onPrev" delay="0">
+                  <p:tgtEl>
+                    <p:sldTgt/>
+                  </p:tgtEl>
+                </p:cond>
+              </p:prevCondLst>
+              <p:nextCondLst>
+                <p:cond evt="onNext" delay="0">
+                  <p:tgtEl>
+                    <p:sldTgt/>
+                  </p:tgtEl>
+                </p:cond>
+              </p:nextCondLst>
+            </p:seq>
+          </p:childTnLst>
+        </p:cTn>
+      </p:par>
+    </p:tnLst>
+  </p:timing>
 </p:sld>
 </file>
 
@@ -13902,6 +14341,753 @@
       <p:bldP spid="3" grpId="0" uiExpand="1" build="p"/>
     </p:bldLst>
   </p:timing>
+</p:sld>
+</file>
+
+<file path=ppt/slides/slide20.xml><?xml version="1.0" encoding="utf-8"?>
+<p:sld xmlns:a="http://schemas.openxmlformats.org/drawingml/2006/main" xmlns:r="http://schemas.openxmlformats.org/officeDocument/2006/relationships" xmlns:p="http://schemas.openxmlformats.org/presentationml/2006/main">
+  <p:cSld>
+    <p:spTree>
+      <p:nvGrpSpPr>
+        <p:cNvPr id="1" name=""/>
+        <p:cNvGrpSpPr/>
+        <p:nvPr/>
+      </p:nvGrpSpPr>
+      <p:grpSpPr>
+        <a:xfrm>
+          <a:off x="0" y="0"/>
+          <a:ext cx="0" cy="0"/>
+          <a:chOff x="0" y="0"/>
+          <a:chExt cx="0" cy="0"/>
+        </a:xfrm>
+      </p:grpSpPr>
+      <p:sp>
+        <p:nvSpPr>
+          <p:cNvPr id="2" name="Title 1">
+            <a:extLst>
+              <a:ext uri="{FF2B5EF4-FFF2-40B4-BE49-F238E27FC236}">
+                <a16:creationId xmlns:a16="http://schemas.microsoft.com/office/drawing/2014/main" id="{CD52BBF6-40C3-D948-9106-80D7EE7EA3C4}"/>
+              </a:ext>
+            </a:extLst>
+          </p:cNvPr>
+          <p:cNvSpPr>
+            <a:spLocks noGrp="1"/>
+          </p:cNvSpPr>
+          <p:nvPr>
+            <p:ph type="title"/>
+          </p:nvPr>
+        </p:nvSpPr>
+        <p:spPr/>
+        <p:txBody>
+          <a:bodyPr/>
+          <a:lstStyle/>
+          <a:p>
+            <a:r>
+              <a:rPr lang="en-US" dirty="0"/>
+              <a:t>Example 3</a:t>
+            </a:r>
+          </a:p>
+        </p:txBody>
+      </p:sp>
+      <p:graphicFrame>
+        <p:nvGraphicFramePr>
+          <p:cNvPr id="4" name="Content Placeholder 3">
+            <a:extLst>
+              <a:ext uri="{FF2B5EF4-FFF2-40B4-BE49-F238E27FC236}">
+                <a16:creationId xmlns:a16="http://schemas.microsoft.com/office/drawing/2014/main" id="{6AFAC9A6-53EC-EB49-8E2E-0F699AAD33E5}"/>
+              </a:ext>
+            </a:extLst>
+          </p:cNvPr>
+          <p:cNvGraphicFramePr>
+            <a:graphicFrameLocks noGrp="1"/>
+          </p:cNvGraphicFramePr>
+          <p:nvPr>
+            <p:ph idx="1"/>
+            <p:extLst>
+              <p:ext uri="{D42A27DB-BD31-4B8C-83A1-F6EECF244321}">
+                <p14:modId xmlns:p14="http://schemas.microsoft.com/office/powerpoint/2010/main" val="2705925039"/>
+              </p:ext>
+            </p:extLst>
+          </p:nvPr>
+        </p:nvGraphicFramePr>
+        <p:xfrm>
+          <a:off x="2230438" y="2638425"/>
+          <a:ext cx="7731125" cy="1854200"/>
+        </p:xfrm>
+        <a:graphic>
+          <a:graphicData uri="http://schemas.openxmlformats.org/drawingml/2006/table">
+            <a:tbl>
+              <a:tblPr firstRow="1" bandRow="1">
+                <a:tableStyleId>{21E4AEA4-8DFA-4A89-87EB-49C32662AFE0}</a:tableStyleId>
+              </a:tblPr>
+              <a:tblGrid>
+                <a:gridCol w="1546225">
+                  <a:extLst>
+                    <a:ext uri="{9D8B030D-6E8A-4147-A177-3AD203B41FA5}">
+                      <a16:colId xmlns:a16="http://schemas.microsoft.com/office/drawing/2014/main" val="3726560"/>
+                    </a:ext>
+                  </a:extLst>
+                </a:gridCol>
+                <a:gridCol w="1546225">
+                  <a:extLst>
+                    <a:ext uri="{9D8B030D-6E8A-4147-A177-3AD203B41FA5}">
+                      <a16:colId xmlns:a16="http://schemas.microsoft.com/office/drawing/2014/main" val="3168687314"/>
+                    </a:ext>
+                  </a:extLst>
+                </a:gridCol>
+                <a:gridCol w="1546225">
+                  <a:extLst>
+                    <a:ext uri="{9D8B030D-6E8A-4147-A177-3AD203B41FA5}">
+                      <a16:colId xmlns:a16="http://schemas.microsoft.com/office/drawing/2014/main" val="2678281939"/>
+                    </a:ext>
+                  </a:extLst>
+                </a:gridCol>
+                <a:gridCol w="1546225">
+                  <a:extLst>
+                    <a:ext uri="{9D8B030D-6E8A-4147-A177-3AD203B41FA5}">
+                      <a16:colId xmlns:a16="http://schemas.microsoft.com/office/drawing/2014/main" val="3151972442"/>
+                    </a:ext>
+                  </a:extLst>
+                </a:gridCol>
+                <a:gridCol w="1546225">
+                  <a:extLst>
+                    <a:ext uri="{9D8B030D-6E8A-4147-A177-3AD203B41FA5}">
+                      <a16:colId xmlns:a16="http://schemas.microsoft.com/office/drawing/2014/main" val="3369833049"/>
+                    </a:ext>
+                  </a:extLst>
+                </a:gridCol>
+              </a:tblGrid>
+              <a:tr h="370840">
+                <a:tc>
+                  <a:txBody>
+                    <a:bodyPr/>
+                    <a:lstStyle/>
+                    <a:p>
+                      <a:pPr algn="ctr"/>
+                      <a:endParaRPr lang="en-US" dirty="0"/>
+                    </a:p>
+                  </a:txBody>
+                  <a:tcPr/>
+                </a:tc>
+                <a:tc>
+                  <a:txBody>
+                    <a:bodyPr/>
+                    <a:lstStyle/>
+                    <a:p>
+                      <a:pPr algn="ctr"/>
+                      <a:r>
+                        <a:rPr lang="en-US" dirty="0"/>
+                        <a:t>Room 1</a:t>
+                      </a:r>
+                    </a:p>
+                  </a:txBody>
+                  <a:tcPr/>
+                </a:tc>
+                <a:tc>
+                  <a:txBody>
+                    <a:bodyPr/>
+                    <a:lstStyle/>
+                    <a:p>
+                      <a:pPr algn="ctr"/>
+                      <a:r>
+                        <a:rPr lang="en-US" dirty="0"/>
+                        <a:t>Room 2</a:t>
+                      </a:r>
+                    </a:p>
+                  </a:txBody>
+                  <a:tcPr/>
+                </a:tc>
+                <a:tc>
+                  <a:txBody>
+                    <a:bodyPr/>
+                    <a:lstStyle/>
+                    <a:p>
+                      <a:pPr algn="ctr"/>
+                      <a:r>
+                        <a:rPr lang="en-US" dirty="0"/>
+                        <a:t>Room 3</a:t>
+                      </a:r>
+                    </a:p>
+                  </a:txBody>
+                  <a:tcPr/>
+                </a:tc>
+                <a:tc>
+                  <a:txBody>
+                    <a:bodyPr/>
+                    <a:lstStyle/>
+                    <a:p>
+                      <a:pPr algn="ctr"/>
+                      <a:r>
+                        <a:rPr lang="en-US" dirty="0"/>
+                        <a:t>Room 4</a:t>
+                      </a:r>
+                    </a:p>
+                  </a:txBody>
+                  <a:tcPr/>
+                </a:tc>
+                <a:extLst>
+                  <a:ext uri="{0D108BD9-81ED-4DB2-BD59-A6C34878D82A}">
+                    <a16:rowId xmlns:a16="http://schemas.microsoft.com/office/drawing/2014/main" val="1714920863"/>
+                  </a:ext>
+                </a:extLst>
+              </a:tr>
+              <a:tr h="370840">
+                <a:tc>
+                  <a:txBody>
+                    <a:bodyPr/>
+                    <a:lstStyle/>
+                    <a:p>
+                      <a:pPr algn="ctr"/>
+                      <a:r>
+                        <a:rPr lang="en-US" dirty="0"/>
+                        <a:t>Alice</a:t>
+                      </a:r>
+                    </a:p>
+                  </a:txBody>
+                  <a:tcPr/>
+                </a:tc>
+                <a:tc>
+                  <a:txBody>
+                    <a:bodyPr/>
+                    <a:lstStyle/>
+                    <a:p>
+                      <a:pPr algn="ctr" rtl="0" fontAlgn="ctr"/>
+                      <a:r>
+                        <a:rPr lang="en-IN" sz="1800" b="0" i="0" u="none" strike="noStrike" dirty="0">
+                          <a:solidFill>
+                            <a:srgbClr val="000000"/>
+                          </a:solidFill>
+                          <a:effectLst/>
+                          <a:latin typeface="Gill Sans MT" panose="020B0502020104020203" pitchFamily="34" charset="77"/>
+                        </a:rPr>
+                        <a:t>253</a:t>
+                      </a:r>
+                    </a:p>
+                  </a:txBody>
+                  <a:tcPr marL="9525" marR="9525" marT="9525" marB="0" anchor="ctr"/>
+                </a:tc>
+                <a:tc>
+                  <a:txBody>
+                    <a:bodyPr/>
+                    <a:lstStyle/>
+                    <a:p>
+                      <a:pPr algn="ctr" rtl="0" fontAlgn="ctr"/>
+                      <a:r>
+                        <a:rPr lang="en-IN" sz="1800" b="0" i="0" u="none" strike="noStrike" dirty="0">
+                          <a:solidFill>
+                            <a:srgbClr val="000000"/>
+                          </a:solidFill>
+                          <a:effectLst/>
+                          <a:latin typeface="Gill Sans MT" panose="020B0502020104020203" pitchFamily="34" charset="77"/>
+                        </a:rPr>
+                        <a:t>202</a:t>
+                      </a:r>
+                    </a:p>
+                  </a:txBody>
+                  <a:tcPr marL="9525" marR="9525" marT="9525" marB="0" anchor="ctr"/>
+                </a:tc>
+                <a:tc>
+                  <a:txBody>
+                    <a:bodyPr/>
+                    <a:lstStyle/>
+                    <a:p>
+                      <a:pPr algn="ctr" rtl="0" fontAlgn="ctr"/>
+                      <a:r>
+                        <a:rPr lang="en-IN" sz="1800" b="0" i="0" u="none" strike="noStrike" dirty="0">
+                          <a:solidFill>
+                            <a:srgbClr val="000000"/>
+                          </a:solidFill>
+                          <a:effectLst/>
+                          <a:latin typeface="Gill Sans MT" panose="020B0502020104020203" pitchFamily="34" charset="77"/>
+                        </a:rPr>
+                        <a:t>324</a:t>
+                      </a:r>
+                    </a:p>
+                  </a:txBody>
+                  <a:tcPr marL="9525" marR="9525" marT="9525" marB="0" anchor="ctr"/>
+                </a:tc>
+                <a:tc>
+                  <a:txBody>
+                    <a:bodyPr/>
+                    <a:lstStyle/>
+                    <a:p>
+                      <a:pPr algn="ctr" rtl="0" fontAlgn="ctr"/>
+                      <a:r>
+                        <a:rPr lang="en-IN" sz="1800" b="0" i="0" u="none" strike="noStrike" dirty="0">
+                          <a:solidFill>
+                            <a:srgbClr val="000000"/>
+                          </a:solidFill>
+                          <a:effectLst/>
+                          <a:latin typeface="Gill Sans MT" panose="020B0502020104020203" pitchFamily="34" charset="77"/>
+                        </a:rPr>
+                        <a:t>221</a:t>
+                      </a:r>
+                    </a:p>
+                  </a:txBody>
+                  <a:tcPr marL="9525" marR="9525" marT="9525" marB="0" anchor="ctr"/>
+                </a:tc>
+                <a:extLst>
+                  <a:ext uri="{0D108BD9-81ED-4DB2-BD59-A6C34878D82A}">
+                    <a16:rowId xmlns:a16="http://schemas.microsoft.com/office/drawing/2014/main" val="3383498833"/>
+                  </a:ext>
+                </a:extLst>
+              </a:tr>
+              <a:tr h="370840">
+                <a:tc>
+                  <a:txBody>
+                    <a:bodyPr/>
+                    <a:lstStyle/>
+                    <a:p>
+                      <a:pPr algn="ctr"/>
+                      <a:r>
+                        <a:rPr lang="en-US" dirty="0"/>
+                        <a:t>Bob</a:t>
+                      </a:r>
+                    </a:p>
+                  </a:txBody>
+                  <a:tcPr/>
+                </a:tc>
+                <a:tc>
+                  <a:txBody>
+                    <a:bodyPr/>
+                    <a:lstStyle/>
+                    <a:p>
+                      <a:pPr algn="ctr" rtl="0" fontAlgn="ctr"/>
+                      <a:r>
+                        <a:rPr lang="en-IN" sz="1800" b="0" i="0" u="none" strike="noStrike" dirty="0">
+                          <a:solidFill>
+                            <a:srgbClr val="000000"/>
+                          </a:solidFill>
+                          <a:effectLst/>
+                          <a:latin typeface="Gill Sans MT" panose="020B0502020104020203" pitchFamily="34" charset="77"/>
+                        </a:rPr>
+                        <a:t>293</a:t>
+                      </a:r>
+                    </a:p>
+                  </a:txBody>
+                  <a:tcPr marL="9525" marR="9525" marT="9525" marB="0" anchor="ctr"/>
+                </a:tc>
+                <a:tc>
+                  <a:txBody>
+                    <a:bodyPr/>
+                    <a:lstStyle/>
+                    <a:p>
+                      <a:pPr algn="ctr" rtl="0" fontAlgn="ctr"/>
+                      <a:r>
+                        <a:rPr lang="en-IN" sz="1800" b="0" i="0" u="none" strike="noStrike" dirty="0">
+                          <a:solidFill>
+                            <a:srgbClr val="000000"/>
+                          </a:solidFill>
+                          <a:effectLst/>
+                          <a:latin typeface="Gill Sans MT" panose="020B0502020104020203" pitchFamily="34" charset="77"/>
+                        </a:rPr>
+                        <a:t>207</a:t>
+                      </a:r>
+                    </a:p>
+                  </a:txBody>
+                  <a:tcPr marL="9525" marR="9525" marT="9525" marB="0" anchor="ctr"/>
+                </a:tc>
+                <a:tc>
+                  <a:txBody>
+                    <a:bodyPr/>
+                    <a:lstStyle/>
+                    <a:p>
+                      <a:pPr algn="ctr" rtl="0" fontAlgn="ctr"/>
+                      <a:r>
+                        <a:rPr lang="en-IN" sz="1800" b="0" i="0" u="none" strike="noStrike" dirty="0">
+                          <a:solidFill>
+                            <a:srgbClr val="000000"/>
+                          </a:solidFill>
+                          <a:effectLst/>
+                          <a:latin typeface="Gill Sans MT" panose="020B0502020104020203" pitchFamily="34" charset="77"/>
+                        </a:rPr>
+                        <a:t>289</a:t>
+                      </a:r>
+                    </a:p>
+                  </a:txBody>
+                  <a:tcPr marL="9525" marR="9525" marT="9525" marB="0" anchor="ctr"/>
+                </a:tc>
+                <a:tc>
+                  <a:txBody>
+                    <a:bodyPr/>
+                    <a:lstStyle/>
+                    <a:p>
+                      <a:pPr algn="ctr" rtl="0" fontAlgn="ctr"/>
+                      <a:r>
+                        <a:rPr lang="en-IN" sz="1800" b="0" i="0" u="none" strike="noStrike" dirty="0">
+                          <a:solidFill>
+                            <a:srgbClr val="000000"/>
+                          </a:solidFill>
+                          <a:effectLst/>
+                          <a:latin typeface="Gill Sans MT" panose="020B0502020104020203" pitchFamily="34" charset="77"/>
+                        </a:rPr>
+                        <a:t>211</a:t>
+                      </a:r>
+                    </a:p>
+                  </a:txBody>
+                  <a:tcPr marL="9525" marR="9525" marT="9525" marB="0" anchor="ctr"/>
+                </a:tc>
+                <a:extLst>
+                  <a:ext uri="{0D108BD9-81ED-4DB2-BD59-A6C34878D82A}">
+                    <a16:rowId xmlns:a16="http://schemas.microsoft.com/office/drawing/2014/main" val="1761978725"/>
+                  </a:ext>
+                </a:extLst>
+              </a:tr>
+              <a:tr h="370840">
+                <a:tc>
+                  <a:txBody>
+                    <a:bodyPr/>
+                    <a:lstStyle/>
+                    <a:p>
+                      <a:pPr algn="ctr"/>
+                      <a:r>
+                        <a:rPr lang="en-US" dirty="0"/>
+                        <a:t>Claire</a:t>
+                      </a:r>
+                    </a:p>
+                  </a:txBody>
+                  <a:tcPr/>
+                </a:tc>
+                <a:tc>
+                  <a:txBody>
+                    <a:bodyPr/>
+                    <a:lstStyle/>
+                    <a:p>
+                      <a:pPr algn="ctr" rtl="0" fontAlgn="ctr"/>
+                      <a:r>
+                        <a:rPr lang="en-IN" sz="1800" b="0" i="0" u="none" strike="noStrike" dirty="0">
+                          <a:solidFill>
+                            <a:srgbClr val="000000"/>
+                          </a:solidFill>
+                          <a:effectLst/>
+                          <a:latin typeface="Gill Sans MT" panose="020B0502020104020203" pitchFamily="34" charset="77"/>
+                        </a:rPr>
+                        <a:t>185</a:t>
+                      </a:r>
+                    </a:p>
+                  </a:txBody>
+                  <a:tcPr marL="9525" marR="9525" marT="9525" marB="0" anchor="ctr"/>
+                </a:tc>
+                <a:tc>
+                  <a:txBody>
+                    <a:bodyPr/>
+                    <a:lstStyle/>
+                    <a:p>
+                      <a:pPr algn="ctr" rtl="0" fontAlgn="ctr"/>
+                      <a:r>
+                        <a:rPr lang="en-IN" sz="1800" b="0" i="0" u="none" strike="noStrike" dirty="0">
+                          <a:solidFill>
+                            <a:srgbClr val="000000"/>
+                          </a:solidFill>
+                          <a:effectLst/>
+                          <a:latin typeface="Gill Sans MT" panose="020B0502020104020203" pitchFamily="34" charset="77"/>
+                        </a:rPr>
+                        <a:t>315</a:t>
+                      </a:r>
+                    </a:p>
+                  </a:txBody>
+                  <a:tcPr marL="9525" marR="9525" marT="9525" marB="0" anchor="ctr"/>
+                </a:tc>
+                <a:tc>
+                  <a:txBody>
+                    <a:bodyPr/>
+                    <a:lstStyle/>
+                    <a:p>
+                      <a:pPr algn="ctr" rtl="0" fontAlgn="ctr"/>
+                      <a:r>
+                        <a:rPr lang="en-IN" sz="1800" b="0" i="0" u="none" strike="noStrike" dirty="0">
+                          <a:solidFill>
+                            <a:srgbClr val="000000"/>
+                          </a:solidFill>
+                          <a:effectLst/>
+                          <a:latin typeface="Gill Sans MT" panose="020B0502020104020203" pitchFamily="34" charset="77"/>
+                        </a:rPr>
+                        <a:t>277</a:t>
+                      </a:r>
+                    </a:p>
+                  </a:txBody>
+                  <a:tcPr marL="9525" marR="9525" marT="9525" marB="0" anchor="ctr"/>
+                </a:tc>
+                <a:tc>
+                  <a:txBody>
+                    <a:bodyPr/>
+                    <a:lstStyle/>
+                    <a:p>
+                      <a:pPr algn="ctr" rtl="0" fontAlgn="ctr"/>
+                      <a:r>
+                        <a:rPr lang="en-IN" sz="1800" b="0" i="0" u="none" strike="noStrike" dirty="0">
+                          <a:solidFill>
+                            <a:srgbClr val="000000"/>
+                          </a:solidFill>
+                          <a:effectLst/>
+                          <a:latin typeface="Gill Sans MT" panose="020B0502020104020203" pitchFamily="34" charset="77"/>
+                        </a:rPr>
+                        <a:t>223</a:t>
+                      </a:r>
+                    </a:p>
+                  </a:txBody>
+                  <a:tcPr marL="9525" marR="9525" marT="9525" marB="0" anchor="ctr"/>
+                </a:tc>
+                <a:extLst>
+                  <a:ext uri="{0D108BD9-81ED-4DB2-BD59-A6C34878D82A}">
+                    <a16:rowId xmlns:a16="http://schemas.microsoft.com/office/drawing/2014/main" val="4234361589"/>
+                  </a:ext>
+                </a:extLst>
+              </a:tr>
+              <a:tr h="370840">
+                <a:tc>
+                  <a:txBody>
+                    <a:bodyPr/>
+                    <a:lstStyle/>
+                    <a:p>
+                      <a:pPr algn="ctr"/>
+                      <a:r>
+                        <a:rPr lang="en-US" dirty="0"/>
+                        <a:t>Dave</a:t>
+                      </a:r>
+                    </a:p>
+                  </a:txBody>
+                  <a:tcPr/>
+                </a:tc>
+                <a:tc>
+                  <a:txBody>
+                    <a:bodyPr/>
+                    <a:lstStyle/>
+                    <a:p>
+                      <a:pPr algn="ctr" rtl="0" fontAlgn="ctr"/>
+                      <a:r>
+                        <a:rPr lang="en-IN" sz="1800" b="0" i="0" u="none" strike="noStrike" dirty="0">
+                          <a:solidFill>
+                            <a:srgbClr val="000000"/>
+                          </a:solidFill>
+                          <a:effectLst/>
+                          <a:latin typeface="Gill Sans MT" panose="020B0502020104020203" pitchFamily="34" charset="77"/>
+                        </a:rPr>
+                        <a:t>282</a:t>
+                      </a:r>
+                    </a:p>
+                  </a:txBody>
+                  <a:tcPr marL="9525" marR="9525" marT="9525" marB="0" anchor="ctr"/>
+                </a:tc>
+                <a:tc>
+                  <a:txBody>
+                    <a:bodyPr/>
+                    <a:lstStyle/>
+                    <a:p>
+                      <a:pPr algn="ctr" rtl="0" fontAlgn="ctr"/>
+                      <a:r>
+                        <a:rPr lang="en-IN" sz="1800" b="0" i="0" u="none" strike="noStrike" dirty="0">
+                          <a:solidFill>
+                            <a:srgbClr val="000000"/>
+                          </a:solidFill>
+                          <a:effectLst/>
+                          <a:latin typeface="Gill Sans MT" panose="020B0502020104020203" pitchFamily="34" charset="77"/>
+                        </a:rPr>
+                        <a:t>196</a:t>
+                      </a:r>
+                    </a:p>
+                  </a:txBody>
+                  <a:tcPr marL="9525" marR="9525" marT="9525" marB="0" anchor="ctr"/>
+                </a:tc>
+                <a:tc>
+                  <a:txBody>
+                    <a:bodyPr/>
+                    <a:lstStyle/>
+                    <a:p>
+                      <a:pPr algn="ctr" rtl="0" fontAlgn="ctr"/>
+                      <a:r>
+                        <a:rPr lang="en-IN" sz="1800" b="0" i="0" u="none" strike="noStrike" dirty="0">
+                          <a:solidFill>
+                            <a:srgbClr val="000000"/>
+                          </a:solidFill>
+                          <a:effectLst/>
+                          <a:latin typeface="Gill Sans MT" panose="020B0502020104020203" pitchFamily="34" charset="77"/>
+                        </a:rPr>
+                        <a:t>163</a:t>
+                      </a:r>
+                    </a:p>
+                  </a:txBody>
+                  <a:tcPr marL="9525" marR="9525" marT="9525" marB="0" anchor="ctr"/>
+                </a:tc>
+                <a:tc>
+                  <a:txBody>
+                    <a:bodyPr/>
+                    <a:lstStyle/>
+                    <a:p>
+                      <a:pPr algn="ctr" rtl="0" fontAlgn="ctr"/>
+                      <a:r>
+                        <a:rPr lang="en-IN" sz="1800" b="0" i="0" u="none" strike="noStrike" dirty="0">
+                          <a:solidFill>
+                            <a:srgbClr val="000000"/>
+                          </a:solidFill>
+                          <a:effectLst/>
+                          <a:latin typeface="Gill Sans MT" panose="020B0502020104020203" pitchFamily="34" charset="77"/>
+                        </a:rPr>
+                        <a:t>359</a:t>
+                      </a:r>
+                    </a:p>
+                  </a:txBody>
+                  <a:tcPr marL="9525" marR="9525" marT="9525" marB="0" anchor="ctr"/>
+                </a:tc>
+                <a:extLst>
+                  <a:ext uri="{0D108BD9-81ED-4DB2-BD59-A6C34878D82A}">
+                    <a16:rowId xmlns:a16="http://schemas.microsoft.com/office/drawing/2014/main" val="914077270"/>
+                  </a:ext>
+                </a:extLst>
+              </a:tr>
+            </a:tbl>
+          </a:graphicData>
+        </a:graphic>
+      </p:graphicFrame>
+    </p:spTree>
+    <p:extLst>
+      <p:ext uri="{BB962C8B-B14F-4D97-AF65-F5344CB8AC3E}">
+        <p14:creationId xmlns:p14="http://schemas.microsoft.com/office/powerpoint/2010/main" val="1097353134"/>
+      </p:ext>
+    </p:extLst>
+  </p:cSld>
+  <p:clrMapOvr>
+    <a:masterClrMapping/>
+  </p:clrMapOvr>
+  <p:timing>
+    <p:tnLst>
+      <p:par>
+        <p:cTn id="1" dur="indefinite" restart="never" nodeType="tmRoot">
+          <p:childTnLst>
+            <p:seq concurrent="1" nextAc="seek">
+              <p:cTn id="2" dur="indefinite" nodeType="mainSeq">
+                <p:childTnLst>
+                  <p:par>
+                    <p:cTn id="3" fill="hold">
+                      <p:stCondLst>
+                        <p:cond delay="indefinite"/>
+                      </p:stCondLst>
+                      <p:childTnLst>
+                        <p:par>
+                          <p:cTn id="4" fill="hold">
+                            <p:stCondLst>
+                              <p:cond delay="0"/>
+                            </p:stCondLst>
+                            <p:childTnLst>
+                              <p:par>
+                                <p:cTn id="5" presetID="1" presetClass="entr" presetSubtype="0" fill="hold" nodeType="clickEffect">
+                                  <p:stCondLst>
+                                    <p:cond delay="0"/>
+                                  </p:stCondLst>
+                                  <p:childTnLst>
+                                    <p:set>
+                                      <p:cBhvr>
+                                        <p:cTn id="6" dur="1" fill="hold">
+                                          <p:stCondLst>
+                                            <p:cond delay="0"/>
+                                          </p:stCondLst>
+                                        </p:cTn>
+                                        <p:tgtEl>
+                                          <p:spTgt spid="4"/>
+                                        </p:tgtEl>
+                                        <p:attrNameLst>
+                                          <p:attrName>style.visibility</p:attrName>
+                                        </p:attrNameLst>
+                                      </p:cBhvr>
+                                      <p:to>
+                                        <p:strVal val="visible"/>
+                                      </p:to>
+                                    </p:set>
+                                  </p:childTnLst>
+                                </p:cTn>
+                              </p:par>
+                            </p:childTnLst>
+                          </p:cTn>
+                        </p:par>
+                      </p:childTnLst>
+                    </p:cTn>
+                  </p:par>
+                </p:childTnLst>
+              </p:cTn>
+              <p:prevCondLst>
+                <p:cond evt="onPrev" delay="0">
+                  <p:tgtEl>
+                    <p:sldTgt/>
+                  </p:tgtEl>
+                </p:cond>
+              </p:prevCondLst>
+              <p:nextCondLst>
+                <p:cond evt="onNext" delay="0">
+                  <p:tgtEl>
+                    <p:sldTgt/>
+                  </p:tgtEl>
+                </p:cond>
+              </p:nextCondLst>
+            </p:seq>
+          </p:childTnLst>
+        </p:cTn>
+      </p:par>
+    </p:tnLst>
+  </p:timing>
+</p:sld>
+</file>
+
+<file path=ppt/slides/slide21.xml><?xml version="1.0" encoding="utf-8"?>
+<p:sld xmlns:a="http://schemas.openxmlformats.org/drawingml/2006/main" xmlns:r="http://schemas.openxmlformats.org/officeDocument/2006/relationships" xmlns:p="http://schemas.openxmlformats.org/presentationml/2006/main">
+  <p:cSld>
+    <p:spTree>
+      <p:nvGrpSpPr>
+        <p:cNvPr id="1" name=""/>
+        <p:cNvGrpSpPr/>
+        <p:nvPr/>
+      </p:nvGrpSpPr>
+      <p:grpSpPr>
+        <a:xfrm>
+          <a:off x="0" y="0"/>
+          <a:ext cx="0" cy="0"/>
+          <a:chOff x="0" y="0"/>
+          <a:chExt cx="0" cy="0"/>
+        </a:xfrm>
+      </p:grpSpPr>
+      <p:sp>
+        <p:nvSpPr>
+          <p:cNvPr id="2" name="Title 1">
+            <a:extLst>
+              <a:ext uri="{FF2B5EF4-FFF2-40B4-BE49-F238E27FC236}">
+                <a16:creationId xmlns:a16="http://schemas.microsoft.com/office/drawing/2014/main" id="{4B8A27B1-8D9C-BD4C-A66D-8517F282E409}"/>
+              </a:ext>
+            </a:extLst>
+          </p:cNvPr>
+          <p:cNvSpPr>
+            <a:spLocks noGrp="1"/>
+          </p:cNvSpPr>
+          <p:nvPr>
+            <p:ph type="title"/>
+          </p:nvPr>
+        </p:nvSpPr>
+        <p:spPr>
+          <a:xfrm>
+            <a:off x="2231136" y="2534003"/>
+            <a:ext cx="7729728" cy="1188720"/>
+          </a:xfrm>
+        </p:spPr>
+        <p:txBody>
+          <a:bodyPr/>
+          <a:lstStyle/>
+          <a:p>
+            <a:r>
+              <a:rPr lang="en-US"/>
+              <a:t>QUESTIONs?</a:t>
+            </a:r>
+            <a:endParaRPr lang="en-US" dirty="0"/>
+          </a:p>
+        </p:txBody>
+      </p:sp>
+    </p:spTree>
+    <p:extLst>
+      <p:ext uri="{BB962C8B-B14F-4D97-AF65-F5344CB8AC3E}">
+        <p14:creationId xmlns:p14="http://schemas.microsoft.com/office/powerpoint/2010/main" val="3846673919"/>
+      </p:ext>
+    </p:extLst>
+  </p:cSld>
+  <p:clrMapOvr>
+    <a:masterClrMapping/>
+  </p:clrMapOvr>
 </p:sld>
 </file>
 
@@ -14896,13 +16082,13 @@
             <p:ph idx="1"/>
             <p:extLst>
               <p:ext uri="{D42A27DB-BD31-4B8C-83A1-F6EECF244321}">
-                <p14:modId xmlns:p14="http://schemas.microsoft.com/office/powerpoint/2010/main" val="1853757925"/>
+                <p14:modId xmlns:p14="http://schemas.microsoft.com/office/powerpoint/2010/main" val="1541628260"/>
               </p:ext>
             </p:extLst>
           </p:nvPr>
         </p:nvGraphicFramePr>
         <p:xfrm>
-          <a:off x="2230438" y="2638425"/>
+          <a:off x="2230438" y="3843285"/>
           <a:ext cx="7731124" cy="1483360"/>
         </p:xfrm>
         <a:graphic>
@@ -15248,6 +16434,53 @@
           </a:graphicData>
         </a:graphic>
       </p:graphicFrame>
+      <p:sp>
+        <p:nvSpPr>
+          <p:cNvPr id="3" name="TextBox 2">
+            <a:extLst>
+              <a:ext uri="{FF2B5EF4-FFF2-40B4-BE49-F238E27FC236}">
+                <a16:creationId xmlns:a16="http://schemas.microsoft.com/office/drawing/2014/main" id="{29887F55-DAF0-8D4B-BCEE-2F37A8A965F9}"/>
+              </a:ext>
+            </a:extLst>
+          </p:cNvPr>
+          <p:cNvSpPr txBox="1"/>
+          <p:nvPr/>
+        </p:nvSpPr>
+        <p:spPr>
+          <a:xfrm>
+            <a:off x="4868741" y="2499038"/>
+            <a:ext cx="2454518" cy="923330"/>
+          </a:xfrm>
+          <a:prstGeom prst="rect">
+            <a:avLst/>
+          </a:prstGeom>
+          <a:noFill/>
+        </p:spPr>
+        <p:txBody>
+          <a:bodyPr wrap="none" rtlCol="0">
+            <a:spAutoFit/>
+          </a:bodyPr>
+          <a:lstStyle/>
+          <a:p>
+            <a:r>
+              <a:rPr lang="en-US" dirty="0"/>
+              <a:t>Total Rent = 1000</a:t>
+            </a:r>
+          </a:p>
+          <a:p>
+            <a:r>
+              <a:rPr lang="en-US" dirty="0"/>
+              <a:t>Number of students = 3</a:t>
+            </a:r>
+          </a:p>
+          <a:p>
+            <a:r>
+              <a:rPr lang="en-US" dirty="0"/>
+              <a:t>Number of rooms = 3</a:t>
+            </a:r>
+          </a:p>
+        </p:txBody>
+      </p:sp>
     </p:spTree>
     <p:extLst>
       <p:ext uri="{BB962C8B-B14F-4D97-AF65-F5344CB8AC3E}">
@@ -15279,7 +16512,7 @@
                             </p:stCondLst>
                             <p:childTnLst>
                               <p:par>
-                                <p:cTn id="5" presetID="1" presetClass="entr" presetSubtype="0" fill="hold" nodeType="clickEffect">
+                                <p:cTn id="5" presetID="1" presetClass="entr" presetSubtype="0" fill="hold" grpId="0" nodeType="clickEffect">
                                   <p:stCondLst>
                                     <p:cond delay="0"/>
                                   </p:stCondLst>
@@ -15287,6 +16520,51 @@
                                     <p:set>
                                       <p:cBhvr>
                                         <p:cTn id="6" dur="1" fill="hold">
+                                          <p:stCondLst>
+                                            <p:cond delay="0"/>
+                                          </p:stCondLst>
+                                        </p:cTn>
+                                        <p:tgtEl>
+                                          <p:spTgt spid="3"/>
+                                        </p:tgtEl>
+                                        <p:attrNameLst>
+                                          <p:attrName>style.visibility</p:attrName>
+                                        </p:attrNameLst>
+                                      </p:cBhvr>
+                                      <p:to>
+                                        <p:strVal val="visible"/>
+                                      </p:to>
+                                    </p:set>
+                                  </p:childTnLst>
+                                </p:cTn>
+                              </p:par>
+                            </p:childTnLst>
+                          </p:cTn>
+                        </p:par>
+                      </p:childTnLst>
+                    </p:cTn>
+                  </p:par>
+                  <p:par>
+                    <p:cTn id="7" fill="hold">
+                      <p:stCondLst>
+                        <p:cond delay="indefinite"/>
+                      </p:stCondLst>
+                      <p:childTnLst>
+                        <p:par>
+                          <p:cTn id="8" fill="hold">
+                            <p:stCondLst>
+                              <p:cond delay="0"/>
+                            </p:stCondLst>
+                            <p:childTnLst>
+                              <p:par>
+                                <p:cTn id="9" presetID="1" presetClass="entr" presetSubtype="0" fill="hold" nodeType="clickEffect">
+                                  <p:stCondLst>
+                                    <p:cond delay="0"/>
+                                  </p:stCondLst>
+                                  <p:childTnLst>
+                                    <p:set>
+                                      <p:cBhvr>
+                                        <p:cTn id="10" dur="1" fill="hold">
                                           <p:stCondLst>
                                             <p:cond delay="0"/>
                                           </p:stCondLst>
@@ -15332,6 +16610,9 @@
         </p:cTn>
       </p:par>
     </p:tnLst>
+    <p:bldLst>
+      <p:bldP spid="3" grpId="0"/>
+    </p:bldLst>
   </p:timing>
 </p:sld>
 </file>
@@ -15400,7 +16681,7 @@
         </p:nvSpPr>
         <p:spPr>
           <a:xfrm>
-            <a:off x="4203950" y="2922111"/>
+            <a:off x="4203950" y="3045681"/>
             <a:ext cx="904675" cy="904675"/>
           </a:xfrm>
           <a:prstGeom prst="ellipse">
@@ -15474,7 +16755,7 @@
         </p:nvSpPr>
         <p:spPr>
           <a:xfrm>
-            <a:off x="4203950" y="4196435"/>
+            <a:off x="4203950" y="4320005"/>
             <a:ext cx="904675" cy="904675"/>
           </a:xfrm>
           <a:prstGeom prst="ellipse">
@@ -15548,7 +16829,7 @@
         </p:nvSpPr>
         <p:spPr>
           <a:xfrm>
-            <a:off x="4203949" y="5535609"/>
+            <a:off x="4203949" y="5659179"/>
             <a:ext cx="904676" cy="904676"/>
           </a:xfrm>
           <a:prstGeom prst="ellipse">
@@ -15621,7 +16902,7 @@
         </p:nvSpPr>
         <p:spPr>
           <a:xfrm>
-            <a:off x="6856358" y="2922111"/>
+            <a:off x="6856358" y="3045681"/>
             <a:ext cx="904675" cy="904675"/>
           </a:xfrm>
           <a:prstGeom prst="ellipse">
@@ -15694,7 +16975,7 @@
         </p:nvSpPr>
         <p:spPr>
           <a:xfrm>
-            <a:off x="6856358" y="4196435"/>
+            <a:off x="6856358" y="4320005"/>
             <a:ext cx="904675" cy="904675"/>
           </a:xfrm>
           <a:prstGeom prst="ellipse">
@@ -15767,7 +17048,7 @@
         </p:nvSpPr>
         <p:spPr>
           <a:xfrm>
-            <a:off x="6856358" y="5535609"/>
+            <a:off x="6856358" y="5659179"/>
             <a:ext cx="904677" cy="904677"/>
           </a:xfrm>
           <a:prstGeom prst="ellipse">
@@ -15843,7 +17124,7 @@
         </p:nvCxnSpPr>
         <p:spPr>
           <a:xfrm>
-            <a:off x="5108625" y="3374449"/>
+            <a:off x="5108625" y="3498019"/>
             <a:ext cx="1747733" cy="0"/>
           </a:xfrm>
           <a:prstGeom prst="line">
@@ -15881,7 +17162,7 @@
         </p:nvCxnSpPr>
         <p:spPr>
           <a:xfrm>
-            <a:off x="5108625" y="3374448"/>
+            <a:off x="5108625" y="3498018"/>
             <a:ext cx="1747733" cy="1274324"/>
           </a:xfrm>
           <a:prstGeom prst="line">
@@ -15920,7 +17201,7 @@
         </p:nvCxnSpPr>
         <p:spPr>
           <a:xfrm>
-            <a:off x="5108625" y="3374449"/>
+            <a:off x="5108625" y="3498019"/>
             <a:ext cx="1747733" cy="2613499"/>
           </a:xfrm>
           <a:prstGeom prst="line">
@@ -15958,7 +17239,7 @@
         </p:nvCxnSpPr>
         <p:spPr>
           <a:xfrm flipV="1">
-            <a:off x="5108625" y="3374448"/>
+            <a:off x="5108625" y="3498018"/>
             <a:ext cx="1747733" cy="1274325"/>
           </a:xfrm>
           <a:prstGeom prst="line">
@@ -15997,7 +17278,7 @@
         </p:nvCxnSpPr>
         <p:spPr>
           <a:xfrm>
-            <a:off x="5108625" y="4648773"/>
+            <a:off x="5108625" y="4772343"/>
             <a:ext cx="1747733" cy="0"/>
           </a:xfrm>
           <a:prstGeom prst="line">
@@ -16036,7 +17317,7 @@
         </p:nvCxnSpPr>
         <p:spPr>
           <a:xfrm>
-            <a:off x="5108625" y="4648773"/>
+            <a:off x="5108625" y="4772343"/>
             <a:ext cx="1747733" cy="1339175"/>
           </a:xfrm>
           <a:prstGeom prst="line">
@@ -16075,7 +17356,7 @@
         </p:nvCxnSpPr>
         <p:spPr>
           <a:xfrm flipV="1">
-            <a:off x="5108625" y="3374449"/>
+            <a:off x="5108625" y="3498019"/>
             <a:ext cx="1747733" cy="2613498"/>
           </a:xfrm>
           <a:prstGeom prst="line">
@@ -16113,7 +17394,7 @@
         </p:nvCxnSpPr>
         <p:spPr>
           <a:xfrm flipV="1">
-            <a:off x="5108625" y="4648772"/>
+            <a:off x="5108625" y="4772342"/>
             <a:ext cx="1747733" cy="1339175"/>
           </a:xfrm>
           <a:prstGeom prst="line">
@@ -16152,7 +17433,7 @@
         </p:nvCxnSpPr>
         <p:spPr>
           <a:xfrm>
-            <a:off x="5108625" y="5987947"/>
+            <a:off x="5108625" y="6111517"/>
             <a:ext cx="1747733" cy="1"/>
           </a:xfrm>
           <a:prstGeom prst="line">
@@ -16188,7 +17469,7 @@
         </p:nvSpPr>
         <p:spPr>
           <a:xfrm>
-            <a:off x="5372449" y="3142423"/>
+            <a:off x="5372449" y="3265993"/>
             <a:ext cx="377026" cy="246221"/>
           </a:xfrm>
           <a:prstGeom prst="rect">
@@ -16223,7 +17504,7 @@
         </p:nvSpPr>
         <p:spPr>
           <a:xfrm rot="1904826">
-            <a:off x="5391140" y="3487568"/>
+            <a:off x="5391140" y="3611138"/>
             <a:ext cx="392076" cy="246221"/>
           </a:xfrm>
           <a:prstGeom prst="rect">
@@ -16258,7 +17539,7 @@
         </p:nvSpPr>
         <p:spPr>
           <a:xfrm rot="3257111">
-            <a:off x="5347168" y="3806406"/>
+            <a:off x="5347168" y="3929976"/>
             <a:ext cx="480019" cy="246221"/>
           </a:xfrm>
           <a:prstGeom prst="rect">
@@ -16293,7 +17574,7 @@
         </p:nvSpPr>
         <p:spPr>
           <a:xfrm rot="19569268">
-            <a:off x="5855283" y="3743670"/>
+            <a:off x="5855283" y="3867240"/>
             <a:ext cx="377026" cy="246221"/>
           </a:xfrm>
           <a:prstGeom prst="rect">
@@ -16328,7 +17609,7 @@
         </p:nvSpPr>
         <p:spPr>
           <a:xfrm>
-            <a:off x="6137742" y="4434977"/>
+            <a:off x="6137742" y="4558547"/>
             <a:ext cx="377026" cy="246221"/>
           </a:xfrm>
           <a:prstGeom prst="rect">
@@ -16363,7 +17644,7 @@
         </p:nvSpPr>
         <p:spPr>
           <a:xfrm rot="2543047">
-            <a:off x="6018095" y="5270628"/>
+            <a:off x="6018095" y="5394198"/>
             <a:ext cx="377026" cy="246221"/>
           </a:xfrm>
           <a:prstGeom prst="rect">
@@ -16398,7 +17679,7 @@
         </p:nvSpPr>
         <p:spPr>
           <a:xfrm rot="18148588">
-            <a:off x="5183936" y="5270627"/>
+            <a:off x="5183936" y="5394197"/>
             <a:ext cx="377026" cy="246221"/>
           </a:xfrm>
           <a:prstGeom prst="rect">
@@ -16433,7 +17714,7 @@
         </p:nvSpPr>
         <p:spPr>
           <a:xfrm rot="19622608">
-            <a:off x="5362206" y="5435094"/>
+            <a:off x="5362206" y="5558664"/>
             <a:ext cx="377026" cy="246221"/>
           </a:xfrm>
           <a:prstGeom prst="rect">
@@ -16468,7 +17749,7 @@
         </p:nvSpPr>
         <p:spPr>
           <a:xfrm>
-            <a:off x="5417763" y="5789286"/>
+            <a:off x="5417763" y="5912856"/>
             <a:ext cx="377026" cy="246221"/>
           </a:xfrm>
           <a:prstGeom prst="rect">
@@ -16503,8 +17784,8 @@
         </p:nvSpPr>
         <p:spPr>
           <a:xfrm>
-            <a:off x="2070495" y="2260424"/>
-            <a:ext cx="8111580" cy="646331"/>
+            <a:off x="2231136" y="2272781"/>
+            <a:ext cx="7729728" cy="646331"/>
           </a:xfrm>
           <a:prstGeom prst="rect">
             <a:avLst/>
@@ -16512,7 +17793,7 @@
           <a:noFill/>
         </p:spPr>
         <p:txBody>
-          <a:bodyPr wrap="none" rtlCol="0">
+          <a:bodyPr wrap="square" rtlCol="0">
             <a:spAutoFit/>
           </a:bodyPr>
           <a:lstStyle/>
@@ -16520,14 +17801,14 @@
             <a:pPr algn="ctr"/>
             <a:r>
               <a:rPr lang="en-US" dirty="0"/>
-              <a:t>A weighted bipartite graph is made. The weights are the prices each player would pay</a:t>
+              <a:t>A weighted bipartite graph is made. </a:t>
             </a:r>
           </a:p>
           <a:p>
             <a:pPr algn="ctr"/>
             <a:r>
               <a:rPr lang="en-US" dirty="0"/>
-              <a:t>if allotted that room.</a:t>
+              <a:t>The weights are the prices each player would pay if allotted that room.</a:t>
             </a:r>
           </a:p>
         </p:txBody>

--- a/final-ppt.pptx
+++ b/final-ppt.pptx
@@ -13477,7 +13477,7 @@
             <p:ph idx="1"/>
             <p:extLst>
               <p:ext uri="{D42A27DB-BD31-4B8C-83A1-F6EECF244321}">
-                <p14:modId xmlns:p14="http://schemas.microsoft.com/office/powerpoint/2010/main" val="1698784154"/>
+                <p14:modId xmlns:p14="http://schemas.microsoft.com/office/powerpoint/2010/main" val="3088157306"/>
               </p:ext>
             </p:extLst>
           </p:nvPr>
@@ -13813,7 +13813,7 @@
                           <a:effectLst/>
                           <a:latin typeface="Gill Sans MT" panose="020B0502020104020203" pitchFamily="34" charset="77"/>
                         </a:rPr>
-                        <a:t>3913</a:t>
+                        <a:t>391</a:t>
                       </a:r>
                     </a:p>
                   </a:txBody>

--- a/final-ppt.pptx
+++ b/final-ppt.pptx
@@ -7041,7 +7041,12 @@
             <p:ph type="ctrTitle"/>
           </p:nvPr>
         </p:nvSpPr>
-        <p:spPr/>
+        <p:spPr>
+          <a:xfrm>
+            <a:off x="1600200" y="1700944"/>
+            <a:ext cx="8991600" cy="1645920"/>
+          </a:xfrm>
+        </p:spPr>
         <p:txBody>
           <a:bodyPr/>
           <a:lstStyle/>
@@ -7051,6 +7056,71 @@
               <a:t>Envy-free hostel room allocation app</a:t>
             </a:r>
             <a:endParaRPr lang="en-US" dirty="0"/>
+          </a:p>
+        </p:txBody>
+      </p:sp>
+      <p:sp>
+        <p:nvSpPr>
+          <p:cNvPr id="3" name="TextBox 2">
+            <a:extLst>
+              <a:ext uri="{FF2B5EF4-FFF2-40B4-BE49-F238E27FC236}">
+                <a16:creationId xmlns:a16="http://schemas.microsoft.com/office/drawing/2014/main" id="{62F66F08-B3AE-AB46-918F-CD29CE33BA5E}"/>
+              </a:ext>
+            </a:extLst>
+          </p:cNvPr>
+          <p:cNvSpPr txBox="1"/>
+          <p:nvPr/>
+        </p:nvSpPr>
+        <p:spPr>
+          <a:xfrm>
+            <a:off x="3756212" y="4249272"/>
+            <a:ext cx="4679576" cy="1200329"/>
+          </a:xfrm>
+          <a:prstGeom prst="rect">
+            <a:avLst/>
+          </a:prstGeom>
+          <a:noFill/>
+        </p:spPr>
+        <p:txBody>
+          <a:bodyPr wrap="square" rtlCol="0">
+            <a:spAutoFit/>
+          </a:bodyPr>
+          <a:lstStyle/>
+          <a:p>
+            <a:pPr algn="ctr"/>
+            <a:r>
+              <a:rPr lang="en-US" dirty="0"/>
+              <a:t>Tanvi Ajay Nerkar</a:t>
+            </a:r>
+          </a:p>
+          <a:p>
+            <a:pPr algn="ctr"/>
+            <a:r>
+              <a:rPr lang="en-US" dirty="0"/>
+              <a:t>180819</a:t>
+            </a:r>
+          </a:p>
+          <a:p>
+            <a:pPr algn="ctr"/>
+            <a:r>
+              <a:rPr lang="en-US" dirty="0"/>
+              <a:t>Mentored by ;</a:t>
+            </a:r>
+          </a:p>
+          <a:p>
+            <a:pPr algn="ctr"/>
+            <a:r>
+              <a:rPr lang="en-US" dirty="0"/>
+              <a:t>Siddharth Agrawal and </a:t>
+            </a:r>
+            <a:r>
+              <a:rPr lang="en-US" dirty="0" err="1"/>
+              <a:t>Swaprava</a:t>
+            </a:r>
+            <a:r>
+              <a:rPr lang="en-US" dirty="0"/>
+              <a:t> Nath</a:t>
+            </a:r>
           </a:p>
         </p:txBody>
       </p:sp>
@@ -12978,11 +13048,15 @@
           </p:cNvGraphicFramePr>
           <p:nvPr>
             <p:ph idx="1"/>
-            <p:extLst/>
+            <p:extLst>
+              <p:ext uri="{D42A27DB-BD31-4B8C-83A1-F6EECF244321}">
+                <p14:modId xmlns:p14="http://schemas.microsoft.com/office/powerpoint/2010/main" val="1041124508"/>
+              </p:ext>
+            </p:extLst>
           </p:nvPr>
         </p:nvGraphicFramePr>
         <p:xfrm>
-          <a:off x="2230438" y="2638425"/>
+          <a:off x="2231136" y="3870878"/>
           <a:ext cx="7731124" cy="1483360"/>
         </p:xfrm>
         <a:graphic>
@@ -13328,6 +13402,53 @@
           </a:graphicData>
         </a:graphic>
       </p:graphicFrame>
+      <p:sp>
+        <p:nvSpPr>
+          <p:cNvPr id="5" name="TextBox 4">
+            <a:extLst>
+              <a:ext uri="{FF2B5EF4-FFF2-40B4-BE49-F238E27FC236}">
+                <a16:creationId xmlns:a16="http://schemas.microsoft.com/office/drawing/2014/main" id="{96B585A8-1E65-3944-9B2F-0F369CBD04A3}"/>
+              </a:ext>
+            </a:extLst>
+          </p:cNvPr>
+          <p:cNvSpPr txBox="1"/>
+          <p:nvPr/>
+        </p:nvSpPr>
+        <p:spPr>
+          <a:xfrm>
+            <a:off x="4868741" y="2499038"/>
+            <a:ext cx="2454518" cy="923330"/>
+          </a:xfrm>
+          <a:prstGeom prst="rect">
+            <a:avLst/>
+          </a:prstGeom>
+          <a:noFill/>
+        </p:spPr>
+        <p:txBody>
+          <a:bodyPr wrap="none" rtlCol="0">
+            <a:spAutoFit/>
+          </a:bodyPr>
+          <a:lstStyle/>
+          <a:p>
+            <a:r>
+              <a:rPr lang="en-US" dirty="0"/>
+              <a:t>Total Rent = 1000</a:t>
+            </a:r>
+          </a:p>
+          <a:p>
+            <a:r>
+              <a:rPr lang="en-US" dirty="0"/>
+              <a:t>Number of students = 3</a:t>
+            </a:r>
+          </a:p>
+          <a:p>
+            <a:r>
+              <a:rPr lang="en-US" dirty="0"/>
+              <a:t>Number of rooms = 3</a:t>
+            </a:r>
+          </a:p>
+        </p:txBody>
+      </p:sp>
     </p:spTree>
     <p:extLst>
       <p:ext uri="{BB962C8B-B14F-4D97-AF65-F5344CB8AC3E}">
@@ -13391,6 +13512,51 @@
                       </p:childTnLst>
                     </p:cTn>
                   </p:par>
+                  <p:par>
+                    <p:cTn id="7" fill="hold">
+                      <p:stCondLst>
+                        <p:cond delay="indefinite"/>
+                      </p:stCondLst>
+                      <p:childTnLst>
+                        <p:par>
+                          <p:cTn id="8" fill="hold">
+                            <p:stCondLst>
+                              <p:cond delay="0"/>
+                            </p:stCondLst>
+                            <p:childTnLst>
+                              <p:par>
+                                <p:cTn id="9" presetID="1" presetClass="entr" presetSubtype="0" fill="hold" grpId="0" nodeType="clickEffect">
+                                  <p:stCondLst>
+                                    <p:cond delay="0"/>
+                                  </p:stCondLst>
+                                  <p:childTnLst>
+                                    <p:set>
+                                      <p:cBhvr>
+                                        <p:cTn id="10" dur="1" fill="hold">
+                                          <p:stCondLst>
+                                            <p:cond delay="0"/>
+                                          </p:stCondLst>
+                                        </p:cTn>
+                                        <p:tgtEl>
+                                          <p:spTgt spid="5"/>
+                                        </p:tgtEl>
+                                        <p:attrNameLst>
+                                          <p:attrName>style.visibility</p:attrName>
+                                        </p:attrNameLst>
+                                      </p:cBhvr>
+                                      <p:to>
+                                        <p:strVal val="visible"/>
+                                      </p:to>
+                                    </p:set>
+                                  </p:childTnLst>
+                                </p:cTn>
+                              </p:par>
+                            </p:childTnLst>
+                          </p:cTn>
+                        </p:par>
+                      </p:childTnLst>
+                    </p:cTn>
+                  </p:par>
                 </p:childTnLst>
               </p:cTn>
               <p:prevCondLst>
@@ -13412,6 +13578,9 @@
         </p:cTn>
       </p:par>
     </p:tnLst>
+    <p:bldLst>
+      <p:bldP spid="5" grpId="0"/>
+    </p:bldLst>
   </p:timing>
 </p:sld>
 </file>
@@ -13477,13 +13646,13 @@
             <p:ph idx="1"/>
             <p:extLst>
               <p:ext uri="{D42A27DB-BD31-4B8C-83A1-F6EECF244321}">
-                <p14:modId xmlns:p14="http://schemas.microsoft.com/office/powerpoint/2010/main" val="3088157306"/>
+                <p14:modId xmlns:p14="http://schemas.microsoft.com/office/powerpoint/2010/main" val="1729063393"/>
               </p:ext>
             </p:extLst>
           </p:nvPr>
         </p:nvGraphicFramePr>
         <p:xfrm>
-          <a:off x="2230438" y="2638425"/>
+          <a:off x="2230438" y="3870877"/>
           <a:ext cx="7731124" cy="1483360"/>
         </p:xfrm>
         <a:graphic>
@@ -13829,6 +13998,53 @@
           </a:graphicData>
         </a:graphic>
       </p:graphicFrame>
+      <p:sp>
+        <p:nvSpPr>
+          <p:cNvPr id="5" name="TextBox 4">
+            <a:extLst>
+              <a:ext uri="{FF2B5EF4-FFF2-40B4-BE49-F238E27FC236}">
+                <a16:creationId xmlns:a16="http://schemas.microsoft.com/office/drawing/2014/main" id="{1E532388-AAAD-7F40-B8AA-3AE676E45510}"/>
+              </a:ext>
+            </a:extLst>
+          </p:cNvPr>
+          <p:cNvSpPr txBox="1"/>
+          <p:nvPr/>
+        </p:nvSpPr>
+        <p:spPr>
+          <a:xfrm>
+            <a:off x="4868741" y="2499038"/>
+            <a:ext cx="2454518" cy="923330"/>
+          </a:xfrm>
+          <a:prstGeom prst="rect">
+            <a:avLst/>
+          </a:prstGeom>
+          <a:noFill/>
+        </p:spPr>
+        <p:txBody>
+          <a:bodyPr wrap="none" rtlCol="0">
+            <a:spAutoFit/>
+          </a:bodyPr>
+          <a:lstStyle/>
+          <a:p>
+            <a:r>
+              <a:rPr lang="en-US" dirty="0"/>
+              <a:t>Total Rent = 1000</a:t>
+            </a:r>
+          </a:p>
+          <a:p>
+            <a:r>
+              <a:rPr lang="en-US" dirty="0"/>
+              <a:t>Number of students = 3</a:t>
+            </a:r>
+          </a:p>
+          <a:p>
+            <a:r>
+              <a:rPr lang="en-US" dirty="0"/>
+              <a:t>Number of rooms = 3</a:t>
+            </a:r>
+          </a:p>
+        </p:txBody>
+      </p:sp>
     </p:spTree>
     <p:extLst>
       <p:ext uri="{BB962C8B-B14F-4D97-AF65-F5344CB8AC3E}">
@@ -13892,6 +14108,51 @@
                       </p:childTnLst>
                     </p:cTn>
                   </p:par>
+                  <p:par>
+                    <p:cTn id="7" fill="hold">
+                      <p:stCondLst>
+                        <p:cond delay="indefinite"/>
+                      </p:stCondLst>
+                      <p:childTnLst>
+                        <p:par>
+                          <p:cTn id="8" fill="hold">
+                            <p:stCondLst>
+                              <p:cond delay="0"/>
+                            </p:stCondLst>
+                            <p:childTnLst>
+                              <p:par>
+                                <p:cTn id="9" presetID="1" presetClass="entr" presetSubtype="0" fill="hold" grpId="0" nodeType="clickEffect">
+                                  <p:stCondLst>
+                                    <p:cond delay="0"/>
+                                  </p:stCondLst>
+                                  <p:childTnLst>
+                                    <p:set>
+                                      <p:cBhvr>
+                                        <p:cTn id="10" dur="1" fill="hold">
+                                          <p:stCondLst>
+                                            <p:cond delay="0"/>
+                                          </p:stCondLst>
+                                        </p:cTn>
+                                        <p:tgtEl>
+                                          <p:spTgt spid="5"/>
+                                        </p:tgtEl>
+                                        <p:attrNameLst>
+                                          <p:attrName>style.visibility</p:attrName>
+                                        </p:attrNameLst>
+                                      </p:cBhvr>
+                                      <p:to>
+                                        <p:strVal val="visible"/>
+                                      </p:to>
+                                    </p:set>
+                                  </p:childTnLst>
+                                </p:cTn>
+                              </p:par>
+                            </p:childTnLst>
+                          </p:cTn>
+                        </p:par>
+                      </p:childTnLst>
+                    </p:cTn>
+                  </p:par>
                 </p:childTnLst>
               </p:cTn>
               <p:prevCondLst>
@@ -13913,6 +14174,9 @@
         </p:cTn>
       </p:par>
     </p:tnLst>
+    <p:bldLst>
+      <p:bldP spid="5" grpId="0"/>
+    </p:bldLst>
   </p:timing>
 </p:sld>
 </file>
@@ -13981,9 +14245,27 @@
         <p:spPr/>
         <p:txBody>
           <a:bodyPr>
-            <a:normAutofit lnSpcReduction="10000"/>
+            <a:normAutofit fontScale="77500" lnSpcReduction="20000"/>
           </a:bodyPr>
           <a:lstStyle/>
+          <a:p>
+            <a:r>
+              <a:rPr lang="en-IN" dirty="0"/>
+              <a:t>Implementation of algorithm presented </a:t>
+            </a:r>
+            <a:r>
+              <a:rPr lang="en-IN"/>
+              <a:t>in a research </a:t>
+            </a:r>
+            <a:r>
+              <a:rPr lang="en-IN" dirty="0"/>
+              <a:t>Paper titled: </a:t>
+            </a:r>
+            <a:r>
+              <a:rPr lang="en-IN" b="1" dirty="0"/>
+              <a:t>“Which Is the Fairest (Rent Division) of  Them All? ’’</a:t>
+            </a:r>
+          </a:p>
           <a:p>
             <a:r>
               <a:rPr lang="en-US" dirty="0"/>
@@ -14012,10 +14294,19 @@
             <a:endParaRPr lang="en-US" dirty="0"/>
           </a:p>
           <a:p>
+            <a:endParaRPr lang="en-US" dirty="0"/>
+          </a:p>
+          <a:p>
+            <a:endParaRPr lang="en-US" dirty="0"/>
+          </a:p>
+          <a:p>
             <a:r>
               <a:rPr lang="en-US" dirty="0"/>
               <a:t>The aim of this project is to find a fair rent allocation such that in the final outcome, none of the roommates are envious of each other’s allocations and prices.</a:t>
             </a:r>
+          </a:p>
+          <a:p>
+            <a:endParaRPr lang="en-US" dirty="0"/>
           </a:p>
         </p:txBody>
       </p:sp>
@@ -14041,7 +14332,7 @@
         </p:blipFill>
         <p:spPr>
           <a:xfrm>
-            <a:off x="3510009" y="3608526"/>
+            <a:off x="3510009" y="3734654"/>
             <a:ext cx="1905000" cy="1041400"/>
           </a:xfrm>
           <a:prstGeom prst="rect">
@@ -14071,7 +14362,7 @@
         </p:blipFill>
         <p:spPr>
           <a:xfrm>
-            <a:off x="6491858" y="3494226"/>
+            <a:off x="6476092" y="3617099"/>
             <a:ext cx="1587500" cy="1270000"/>
           </a:xfrm>
           <a:prstGeom prst="rect">
@@ -14208,7 +14499,7 @@
                             </p:stCondLst>
                             <p:childTnLst>
                               <p:par>
-                                <p:cTn id="13" presetID="1" presetClass="entr" presetSubtype="0" fill="hold" nodeType="clickEffect">
+                                <p:cTn id="13" presetID="1" presetClass="entr" presetSubtype="0" fill="hold" grpId="0" nodeType="clickEffect">
                                   <p:stCondLst>
                                     <p:cond delay="0"/>
                                   </p:stCondLst>
@@ -14216,6 +14507,55 @@
                                     <p:set>
                                       <p:cBhvr>
                                         <p:cTn id="14" dur="1" fill="hold">
+                                          <p:stCondLst>
+                                            <p:cond delay="0"/>
+                                          </p:stCondLst>
+                                        </p:cTn>
+                                        <p:tgtEl>
+                                          <p:spTgt spid="3">
+                                            <p:txEl>
+                                              <p:pRg st="2" end="2"/>
+                                            </p:txEl>
+                                          </p:spTgt>
+                                        </p:tgtEl>
+                                        <p:attrNameLst>
+                                          <p:attrName>style.visibility</p:attrName>
+                                        </p:attrNameLst>
+                                      </p:cBhvr>
+                                      <p:to>
+                                        <p:strVal val="visible"/>
+                                      </p:to>
+                                    </p:set>
+                                  </p:childTnLst>
+                                </p:cTn>
+                              </p:par>
+                            </p:childTnLst>
+                          </p:cTn>
+                        </p:par>
+                      </p:childTnLst>
+                    </p:cTn>
+                  </p:par>
+                  <p:par>
+                    <p:cTn id="15" fill="hold">
+                      <p:stCondLst>
+                        <p:cond delay="indefinite"/>
+                      </p:stCondLst>
+                      <p:childTnLst>
+                        <p:par>
+                          <p:cTn id="16" fill="hold">
+                            <p:stCondLst>
+                              <p:cond delay="0"/>
+                            </p:stCondLst>
+                            <p:childTnLst>
+                              <p:par>
+                                <p:cTn id="17" presetID="1" presetClass="entr" presetSubtype="0" fill="hold" nodeType="clickEffect">
+                                  <p:stCondLst>
+                                    <p:cond delay="0"/>
+                                  </p:stCondLst>
+                                  <p:childTnLst>
+                                    <p:set>
+                                      <p:cBhvr>
+                                        <p:cTn id="18" dur="1" fill="hold">
                                           <p:stCondLst>
                                             <p:cond delay="0"/>
                                           </p:stCondLst>
@@ -14235,14 +14575,14 @@
                                 </p:cTn>
                               </p:par>
                               <p:par>
-                                <p:cTn id="15" presetID="1" presetClass="entr" presetSubtype="0" fill="hold" nodeType="withEffect">
+                                <p:cTn id="19" presetID="1" presetClass="entr" presetSubtype="0" fill="hold" nodeType="withEffect">
                                   <p:stCondLst>
                                     <p:cond delay="0"/>
                                   </p:stCondLst>
                                   <p:childTnLst>
                                     <p:set>
                                       <p:cBhvr>
-                                        <p:cTn id="16" dur="1" fill="hold">
+                                        <p:cTn id="20" dur="1" fill="hold">
                                           <p:stCondLst>
                                             <p:cond delay="0"/>
                                           </p:stCondLst>
@@ -14268,26 +14608,26 @@
                     </p:cTn>
                   </p:par>
                   <p:par>
-                    <p:cTn id="17" fill="hold">
+                    <p:cTn id="21" fill="hold">
                       <p:stCondLst>
                         <p:cond delay="indefinite"/>
                       </p:stCondLst>
                       <p:childTnLst>
                         <p:par>
-                          <p:cTn id="18" fill="hold">
+                          <p:cTn id="22" fill="hold">
                             <p:stCondLst>
                               <p:cond delay="0"/>
                             </p:stCondLst>
                             <p:childTnLst>
                               <p:par>
-                                <p:cTn id="19" presetID="1" presetClass="entr" presetSubtype="0" fill="hold" grpId="0" nodeType="clickEffect">
+                                <p:cTn id="23" presetID="1" presetClass="entr" presetSubtype="0" fill="hold" grpId="0" nodeType="clickEffect">
                                   <p:stCondLst>
                                     <p:cond delay="0"/>
                                   </p:stCondLst>
                                   <p:childTnLst>
                                     <p:set>
                                       <p:cBhvr>
-                                        <p:cTn id="20" dur="1" fill="hold">
+                                        <p:cTn id="24" dur="1" fill="hold">
                                           <p:stCondLst>
                                             <p:cond delay="0"/>
                                           </p:stCondLst>
@@ -14295,7 +14635,7 @@
                                         <p:tgtEl>
                                           <p:spTgt spid="3">
                                             <p:txEl>
-                                              <p:pRg st="5" end="5"/>
+                                              <p:pRg st="8" end="8"/>
                                             </p:txEl>
                                           </p:spTgt>
                                         </p:tgtEl>
@@ -14405,13 +14745,13 @@
             <p:ph idx="1"/>
             <p:extLst>
               <p:ext uri="{D42A27DB-BD31-4B8C-83A1-F6EECF244321}">
-                <p14:modId xmlns:p14="http://schemas.microsoft.com/office/powerpoint/2010/main" val="2705925039"/>
+                <p14:modId xmlns:p14="http://schemas.microsoft.com/office/powerpoint/2010/main" val="412866904"/>
               </p:ext>
             </p:extLst>
           </p:nvPr>
         </p:nvGraphicFramePr>
         <p:xfrm>
-          <a:off x="2230438" y="2638425"/>
+          <a:off x="2229739" y="3764860"/>
           <a:ext cx="7731125" cy="1854200"/>
         </p:xfrm>
         <a:graphic>
@@ -14939,6 +15279,53 @@
           </a:graphicData>
         </a:graphic>
       </p:graphicFrame>
+      <p:sp>
+        <p:nvSpPr>
+          <p:cNvPr id="5" name="TextBox 4">
+            <a:extLst>
+              <a:ext uri="{FF2B5EF4-FFF2-40B4-BE49-F238E27FC236}">
+                <a16:creationId xmlns:a16="http://schemas.microsoft.com/office/drawing/2014/main" id="{5A385D4A-DB2E-2B48-BBA3-B0ED146D4838}"/>
+              </a:ext>
+            </a:extLst>
+          </p:cNvPr>
+          <p:cNvSpPr txBox="1"/>
+          <p:nvPr/>
+        </p:nvSpPr>
+        <p:spPr>
+          <a:xfrm>
+            <a:off x="4868741" y="2499038"/>
+            <a:ext cx="2454518" cy="923330"/>
+          </a:xfrm>
+          <a:prstGeom prst="rect">
+            <a:avLst/>
+          </a:prstGeom>
+          <a:noFill/>
+        </p:spPr>
+        <p:txBody>
+          <a:bodyPr wrap="none" rtlCol="0">
+            <a:spAutoFit/>
+          </a:bodyPr>
+          <a:lstStyle/>
+          <a:p>
+            <a:r>
+              <a:rPr lang="en-US" dirty="0"/>
+              <a:t>Total Rent = 1000</a:t>
+            </a:r>
+          </a:p>
+          <a:p>
+            <a:r>
+              <a:rPr lang="en-US" dirty="0"/>
+              <a:t>Number of students = 4</a:t>
+            </a:r>
+          </a:p>
+          <a:p>
+            <a:r>
+              <a:rPr lang="en-US" dirty="0"/>
+              <a:t>Number of rooms = 4</a:t>
+            </a:r>
+          </a:p>
+        </p:txBody>
+      </p:sp>
     </p:spTree>
     <p:extLst>
       <p:ext uri="{BB962C8B-B14F-4D97-AF65-F5344CB8AC3E}">
@@ -15002,6 +15389,51 @@
                       </p:childTnLst>
                     </p:cTn>
                   </p:par>
+                  <p:par>
+                    <p:cTn id="7" fill="hold">
+                      <p:stCondLst>
+                        <p:cond delay="indefinite"/>
+                      </p:stCondLst>
+                      <p:childTnLst>
+                        <p:par>
+                          <p:cTn id="8" fill="hold">
+                            <p:stCondLst>
+                              <p:cond delay="0"/>
+                            </p:stCondLst>
+                            <p:childTnLst>
+                              <p:par>
+                                <p:cTn id="9" presetID="1" presetClass="entr" presetSubtype="0" fill="hold" grpId="0" nodeType="clickEffect">
+                                  <p:stCondLst>
+                                    <p:cond delay="0"/>
+                                  </p:stCondLst>
+                                  <p:childTnLst>
+                                    <p:set>
+                                      <p:cBhvr>
+                                        <p:cTn id="10" dur="1" fill="hold">
+                                          <p:stCondLst>
+                                            <p:cond delay="0"/>
+                                          </p:stCondLst>
+                                        </p:cTn>
+                                        <p:tgtEl>
+                                          <p:spTgt spid="5"/>
+                                        </p:tgtEl>
+                                        <p:attrNameLst>
+                                          <p:attrName>style.visibility</p:attrName>
+                                        </p:attrNameLst>
+                                      </p:cBhvr>
+                                      <p:to>
+                                        <p:strVal val="visible"/>
+                                      </p:to>
+                                    </p:set>
+                                  </p:childTnLst>
+                                </p:cTn>
+                              </p:par>
+                            </p:childTnLst>
+                          </p:cTn>
+                        </p:par>
+                      </p:childTnLst>
+                    </p:cTn>
+                  </p:par>
                 </p:childTnLst>
               </p:cTn>
               <p:prevCondLst>
@@ -15023,6 +15455,9 @@
         </p:cTn>
       </p:par>
     </p:tnLst>
+    <p:bldLst>
+      <p:bldP spid="5" grpId="0"/>
+    </p:bldLst>
   </p:timing>
 </p:sld>
 </file>
@@ -15164,7 +15599,7 @@
               <a:t>The input of the occupants (shall be referred to as players henceforth) is taken in such a way that the </a:t>
             </a:r>
             <a:r>
-              <a:rPr lang="en-US" b="1" u="sng" dirty="0"/>
+              <a:rPr lang="en-US" b="1" dirty="0"/>
               <a:t>total rent remains the same</a:t>
             </a:r>
             <a:r>
